--- a/Python/Python-Osnovni-kurs/Izracunavanje/1-Osnovne aritmeticke operacije i primjena/Prezentacija.pptx
+++ b/Python/Python-Osnovni-kurs/Izracunavanje/1-Osnovne aritmeticke operacije i primjena/Prezentacija.pptx
@@ -4,6 +4,9 @@
   <p:sldMasterIdLst>
     <p:sldMasterId id="2147483660" r:id="rId1"/>
   </p:sldMasterIdLst>
+  <p:notesMasterIdLst>
+    <p:notesMasterId r:id="rId14"/>
+  </p:notesMasterIdLst>
   <p:sldIdLst>
     <p:sldId id="256" r:id="rId2"/>
     <p:sldId id="257" r:id="rId3"/>
@@ -12,6 +15,11 @@
     <p:sldId id="260" r:id="rId6"/>
     <p:sldId id="261" r:id="rId7"/>
     <p:sldId id="262" r:id="rId8"/>
+    <p:sldId id="263" r:id="rId9"/>
+    <p:sldId id="264" r:id="rId10"/>
+    <p:sldId id="265" r:id="rId11"/>
+    <p:sldId id="266" r:id="rId12"/>
+    <p:sldId id="267" r:id="rId13"/>
   </p:sldIdLst>
   <p:sldSz cx="12192000" cy="6858000"/>
   <p:notesSz cx="6858000" cy="9144000"/>
@@ -118,6 +126,607 @@
 </p:presentation>
 </file>
 
+<file path=ppt/notesMasters/notesMaster1.xml><?xml version="1.0" encoding="utf-8"?>
+<p:notesMaster xmlns:a="http://schemas.openxmlformats.org/drawingml/2006/main" xmlns:r="http://schemas.openxmlformats.org/officeDocument/2006/relationships" xmlns:p="http://schemas.openxmlformats.org/presentationml/2006/main">
+  <p:cSld>
+    <p:bg>
+      <p:bgRef idx="1001">
+        <a:schemeClr val="bg1"/>
+      </p:bgRef>
+    </p:bg>
+    <p:spTree>
+      <p:nvGrpSpPr>
+        <p:cNvPr id="1" name=""/>
+        <p:cNvGrpSpPr/>
+        <p:nvPr/>
+      </p:nvGrpSpPr>
+      <p:grpSpPr>
+        <a:xfrm>
+          <a:off x="0" y="0"/>
+          <a:ext cx="0" cy="0"/>
+          <a:chOff x="0" y="0"/>
+          <a:chExt cx="0" cy="0"/>
+        </a:xfrm>
+      </p:grpSpPr>
+      <p:sp>
+        <p:nvSpPr>
+          <p:cNvPr id="2" name="Header Placeholder 1"/>
+          <p:cNvSpPr>
+            <a:spLocks noGrp="1"/>
+          </p:cNvSpPr>
+          <p:nvPr>
+            <p:ph type="hdr" sz="quarter"/>
+          </p:nvPr>
+        </p:nvSpPr>
+        <p:spPr>
+          <a:xfrm>
+            <a:off x="0" y="0"/>
+            <a:ext cx="2971800" cy="458788"/>
+          </a:xfrm>
+          <a:prstGeom prst="rect">
+            <a:avLst/>
+          </a:prstGeom>
+        </p:spPr>
+        <p:txBody>
+          <a:bodyPr vert="horz" lIns="91440" tIns="45720" rIns="91440" bIns="45720" rtlCol="0"/>
+          <a:lstStyle>
+            <a:lvl1pPr algn="l">
+              <a:defRPr sz="1200"/>
+            </a:lvl1pPr>
+          </a:lstStyle>
+          <a:p>
+            <a:endParaRPr lang="en-US"/>
+          </a:p>
+        </p:txBody>
+      </p:sp>
+      <p:sp>
+        <p:nvSpPr>
+          <p:cNvPr id="3" name="Date Placeholder 2"/>
+          <p:cNvSpPr>
+            <a:spLocks noGrp="1"/>
+          </p:cNvSpPr>
+          <p:nvPr>
+            <p:ph type="dt" idx="1"/>
+          </p:nvPr>
+        </p:nvSpPr>
+        <p:spPr>
+          <a:xfrm>
+            <a:off x="3884613" y="0"/>
+            <a:ext cx="2971800" cy="458788"/>
+          </a:xfrm>
+          <a:prstGeom prst="rect">
+            <a:avLst/>
+          </a:prstGeom>
+        </p:spPr>
+        <p:txBody>
+          <a:bodyPr vert="horz" lIns="91440" tIns="45720" rIns="91440" bIns="45720" rtlCol="0"/>
+          <a:lstStyle>
+            <a:lvl1pPr algn="r">
+              <a:defRPr sz="1200"/>
+            </a:lvl1pPr>
+          </a:lstStyle>
+          <a:p>
+            <a:fld id="{37DC2007-1088-4600-B1BC-AE884B82A1B0}" type="datetimeFigureOut">
+              <a:rPr lang="en-US" smtClean="0"/>
+              <a:t>3/31/2021</a:t>
+            </a:fld>
+            <a:endParaRPr lang="en-US"/>
+          </a:p>
+        </p:txBody>
+      </p:sp>
+      <p:sp>
+        <p:nvSpPr>
+          <p:cNvPr id="4" name="Slide Image Placeholder 3"/>
+          <p:cNvSpPr>
+            <a:spLocks noGrp="1" noRot="1" noChangeAspect="1"/>
+          </p:cNvSpPr>
+          <p:nvPr>
+            <p:ph type="sldImg" idx="2"/>
+          </p:nvPr>
+        </p:nvSpPr>
+        <p:spPr>
+          <a:xfrm>
+            <a:off x="685800" y="1143000"/>
+            <a:ext cx="5486400" cy="3086100"/>
+          </a:xfrm>
+          <a:prstGeom prst="rect">
+            <a:avLst/>
+          </a:prstGeom>
+          <a:noFill/>
+          <a:ln w="12700">
+            <a:solidFill>
+              <a:prstClr val="black"/>
+            </a:solidFill>
+          </a:ln>
+        </p:spPr>
+        <p:txBody>
+          <a:bodyPr vert="horz" lIns="91440" tIns="45720" rIns="91440" bIns="45720" rtlCol="0" anchor="ctr"/>
+          <a:lstStyle/>
+          <a:p>
+            <a:endParaRPr lang="en-US"/>
+          </a:p>
+        </p:txBody>
+      </p:sp>
+      <p:sp>
+        <p:nvSpPr>
+          <p:cNvPr id="5" name="Notes Placeholder 4"/>
+          <p:cNvSpPr>
+            <a:spLocks noGrp="1"/>
+          </p:cNvSpPr>
+          <p:nvPr>
+            <p:ph type="body" sz="quarter" idx="3"/>
+          </p:nvPr>
+        </p:nvSpPr>
+        <p:spPr>
+          <a:xfrm>
+            <a:off x="685800" y="4400550"/>
+            <a:ext cx="5486400" cy="3600450"/>
+          </a:xfrm>
+          <a:prstGeom prst="rect">
+            <a:avLst/>
+          </a:prstGeom>
+        </p:spPr>
+        <p:txBody>
+          <a:bodyPr vert="horz" lIns="91440" tIns="45720" rIns="91440" bIns="45720" rtlCol="0"/>
+          <a:lstStyle/>
+          <a:p>
+            <a:pPr lvl="0"/>
+            <a:r>
+              <a:rPr lang="en-US"/>
+              <a:t>Click to edit Master text styles</a:t>
+            </a:r>
+          </a:p>
+          <a:p>
+            <a:pPr lvl="1"/>
+            <a:r>
+              <a:rPr lang="en-US"/>
+              <a:t>Second level</a:t>
+            </a:r>
+          </a:p>
+          <a:p>
+            <a:pPr lvl="2"/>
+            <a:r>
+              <a:rPr lang="en-US"/>
+              <a:t>Third level</a:t>
+            </a:r>
+          </a:p>
+          <a:p>
+            <a:pPr lvl="3"/>
+            <a:r>
+              <a:rPr lang="en-US"/>
+              <a:t>Fourth level</a:t>
+            </a:r>
+          </a:p>
+          <a:p>
+            <a:pPr lvl="4"/>
+            <a:r>
+              <a:rPr lang="en-US"/>
+              <a:t>Fifth level</a:t>
+            </a:r>
+          </a:p>
+        </p:txBody>
+      </p:sp>
+      <p:sp>
+        <p:nvSpPr>
+          <p:cNvPr id="6" name="Footer Placeholder 5"/>
+          <p:cNvSpPr>
+            <a:spLocks noGrp="1"/>
+          </p:cNvSpPr>
+          <p:nvPr>
+            <p:ph type="ftr" sz="quarter" idx="4"/>
+          </p:nvPr>
+        </p:nvSpPr>
+        <p:spPr>
+          <a:xfrm>
+            <a:off x="0" y="8685213"/>
+            <a:ext cx="2971800" cy="458787"/>
+          </a:xfrm>
+          <a:prstGeom prst="rect">
+            <a:avLst/>
+          </a:prstGeom>
+        </p:spPr>
+        <p:txBody>
+          <a:bodyPr vert="horz" lIns="91440" tIns="45720" rIns="91440" bIns="45720" rtlCol="0" anchor="b"/>
+          <a:lstStyle>
+            <a:lvl1pPr algn="l">
+              <a:defRPr sz="1200"/>
+            </a:lvl1pPr>
+          </a:lstStyle>
+          <a:p>
+            <a:endParaRPr lang="en-US"/>
+          </a:p>
+        </p:txBody>
+      </p:sp>
+      <p:sp>
+        <p:nvSpPr>
+          <p:cNvPr id="7" name="Slide Number Placeholder 6"/>
+          <p:cNvSpPr>
+            <a:spLocks noGrp="1"/>
+          </p:cNvSpPr>
+          <p:nvPr>
+            <p:ph type="sldNum" sz="quarter" idx="5"/>
+          </p:nvPr>
+        </p:nvSpPr>
+        <p:spPr>
+          <a:xfrm>
+            <a:off x="3884613" y="8685213"/>
+            <a:ext cx="2971800" cy="458787"/>
+          </a:xfrm>
+          <a:prstGeom prst="rect">
+            <a:avLst/>
+          </a:prstGeom>
+        </p:spPr>
+        <p:txBody>
+          <a:bodyPr vert="horz" lIns="91440" tIns="45720" rIns="91440" bIns="45720" rtlCol="0" anchor="b"/>
+          <a:lstStyle>
+            <a:lvl1pPr algn="r">
+              <a:defRPr sz="1200"/>
+            </a:lvl1pPr>
+          </a:lstStyle>
+          <a:p>
+            <a:fld id="{9292EF6D-D00C-4C10-85A8-9E1D869E9073}" type="slidenum">
+              <a:rPr lang="en-US" smtClean="0"/>
+              <a:t>‹#›</a:t>
+            </a:fld>
+            <a:endParaRPr lang="en-US"/>
+          </a:p>
+        </p:txBody>
+      </p:sp>
+    </p:spTree>
+    <p:extLst>
+      <p:ext uri="{BB962C8B-B14F-4D97-AF65-F5344CB8AC3E}">
+        <p14:creationId xmlns:p14="http://schemas.microsoft.com/office/powerpoint/2010/main" val="2821289473"/>
+      </p:ext>
+    </p:extLst>
+  </p:cSld>
+  <p:clrMap bg1="lt1" tx1="dk1" bg2="lt2" tx2="dk2" accent1="accent1" accent2="accent2" accent3="accent3" accent4="accent4" accent5="accent5" accent6="accent6" hlink="hlink" folHlink="folHlink"/>
+  <p:notesStyle>
+    <a:lvl1pPr marL="0" algn="l" defTabSz="914400" rtl="0" eaLnBrk="1" latinLnBrk="0" hangingPunct="1">
+      <a:defRPr sz="1200" kern="1200">
+        <a:solidFill>
+          <a:schemeClr val="tx1"/>
+        </a:solidFill>
+        <a:latin typeface="+mn-lt"/>
+        <a:ea typeface="+mn-ea"/>
+        <a:cs typeface="+mn-cs"/>
+      </a:defRPr>
+    </a:lvl1pPr>
+    <a:lvl2pPr marL="457200" algn="l" defTabSz="914400" rtl="0" eaLnBrk="1" latinLnBrk="0" hangingPunct="1">
+      <a:defRPr sz="1200" kern="1200">
+        <a:solidFill>
+          <a:schemeClr val="tx1"/>
+        </a:solidFill>
+        <a:latin typeface="+mn-lt"/>
+        <a:ea typeface="+mn-ea"/>
+        <a:cs typeface="+mn-cs"/>
+      </a:defRPr>
+    </a:lvl2pPr>
+    <a:lvl3pPr marL="914400" algn="l" defTabSz="914400" rtl="0" eaLnBrk="1" latinLnBrk="0" hangingPunct="1">
+      <a:defRPr sz="1200" kern="1200">
+        <a:solidFill>
+          <a:schemeClr val="tx1"/>
+        </a:solidFill>
+        <a:latin typeface="+mn-lt"/>
+        <a:ea typeface="+mn-ea"/>
+        <a:cs typeface="+mn-cs"/>
+      </a:defRPr>
+    </a:lvl3pPr>
+    <a:lvl4pPr marL="1371600" algn="l" defTabSz="914400" rtl="0" eaLnBrk="1" latinLnBrk="0" hangingPunct="1">
+      <a:defRPr sz="1200" kern="1200">
+        <a:solidFill>
+          <a:schemeClr val="tx1"/>
+        </a:solidFill>
+        <a:latin typeface="+mn-lt"/>
+        <a:ea typeface="+mn-ea"/>
+        <a:cs typeface="+mn-cs"/>
+      </a:defRPr>
+    </a:lvl4pPr>
+    <a:lvl5pPr marL="1828800" algn="l" defTabSz="914400" rtl="0" eaLnBrk="1" latinLnBrk="0" hangingPunct="1">
+      <a:defRPr sz="1200" kern="1200">
+        <a:solidFill>
+          <a:schemeClr val="tx1"/>
+        </a:solidFill>
+        <a:latin typeface="+mn-lt"/>
+        <a:ea typeface="+mn-ea"/>
+        <a:cs typeface="+mn-cs"/>
+      </a:defRPr>
+    </a:lvl5pPr>
+    <a:lvl6pPr marL="2286000" algn="l" defTabSz="914400" rtl="0" eaLnBrk="1" latinLnBrk="0" hangingPunct="1">
+      <a:defRPr sz="1200" kern="1200">
+        <a:solidFill>
+          <a:schemeClr val="tx1"/>
+        </a:solidFill>
+        <a:latin typeface="+mn-lt"/>
+        <a:ea typeface="+mn-ea"/>
+        <a:cs typeface="+mn-cs"/>
+      </a:defRPr>
+    </a:lvl6pPr>
+    <a:lvl7pPr marL="2743200" algn="l" defTabSz="914400" rtl="0" eaLnBrk="1" latinLnBrk="0" hangingPunct="1">
+      <a:defRPr sz="1200" kern="1200">
+        <a:solidFill>
+          <a:schemeClr val="tx1"/>
+        </a:solidFill>
+        <a:latin typeface="+mn-lt"/>
+        <a:ea typeface="+mn-ea"/>
+        <a:cs typeface="+mn-cs"/>
+      </a:defRPr>
+    </a:lvl7pPr>
+    <a:lvl8pPr marL="3200400" algn="l" defTabSz="914400" rtl="0" eaLnBrk="1" latinLnBrk="0" hangingPunct="1">
+      <a:defRPr sz="1200" kern="1200">
+        <a:solidFill>
+          <a:schemeClr val="tx1"/>
+        </a:solidFill>
+        <a:latin typeface="+mn-lt"/>
+        <a:ea typeface="+mn-ea"/>
+        <a:cs typeface="+mn-cs"/>
+      </a:defRPr>
+    </a:lvl8pPr>
+    <a:lvl9pPr marL="3657600" algn="l" defTabSz="914400" rtl="0" eaLnBrk="1" latinLnBrk="0" hangingPunct="1">
+      <a:defRPr sz="1200" kern="1200">
+        <a:solidFill>
+          <a:schemeClr val="tx1"/>
+        </a:solidFill>
+        <a:latin typeface="+mn-lt"/>
+        <a:ea typeface="+mn-ea"/>
+        <a:cs typeface="+mn-cs"/>
+      </a:defRPr>
+    </a:lvl9pPr>
+  </p:notesStyle>
+</p:notesMaster>
+</file>
+
+<file path=ppt/notesSlides/notesSlide1.xml><?xml version="1.0" encoding="utf-8"?>
+<p:notes xmlns:a="http://schemas.openxmlformats.org/drawingml/2006/main" xmlns:r="http://schemas.openxmlformats.org/officeDocument/2006/relationships" xmlns:p="http://schemas.openxmlformats.org/presentationml/2006/main">
+  <p:cSld>
+    <p:spTree>
+      <p:nvGrpSpPr>
+        <p:cNvPr id="1" name=""/>
+        <p:cNvGrpSpPr/>
+        <p:nvPr/>
+      </p:nvGrpSpPr>
+      <p:grpSpPr>
+        <a:xfrm>
+          <a:off x="0" y="0"/>
+          <a:ext cx="0" cy="0"/>
+          <a:chOff x="0" y="0"/>
+          <a:chExt cx="0" cy="0"/>
+        </a:xfrm>
+      </p:grpSpPr>
+      <p:sp>
+        <p:nvSpPr>
+          <p:cNvPr id="2" name="Slide Image Placeholder 1"/>
+          <p:cNvSpPr>
+            <a:spLocks noGrp="1" noRot="1" noChangeAspect="1"/>
+          </p:cNvSpPr>
+          <p:nvPr>
+            <p:ph type="sldImg"/>
+          </p:nvPr>
+        </p:nvSpPr>
+        <p:spPr/>
+      </p:sp>
+      <p:sp>
+        <p:nvSpPr>
+          <p:cNvPr id="3" name="Notes Placeholder 2"/>
+          <p:cNvSpPr>
+            <a:spLocks noGrp="1"/>
+          </p:cNvSpPr>
+          <p:nvPr>
+            <p:ph type="body" idx="1"/>
+          </p:nvPr>
+        </p:nvSpPr>
+        <p:spPr/>
+        <p:txBody>
+          <a:bodyPr/>
+          <a:lstStyle/>
+          <a:p>
+            <a:endParaRPr lang="en-US" dirty="0"/>
+          </a:p>
+        </p:txBody>
+      </p:sp>
+      <p:sp>
+        <p:nvSpPr>
+          <p:cNvPr id="4" name="Slide Number Placeholder 3"/>
+          <p:cNvSpPr>
+            <a:spLocks noGrp="1"/>
+          </p:cNvSpPr>
+          <p:nvPr>
+            <p:ph type="sldNum" sz="quarter" idx="5"/>
+          </p:nvPr>
+        </p:nvSpPr>
+        <p:spPr/>
+        <p:txBody>
+          <a:bodyPr/>
+          <a:lstStyle/>
+          <a:p>
+            <a:fld id="{9292EF6D-D00C-4C10-85A8-9E1D869E9073}" type="slidenum">
+              <a:rPr lang="en-US" smtClean="0"/>
+              <a:t>10</a:t>
+            </a:fld>
+            <a:endParaRPr lang="en-US"/>
+          </a:p>
+        </p:txBody>
+      </p:sp>
+    </p:spTree>
+    <p:extLst>
+      <p:ext uri="{BB962C8B-B14F-4D97-AF65-F5344CB8AC3E}">
+        <p14:creationId xmlns:p14="http://schemas.microsoft.com/office/powerpoint/2010/main" val="104690197"/>
+      </p:ext>
+    </p:extLst>
+  </p:cSld>
+  <p:clrMapOvr>
+    <a:masterClrMapping/>
+  </p:clrMapOvr>
+</p:notes>
+</file>
+
+<file path=ppt/notesSlides/notesSlide2.xml><?xml version="1.0" encoding="utf-8"?>
+<p:notes xmlns:a="http://schemas.openxmlformats.org/drawingml/2006/main" xmlns:r="http://schemas.openxmlformats.org/officeDocument/2006/relationships" xmlns:p="http://schemas.openxmlformats.org/presentationml/2006/main">
+  <p:cSld>
+    <p:spTree>
+      <p:nvGrpSpPr>
+        <p:cNvPr id="1" name=""/>
+        <p:cNvGrpSpPr/>
+        <p:nvPr/>
+      </p:nvGrpSpPr>
+      <p:grpSpPr>
+        <a:xfrm>
+          <a:off x="0" y="0"/>
+          <a:ext cx="0" cy="0"/>
+          <a:chOff x="0" y="0"/>
+          <a:chExt cx="0" cy="0"/>
+        </a:xfrm>
+      </p:grpSpPr>
+      <p:sp>
+        <p:nvSpPr>
+          <p:cNvPr id="2" name="Slide Image Placeholder 1"/>
+          <p:cNvSpPr>
+            <a:spLocks noGrp="1" noRot="1" noChangeAspect="1"/>
+          </p:cNvSpPr>
+          <p:nvPr>
+            <p:ph type="sldImg"/>
+          </p:nvPr>
+        </p:nvSpPr>
+        <p:spPr/>
+      </p:sp>
+      <p:sp>
+        <p:nvSpPr>
+          <p:cNvPr id="3" name="Notes Placeholder 2"/>
+          <p:cNvSpPr>
+            <a:spLocks noGrp="1"/>
+          </p:cNvSpPr>
+          <p:nvPr>
+            <p:ph type="body" idx="1"/>
+          </p:nvPr>
+        </p:nvSpPr>
+        <p:spPr/>
+        <p:txBody>
+          <a:bodyPr/>
+          <a:lstStyle/>
+          <a:p>
+            <a:endParaRPr lang="en-US" dirty="0"/>
+          </a:p>
+        </p:txBody>
+      </p:sp>
+      <p:sp>
+        <p:nvSpPr>
+          <p:cNvPr id="4" name="Slide Number Placeholder 3"/>
+          <p:cNvSpPr>
+            <a:spLocks noGrp="1"/>
+          </p:cNvSpPr>
+          <p:nvPr>
+            <p:ph type="sldNum" sz="quarter" idx="5"/>
+          </p:nvPr>
+        </p:nvSpPr>
+        <p:spPr/>
+        <p:txBody>
+          <a:bodyPr/>
+          <a:lstStyle/>
+          <a:p>
+            <a:fld id="{9292EF6D-D00C-4C10-85A8-9E1D869E9073}" type="slidenum">
+              <a:rPr lang="en-US" smtClean="0"/>
+              <a:t>11</a:t>
+            </a:fld>
+            <a:endParaRPr lang="en-US"/>
+          </a:p>
+        </p:txBody>
+      </p:sp>
+    </p:spTree>
+    <p:extLst>
+      <p:ext uri="{BB962C8B-B14F-4D97-AF65-F5344CB8AC3E}">
+        <p14:creationId xmlns:p14="http://schemas.microsoft.com/office/powerpoint/2010/main" val="2438705459"/>
+      </p:ext>
+    </p:extLst>
+  </p:cSld>
+  <p:clrMapOvr>
+    <a:masterClrMapping/>
+  </p:clrMapOvr>
+</p:notes>
+</file>
+
+<file path=ppt/notesSlides/notesSlide3.xml><?xml version="1.0" encoding="utf-8"?>
+<p:notes xmlns:a="http://schemas.openxmlformats.org/drawingml/2006/main" xmlns:r="http://schemas.openxmlformats.org/officeDocument/2006/relationships" xmlns:p="http://schemas.openxmlformats.org/presentationml/2006/main">
+  <p:cSld>
+    <p:spTree>
+      <p:nvGrpSpPr>
+        <p:cNvPr id="1" name=""/>
+        <p:cNvGrpSpPr/>
+        <p:nvPr/>
+      </p:nvGrpSpPr>
+      <p:grpSpPr>
+        <a:xfrm>
+          <a:off x="0" y="0"/>
+          <a:ext cx="0" cy="0"/>
+          <a:chOff x="0" y="0"/>
+          <a:chExt cx="0" cy="0"/>
+        </a:xfrm>
+      </p:grpSpPr>
+      <p:sp>
+        <p:nvSpPr>
+          <p:cNvPr id="2" name="Slide Image Placeholder 1"/>
+          <p:cNvSpPr>
+            <a:spLocks noGrp="1" noRot="1" noChangeAspect="1"/>
+          </p:cNvSpPr>
+          <p:nvPr>
+            <p:ph type="sldImg"/>
+          </p:nvPr>
+        </p:nvSpPr>
+        <p:spPr/>
+      </p:sp>
+      <p:sp>
+        <p:nvSpPr>
+          <p:cNvPr id="3" name="Notes Placeholder 2"/>
+          <p:cNvSpPr>
+            <a:spLocks noGrp="1"/>
+          </p:cNvSpPr>
+          <p:nvPr>
+            <p:ph type="body" idx="1"/>
+          </p:nvPr>
+        </p:nvSpPr>
+        <p:spPr/>
+        <p:txBody>
+          <a:bodyPr/>
+          <a:lstStyle/>
+          <a:p>
+            <a:endParaRPr lang="en-US" dirty="0"/>
+          </a:p>
+        </p:txBody>
+      </p:sp>
+      <p:sp>
+        <p:nvSpPr>
+          <p:cNvPr id="4" name="Slide Number Placeholder 3"/>
+          <p:cNvSpPr>
+            <a:spLocks noGrp="1"/>
+          </p:cNvSpPr>
+          <p:nvPr>
+            <p:ph type="sldNum" sz="quarter" idx="5"/>
+          </p:nvPr>
+        </p:nvSpPr>
+        <p:spPr/>
+        <p:txBody>
+          <a:bodyPr/>
+          <a:lstStyle/>
+          <a:p>
+            <a:fld id="{9292EF6D-D00C-4C10-85A8-9E1D869E9073}" type="slidenum">
+              <a:rPr lang="en-US" smtClean="0"/>
+              <a:t>12</a:t>
+            </a:fld>
+            <a:endParaRPr lang="en-US"/>
+          </a:p>
+        </p:txBody>
+      </p:sp>
+    </p:spTree>
+    <p:extLst>
+      <p:ext uri="{BB962C8B-B14F-4D97-AF65-F5344CB8AC3E}">
+        <p14:creationId xmlns:p14="http://schemas.microsoft.com/office/powerpoint/2010/main" val="3376770360"/>
+      </p:ext>
+    </p:extLst>
+  </p:cSld>
+  <p:clrMapOvr>
+    <a:masterClrMapping/>
+  </p:clrMapOvr>
+</p:notes>
+</file>
+
 <file path=ppt/slideLayouts/slideLayout1.xml><?xml version="1.0" encoding="utf-8"?>
 <p:sldLayout xmlns:a="http://schemas.openxmlformats.org/drawingml/2006/main" xmlns:r="http://schemas.openxmlformats.org/officeDocument/2006/relationships" xmlns:p="http://schemas.openxmlformats.org/presentationml/2006/main" showMasterSp="0" type="title" preserve="1">
   <p:cSld name="Title Slide">
@@ -309,7 +918,7 @@
           <a:p>
             <a:fld id="{EECE8CBC-D9E8-4B9C-9658-364F4F7C96BD}" type="datetimeFigureOut">
               <a:rPr lang="en-US" smtClean="0"/>
-              <a:t>3/30/2021</a:t>
+              <a:t>3/31/2021</a:t>
             </a:fld>
             <a:endParaRPr lang="en-US"/>
           </a:p>
@@ -745,7 +1354,7 @@
           <a:p>
             <a:fld id="{EECE8CBC-D9E8-4B9C-9658-364F4F7C96BD}" type="datetimeFigureOut">
               <a:rPr lang="en-US" smtClean="0"/>
-              <a:t>3/30/2021</a:t>
+              <a:t>3/31/2021</a:t>
             </a:fld>
             <a:endParaRPr lang="en-US"/>
           </a:p>
@@ -995,7 +1604,7 @@
           <a:p>
             <a:fld id="{EECE8CBC-D9E8-4B9C-9658-364F4F7C96BD}" type="datetimeFigureOut">
               <a:rPr lang="en-US" smtClean="0"/>
-              <a:t>3/30/2021</a:t>
+              <a:t>3/31/2021</a:t>
             </a:fld>
             <a:endParaRPr lang="en-US"/>
           </a:p>
@@ -1303,7 +1912,7 @@
           <a:p>
             <a:fld id="{EECE8CBC-D9E8-4B9C-9658-364F4F7C96BD}" type="datetimeFigureOut">
               <a:rPr lang="en-US" smtClean="0"/>
-              <a:t>3/30/2021</a:t>
+              <a:t>3/31/2021</a:t>
             </a:fld>
             <a:endParaRPr lang="en-US"/>
           </a:p>
@@ -1621,7 +2230,7 @@
           <a:p>
             <a:fld id="{EECE8CBC-D9E8-4B9C-9658-364F4F7C96BD}" type="datetimeFigureOut">
               <a:rPr lang="en-US" smtClean="0"/>
-              <a:t>3/30/2021</a:t>
+              <a:t>3/31/2021</a:t>
             </a:fld>
             <a:endParaRPr lang="en-US"/>
           </a:p>
@@ -1923,7 +2532,7 @@
           <a:p>
             <a:fld id="{EECE8CBC-D9E8-4B9C-9658-364F4F7C96BD}" type="datetimeFigureOut">
               <a:rPr lang="en-US" smtClean="0"/>
-              <a:t>3/30/2021</a:t>
+              <a:t>3/31/2021</a:t>
             </a:fld>
             <a:endParaRPr lang="en-US"/>
           </a:p>
@@ -2290,7 +2899,7 @@
           <a:p>
             <a:fld id="{EECE8CBC-D9E8-4B9C-9658-364F4F7C96BD}" type="datetimeFigureOut">
               <a:rPr lang="en-US" smtClean="0"/>
-              <a:t>3/30/2021</a:t>
+              <a:t>3/31/2021</a:t>
             </a:fld>
             <a:endParaRPr lang="en-US"/>
           </a:p>
@@ -2464,7 +3073,7 @@
           <a:p>
             <a:fld id="{EECE8CBC-D9E8-4B9C-9658-364F4F7C96BD}" type="datetimeFigureOut">
               <a:rPr lang="en-US" smtClean="0"/>
-              <a:t>3/30/2021</a:t>
+              <a:t>3/31/2021</a:t>
             </a:fld>
             <a:endParaRPr lang="en-US"/>
           </a:p>
@@ -2644,7 +3253,7 @@
           <a:p>
             <a:fld id="{EECE8CBC-D9E8-4B9C-9658-364F4F7C96BD}" type="datetimeFigureOut">
               <a:rPr lang="en-US" smtClean="0"/>
-              <a:t>3/30/2021</a:t>
+              <a:t>3/31/2021</a:t>
             </a:fld>
             <a:endParaRPr lang="en-US"/>
           </a:p>
@@ -2814,7 +3423,7 @@
           <a:p>
             <a:fld id="{EECE8CBC-D9E8-4B9C-9658-364F4F7C96BD}" type="datetimeFigureOut">
               <a:rPr lang="en-US" smtClean="0"/>
-              <a:t>3/30/2021</a:t>
+              <a:t>3/31/2021</a:t>
             </a:fld>
             <a:endParaRPr lang="en-US"/>
           </a:p>
@@ -3064,7 +3673,7 @@
           <a:p>
             <a:fld id="{EECE8CBC-D9E8-4B9C-9658-364F4F7C96BD}" type="datetimeFigureOut">
               <a:rPr lang="en-US" smtClean="0"/>
-              <a:t>3/30/2021</a:t>
+              <a:t>3/31/2021</a:t>
             </a:fld>
             <a:endParaRPr lang="en-US"/>
           </a:p>
@@ -3300,7 +3909,7 @@
           <a:p>
             <a:fld id="{EECE8CBC-D9E8-4B9C-9658-364F4F7C96BD}" type="datetimeFigureOut">
               <a:rPr lang="en-US" smtClean="0"/>
-              <a:t>3/30/2021</a:t>
+              <a:t>3/31/2021</a:t>
             </a:fld>
             <a:endParaRPr lang="en-US"/>
           </a:p>
@@ -3682,7 +4291,7 @@
           <a:p>
             <a:fld id="{EECE8CBC-D9E8-4B9C-9658-364F4F7C96BD}" type="datetimeFigureOut">
               <a:rPr lang="en-US" smtClean="0"/>
-              <a:t>3/30/2021</a:t>
+              <a:t>3/31/2021</a:t>
             </a:fld>
             <a:endParaRPr lang="en-US"/>
           </a:p>
@@ -3800,7 +4409,7 @@
           <a:p>
             <a:fld id="{EECE8CBC-D9E8-4B9C-9658-364F4F7C96BD}" type="datetimeFigureOut">
               <a:rPr lang="en-US" smtClean="0"/>
-              <a:t>3/30/2021</a:t>
+              <a:t>3/31/2021</a:t>
             </a:fld>
             <a:endParaRPr lang="en-US"/>
           </a:p>
@@ -3895,7 +4504,7 @@
           <a:p>
             <a:fld id="{EECE8CBC-D9E8-4B9C-9658-364F4F7C96BD}" type="datetimeFigureOut">
               <a:rPr lang="en-US" smtClean="0"/>
-              <a:t>3/30/2021</a:t>
+              <a:t>3/31/2021</a:t>
             </a:fld>
             <a:endParaRPr lang="en-US"/>
           </a:p>
@@ -4150,7 +4759,7 @@
           <a:p>
             <a:fld id="{EECE8CBC-D9E8-4B9C-9658-364F4F7C96BD}" type="datetimeFigureOut">
               <a:rPr lang="en-US" smtClean="0"/>
-              <a:t>3/30/2021</a:t>
+              <a:t>3/31/2021</a:t>
             </a:fld>
             <a:endParaRPr lang="en-US"/>
           </a:p>
@@ -4433,7 +5042,7 @@
           <a:p>
             <a:fld id="{EECE8CBC-D9E8-4B9C-9658-364F4F7C96BD}" type="datetimeFigureOut">
               <a:rPr lang="en-US" smtClean="0"/>
-              <a:t>3/30/2021</a:t>
+              <a:t>3/31/2021</a:t>
             </a:fld>
             <a:endParaRPr lang="en-US"/>
           </a:p>
@@ -4839,7 +5448,7 @@
           <a:p>
             <a:fld id="{EECE8CBC-D9E8-4B9C-9658-364F4F7C96BD}" type="datetimeFigureOut">
               <a:rPr lang="en-US" smtClean="0"/>
-              <a:t>3/30/2021</a:t>
+              <a:t>3/31/2021</a:t>
             </a:fld>
             <a:endParaRPr lang="en-US"/>
           </a:p>
@@ -5446,18 +6055,2109 @@
   <p:clrMapOvr>
     <a:masterClrMapping/>
   </p:clrMapOvr>
-  <mc:AlternateContent xmlns:mc="http://schemas.openxmlformats.org/markup-compatibility/2006">
-    <mc:Choice xmlns:p159="http://schemas.microsoft.com/office/powerpoint/2015/09/main" Requires="p159">
+  <mc:AlternateContent xmlns:mc="http://schemas.openxmlformats.org/markup-compatibility/2006" xmlns:p159="http://schemas.microsoft.com/office/powerpoint/2015/09/main">
+    <mc:Choice Requires="p159">
       <p:transition xmlns:p14="http://schemas.microsoft.com/office/powerpoint/2010/main" spd="slow" p14:dur="2000">
         <p159:morph option="byObject"/>
       </p:transition>
     </mc:Choice>
-    <mc:Fallback>
+    <mc:Fallback xmlns="">
       <p:transition spd="slow">
         <p:fade/>
       </p:transition>
     </mc:Fallback>
   </mc:AlternateContent>
+</p:sld>
+</file>
+
+<file path=ppt/slides/slide10.xml><?xml version="1.0" encoding="utf-8"?>
+<p:sld xmlns:a="http://schemas.openxmlformats.org/drawingml/2006/main" xmlns:r="http://schemas.openxmlformats.org/officeDocument/2006/relationships" xmlns:p="http://schemas.openxmlformats.org/presentationml/2006/main">
+  <p:cSld>
+    <p:spTree>
+      <p:nvGrpSpPr>
+        <p:cNvPr id="1" name=""/>
+        <p:cNvGrpSpPr/>
+        <p:nvPr/>
+      </p:nvGrpSpPr>
+      <p:grpSpPr>
+        <a:xfrm>
+          <a:off x="0" y="0"/>
+          <a:ext cx="0" cy="0"/>
+          <a:chOff x="0" y="0"/>
+          <a:chExt cx="0" cy="0"/>
+        </a:xfrm>
+      </p:grpSpPr>
+      <p:sp>
+        <p:nvSpPr>
+          <p:cNvPr id="2" name="Title 1">
+            <a:extLst>
+              <a:ext uri="{FF2B5EF4-FFF2-40B4-BE49-F238E27FC236}">
+                <a16:creationId xmlns:a16="http://schemas.microsoft.com/office/drawing/2014/main" id="{305BD65D-E617-4496-B6EE-CC42631343EE}"/>
+              </a:ext>
+            </a:extLst>
+          </p:cNvPr>
+          <p:cNvSpPr>
+            <a:spLocks noGrp="1"/>
+          </p:cNvSpPr>
+          <p:nvPr>
+            <p:ph type="title"/>
+          </p:nvPr>
+        </p:nvSpPr>
+        <p:spPr>
+          <a:xfrm>
+            <a:off x="684212" y="242591"/>
+            <a:ext cx="8534400" cy="777687"/>
+          </a:xfrm>
+        </p:spPr>
+        <p:txBody>
+          <a:bodyPr/>
+          <a:lstStyle/>
+          <a:p>
+            <a:r>
+              <a:rPr lang="en-US" dirty="0"/>
+              <a:t>Pro</a:t>
+            </a:r>
+            <a:r>
+              <a:rPr lang="bs-Latn-BA" dirty="0"/>
+              <a:t>mjenljive - Varijable</a:t>
+            </a:r>
+            <a:endParaRPr lang="en-US" dirty="0"/>
+          </a:p>
+        </p:txBody>
+      </p:sp>
+      <p:sp>
+        <p:nvSpPr>
+          <p:cNvPr id="3" name="Content Placeholder 2">
+            <a:extLst>
+              <a:ext uri="{FF2B5EF4-FFF2-40B4-BE49-F238E27FC236}">
+                <a16:creationId xmlns:a16="http://schemas.microsoft.com/office/drawing/2014/main" id="{23B6B897-F424-43D4-B0C3-AA1719F3F4EE}"/>
+              </a:ext>
+            </a:extLst>
+          </p:cNvPr>
+          <p:cNvSpPr>
+            <a:spLocks noGrp="1"/>
+          </p:cNvSpPr>
+          <p:nvPr>
+            <p:ph idx="1"/>
+          </p:nvPr>
+        </p:nvSpPr>
+        <p:spPr>
+          <a:xfrm>
+            <a:off x="684212" y="885525"/>
+            <a:ext cx="8534400" cy="5890660"/>
+          </a:xfrm>
+        </p:spPr>
+        <p:txBody>
+          <a:bodyPr>
+            <a:normAutofit/>
+          </a:bodyPr>
+          <a:lstStyle/>
+          <a:p>
+            <a:r>
+              <a:rPr lang="bs-Latn-BA" sz="2400" dirty="0">
+                <a:solidFill>
+                  <a:schemeClr val="tx1"/>
+                </a:solidFill>
+              </a:rPr>
+              <a:t>Dopušteni nazivi varijabli:</a:t>
+            </a:r>
+          </a:p>
+          <a:p>
+            <a:pPr lvl="1"/>
+            <a:r>
+              <a:rPr lang="en-US" sz="2000" dirty="0" err="1">
+                <a:solidFill>
+                  <a:schemeClr val="tx1"/>
+                </a:solidFill>
+              </a:rPr>
+              <a:t>godina</a:t>
+            </a:r>
+            <a:r>
+              <a:rPr lang="en-US" sz="2000" dirty="0">
+                <a:solidFill>
+                  <a:schemeClr val="tx1"/>
+                </a:solidFill>
+              </a:rPr>
+              <a:t> = 1998</a:t>
+            </a:r>
+          </a:p>
+          <a:p>
+            <a:pPr lvl="1"/>
+            <a:r>
+              <a:rPr lang="en-US" sz="2000" dirty="0" err="1">
+                <a:solidFill>
+                  <a:schemeClr val="tx1"/>
+                </a:solidFill>
+              </a:rPr>
+              <a:t>godina_rodjenja</a:t>
+            </a:r>
+            <a:r>
+              <a:rPr lang="en-US" sz="2000" dirty="0">
+                <a:solidFill>
+                  <a:schemeClr val="tx1"/>
+                </a:solidFill>
+              </a:rPr>
+              <a:t> = 1998</a:t>
+            </a:r>
+          </a:p>
+          <a:p>
+            <a:pPr lvl="1"/>
+            <a:r>
+              <a:rPr lang="en-US" sz="2000" dirty="0">
+                <a:solidFill>
+                  <a:schemeClr val="tx1"/>
+                </a:solidFill>
+              </a:rPr>
+              <a:t>_</a:t>
+            </a:r>
+            <a:r>
+              <a:rPr lang="en-US" sz="2000" dirty="0" err="1">
+                <a:solidFill>
+                  <a:schemeClr val="tx1"/>
+                </a:solidFill>
+              </a:rPr>
+              <a:t>godina_rodjenja</a:t>
+            </a:r>
+            <a:r>
+              <a:rPr lang="en-US" sz="2000" dirty="0">
+                <a:solidFill>
+                  <a:schemeClr val="tx1"/>
+                </a:solidFill>
+              </a:rPr>
+              <a:t> = 1998</a:t>
+            </a:r>
+          </a:p>
+          <a:p>
+            <a:pPr lvl="1"/>
+            <a:r>
+              <a:rPr lang="en-US" sz="2000" dirty="0" err="1">
+                <a:solidFill>
+                  <a:schemeClr val="tx1"/>
+                </a:solidFill>
+              </a:rPr>
+              <a:t>godinaRodjenja</a:t>
+            </a:r>
+            <a:r>
+              <a:rPr lang="en-US" sz="2000" dirty="0">
+                <a:solidFill>
+                  <a:schemeClr val="tx1"/>
+                </a:solidFill>
+              </a:rPr>
+              <a:t> = 1998</a:t>
+            </a:r>
+          </a:p>
+          <a:p>
+            <a:pPr lvl="1"/>
+            <a:r>
+              <a:rPr lang="en-US" sz="2000" dirty="0">
+                <a:solidFill>
+                  <a:schemeClr val="tx1"/>
+                </a:solidFill>
+              </a:rPr>
+              <a:t>GODINARODJENJA = 1998</a:t>
+            </a:r>
+          </a:p>
+          <a:p>
+            <a:pPr lvl="1"/>
+            <a:r>
+              <a:rPr lang="en-US" sz="2000" dirty="0">
+                <a:solidFill>
+                  <a:schemeClr val="tx1"/>
+                </a:solidFill>
+              </a:rPr>
+              <a:t>godinarodjenja2 = 1998</a:t>
+            </a:r>
+          </a:p>
+          <a:p>
+            <a:r>
+              <a:rPr lang="bs-Latn-BA" sz="2400" dirty="0">
+                <a:solidFill>
+                  <a:schemeClr val="tx1"/>
+                </a:solidFill>
+              </a:rPr>
+              <a:t>Zabranjeni nazivi varijabli (prouzrokuju grešku pri pokretanju programa):</a:t>
+            </a:r>
+          </a:p>
+          <a:p>
+            <a:pPr lvl="1"/>
+            <a:r>
+              <a:rPr lang="en-US" sz="2000" dirty="0">
+                <a:solidFill>
+                  <a:schemeClr val="tx1"/>
+                </a:solidFill>
+              </a:rPr>
+              <a:t>2godinarodjenja = 1998</a:t>
+            </a:r>
+          </a:p>
+          <a:p>
+            <a:pPr lvl="1"/>
+            <a:r>
+              <a:rPr lang="en-US" sz="2000" dirty="0" err="1">
+                <a:solidFill>
+                  <a:schemeClr val="tx1"/>
+                </a:solidFill>
+              </a:rPr>
+              <a:t>godina-rodjenja</a:t>
+            </a:r>
+            <a:r>
+              <a:rPr lang="en-US" sz="2000" dirty="0">
+                <a:solidFill>
+                  <a:schemeClr val="tx1"/>
+                </a:solidFill>
+              </a:rPr>
+              <a:t> = 1998</a:t>
+            </a:r>
+          </a:p>
+          <a:p>
+            <a:pPr lvl="1"/>
+            <a:r>
+              <a:rPr lang="en-US" sz="2000" dirty="0" err="1">
+                <a:solidFill>
+                  <a:schemeClr val="tx1"/>
+                </a:solidFill>
+              </a:rPr>
+              <a:t>godina</a:t>
+            </a:r>
+            <a:r>
+              <a:rPr lang="en-US" sz="2000" dirty="0">
+                <a:solidFill>
+                  <a:schemeClr val="tx1"/>
+                </a:solidFill>
+              </a:rPr>
+              <a:t> </a:t>
+            </a:r>
+            <a:r>
+              <a:rPr lang="en-US" sz="2000" dirty="0" err="1">
+                <a:solidFill>
+                  <a:schemeClr val="tx1"/>
+                </a:solidFill>
+              </a:rPr>
+              <a:t>rodjenja</a:t>
+            </a:r>
+            <a:r>
+              <a:rPr lang="en-US" sz="2000" dirty="0">
+                <a:solidFill>
+                  <a:schemeClr val="tx1"/>
+                </a:solidFill>
+              </a:rPr>
+              <a:t> = 1998</a:t>
+            </a:r>
+          </a:p>
+        </p:txBody>
+      </p:sp>
+    </p:spTree>
+    <p:extLst>
+      <p:ext uri="{BB962C8B-B14F-4D97-AF65-F5344CB8AC3E}">
+        <p14:creationId xmlns:p14="http://schemas.microsoft.com/office/powerpoint/2010/main" val="3859446952"/>
+      </p:ext>
+    </p:extLst>
+  </p:cSld>
+  <p:clrMapOvr>
+    <a:masterClrMapping/>
+  </p:clrMapOvr>
+  <p:timing>
+    <p:tnLst>
+      <p:par>
+        <p:cTn id="1" dur="indefinite" restart="never" nodeType="tmRoot">
+          <p:childTnLst>
+            <p:seq concurrent="1" nextAc="seek">
+              <p:cTn id="2" dur="indefinite" nodeType="mainSeq">
+                <p:childTnLst>
+                  <p:par>
+                    <p:cTn id="3" fill="hold">
+                      <p:stCondLst>
+                        <p:cond delay="indefinite"/>
+                      </p:stCondLst>
+                      <p:childTnLst>
+                        <p:par>
+                          <p:cTn id="4" fill="hold">
+                            <p:stCondLst>
+                              <p:cond delay="0"/>
+                            </p:stCondLst>
+                            <p:childTnLst>
+                              <p:par>
+                                <p:cTn id="5" presetID="2" presetClass="entr" presetSubtype="4" fill="hold" nodeType="clickEffect">
+                                  <p:stCondLst>
+                                    <p:cond delay="0"/>
+                                  </p:stCondLst>
+                                  <p:childTnLst>
+                                    <p:set>
+                                      <p:cBhvr>
+                                        <p:cTn id="6" dur="1" fill="hold">
+                                          <p:stCondLst>
+                                            <p:cond delay="0"/>
+                                          </p:stCondLst>
+                                        </p:cTn>
+                                        <p:tgtEl>
+                                          <p:spTgt spid="3">
+                                            <p:txEl>
+                                              <p:pRg st="0" end="0"/>
+                                            </p:txEl>
+                                          </p:spTgt>
+                                        </p:tgtEl>
+                                        <p:attrNameLst>
+                                          <p:attrName>style.visibility</p:attrName>
+                                        </p:attrNameLst>
+                                      </p:cBhvr>
+                                      <p:to>
+                                        <p:strVal val="visible"/>
+                                      </p:to>
+                                    </p:set>
+                                    <p:anim calcmode="lin" valueType="num">
+                                      <p:cBhvr additive="base">
+                                        <p:cTn id="7" dur="500" fill="hold"/>
+                                        <p:tgtEl>
+                                          <p:spTgt spid="3">
+                                            <p:txEl>
+                                              <p:pRg st="0" end="0"/>
+                                            </p:txEl>
+                                          </p:spTgt>
+                                        </p:tgtEl>
+                                        <p:attrNameLst>
+                                          <p:attrName>ppt_x</p:attrName>
+                                        </p:attrNameLst>
+                                      </p:cBhvr>
+                                      <p:tavLst>
+                                        <p:tav tm="0">
+                                          <p:val>
+                                            <p:strVal val="#ppt_x"/>
+                                          </p:val>
+                                        </p:tav>
+                                        <p:tav tm="100000">
+                                          <p:val>
+                                            <p:strVal val="#ppt_x"/>
+                                          </p:val>
+                                        </p:tav>
+                                      </p:tavLst>
+                                    </p:anim>
+                                    <p:anim calcmode="lin" valueType="num">
+                                      <p:cBhvr additive="base">
+                                        <p:cTn id="8" dur="500" fill="hold"/>
+                                        <p:tgtEl>
+                                          <p:spTgt spid="3">
+                                            <p:txEl>
+                                              <p:pRg st="0" end="0"/>
+                                            </p:txEl>
+                                          </p:spTgt>
+                                        </p:tgtEl>
+                                        <p:attrNameLst>
+                                          <p:attrName>ppt_y</p:attrName>
+                                        </p:attrNameLst>
+                                      </p:cBhvr>
+                                      <p:tavLst>
+                                        <p:tav tm="0">
+                                          <p:val>
+                                            <p:strVal val="1+#ppt_h/2"/>
+                                          </p:val>
+                                        </p:tav>
+                                        <p:tav tm="100000">
+                                          <p:val>
+                                            <p:strVal val="#ppt_y"/>
+                                          </p:val>
+                                        </p:tav>
+                                      </p:tavLst>
+                                    </p:anim>
+                                  </p:childTnLst>
+                                </p:cTn>
+                              </p:par>
+                            </p:childTnLst>
+                          </p:cTn>
+                        </p:par>
+                        <p:par>
+                          <p:cTn id="9" fill="hold">
+                            <p:stCondLst>
+                              <p:cond delay="500"/>
+                            </p:stCondLst>
+                            <p:childTnLst>
+                              <p:par>
+                                <p:cTn id="10" presetID="2" presetClass="entr" presetSubtype="4" fill="hold" nodeType="afterEffect">
+                                  <p:stCondLst>
+                                    <p:cond delay="0"/>
+                                  </p:stCondLst>
+                                  <p:childTnLst>
+                                    <p:set>
+                                      <p:cBhvr>
+                                        <p:cTn id="11" dur="1" fill="hold">
+                                          <p:stCondLst>
+                                            <p:cond delay="0"/>
+                                          </p:stCondLst>
+                                        </p:cTn>
+                                        <p:tgtEl>
+                                          <p:spTgt spid="3">
+                                            <p:txEl>
+                                              <p:pRg st="1" end="1"/>
+                                            </p:txEl>
+                                          </p:spTgt>
+                                        </p:tgtEl>
+                                        <p:attrNameLst>
+                                          <p:attrName>style.visibility</p:attrName>
+                                        </p:attrNameLst>
+                                      </p:cBhvr>
+                                      <p:to>
+                                        <p:strVal val="visible"/>
+                                      </p:to>
+                                    </p:set>
+                                    <p:anim calcmode="lin" valueType="num">
+                                      <p:cBhvr additive="base">
+                                        <p:cTn id="12" dur="500" fill="hold"/>
+                                        <p:tgtEl>
+                                          <p:spTgt spid="3">
+                                            <p:txEl>
+                                              <p:pRg st="1" end="1"/>
+                                            </p:txEl>
+                                          </p:spTgt>
+                                        </p:tgtEl>
+                                        <p:attrNameLst>
+                                          <p:attrName>ppt_x</p:attrName>
+                                        </p:attrNameLst>
+                                      </p:cBhvr>
+                                      <p:tavLst>
+                                        <p:tav tm="0">
+                                          <p:val>
+                                            <p:strVal val="#ppt_x"/>
+                                          </p:val>
+                                        </p:tav>
+                                        <p:tav tm="100000">
+                                          <p:val>
+                                            <p:strVal val="#ppt_x"/>
+                                          </p:val>
+                                        </p:tav>
+                                      </p:tavLst>
+                                    </p:anim>
+                                    <p:anim calcmode="lin" valueType="num">
+                                      <p:cBhvr additive="base">
+                                        <p:cTn id="13" dur="500" fill="hold"/>
+                                        <p:tgtEl>
+                                          <p:spTgt spid="3">
+                                            <p:txEl>
+                                              <p:pRg st="1" end="1"/>
+                                            </p:txEl>
+                                          </p:spTgt>
+                                        </p:tgtEl>
+                                        <p:attrNameLst>
+                                          <p:attrName>ppt_y</p:attrName>
+                                        </p:attrNameLst>
+                                      </p:cBhvr>
+                                      <p:tavLst>
+                                        <p:tav tm="0">
+                                          <p:val>
+                                            <p:strVal val="1+#ppt_h/2"/>
+                                          </p:val>
+                                        </p:tav>
+                                        <p:tav tm="100000">
+                                          <p:val>
+                                            <p:strVal val="#ppt_y"/>
+                                          </p:val>
+                                        </p:tav>
+                                      </p:tavLst>
+                                    </p:anim>
+                                  </p:childTnLst>
+                                </p:cTn>
+                              </p:par>
+                            </p:childTnLst>
+                          </p:cTn>
+                        </p:par>
+                      </p:childTnLst>
+                    </p:cTn>
+                  </p:par>
+                  <p:par>
+                    <p:cTn id="14" fill="hold">
+                      <p:stCondLst>
+                        <p:cond delay="indefinite"/>
+                      </p:stCondLst>
+                      <p:childTnLst>
+                        <p:par>
+                          <p:cTn id="15" fill="hold">
+                            <p:stCondLst>
+                              <p:cond delay="0"/>
+                            </p:stCondLst>
+                            <p:childTnLst>
+                              <p:par>
+                                <p:cTn id="16" presetID="2" presetClass="entr" presetSubtype="4" fill="hold" nodeType="clickEffect">
+                                  <p:stCondLst>
+                                    <p:cond delay="0"/>
+                                  </p:stCondLst>
+                                  <p:childTnLst>
+                                    <p:set>
+                                      <p:cBhvr>
+                                        <p:cTn id="17" dur="1" fill="hold">
+                                          <p:stCondLst>
+                                            <p:cond delay="0"/>
+                                          </p:stCondLst>
+                                        </p:cTn>
+                                        <p:tgtEl>
+                                          <p:spTgt spid="3">
+                                            <p:txEl>
+                                              <p:pRg st="2" end="2"/>
+                                            </p:txEl>
+                                          </p:spTgt>
+                                        </p:tgtEl>
+                                        <p:attrNameLst>
+                                          <p:attrName>style.visibility</p:attrName>
+                                        </p:attrNameLst>
+                                      </p:cBhvr>
+                                      <p:to>
+                                        <p:strVal val="visible"/>
+                                      </p:to>
+                                    </p:set>
+                                    <p:anim calcmode="lin" valueType="num">
+                                      <p:cBhvr additive="base">
+                                        <p:cTn id="18" dur="500" fill="hold"/>
+                                        <p:tgtEl>
+                                          <p:spTgt spid="3">
+                                            <p:txEl>
+                                              <p:pRg st="2" end="2"/>
+                                            </p:txEl>
+                                          </p:spTgt>
+                                        </p:tgtEl>
+                                        <p:attrNameLst>
+                                          <p:attrName>ppt_x</p:attrName>
+                                        </p:attrNameLst>
+                                      </p:cBhvr>
+                                      <p:tavLst>
+                                        <p:tav tm="0">
+                                          <p:val>
+                                            <p:strVal val="#ppt_x"/>
+                                          </p:val>
+                                        </p:tav>
+                                        <p:tav tm="100000">
+                                          <p:val>
+                                            <p:strVal val="#ppt_x"/>
+                                          </p:val>
+                                        </p:tav>
+                                      </p:tavLst>
+                                    </p:anim>
+                                    <p:anim calcmode="lin" valueType="num">
+                                      <p:cBhvr additive="base">
+                                        <p:cTn id="19" dur="500" fill="hold"/>
+                                        <p:tgtEl>
+                                          <p:spTgt spid="3">
+                                            <p:txEl>
+                                              <p:pRg st="2" end="2"/>
+                                            </p:txEl>
+                                          </p:spTgt>
+                                        </p:tgtEl>
+                                        <p:attrNameLst>
+                                          <p:attrName>ppt_y</p:attrName>
+                                        </p:attrNameLst>
+                                      </p:cBhvr>
+                                      <p:tavLst>
+                                        <p:tav tm="0">
+                                          <p:val>
+                                            <p:strVal val="1+#ppt_h/2"/>
+                                          </p:val>
+                                        </p:tav>
+                                        <p:tav tm="100000">
+                                          <p:val>
+                                            <p:strVal val="#ppt_y"/>
+                                          </p:val>
+                                        </p:tav>
+                                      </p:tavLst>
+                                    </p:anim>
+                                  </p:childTnLst>
+                                </p:cTn>
+                              </p:par>
+                            </p:childTnLst>
+                          </p:cTn>
+                        </p:par>
+                      </p:childTnLst>
+                    </p:cTn>
+                  </p:par>
+                  <p:par>
+                    <p:cTn id="20" fill="hold">
+                      <p:stCondLst>
+                        <p:cond delay="indefinite"/>
+                      </p:stCondLst>
+                      <p:childTnLst>
+                        <p:par>
+                          <p:cTn id="21" fill="hold">
+                            <p:stCondLst>
+                              <p:cond delay="0"/>
+                            </p:stCondLst>
+                            <p:childTnLst>
+                              <p:par>
+                                <p:cTn id="22" presetID="2" presetClass="entr" presetSubtype="4" fill="hold" nodeType="clickEffect">
+                                  <p:stCondLst>
+                                    <p:cond delay="0"/>
+                                  </p:stCondLst>
+                                  <p:childTnLst>
+                                    <p:set>
+                                      <p:cBhvr>
+                                        <p:cTn id="23" dur="1" fill="hold">
+                                          <p:stCondLst>
+                                            <p:cond delay="0"/>
+                                          </p:stCondLst>
+                                        </p:cTn>
+                                        <p:tgtEl>
+                                          <p:spTgt spid="3">
+                                            <p:txEl>
+                                              <p:pRg st="3" end="3"/>
+                                            </p:txEl>
+                                          </p:spTgt>
+                                        </p:tgtEl>
+                                        <p:attrNameLst>
+                                          <p:attrName>style.visibility</p:attrName>
+                                        </p:attrNameLst>
+                                      </p:cBhvr>
+                                      <p:to>
+                                        <p:strVal val="visible"/>
+                                      </p:to>
+                                    </p:set>
+                                    <p:anim calcmode="lin" valueType="num">
+                                      <p:cBhvr additive="base">
+                                        <p:cTn id="24" dur="500" fill="hold"/>
+                                        <p:tgtEl>
+                                          <p:spTgt spid="3">
+                                            <p:txEl>
+                                              <p:pRg st="3" end="3"/>
+                                            </p:txEl>
+                                          </p:spTgt>
+                                        </p:tgtEl>
+                                        <p:attrNameLst>
+                                          <p:attrName>ppt_x</p:attrName>
+                                        </p:attrNameLst>
+                                      </p:cBhvr>
+                                      <p:tavLst>
+                                        <p:tav tm="0">
+                                          <p:val>
+                                            <p:strVal val="#ppt_x"/>
+                                          </p:val>
+                                        </p:tav>
+                                        <p:tav tm="100000">
+                                          <p:val>
+                                            <p:strVal val="#ppt_x"/>
+                                          </p:val>
+                                        </p:tav>
+                                      </p:tavLst>
+                                    </p:anim>
+                                    <p:anim calcmode="lin" valueType="num">
+                                      <p:cBhvr additive="base">
+                                        <p:cTn id="25" dur="500" fill="hold"/>
+                                        <p:tgtEl>
+                                          <p:spTgt spid="3">
+                                            <p:txEl>
+                                              <p:pRg st="3" end="3"/>
+                                            </p:txEl>
+                                          </p:spTgt>
+                                        </p:tgtEl>
+                                        <p:attrNameLst>
+                                          <p:attrName>ppt_y</p:attrName>
+                                        </p:attrNameLst>
+                                      </p:cBhvr>
+                                      <p:tavLst>
+                                        <p:tav tm="0">
+                                          <p:val>
+                                            <p:strVal val="1+#ppt_h/2"/>
+                                          </p:val>
+                                        </p:tav>
+                                        <p:tav tm="100000">
+                                          <p:val>
+                                            <p:strVal val="#ppt_y"/>
+                                          </p:val>
+                                        </p:tav>
+                                      </p:tavLst>
+                                    </p:anim>
+                                  </p:childTnLst>
+                                </p:cTn>
+                              </p:par>
+                            </p:childTnLst>
+                          </p:cTn>
+                        </p:par>
+                      </p:childTnLst>
+                    </p:cTn>
+                  </p:par>
+                  <p:par>
+                    <p:cTn id="26" fill="hold">
+                      <p:stCondLst>
+                        <p:cond delay="indefinite"/>
+                      </p:stCondLst>
+                      <p:childTnLst>
+                        <p:par>
+                          <p:cTn id="27" fill="hold">
+                            <p:stCondLst>
+                              <p:cond delay="0"/>
+                            </p:stCondLst>
+                            <p:childTnLst>
+                              <p:par>
+                                <p:cTn id="28" presetID="2" presetClass="entr" presetSubtype="4" fill="hold" nodeType="clickEffect">
+                                  <p:stCondLst>
+                                    <p:cond delay="0"/>
+                                  </p:stCondLst>
+                                  <p:childTnLst>
+                                    <p:set>
+                                      <p:cBhvr>
+                                        <p:cTn id="29" dur="1" fill="hold">
+                                          <p:stCondLst>
+                                            <p:cond delay="0"/>
+                                          </p:stCondLst>
+                                        </p:cTn>
+                                        <p:tgtEl>
+                                          <p:spTgt spid="3">
+                                            <p:txEl>
+                                              <p:pRg st="4" end="4"/>
+                                            </p:txEl>
+                                          </p:spTgt>
+                                        </p:tgtEl>
+                                        <p:attrNameLst>
+                                          <p:attrName>style.visibility</p:attrName>
+                                        </p:attrNameLst>
+                                      </p:cBhvr>
+                                      <p:to>
+                                        <p:strVal val="visible"/>
+                                      </p:to>
+                                    </p:set>
+                                    <p:anim calcmode="lin" valueType="num">
+                                      <p:cBhvr additive="base">
+                                        <p:cTn id="30" dur="500" fill="hold"/>
+                                        <p:tgtEl>
+                                          <p:spTgt spid="3">
+                                            <p:txEl>
+                                              <p:pRg st="4" end="4"/>
+                                            </p:txEl>
+                                          </p:spTgt>
+                                        </p:tgtEl>
+                                        <p:attrNameLst>
+                                          <p:attrName>ppt_x</p:attrName>
+                                        </p:attrNameLst>
+                                      </p:cBhvr>
+                                      <p:tavLst>
+                                        <p:tav tm="0">
+                                          <p:val>
+                                            <p:strVal val="#ppt_x"/>
+                                          </p:val>
+                                        </p:tav>
+                                        <p:tav tm="100000">
+                                          <p:val>
+                                            <p:strVal val="#ppt_x"/>
+                                          </p:val>
+                                        </p:tav>
+                                      </p:tavLst>
+                                    </p:anim>
+                                    <p:anim calcmode="lin" valueType="num">
+                                      <p:cBhvr additive="base">
+                                        <p:cTn id="31" dur="500" fill="hold"/>
+                                        <p:tgtEl>
+                                          <p:spTgt spid="3">
+                                            <p:txEl>
+                                              <p:pRg st="4" end="4"/>
+                                            </p:txEl>
+                                          </p:spTgt>
+                                        </p:tgtEl>
+                                        <p:attrNameLst>
+                                          <p:attrName>ppt_y</p:attrName>
+                                        </p:attrNameLst>
+                                      </p:cBhvr>
+                                      <p:tavLst>
+                                        <p:tav tm="0">
+                                          <p:val>
+                                            <p:strVal val="1+#ppt_h/2"/>
+                                          </p:val>
+                                        </p:tav>
+                                        <p:tav tm="100000">
+                                          <p:val>
+                                            <p:strVal val="#ppt_y"/>
+                                          </p:val>
+                                        </p:tav>
+                                      </p:tavLst>
+                                    </p:anim>
+                                  </p:childTnLst>
+                                </p:cTn>
+                              </p:par>
+                            </p:childTnLst>
+                          </p:cTn>
+                        </p:par>
+                      </p:childTnLst>
+                    </p:cTn>
+                  </p:par>
+                  <p:par>
+                    <p:cTn id="32" fill="hold">
+                      <p:stCondLst>
+                        <p:cond delay="indefinite"/>
+                      </p:stCondLst>
+                      <p:childTnLst>
+                        <p:par>
+                          <p:cTn id="33" fill="hold">
+                            <p:stCondLst>
+                              <p:cond delay="0"/>
+                            </p:stCondLst>
+                            <p:childTnLst>
+                              <p:par>
+                                <p:cTn id="34" presetID="2" presetClass="entr" presetSubtype="4" fill="hold" nodeType="clickEffect">
+                                  <p:stCondLst>
+                                    <p:cond delay="0"/>
+                                  </p:stCondLst>
+                                  <p:childTnLst>
+                                    <p:set>
+                                      <p:cBhvr>
+                                        <p:cTn id="35" dur="1" fill="hold">
+                                          <p:stCondLst>
+                                            <p:cond delay="0"/>
+                                          </p:stCondLst>
+                                        </p:cTn>
+                                        <p:tgtEl>
+                                          <p:spTgt spid="3">
+                                            <p:txEl>
+                                              <p:pRg st="5" end="5"/>
+                                            </p:txEl>
+                                          </p:spTgt>
+                                        </p:tgtEl>
+                                        <p:attrNameLst>
+                                          <p:attrName>style.visibility</p:attrName>
+                                        </p:attrNameLst>
+                                      </p:cBhvr>
+                                      <p:to>
+                                        <p:strVal val="visible"/>
+                                      </p:to>
+                                    </p:set>
+                                    <p:anim calcmode="lin" valueType="num">
+                                      <p:cBhvr additive="base">
+                                        <p:cTn id="36" dur="500" fill="hold"/>
+                                        <p:tgtEl>
+                                          <p:spTgt spid="3">
+                                            <p:txEl>
+                                              <p:pRg st="5" end="5"/>
+                                            </p:txEl>
+                                          </p:spTgt>
+                                        </p:tgtEl>
+                                        <p:attrNameLst>
+                                          <p:attrName>ppt_x</p:attrName>
+                                        </p:attrNameLst>
+                                      </p:cBhvr>
+                                      <p:tavLst>
+                                        <p:tav tm="0">
+                                          <p:val>
+                                            <p:strVal val="#ppt_x"/>
+                                          </p:val>
+                                        </p:tav>
+                                        <p:tav tm="100000">
+                                          <p:val>
+                                            <p:strVal val="#ppt_x"/>
+                                          </p:val>
+                                        </p:tav>
+                                      </p:tavLst>
+                                    </p:anim>
+                                    <p:anim calcmode="lin" valueType="num">
+                                      <p:cBhvr additive="base">
+                                        <p:cTn id="37" dur="500" fill="hold"/>
+                                        <p:tgtEl>
+                                          <p:spTgt spid="3">
+                                            <p:txEl>
+                                              <p:pRg st="5" end="5"/>
+                                            </p:txEl>
+                                          </p:spTgt>
+                                        </p:tgtEl>
+                                        <p:attrNameLst>
+                                          <p:attrName>ppt_y</p:attrName>
+                                        </p:attrNameLst>
+                                      </p:cBhvr>
+                                      <p:tavLst>
+                                        <p:tav tm="0">
+                                          <p:val>
+                                            <p:strVal val="1+#ppt_h/2"/>
+                                          </p:val>
+                                        </p:tav>
+                                        <p:tav tm="100000">
+                                          <p:val>
+                                            <p:strVal val="#ppt_y"/>
+                                          </p:val>
+                                        </p:tav>
+                                      </p:tavLst>
+                                    </p:anim>
+                                  </p:childTnLst>
+                                </p:cTn>
+                              </p:par>
+                            </p:childTnLst>
+                          </p:cTn>
+                        </p:par>
+                      </p:childTnLst>
+                    </p:cTn>
+                  </p:par>
+                  <p:par>
+                    <p:cTn id="38" fill="hold">
+                      <p:stCondLst>
+                        <p:cond delay="indefinite"/>
+                      </p:stCondLst>
+                      <p:childTnLst>
+                        <p:par>
+                          <p:cTn id="39" fill="hold">
+                            <p:stCondLst>
+                              <p:cond delay="0"/>
+                            </p:stCondLst>
+                            <p:childTnLst>
+                              <p:par>
+                                <p:cTn id="40" presetID="2" presetClass="entr" presetSubtype="4" fill="hold" nodeType="clickEffect">
+                                  <p:stCondLst>
+                                    <p:cond delay="0"/>
+                                  </p:stCondLst>
+                                  <p:childTnLst>
+                                    <p:set>
+                                      <p:cBhvr>
+                                        <p:cTn id="41" dur="1" fill="hold">
+                                          <p:stCondLst>
+                                            <p:cond delay="0"/>
+                                          </p:stCondLst>
+                                        </p:cTn>
+                                        <p:tgtEl>
+                                          <p:spTgt spid="3">
+                                            <p:txEl>
+                                              <p:pRg st="6" end="6"/>
+                                            </p:txEl>
+                                          </p:spTgt>
+                                        </p:tgtEl>
+                                        <p:attrNameLst>
+                                          <p:attrName>style.visibility</p:attrName>
+                                        </p:attrNameLst>
+                                      </p:cBhvr>
+                                      <p:to>
+                                        <p:strVal val="visible"/>
+                                      </p:to>
+                                    </p:set>
+                                    <p:anim calcmode="lin" valueType="num">
+                                      <p:cBhvr additive="base">
+                                        <p:cTn id="42" dur="500" fill="hold"/>
+                                        <p:tgtEl>
+                                          <p:spTgt spid="3">
+                                            <p:txEl>
+                                              <p:pRg st="6" end="6"/>
+                                            </p:txEl>
+                                          </p:spTgt>
+                                        </p:tgtEl>
+                                        <p:attrNameLst>
+                                          <p:attrName>ppt_x</p:attrName>
+                                        </p:attrNameLst>
+                                      </p:cBhvr>
+                                      <p:tavLst>
+                                        <p:tav tm="0">
+                                          <p:val>
+                                            <p:strVal val="#ppt_x"/>
+                                          </p:val>
+                                        </p:tav>
+                                        <p:tav tm="100000">
+                                          <p:val>
+                                            <p:strVal val="#ppt_x"/>
+                                          </p:val>
+                                        </p:tav>
+                                      </p:tavLst>
+                                    </p:anim>
+                                    <p:anim calcmode="lin" valueType="num">
+                                      <p:cBhvr additive="base">
+                                        <p:cTn id="43" dur="500" fill="hold"/>
+                                        <p:tgtEl>
+                                          <p:spTgt spid="3">
+                                            <p:txEl>
+                                              <p:pRg st="6" end="6"/>
+                                            </p:txEl>
+                                          </p:spTgt>
+                                        </p:tgtEl>
+                                        <p:attrNameLst>
+                                          <p:attrName>ppt_y</p:attrName>
+                                        </p:attrNameLst>
+                                      </p:cBhvr>
+                                      <p:tavLst>
+                                        <p:tav tm="0">
+                                          <p:val>
+                                            <p:strVal val="1+#ppt_h/2"/>
+                                          </p:val>
+                                        </p:tav>
+                                        <p:tav tm="100000">
+                                          <p:val>
+                                            <p:strVal val="#ppt_y"/>
+                                          </p:val>
+                                        </p:tav>
+                                      </p:tavLst>
+                                    </p:anim>
+                                  </p:childTnLst>
+                                </p:cTn>
+                              </p:par>
+                            </p:childTnLst>
+                          </p:cTn>
+                        </p:par>
+                      </p:childTnLst>
+                    </p:cTn>
+                  </p:par>
+                  <p:par>
+                    <p:cTn id="44" fill="hold">
+                      <p:stCondLst>
+                        <p:cond delay="indefinite"/>
+                      </p:stCondLst>
+                      <p:childTnLst>
+                        <p:par>
+                          <p:cTn id="45" fill="hold">
+                            <p:stCondLst>
+                              <p:cond delay="0"/>
+                            </p:stCondLst>
+                            <p:childTnLst>
+                              <p:par>
+                                <p:cTn id="46" presetID="2" presetClass="entr" presetSubtype="4" fill="hold" nodeType="clickEffect">
+                                  <p:stCondLst>
+                                    <p:cond delay="0"/>
+                                  </p:stCondLst>
+                                  <p:childTnLst>
+                                    <p:set>
+                                      <p:cBhvr>
+                                        <p:cTn id="47" dur="1" fill="hold">
+                                          <p:stCondLst>
+                                            <p:cond delay="0"/>
+                                          </p:stCondLst>
+                                        </p:cTn>
+                                        <p:tgtEl>
+                                          <p:spTgt spid="3">
+                                            <p:txEl>
+                                              <p:pRg st="7" end="7"/>
+                                            </p:txEl>
+                                          </p:spTgt>
+                                        </p:tgtEl>
+                                        <p:attrNameLst>
+                                          <p:attrName>style.visibility</p:attrName>
+                                        </p:attrNameLst>
+                                      </p:cBhvr>
+                                      <p:to>
+                                        <p:strVal val="visible"/>
+                                      </p:to>
+                                    </p:set>
+                                    <p:anim calcmode="lin" valueType="num">
+                                      <p:cBhvr additive="base">
+                                        <p:cTn id="48" dur="500" fill="hold"/>
+                                        <p:tgtEl>
+                                          <p:spTgt spid="3">
+                                            <p:txEl>
+                                              <p:pRg st="7" end="7"/>
+                                            </p:txEl>
+                                          </p:spTgt>
+                                        </p:tgtEl>
+                                        <p:attrNameLst>
+                                          <p:attrName>ppt_x</p:attrName>
+                                        </p:attrNameLst>
+                                      </p:cBhvr>
+                                      <p:tavLst>
+                                        <p:tav tm="0">
+                                          <p:val>
+                                            <p:strVal val="#ppt_x"/>
+                                          </p:val>
+                                        </p:tav>
+                                        <p:tav tm="100000">
+                                          <p:val>
+                                            <p:strVal val="#ppt_x"/>
+                                          </p:val>
+                                        </p:tav>
+                                      </p:tavLst>
+                                    </p:anim>
+                                    <p:anim calcmode="lin" valueType="num">
+                                      <p:cBhvr additive="base">
+                                        <p:cTn id="49" dur="500" fill="hold"/>
+                                        <p:tgtEl>
+                                          <p:spTgt spid="3">
+                                            <p:txEl>
+                                              <p:pRg st="7" end="7"/>
+                                            </p:txEl>
+                                          </p:spTgt>
+                                        </p:tgtEl>
+                                        <p:attrNameLst>
+                                          <p:attrName>ppt_y</p:attrName>
+                                        </p:attrNameLst>
+                                      </p:cBhvr>
+                                      <p:tavLst>
+                                        <p:tav tm="0">
+                                          <p:val>
+                                            <p:strVal val="1+#ppt_h/2"/>
+                                          </p:val>
+                                        </p:tav>
+                                        <p:tav tm="100000">
+                                          <p:val>
+                                            <p:strVal val="#ppt_y"/>
+                                          </p:val>
+                                        </p:tav>
+                                      </p:tavLst>
+                                    </p:anim>
+                                  </p:childTnLst>
+                                </p:cTn>
+                              </p:par>
+                            </p:childTnLst>
+                          </p:cTn>
+                        </p:par>
+                        <p:par>
+                          <p:cTn id="50" fill="hold">
+                            <p:stCondLst>
+                              <p:cond delay="500"/>
+                            </p:stCondLst>
+                            <p:childTnLst>
+                              <p:par>
+                                <p:cTn id="51" presetID="2" presetClass="entr" presetSubtype="4" fill="hold" nodeType="afterEffect">
+                                  <p:stCondLst>
+                                    <p:cond delay="0"/>
+                                  </p:stCondLst>
+                                  <p:childTnLst>
+                                    <p:set>
+                                      <p:cBhvr>
+                                        <p:cTn id="52" dur="1" fill="hold">
+                                          <p:stCondLst>
+                                            <p:cond delay="0"/>
+                                          </p:stCondLst>
+                                        </p:cTn>
+                                        <p:tgtEl>
+                                          <p:spTgt spid="3">
+                                            <p:txEl>
+                                              <p:pRg st="8" end="8"/>
+                                            </p:txEl>
+                                          </p:spTgt>
+                                        </p:tgtEl>
+                                        <p:attrNameLst>
+                                          <p:attrName>style.visibility</p:attrName>
+                                        </p:attrNameLst>
+                                      </p:cBhvr>
+                                      <p:to>
+                                        <p:strVal val="visible"/>
+                                      </p:to>
+                                    </p:set>
+                                    <p:anim calcmode="lin" valueType="num">
+                                      <p:cBhvr additive="base">
+                                        <p:cTn id="53" dur="500" fill="hold"/>
+                                        <p:tgtEl>
+                                          <p:spTgt spid="3">
+                                            <p:txEl>
+                                              <p:pRg st="8" end="8"/>
+                                            </p:txEl>
+                                          </p:spTgt>
+                                        </p:tgtEl>
+                                        <p:attrNameLst>
+                                          <p:attrName>ppt_x</p:attrName>
+                                        </p:attrNameLst>
+                                      </p:cBhvr>
+                                      <p:tavLst>
+                                        <p:tav tm="0">
+                                          <p:val>
+                                            <p:strVal val="#ppt_x"/>
+                                          </p:val>
+                                        </p:tav>
+                                        <p:tav tm="100000">
+                                          <p:val>
+                                            <p:strVal val="#ppt_x"/>
+                                          </p:val>
+                                        </p:tav>
+                                      </p:tavLst>
+                                    </p:anim>
+                                    <p:anim calcmode="lin" valueType="num">
+                                      <p:cBhvr additive="base">
+                                        <p:cTn id="54" dur="500" fill="hold"/>
+                                        <p:tgtEl>
+                                          <p:spTgt spid="3">
+                                            <p:txEl>
+                                              <p:pRg st="8" end="8"/>
+                                            </p:txEl>
+                                          </p:spTgt>
+                                        </p:tgtEl>
+                                        <p:attrNameLst>
+                                          <p:attrName>ppt_y</p:attrName>
+                                        </p:attrNameLst>
+                                      </p:cBhvr>
+                                      <p:tavLst>
+                                        <p:tav tm="0">
+                                          <p:val>
+                                            <p:strVal val="1+#ppt_h/2"/>
+                                          </p:val>
+                                        </p:tav>
+                                        <p:tav tm="100000">
+                                          <p:val>
+                                            <p:strVal val="#ppt_y"/>
+                                          </p:val>
+                                        </p:tav>
+                                      </p:tavLst>
+                                    </p:anim>
+                                  </p:childTnLst>
+                                </p:cTn>
+                              </p:par>
+                            </p:childTnLst>
+                          </p:cTn>
+                        </p:par>
+                      </p:childTnLst>
+                    </p:cTn>
+                  </p:par>
+                  <p:par>
+                    <p:cTn id="55" fill="hold">
+                      <p:stCondLst>
+                        <p:cond delay="indefinite"/>
+                      </p:stCondLst>
+                      <p:childTnLst>
+                        <p:par>
+                          <p:cTn id="56" fill="hold">
+                            <p:stCondLst>
+                              <p:cond delay="0"/>
+                            </p:stCondLst>
+                            <p:childTnLst>
+                              <p:par>
+                                <p:cTn id="57" presetID="2" presetClass="entr" presetSubtype="4" fill="hold" nodeType="clickEffect">
+                                  <p:stCondLst>
+                                    <p:cond delay="0"/>
+                                  </p:stCondLst>
+                                  <p:childTnLst>
+                                    <p:set>
+                                      <p:cBhvr>
+                                        <p:cTn id="58" dur="1" fill="hold">
+                                          <p:stCondLst>
+                                            <p:cond delay="0"/>
+                                          </p:stCondLst>
+                                        </p:cTn>
+                                        <p:tgtEl>
+                                          <p:spTgt spid="3">
+                                            <p:txEl>
+                                              <p:pRg st="9" end="9"/>
+                                            </p:txEl>
+                                          </p:spTgt>
+                                        </p:tgtEl>
+                                        <p:attrNameLst>
+                                          <p:attrName>style.visibility</p:attrName>
+                                        </p:attrNameLst>
+                                      </p:cBhvr>
+                                      <p:to>
+                                        <p:strVal val="visible"/>
+                                      </p:to>
+                                    </p:set>
+                                    <p:anim calcmode="lin" valueType="num">
+                                      <p:cBhvr additive="base">
+                                        <p:cTn id="59" dur="500" fill="hold"/>
+                                        <p:tgtEl>
+                                          <p:spTgt spid="3">
+                                            <p:txEl>
+                                              <p:pRg st="9" end="9"/>
+                                            </p:txEl>
+                                          </p:spTgt>
+                                        </p:tgtEl>
+                                        <p:attrNameLst>
+                                          <p:attrName>ppt_x</p:attrName>
+                                        </p:attrNameLst>
+                                      </p:cBhvr>
+                                      <p:tavLst>
+                                        <p:tav tm="0">
+                                          <p:val>
+                                            <p:strVal val="#ppt_x"/>
+                                          </p:val>
+                                        </p:tav>
+                                        <p:tav tm="100000">
+                                          <p:val>
+                                            <p:strVal val="#ppt_x"/>
+                                          </p:val>
+                                        </p:tav>
+                                      </p:tavLst>
+                                    </p:anim>
+                                    <p:anim calcmode="lin" valueType="num">
+                                      <p:cBhvr additive="base">
+                                        <p:cTn id="60" dur="500" fill="hold"/>
+                                        <p:tgtEl>
+                                          <p:spTgt spid="3">
+                                            <p:txEl>
+                                              <p:pRg st="9" end="9"/>
+                                            </p:txEl>
+                                          </p:spTgt>
+                                        </p:tgtEl>
+                                        <p:attrNameLst>
+                                          <p:attrName>ppt_y</p:attrName>
+                                        </p:attrNameLst>
+                                      </p:cBhvr>
+                                      <p:tavLst>
+                                        <p:tav tm="0">
+                                          <p:val>
+                                            <p:strVal val="1+#ppt_h/2"/>
+                                          </p:val>
+                                        </p:tav>
+                                        <p:tav tm="100000">
+                                          <p:val>
+                                            <p:strVal val="#ppt_y"/>
+                                          </p:val>
+                                        </p:tav>
+                                      </p:tavLst>
+                                    </p:anim>
+                                  </p:childTnLst>
+                                </p:cTn>
+                              </p:par>
+                            </p:childTnLst>
+                          </p:cTn>
+                        </p:par>
+                      </p:childTnLst>
+                    </p:cTn>
+                  </p:par>
+                  <p:par>
+                    <p:cTn id="61" fill="hold">
+                      <p:stCondLst>
+                        <p:cond delay="indefinite"/>
+                      </p:stCondLst>
+                      <p:childTnLst>
+                        <p:par>
+                          <p:cTn id="62" fill="hold">
+                            <p:stCondLst>
+                              <p:cond delay="0"/>
+                            </p:stCondLst>
+                            <p:childTnLst>
+                              <p:par>
+                                <p:cTn id="63" presetID="2" presetClass="entr" presetSubtype="4" fill="hold" nodeType="clickEffect">
+                                  <p:stCondLst>
+                                    <p:cond delay="0"/>
+                                  </p:stCondLst>
+                                  <p:childTnLst>
+                                    <p:set>
+                                      <p:cBhvr>
+                                        <p:cTn id="64" dur="1" fill="hold">
+                                          <p:stCondLst>
+                                            <p:cond delay="0"/>
+                                          </p:stCondLst>
+                                        </p:cTn>
+                                        <p:tgtEl>
+                                          <p:spTgt spid="3">
+                                            <p:txEl>
+                                              <p:pRg st="10" end="10"/>
+                                            </p:txEl>
+                                          </p:spTgt>
+                                        </p:tgtEl>
+                                        <p:attrNameLst>
+                                          <p:attrName>style.visibility</p:attrName>
+                                        </p:attrNameLst>
+                                      </p:cBhvr>
+                                      <p:to>
+                                        <p:strVal val="visible"/>
+                                      </p:to>
+                                    </p:set>
+                                    <p:anim calcmode="lin" valueType="num">
+                                      <p:cBhvr additive="base">
+                                        <p:cTn id="65" dur="500" fill="hold"/>
+                                        <p:tgtEl>
+                                          <p:spTgt spid="3">
+                                            <p:txEl>
+                                              <p:pRg st="10" end="10"/>
+                                            </p:txEl>
+                                          </p:spTgt>
+                                        </p:tgtEl>
+                                        <p:attrNameLst>
+                                          <p:attrName>ppt_x</p:attrName>
+                                        </p:attrNameLst>
+                                      </p:cBhvr>
+                                      <p:tavLst>
+                                        <p:tav tm="0">
+                                          <p:val>
+                                            <p:strVal val="#ppt_x"/>
+                                          </p:val>
+                                        </p:tav>
+                                        <p:tav tm="100000">
+                                          <p:val>
+                                            <p:strVal val="#ppt_x"/>
+                                          </p:val>
+                                        </p:tav>
+                                      </p:tavLst>
+                                    </p:anim>
+                                    <p:anim calcmode="lin" valueType="num">
+                                      <p:cBhvr additive="base">
+                                        <p:cTn id="66" dur="500" fill="hold"/>
+                                        <p:tgtEl>
+                                          <p:spTgt spid="3">
+                                            <p:txEl>
+                                              <p:pRg st="10" end="10"/>
+                                            </p:txEl>
+                                          </p:spTgt>
+                                        </p:tgtEl>
+                                        <p:attrNameLst>
+                                          <p:attrName>ppt_y</p:attrName>
+                                        </p:attrNameLst>
+                                      </p:cBhvr>
+                                      <p:tavLst>
+                                        <p:tav tm="0">
+                                          <p:val>
+                                            <p:strVal val="1+#ppt_h/2"/>
+                                          </p:val>
+                                        </p:tav>
+                                        <p:tav tm="100000">
+                                          <p:val>
+                                            <p:strVal val="#ppt_y"/>
+                                          </p:val>
+                                        </p:tav>
+                                      </p:tavLst>
+                                    </p:anim>
+                                  </p:childTnLst>
+                                </p:cTn>
+                              </p:par>
+                            </p:childTnLst>
+                          </p:cTn>
+                        </p:par>
+                      </p:childTnLst>
+                    </p:cTn>
+                  </p:par>
+                </p:childTnLst>
+              </p:cTn>
+              <p:prevCondLst>
+                <p:cond evt="onPrev" delay="0">
+                  <p:tgtEl>
+                    <p:sldTgt/>
+                  </p:tgtEl>
+                </p:cond>
+              </p:prevCondLst>
+              <p:nextCondLst>
+                <p:cond evt="onNext" delay="0">
+                  <p:tgtEl>
+                    <p:sldTgt/>
+                  </p:tgtEl>
+                </p:cond>
+              </p:nextCondLst>
+            </p:seq>
+          </p:childTnLst>
+        </p:cTn>
+      </p:par>
+    </p:tnLst>
+  </p:timing>
+</p:sld>
+</file>
+
+<file path=ppt/slides/slide11.xml><?xml version="1.0" encoding="utf-8"?>
+<p:sld xmlns:a="http://schemas.openxmlformats.org/drawingml/2006/main" xmlns:r="http://schemas.openxmlformats.org/officeDocument/2006/relationships" xmlns:p="http://schemas.openxmlformats.org/presentationml/2006/main">
+  <p:cSld>
+    <p:spTree>
+      <p:nvGrpSpPr>
+        <p:cNvPr id="1" name=""/>
+        <p:cNvGrpSpPr/>
+        <p:nvPr/>
+      </p:nvGrpSpPr>
+      <p:grpSpPr>
+        <a:xfrm>
+          <a:off x="0" y="0"/>
+          <a:ext cx="0" cy="0"/>
+          <a:chOff x="0" y="0"/>
+          <a:chExt cx="0" cy="0"/>
+        </a:xfrm>
+      </p:grpSpPr>
+      <p:sp>
+        <p:nvSpPr>
+          <p:cNvPr id="2" name="Title 1">
+            <a:extLst>
+              <a:ext uri="{FF2B5EF4-FFF2-40B4-BE49-F238E27FC236}">
+                <a16:creationId xmlns:a16="http://schemas.microsoft.com/office/drawing/2014/main" id="{305BD65D-E617-4496-B6EE-CC42631343EE}"/>
+              </a:ext>
+            </a:extLst>
+          </p:cNvPr>
+          <p:cNvSpPr>
+            <a:spLocks noGrp="1"/>
+          </p:cNvSpPr>
+          <p:nvPr>
+            <p:ph type="title"/>
+          </p:nvPr>
+        </p:nvSpPr>
+        <p:spPr>
+          <a:xfrm>
+            <a:off x="684212" y="242591"/>
+            <a:ext cx="8534400" cy="777687"/>
+          </a:xfrm>
+        </p:spPr>
+        <p:txBody>
+          <a:bodyPr/>
+          <a:lstStyle/>
+          <a:p>
+            <a:r>
+              <a:rPr lang="en-US" dirty="0"/>
+              <a:t>Pro</a:t>
+            </a:r>
+            <a:r>
+              <a:rPr lang="bs-Latn-BA" dirty="0"/>
+              <a:t>mjenljive - Varijable</a:t>
+            </a:r>
+            <a:endParaRPr lang="en-US" dirty="0"/>
+          </a:p>
+        </p:txBody>
+      </p:sp>
+      <p:sp>
+        <p:nvSpPr>
+          <p:cNvPr id="3" name="Content Placeholder 2">
+            <a:extLst>
+              <a:ext uri="{FF2B5EF4-FFF2-40B4-BE49-F238E27FC236}">
+                <a16:creationId xmlns:a16="http://schemas.microsoft.com/office/drawing/2014/main" id="{23B6B897-F424-43D4-B0C3-AA1719F3F4EE}"/>
+              </a:ext>
+            </a:extLst>
+          </p:cNvPr>
+          <p:cNvSpPr>
+            <a:spLocks noGrp="1"/>
+          </p:cNvSpPr>
+          <p:nvPr>
+            <p:ph idx="1"/>
+          </p:nvPr>
+        </p:nvSpPr>
+        <p:spPr>
+          <a:xfrm>
+            <a:off x="684212" y="885525"/>
+            <a:ext cx="8534400" cy="5890660"/>
+          </a:xfrm>
+        </p:spPr>
+        <p:txBody>
+          <a:bodyPr>
+            <a:normAutofit/>
+          </a:bodyPr>
+          <a:lstStyle/>
+          <a:p>
+            <a:r>
+              <a:rPr lang="en-US" sz="2800" dirty="0" err="1">
+                <a:solidFill>
+                  <a:schemeClr val="tx1"/>
+                </a:solidFill>
+              </a:rPr>
+              <a:t>Primjer</a:t>
+            </a:r>
+            <a:endParaRPr lang="bs-Latn-BA" sz="2800" dirty="0">
+              <a:solidFill>
+                <a:schemeClr val="tx1"/>
+              </a:solidFill>
+            </a:endParaRPr>
+          </a:p>
+          <a:p>
+            <a:endParaRPr lang="bs-Latn-BA" sz="2800" dirty="0">
+              <a:solidFill>
+                <a:schemeClr val="tx1"/>
+              </a:solidFill>
+            </a:endParaRPr>
+          </a:p>
+          <a:p>
+            <a:pPr marL="0" indent="0">
+              <a:buNone/>
+            </a:pPr>
+            <a:r>
+              <a:rPr lang="bs-Latn-BA" sz="2800" i="1" dirty="0">
+                <a:solidFill>
+                  <a:schemeClr val="tx1"/>
+                </a:solidFill>
+              </a:rPr>
+              <a:t>zbir </a:t>
+            </a:r>
+            <a:r>
+              <a:rPr lang="en-US" sz="2800" i="1" dirty="0">
+                <a:solidFill>
+                  <a:schemeClr val="tx1"/>
+                </a:solidFill>
+              </a:rPr>
+              <a:t>= 874 + 437</a:t>
+            </a:r>
+          </a:p>
+          <a:p>
+            <a:pPr marL="0" indent="0">
+              <a:buNone/>
+            </a:pPr>
+            <a:r>
+              <a:rPr lang="en-US" sz="2800" i="1" dirty="0" err="1">
+                <a:solidFill>
+                  <a:schemeClr val="tx1"/>
+                </a:solidFill>
+              </a:rPr>
+              <a:t>razlika</a:t>
+            </a:r>
+            <a:r>
+              <a:rPr lang="en-US" sz="2800" i="1" dirty="0">
+                <a:solidFill>
+                  <a:schemeClr val="tx1"/>
+                </a:solidFill>
+              </a:rPr>
+              <a:t> = 915 – 364</a:t>
+            </a:r>
+          </a:p>
+          <a:p>
+            <a:pPr marL="0" indent="0">
+              <a:buNone/>
+            </a:pPr>
+            <a:r>
+              <a:rPr lang="en-US" sz="2800" i="1" dirty="0" err="1">
+                <a:solidFill>
+                  <a:schemeClr val="tx1"/>
+                </a:solidFill>
+              </a:rPr>
+              <a:t>proizvod</a:t>
+            </a:r>
+            <a:r>
+              <a:rPr lang="en-US" sz="2800" i="1" dirty="0">
+                <a:solidFill>
+                  <a:schemeClr val="tx1"/>
+                </a:solidFill>
+              </a:rPr>
+              <a:t> = </a:t>
+            </a:r>
+            <a:r>
+              <a:rPr lang="en-US" sz="2800" i="1" dirty="0" err="1">
+                <a:solidFill>
+                  <a:schemeClr val="tx1"/>
+                </a:solidFill>
+              </a:rPr>
+              <a:t>zbir</a:t>
+            </a:r>
+            <a:r>
+              <a:rPr lang="en-US" sz="2800" i="1" dirty="0">
+                <a:solidFill>
+                  <a:schemeClr val="tx1"/>
+                </a:solidFill>
+              </a:rPr>
+              <a:t> * </a:t>
+            </a:r>
+            <a:r>
+              <a:rPr lang="en-US" sz="2800" i="1" dirty="0" err="1">
+                <a:solidFill>
+                  <a:schemeClr val="tx1"/>
+                </a:solidFill>
+              </a:rPr>
+              <a:t>razlika</a:t>
+            </a:r>
+            <a:endParaRPr lang="en-US" sz="2800" i="1" dirty="0">
+              <a:solidFill>
+                <a:schemeClr val="tx1"/>
+              </a:solidFill>
+            </a:endParaRPr>
+          </a:p>
+          <a:p>
+            <a:pPr marL="0" indent="0">
+              <a:buNone/>
+            </a:pPr>
+            <a:r>
+              <a:rPr lang="en-US" sz="2800" i="1" dirty="0">
+                <a:solidFill>
+                  <a:schemeClr val="tx1"/>
+                </a:solidFill>
+              </a:rPr>
+              <a:t>print(</a:t>
+            </a:r>
+            <a:r>
+              <a:rPr lang="en-US" sz="2800" i="1" dirty="0" err="1">
+                <a:solidFill>
+                  <a:schemeClr val="tx1"/>
+                </a:solidFill>
+              </a:rPr>
+              <a:t>proizvod</a:t>
+            </a:r>
+            <a:r>
+              <a:rPr lang="en-US" sz="2800" i="1" dirty="0">
+                <a:solidFill>
+                  <a:schemeClr val="tx1"/>
+                </a:solidFill>
+              </a:rPr>
+              <a:t>)</a:t>
+            </a:r>
+            <a:endParaRPr lang="bs-Latn-BA" sz="2800" i="1" dirty="0">
+              <a:solidFill>
+                <a:schemeClr val="tx1"/>
+              </a:solidFill>
+            </a:endParaRPr>
+          </a:p>
+        </p:txBody>
+      </p:sp>
+    </p:spTree>
+    <p:extLst>
+      <p:ext uri="{BB962C8B-B14F-4D97-AF65-F5344CB8AC3E}">
+        <p14:creationId xmlns:p14="http://schemas.microsoft.com/office/powerpoint/2010/main" val="2873201092"/>
+      </p:ext>
+    </p:extLst>
+  </p:cSld>
+  <p:clrMapOvr>
+    <a:masterClrMapping/>
+  </p:clrMapOvr>
+</p:sld>
+</file>
+
+<file path=ppt/slides/slide12.xml><?xml version="1.0" encoding="utf-8"?>
+<p:sld xmlns:a="http://schemas.openxmlformats.org/drawingml/2006/main" xmlns:r="http://schemas.openxmlformats.org/officeDocument/2006/relationships" xmlns:p="http://schemas.openxmlformats.org/presentationml/2006/main">
+  <p:cSld>
+    <p:spTree>
+      <p:nvGrpSpPr>
+        <p:cNvPr id="1" name=""/>
+        <p:cNvGrpSpPr/>
+        <p:nvPr/>
+      </p:nvGrpSpPr>
+      <p:grpSpPr>
+        <a:xfrm>
+          <a:off x="0" y="0"/>
+          <a:ext cx="0" cy="0"/>
+          <a:chOff x="0" y="0"/>
+          <a:chExt cx="0" cy="0"/>
+        </a:xfrm>
+      </p:grpSpPr>
+      <p:sp>
+        <p:nvSpPr>
+          <p:cNvPr id="2" name="Title 1">
+            <a:extLst>
+              <a:ext uri="{FF2B5EF4-FFF2-40B4-BE49-F238E27FC236}">
+                <a16:creationId xmlns:a16="http://schemas.microsoft.com/office/drawing/2014/main" id="{305BD65D-E617-4496-B6EE-CC42631343EE}"/>
+              </a:ext>
+            </a:extLst>
+          </p:cNvPr>
+          <p:cNvSpPr>
+            <a:spLocks noGrp="1"/>
+          </p:cNvSpPr>
+          <p:nvPr>
+            <p:ph type="title"/>
+          </p:nvPr>
+        </p:nvSpPr>
+        <p:spPr>
+          <a:xfrm>
+            <a:off x="684212" y="242591"/>
+            <a:ext cx="8534400" cy="777687"/>
+          </a:xfrm>
+        </p:spPr>
+        <p:txBody>
+          <a:bodyPr/>
+          <a:lstStyle/>
+          <a:p>
+            <a:r>
+              <a:rPr lang="en-US" dirty="0"/>
+              <a:t>Pro</a:t>
+            </a:r>
+            <a:r>
+              <a:rPr lang="bs-Latn-BA" dirty="0"/>
+              <a:t>mjenljive - Varijable</a:t>
+            </a:r>
+            <a:endParaRPr lang="en-US" dirty="0"/>
+          </a:p>
+        </p:txBody>
+      </p:sp>
+      <p:sp>
+        <p:nvSpPr>
+          <p:cNvPr id="3" name="Content Placeholder 2">
+            <a:extLst>
+              <a:ext uri="{FF2B5EF4-FFF2-40B4-BE49-F238E27FC236}">
+                <a16:creationId xmlns:a16="http://schemas.microsoft.com/office/drawing/2014/main" id="{23B6B897-F424-43D4-B0C3-AA1719F3F4EE}"/>
+              </a:ext>
+            </a:extLst>
+          </p:cNvPr>
+          <p:cNvSpPr>
+            <a:spLocks noGrp="1"/>
+          </p:cNvSpPr>
+          <p:nvPr>
+            <p:ph idx="1"/>
+          </p:nvPr>
+        </p:nvSpPr>
+        <p:spPr>
+          <a:xfrm>
+            <a:off x="684212" y="885525"/>
+            <a:ext cx="10105708" cy="5890660"/>
+          </a:xfrm>
+        </p:spPr>
+        <p:txBody>
+          <a:bodyPr>
+            <a:normAutofit/>
+          </a:bodyPr>
+          <a:lstStyle/>
+          <a:p>
+            <a:r>
+              <a:rPr lang="bs-Latn-BA" sz="2800" dirty="0">
+                <a:solidFill>
+                  <a:schemeClr val="tx1"/>
+                </a:solidFill>
+              </a:rPr>
+              <a:t>Šta od navedenog može biti ispravno ime varijable? Tačno je više odgovora</a:t>
+            </a:r>
+          </a:p>
+          <a:p>
+            <a:endParaRPr lang="bs-Latn-BA" sz="2800" dirty="0">
+              <a:solidFill>
+                <a:schemeClr val="tx1"/>
+              </a:solidFill>
+            </a:endParaRPr>
+          </a:p>
+          <a:p>
+            <a:r>
+              <a:rPr lang="bs-Latn-BA" sz="2800" dirty="0">
+                <a:solidFill>
+                  <a:schemeClr val="tx1"/>
+                </a:solidFill>
+              </a:rPr>
+              <a:t>a) xyZ</a:t>
+            </a:r>
+          </a:p>
+          <a:p>
+            <a:r>
+              <a:rPr lang="bs-Latn-BA" sz="2800" dirty="0">
+                <a:solidFill>
+                  <a:schemeClr val="tx1"/>
+                </a:solidFill>
+              </a:rPr>
+              <a:t>b) James_Bond_3</a:t>
+            </a:r>
+          </a:p>
+          <a:p>
+            <a:r>
+              <a:rPr lang="bs-Latn-BA" sz="2800" dirty="0">
+                <a:solidFill>
+                  <a:schemeClr val="tx1"/>
+                </a:solidFill>
+              </a:rPr>
+              <a:t>3stvari</a:t>
+            </a:r>
+          </a:p>
+          <a:p>
+            <a:r>
+              <a:rPr lang="bs-Latn-BA" sz="2800" dirty="0">
+                <a:solidFill>
+                  <a:schemeClr val="tx1"/>
+                </a:solidFill>
+              </a:rPr>
+              <a:t>hello-world</a:t>
+            </a:r>
+          </a:p>
+          <a:p>
+            <a:endParaRPr lang="bs-Latn-BA" sz="2800" dirty="0">
+              <a:solidFill>
+                <a:schemeClr val="tx1"/>
+              </a:solidFill>
+            </a:endParaRPr>
+          </a:p>
+          <a:p>
+            <a:r>
+              <a:rPr lang="bs-Latn-BA" sz="2800" dirty="0">
+                <a:solidFill>
+                  <a:schemeClr val="tx1"/>
+                </a:solidFill>
+              </a:rPr>
+              <a:t>Tačni odgovori: a i b</a:t>
+            </a:r>
+          </a:p>
+          <a:p>
+            <a:r>
+              <a:rPr lang="bs-Latn-BA" sz="2800" dirty="0">
+                <a:solidFill>
+                  <a:schemeClr val="tx1"/>
+                </a:solidFill>
+              </a:rPr>
+              <a:t>xyZ nije isto što i xyz</a:t>
+            </a:r>
+            <a:endParaRPr lang="bs-Latn-BA" sz="2400" dirty="0">
+              <a:solidFill>
+                <a:schemeClr val="tx1"/>
+              </a:solidFill>
+            </a:endParaRPr>
+          </a:p>
+        </p:txBody>
+      </p:sp>
+    </p:spTree>
+    <p:extLst>
+      <p:ext uri="{BB962C8B-B14F-4D97-AF65-F5344CB8AC3E}">
+        <p14:creationId xmlns:p14="http://schemas.microsoft.com/office/powerpoint/2010/main" val="3878305586"/>
+      </p:ext>
+    </p:extLst>
+  </p:cSld>
+  <p:clrMapOvr>
+    <a:masterClrMapping/>
+  </p:clrMapOvr>
+  <p:timing>
+    <p:tnLst>
+      <p:par>
+        <p:cTn id="1" dur="indefinite" restart="never" nodeType="tmRoot">
+          <p:childTnLst>
+            <p:seq concurrent="1" nextAc="seek">
+              <p:cTn id="2" dur="indefinite" nodeType="mainSeq">
+                <p:childTnLst>
+                  <p:par>
+                    <p:cTn id="3" fill="hold">
+                      <p:stCondLst>
+                        <p:cond delay="indefinite"/>
+                      </p:stCondLst>
+                      <p:childTnLst>
+                        <p:par>
+                          <p:cTn id="4" fill="hold">
+                            <p:stCondLst>
+                              <p:cond delay="0"/>
+                            </p:stCondLst>
+                            <p:childTnLst>
+                              <p:par>
+                                <p:cTn id="5" presetID="2" presetClass="entr" presetSubtype="4" fill="hold" nodeType="clickEffect">
+                                  <p:stCondLst>
+                                    <p:cond delay="0"/>
+                                  </p:stCondLst>
+                                  <p:childTnLst>
+                                    <p:set>
+                                      <p:cBhvr>
+                                        <p:cTn id="6" dur="1" fill="hold">
+                                          <p:stCondLst>
+                                            <p:cond delay="0"/>
+                                          </p:stCondLst>
+                                        </p:cTn>
+                                        <p:tgtEl>
+                                          <p:spTgt spid="3">
+                                            <p:txEl>
+                                              <p:pRg st="7" end="7"/>
+                                            </p:txEl>
+                                          </p:spTgt>
+                                        </p:tgtEl>
+                                        <p:attrNameLst>
+                                          <p:attrName>style.visibility</p:attrName>
+                                        </p:attrNameLst>
+                                      </p:cBhvr>
+                                      <p:to>
+                                        <p:strVal val="visible"/>
+                                      </p:to>
+                                    </p:set>
+                                    <p:anim calcmode="lin" valueType="num">
+                                      <p:cBhvr additive="base">
+                                        <p:cTn id="7" dur="500" fill="hold"/>
+                                        <p:tgtEl>
+                                          <p:spTgt spid="3">
+                                            <p:txEl>
+                                              <p:pRg st="7" end="7"/>
+                                            </p:txEl>
+                                          </p:spTgt>
+                                        </p:tgtEl>
+                                        <p:attrNameLst>
+                                          <p:attrName>ppt_x</p:attrName>
+                                        </p:attrNameLst>
+                                      </p:cBhvr>
+                                      <p:tavLst>
+                                        <p:tav tm="0">
+                                          <p:val>
+                                            <p:strVal val="#ppt_x"/>
+                                          </p:val>
+                                        </p:tav>
+                                        <p:tav tm="100000">
+                                          <p:val>
+                                            <p:strVal val="#ppt_x"/>
+                                          </p:val>
+                                        </p:tav>
+                                      </p:tavLst>
+                                    </p:anim>
+                                    <p:anim calcmode="lin" valueType="num">
+                                      <p:cBhvr additive="base">
+                                        <p:cTn id="8" dur="500" fill="hold"/>
+                                        <p:tgtEl>
+                                          <p:spTgt spid="3">
+                                            <p:txEl>
+                                              <p:pRg st="7" end="7"/>
+                                            </p:txEl>
+                                          </p:spTgt>
+                                        </p:tgtEl>
+                                        <p:attrNameLst>
+                                          <p:attrName>ppt_y</p:attrName>
+                                        </p:attrNameLst>
+                                      </p:cBhvr>
+                                      <p:tavLst>
+                                        <p:tav tm="0">
+                                          <p:val>
+                                            <p:strVal val="1+#ppt_h/2"/>
+                                          </p:val>
+                                        </p:tav>
+                                        <p:tav tm="100000">
+                                          <p:val>
+                                            <p:strVal val="#ppt_y"/>
+                                          </p:val>
+                                        </p:tav>
+                                      </p:tavLst>
+                                    </p:anim>
+                                  </p:childTnLst>
+                                </p:cTn>
+                              </p:par>
+                            </p:childTnLst>
+                          </p:cTn>
+                        </p:par>
+                        <p:par>
+                          <p:cTn id="9" fill="hold">
+                            <p:stCondLst>
+                              <p:cond delay="500"/>
+                            </p:stCondLst>
+                            <p:childTnLst>
+                              <p:par>
+                                <p:cTn id="10" presetID="2" presetClass="entr" presetSubtype="4" fill="hold" nodeType="afterEffect">
+                                  <p:stCondLst>
+                                    <p:cond delay="0"/>
+                                  </p:stCondLst>
+                                  <p:childTnLst>
+                                    <p:set>
+                                      <p:cBhvr>
+                                        <p:cTn id="11" dur="1" fill="hold">
+                                          <p:stCondLst>
+                                            <p:cond delay="0"/>
+                                          </p:stCondLst>
+                                        </p:cTn>
+                                        <p:tgtEl>
+                                          <p:spTgt spid="3">
+                                            <p:txEl>
+                                              <p:pRg st="8" end="8"/>
+                                            </p:txEl>
+                                          </p:spTgt>
+                                        </p:tgtEl>
+                                        <p:attrNameLst>
+                                          <p:attrName>style.visibility</p:attrName>
+                                        </p:attrNameLst>
+                                      </p:cBhvr>
+                                      <p:to>
+                                        <p:strVal val="visible"/>
+                                      </p:to>
+                                    </p:set>
+                                    <p:anim calcmode="lin" valueType="num">
+                                      <p:cBhvr additive="base">
+                                        <p:cTn id="12" dur="500" fill="hold"/>
+                                        <p:tgtEl>
+                                          <p:spTgt spid="3">
+                                            <p:txEl>
+                                              <p:pRg st="8" end="8"/>
+                                            </p:txEl>
+                                          </p:spTgt>
+                                        </p:tgtEl>
+                                        <p:attrNameLst>
+                                          <p:attrName>ppt_x</p:attrName>
+                                        </p:attrNameLst>
+                                      </p:cBhvr>
+                                      <p:tavLst>
+                                        <p:tav tm="0">
+                                          <p:val>
+                                            <p:strVal val="#ppt_x"/>
+                                          </p:val>
+                                        </p:tav>
+                                        <p:tav tm="100000">
+                                          <p:val>
+                                            <p:strVal val="#ppt_x"/>
+                                          </p:val>
+                                        </p:tav>
+                                      </p:tavLst>
+                                    </p:anim>
+                                    <p:anim calcmode="lin" valueType="num">
+                                      <p:cBhvr additive="base">
+                                        <p:cTn id="13" dur="500" fill="hold"/>
+                                        <p:tgtEl>
+                                          <p:spTgt spid="3">
+                                            <p:txEl>
+                                              <p:pRg st="8" end="8"/>
+                                            </p:txEl>
+                                          </p:spTgt>
+                                        </p:tgtEl>
+                                        <p:attrNameLst>
+                                          <p:attrName>ppt_y</p:attrName>
+                                        </p:attrNameLst>
+                                      </p:cBhvr>
+                                      <p:tavLst>
+                                        <p:tav tm="0">
+                                          <p:val>
+                                            <p:strVal val="1+#ppt_h/2"/>
+                                          </p:val>
+                                        </p:tav>
+                                        <p:tav tm="100000">
+                                          <p:val>
+                                            <p:strVal val="#ppt_y"/>
+                                          </p:val>
+                                        </p:tav>
+                                      </p:tavLst>
+                                    </p:anim>
+                                  </p:childTnLst>
+                                </p:cTn>
+                              </p:par>
+                            </p:childTnLst>
+                          </p:cTn>
+                        </p:par>
+                      </p:childTnLst>
+                    </p:cTn>
+                  </p:par>
+                </p:childTnLst>
+              </p:cTn>
+              <p:prevCondLst>
+                <p:cond evt="onPrev" delay="0">
+                  <p:tgtEl>
+                    <p:sldTgt/>
+                  </p:tgtEl>
+                </p:cond>
+              </p:prevCondLst>
+              <p:nextCondLst>
+                <p:cond evt="onNext" delay="0">
+                  <p:tgtEl>
+                    <p:sldTgt/>
+                  </p:tgtEl>
+                </p:cond>
+              </p:nextCondLst>
+            </p:seq>
+          </p:childTnLst>
+        </p:cTn>
+      </p:par>
+    </p:tnLst>
+  </p:timing>
 </p:sld>
 </file>
 
@@ -5678,13 +8378,13 @@
   <p:clrMapOvr>
     <a:masterClrMapping/>
   </p:clrMapOvr>
-  <mc:AlternateContent xmlns:mc="http://schemas.openxmlformats.org/markup-compatibility/2006">
-    <mc:Choice xmlns:p14="http://schemas.microsoft.com/office/powerpoint/2010/main" Requires="p14">
+  <mc:AlternateContent xmlns:mc="http://schemas.openxmlformats.org/markup-compatibility/2006" xmlns:p14="http://schemas.microsoft.com/office/powerpoint/2010/main">
+    <mc:Choice Requires="p14">
       <p:transition spd="med" p14:dur="700">
         <p:fade/>
       </p:transition>
     </mc:Choice>
-    <mc:Fallback>
+    <mc:Fallback xmlns="">
       <p:transition spd="med">
         <p:fade/>
       </p:transition>
@@ -7266,13 +9966,13 @@
   <p:clrMapOvr>
     <a:masterClrMapping/>
   </p:clrMapOvr>
-  <mc:AlternateContent xmlns:mc="http://schemas.openxmlformats.org/markup-compatibility/2006">
-    <mc:Choice xmlns:p14="http://schemas.microsoft.com/office/powerpoint/2010/main" Requires="p14">
+  <mc:AlternateContent xmlns:mc="http://schemas.openxmlformats.org/markup-compatibility/2006" xmlns:p14="http://schemas.microsoft.com/office/powerpoint/2010/main">
+    <mc:Choice Requires="p14">
       <p:transition spd="slow" p14:dur="1500">
         <p:split orient="vert"/>
       </p:transition>
     </mc:Choice>
-    <mc:Fallback>
+    <mc:Fallback xmlns="">
       <p:transition spd="slow">
         <p:split orient="vert"/>
       </p:transition>
@@ -7894,13 +10594,13 @@
   <p:clrMapOvr>
     <a:masterClrMapping/>
   </p:clrMapOvr>
-  <mc:AlternateContent xmlns:mc="http://schemas.openxmlformats.org/markup-compatibility/2006">
-    <mc:Choice xmlns:p14="http://schemas.microsoft.com/office/powerpoint/2010/main" Requires="p14">
+  <mc:AlternateContent xmlns:mc="http://schemas.openxmlformats.org/markup-compatibility/2006" xmlns:p14="http://schemas.microsoft.com/office/powerpoint/2010/main">
+    <mc:Choice Requires="p14">
       <p:transition spd="slow" p14:dur="3400">
         <p14:reveal/>
       </p:transition>
     </mc:Choice>
-    <mc:Fallback>
+    <mc:Fallback xmlns="">
       <p:transition spd="slow">
         <p:fade/>
       </p:transition>
@@ -9263,6 +11963,1987 @@
 </p:sld>
 </file>
 
+<file path=ppt/slides/slide8.xml><?xml version="1.0" encoding="utf-8"?>
+<p:sld xmlns:a="http://schemas.openxmlformats.org/drawingml/2006/main" xmlns:r="http://schemas.openxmlformats.org/officeDocument/2006/relationships" xmlns:p="http://schemas.openxmlformats.org/presentationml/2006/main">
+  <p:cSld>
+    <p:bg>
+      <p:bgPr>
+        <a:solidFill>
+          <a:schemeClr val="bg1"/>
+        </a:solidFill>
+        <a:effectLst/>
+      </p:bgPr>
+    </p:bg>
+    <p:spTree>
+      <p:nvGrpSpPr>
+        <p:cNvPr id="1" name=""/>
+        <p:cNvGrpSpPr/>
+        <p:nvPr/>
+      </p:nvGrpSpPr>
+      <p:grpSpPr>
+        <a:xfrm>
+          <a:off x="0" y="0"/>
+          <a:ext cx="0" cy="0"/>
+          <a:chOff x="0" y="0"/>
+          <a:chExt cx="0" cy="0"/>
+        </a:xfrm>
+      </p:grpSpPr>
+      <p:sp>
+        <p:nvSpPr>
+          <p:cNvPr id="36" name="Rectangle 23">
+            <a:extLst>
+              <a:ext uri="{FF2B5EF4-FFF2-40B4-BE49-F238E27FC236}">
+                <a16:creationId xmlns:a16="http://schemas.microsoft.com/office/drawing/2014/main" id="{D6F819BF-BEC4-454B-82CF-C7F1926407F9}"/>
+              </a:ext>
+              <a:ext uri="{C183D7F6-B498-43B3-948B-1728B52AA6E4}">
+                <adec:decorative xmlns:adec="http://schemas.microsoft.com/office/drawing/2017/decorative" val="1"/>
+              </a:ext>
+            </a:extLst>
+          </p:cNvPr>
+          <p:cNvSpPr>
+            <a:spLocks noGrp="1" noRot="1" noChangeAspect="1" noMove="1" noResize="1" noEditPoints="1" noAdjustHandles="1" noChangeArrowheads="1" noChangeShapeType="1" noTextEdit="1"/>
+          </p:cNvSpPr>
+          <p:nvPr>
+            <p:extLst>
+              <p:ext uri="{386F3935-93C4-4BCD-93E2-E3B085C9AB24}">
+                <p16:designElem xmlns:p16="http://schemas.microsoft.com/office/powerpoint/2015/main" val="1"/>
+              </p:ext>
+            </p:extLst>
+          </p:nvPr>
+        </p:nvSpPr>
+        <p:spPr>
+          <a:xfrm>
+            <a:off x="0" y="0"/>
+            <a:ext cx="12192000" cy="6858000"/>
+          </a:xfrm>
+          <a:prstGeom prst="rect">
+            <a:avLst/>
+          </a:prstGeom>
+          <a:ln>
+            <a:noFill/>
+          </a:ln>
+        </p:spPr>
+        <p:style>
+          <a:lnRef idx="2">
+            <a:schemeClr val="accent1">
+              <a:shade val="50000"/>
+            </a:schemeClr>
+          </a:lnRef>
+          <a:fillRef idx="1002">
+            <a:schemeClr val="dk2"/>
+          </a:fillRef>
+          <a:effectRef idx="0">
+            <a:schemeClr val="accent1"/>
+          </a:effectRef>
+          <a:fontRef idx="minor">
+            <a:schemeClr val="lt1"/>
+          </a:fontRef>
+        </p:style>
+        <p:txBody>
+          <a:bodyPr rtlCol="0" anchor="ctr"/>
+          <a:lstStyle/>
+          <a:p>
+            <a:pPr algn="ctr"/>
+            <a:endParaRPr lang="en-US"/>
+          </a:p>
+        </p:txBody>
+      </p:sp>
+      <p:sp>
+        <p:nvSpPr>
+          <p:cNvPr id="2" name="Title 1">
+            <a:extLst>
+              <a:ext uri="{FF2B5EF4-FFF2-40B4-BE49-F238E27FC236}">
+                <a16:creationId xmlns:a16="http://schemas.microsoft.com/office/drawing/2014/main" id="{92BBF389-A661-44E2-B9E5-6258DE27EDA7}"/>
+              </a:ext>
+            </a:extLst>
+          </p:cNvPr>
+          <p:cNvSpPr>
+            <a:spLocks noGrp="1"/>
+          </p:cNvSpPr>
+          <p:nvPr>
+            <p:ph type="title"/>
+          </p:nvPr>
+        </p:nvSpPr>
+        <p:spPr>
+          <a:xfrm>
+            <a:off x="7532710" y="620722"/>
+            <a:ext cx="3382941" cy="1142462"/>
+          </a:xfrm>
+        </p:spPr>
+        <p:txBody>
+          <a:bodyPr vert="horz" lIns="91440" tIns="45720" rIns="91440" bIns="45720" rtlCol="0" anchor="b">
+            <a:normAutofit/>
+          </a:bodyPr>
+          <a:lstStyle/>
+          <a:p>
+            <a:r>
+              <a:rPr lang="en-US" sz="2400" dirty="0" err="1">
+                <a:solidFill>
+                  <a:srgbClr val="FFFFFF"/>
+                </a:solidFill>
+              </a:rPr>
+              <a:t>zadatak</a:t>
+            </a:r>
+            <a:endParaRPr lang="en-US" sz="2400" dirty="0">
+              <a:solidFill>
+                <a:srgbClr val="FFFFFF"/>
+              </a:solidFill>
+            </a:endParaRPr>
+          </a:p>
+        </p:txBody>
+      </p:sp>
+      <p:sp useBgFill="1">
+        <p:nvSpPr>
+          <p:cNvPr id="37" name="Snip Diagonal Corner Rectangle 21">
+            <a:extLst>
+              <a:ext uri="{FF2B5EF4-FFF2-40B4-BE49-F238E27FC236}">
+                <a16:creationId xmlns:a16="http://schemas.microsoft.com/office/drawing/2014/main" id="{79D5C3D0-88DD-405B-A549-4B5C3712E181}"/>
+              </a:ext>
+              <a:ext uri="{C183D7F6-B498-43B3-948B-1728B52AA6E4}">
+                <adec:decorative xmlns:adec="http://schemas.microsoft.com/office/drawing/2017/decorative" val="1"/>
+              </a:ext>
+            </a:extLst>
+          </p:cNvPr>
+          <p:cNvSpPr>
+            <a:spLocks noGrp="1" noRot="1" noChangeAspect="1" noMove="1" noResize="1" noEditPoints="1" noAdjustHandles="1" noChangeArrowheads="1" noChangeShapeType="1" noTextEdit="1"/>
+          </p:cNvSpPr>
+          <p:nvPr>
+            <p:extLst>
+              <p:ext uri="{386F3935-93C4-4BCD-93E2-E3B085C9AB24}">
+                <p16:designElem xmlns:p16="http://schemas.microsoft.com/office/powerpoint/2015/main" val="1"/>
+              </p:ext>
+            </p:extLst>
+          </p:nvPr>
+        </p:nvSpPr>
+        <p:spPr>
+          <a:xfrm>
+            <a:off x="684212" y="641648"/>
+            <a:ext cx="6575496" cy="5286838"/>
+          </a:xfrm>
+          <a:prstGeom prst="snip2DiagRect">
+            <a:avLst>
+              <a:gd name="adj1" fmla="val 8741"/>
+              <a:gd name="adj2" fmla="val 0"/>
+            </a:avLst>
+          </a:prstGeom>
+          <a:ln>
+            <a:noFill/>
+          </a:ln>
+          <a:effectLst>
+            <a:innerShdw blurRad="57150" dist="38100" dir="14460000">
+              <a:prstClr val="black">
+                <a:alpha val="70000"/>
+              </a:prstClr>
+            </a:innerShdw>
+          </a:effectLst>
+        </p:spPr>
+        <p:style>
+          <a:lnRef idx="2">
+            <a:schemeClr val="accent1">
+              <a:shade val="50000"/>
+            </a:schemeClr>
+          </a:lnRef>
+          <a:fillRef idx="1">
+            <a:schemeClr val="accent1"/>
+          </a:fillRef>
+          <a:effectRef idx="0">
+            <a:schemeClr val="accent1"/>
+          </a:effectRef>
+          <a:fontRef idx="minor">
+            <a:schemeClr val="lt1"/>
+          </a:fontRef>
+        </p:style>
+        <p:txBody>
+          <a:bodyPr rtlCol="0" anchor="ctr"/>
+          <a:lstStyle/>
+          <a:p>
+            <a:pPr algn="ctr"/>
+            <a:endParaRPr lang="en-US"/>
+          </a:p>
+        </p:txBody>
+      </p:sp>
+      <p:pic>
+        <p:nvPicPr>
+          <p:cNvPr id="4" name="Picture 3">
+            <a:extLst>
+              <a:ext uri="{FF2B5EF4-FFF2-40B4-BE49-F238E27FC236}">
+                <a16:creationId xmlns:a16="http://schemas.microsoft.com/office/drawing/2014/main" id="{FE30EBE5-BEE7-4B25-9A4B-CFF8E9A915A4}"/>
+              </a:ext>
+            </a:extLst>
+          </p:cNvPr>
+          <p:cNvPicPr>
+            <a:picLocks noChangeAspect="1"/>
+          </p:cNvPicPr>
+          <p:nvPr/>
+        </p:nvPicPr>
+        <p:blipFill rotWithShape="1">
+          <a:blip r:embed="rId2"/>
+          <a:srcRect t="3017"/>
+          <a:stretch/>
+        </p:blipFill>
+        <p:spPr>
+          <a:xfrm>
+            <a:off x="774641" y="1491285"/>
+            <a:ext cx="6377876" cy="3587564"/>
+          </a:xfrm>
+          <a:prstGeom prst="rect">
+            <a:avLst/>
+          </a:prstGeom>
+        </p:spPr>
+      </p:pic>
+      <p:sp>
+        <p:nvSpPr>
+          <p:cNvPr id="3" name="Content Placeholder 2">
+            <a:extLst>
+              <a:ext uri="{FF2B5EF4-FFF2-40B4-BE49-F238E27FC236}">
+                <a16:creationId xmlns:a16="http://schemas.microsoft.com/office/drawing/2014/main" id="{829AB726-CD70-40C0-8643-8DB1C6B110C8}"/>
+              </a:ext>
+            </a:extLst>
+          </p:cNvPr>
+          <p:cNvSpPr>
+            <a:spLocks noGrp="1"/>
+          </p:cNvSpPr>
+          <p:nvPr>
+            <p:ph idx="1"/>
+          </p:nvPr>
+        </p:nvSpPr>
+        <p:spPr>
+          <a:xfrm>
+            <a:off x="7532710" y="1822449"/>
+            <a:ext cx="4401143" cy="3359151"/>
+          </a:xfrm>
+        </p:spPr>
+        <p:txBody>
+          <a:bodyPr vert="horz" lIns="91440" tIns="45720" rIns="91440" bIns="45720" rtlCol="0" anchor="t">
+            <a:normAutofit/>
+          </a:bodyPr>
+          <a:lstStyle/>
+          <a:p>
+            <a:pPr marL="0" indent="0">
+              <a:buNone/>
+            </a:pPr>
+            <a:r>
+              <a:rPr lang="bs-Latn-BA" dirty="0">
+                <a:solidFill>
+                  <a:schemeClr val="bg1"/>
+                </a:solidFill>
+              </a:rPr>
+              <a:t>Smederevska tvrđava ima oblik trougla stranica 550m, 502m i 400m. Koliki je obim tvrđave?</a:t>
+            </a:r>
+          </a:p>
+          <a:p>
+            <a:pPr marL="0" indent="0">
+              <a:buNone/>
+            </a:pPr>
+            <a:endParaRPr lang="bs-Latn-BA" dirty="0">
+              <a:solidFill>
+                <a:schemeClr val="bg1"/>
+              </a:solidFill>
+            </a:endParaRPr>
+          </a:p>
+          <a:p>
+            <a:pPr marL="0" indent="0">
+              <a:buNone/>
+            </a:pPr>
+            <a:r>
+              <a:rPr lang="bs-Latn-BA" dirty="0">
+                <a:solidFill>
+                  <a:schemeClr val="bg1"/>
+                </a:solidFill>
+              </a:rPr>
+              <a:t>Riješiti koristeći:</a:t>
+            </a:r>
+          </a:p>
+          <a:p>
+            <a:r>
+              <a:rPr lang="bs-Latn-BA" dirty="0">
+                <a:solidFill>
+                  <a:schemeClr val="bg1"/>
+                </a:solidFill>
+              </a:rPr>
+              <a:t>Sistemskog kalkulatora</a:t>
+            </a:r>
+          </a:p>
+          <a:p>
+            <a:r>
+              <a:rPr lang="bs-Latn-BA" dirty="0">
+                <a:solidFill>
+                  <a:schemeClr val="bg1"/>
+                </a:solidFill>
+              </a:rPr>
+              <a:t>IDLE interpreter</a:t>
+            </a:r>
+          </a:p>
+          <a:p>
+            <a:r>
+              <a:rPr lang="bs-Latn-BA" dirty="0">
+                <a:solidFill>
+                  <a:schemeClr val="bg1"/>
+                </a:solidFill>
+              </a:rPr>
+              <a:t>Python skripte</a:t>
+            </a:r>
+          </a:p>
+        </p:txBody>
+      </p:sp>
+      <p:grpSp>
+        <p:nvGrpSpPr>
+          <p:cNvPr id="38" name="Group 27">
+            <a:extLst>
+              <a:ext uri="{FF2B5EF4-FFF2-40B4-BE49-F238E27FC236}">
+                <a16:creationId xmlns:a16="http://schemas.microsoft.com/office/drawing/2014/main" id="{B29E1950-A366-48B7-8DAB-726C0DE58072}"/>
+              </a:ext>
+              <a:ext uri="{C183D7F6-B498-43B3-948B-1728B52AA6E4}">
+                <adec:decorative xmlns:adec="http://schemas.microsoft.com/office/drawing/2017/decorative" val="1"/>
+              </a:ext>
+            </a:extLst>
+          </p:cNvPr>
+          <p:cNvGrpSpPr>
+            <a:grpSpLocks noGrp="1" noUngrp="1" noRot="1" noChangeAspect="1" noMove="1" noResize="1"/>
+          </p:cNvGrpSpPr>
+          <p:nvPr>
+            <p:extLst>
+              <p:ext uri="{386F3935-93C4-4BCD-93E2-E3B085C9AB24}">
+                <p16:designElem xmlns:p16="http://schemas.microsoft.com/office/powerpoint/2015/main" val="1"/>
+              </p:ext>
+            </p:extLst>
+          </p:nvPr>
+        </p:nvGrpSpPr>
+        <p:grpSpPr>
+          <a:xfrm>
+            <a:off x="9206969" y="2963333"/>
+            <a:ext cx="2981858" cy="3208867"/>
+            <a:chOff x="9206969" y="2963333"/>
+            <a:chExt cx="2981858" cy="3208867"/>
+          </a:xfrm>
+        </p:grpSpPr>
+        <p:cxnSp>
+          <p:nvCxnSpPr>
+            <p:cNvPr id="29" name="Straight Connector 28">
+              <a:extLst>
+                <a:ext uri="{FF2B5EF4-FFF2-40B4-BE49-F238E27FC236}">
+                  <a16:creationId xmlns:a16="http://schemas.microsoft.com/office/drawing/2014/main" id="{624123CD-2156-4134-A3FB-C82036B5FAEB}"/>
+                </a:ext>
+                <a:ext uri="{C183D7F6-B498-43B3-948B-1728B52AA6E4}">
+                  <adec:decorative xmlns:adec="http://schemas.microsoft.com/office/drawing/2017/decorative" val="1"/>
+                </a:ext>
+              </a:extLst>
+            </p:cNvPr>
+            <p:cNvCxnSpPr/>
+            <p:nvPr>
+              <p:extLst>
+                <p:ext uri="{386F3935-93C4-4BCD-93E2-E3B085C9AB24}">
+                  <p16:designElem xmlns:p16="http://schemas.microsoft.com/office/powerpoint/2015/main" val="1"/>
+                </p:ext>
+              </p:extLst>
+            </p:nvPr>
+          </p:nvCxnSpPr>
+          <p:spPr>
+            <a:xfrm flipH="1">
+              <a:off x="11276012" y="2963333"/>
+              <a:ext cx="912814" cy="912812"/>
+            </a:xfrm>
+            <a:prstGeom prst="line">
+              <a:avLst/>
+            </a:prstGeom>
+            <a:ln w="9525">
+              <a:solidFill>
+                <a:srgbClr val="FFFFFF"/>
+              </a:solidFill>
+            </a:ln>
+          </p:spPr>
+          <p:style>
+            <a:lnRef idx="2">
+              <a:schemeClr val="accent1"/>
+            </a:lnRef>
+            <a:fillRef idx="0">
+              <a:schemeClr val="accent1"/>
+            </a:fillRef>
+            <a:effectRef idx="1">
+              <a:schemeClr val="accent1"/>
+            </a:effectRef>
+            <a:fontRef idx="minor">
+              <a:schemeClr val="tx1"/>
+            </a:fontRef>
+          </p:style>
+        </p:cxnSp>
+        <p:cxnSp>
+          <p:nvCxnSpPr>
+            <p:cNvPr id="39" name="Straight Connector 29">
+              <a:extLst>
+                <a:ext uri="{FF2B5EF4-FFF2-40B4-BE49-F238E27FC236}">
+                  <a16:creationId xmlns:a16="http://schemas.microsoft.com/office/drawing/2014/main" id="{282DAEA8-4DC7-4972-8972-06976C61D518}"/>
+                </a:ext>
+                <a:ext uri="{C183D7F6-B498-43B3-948B-1728B52AA6E4}">
+                  <adec:decorative xmlns:adec="http://schemas.microsoft.com/office/drawing/2017/decorative" val="1"/>
+                </a:ext>
+              </a:extLst>
+            </p:cNvPr>
+            <p:cNvCxnSpPr/>
+            <p:nvPr>
+              <p:extLst>
+                <p:ext uri="{386F3935-93C4-4BCD-93E2-E3B085C9AB24}">
+                  <p16:designElem xmlns:p16="http://schemas.microsoft.com/office/powerpoint/2015/main" val="1"/>
+                </p:ext>
+              </p:extLst>
+            </p:nvPr>
+          </p:nvCxnSpPr>
+          <p:spPr>
+            <a:xfrm flipH="1">
+              <a:off x="9206969" y="3190344"/>
+              <a:ext cx="2981857" cy="2981856"/>
+            </a:xfrm>
+            <a:prstGeom prst="line">
+              <a:avLst/>
+            </a:prstGeom>
+            <a:ln w="9525">
+              <a:solidFill>
+                <a:srgbClr val="FFFFFF"/>
+              </a:solidFill>
+            </a:ln>
+          </p:spPr>
+          <p:style>
+            <a:lnRef idx="2">
+              <a:schemeClr val="accent1"/>
+            </a:lnRef>
+            <a:fillRef idx="0">
+              <a:schemeClr val="accent1"/>
+            </a:fillRef>
+            <a:effectRef idx="1">
+              <a:schemeClr val="accent1"/>
+            </a:effectRef>
+            <a:fontRef idx="minor">
+              <a:schemeClr val="tx1"/>
+            </a:fontRef>
+          </p:style>
+        </p:cxnSp>
+        <p:cxnSp>
+          <p:nvCxnSpPr>
+            <p:cNvPr id="31" name="Straight Connector 30">
+              <a:extLst>
+                <a:ext uri="{FF2B5EF4-FFF2-40B4-BE49-F238E27FC236}">
+                  <a16:creationId xmlns:a16="http://schemas.microsoft.com/office/drawing/2014/main" id="{C33B16A3-1C35-4E6B-88DA-2A2550F94147}"/>
+                </a:ext>
+                <a:ext uri="{C183D7F6-B498-43B3-948B-1728B52AA6E4}">
+                  <adec:decorative xmlns:adec="http://schemas.microsoft.com/office/drawing/2017/decorative" val="1"/>
+                </a:ext>
+              </a:extLst>
+            </p:cNvPr>
+            <p:cNvCxnSpPr/>
+            <p:nvPr>
+              <p:extLst>
+                <p:ext uri="{386F3935-93C4-4BCD-93E2-E3B085C9AB24}">
+                  <p16:designElem xmlns:p16="http://schemas.microsoft.com/office/powerpoint/2015/main" val="1"/>
+                </p:ext>
+              </p:extLst>
+            </p:nvPr>
+          </p:nvCxnSpPr>
+          <p:spPr>
+            <a:xfrm flipH="1">
+              <a:off x="10292292" y="3285067"/>
+              <a:ext cx="1896534" cy="1896533"/>
+            </a:xfrm>
+            <a:prstGeom prst="line">
+              <a:avLst/>
+            </a:prstGeom>
+            <a:ln w="9525">
+              <a:solidFill>
+                <a:srgbClr val="FFFFFF"/>
+              </a:solidFill>
+            </a:ln>
+          </p:spPr>
+          <p:style>
+            <a:lnRef idx="2">
+              <a:schemeClr val="accent1"/>
+            </a:lnRef>
+            <a:fillRef idx="0">
+              <a:schemeClr val="accent1"/>
+            </a:fillRef>
+            <a:effectRef idx="1">
+              <a:schemeClr val="accent1"/>
+            </a:effectRef>
+            <a:fontRef idx="minor">
+              <a:schemeClr val="tx1"/>
+            </a:fontRef>
+          </p:style>
+        </p:cxnSp>
+        <p:cxnSp>
+          <p:nvCxnSpPr>
+            <p:cNvPr id="40" name="Straight Connector 31">
+              <a:extLst>
+                <a:ext uri="{FF2B5EF4-FFF2-40B4-BE49-F238E27FC236}">
+                  <a16:creationId xmlns:a16="http://schemas.microsoft.com/office/drawing/2014/main" id="{106381D1-240B-4A28-88D3-6ACC575DCF15}"/>
+                </a:ext>
+                <a:ext uri="{C183D7F6-B498-43B3-948B-1728B52AA6E4}">
+                  <adec:decorative xmlns:adec="http://schemas.microsoft.com/office/drawing/2017/decorative" val="1"/>
+                </a:ext>
+              </a:extLst>
+            </p:cNvPr>
+            <p:cNvCxnSpPr/>
+            <p:nvPr>
+              <p:extLst>
+                <p:ext uri="{386F3935-93C4-4BCD-93E2-E3B085C9AB24}">
+                  <p16:designElem xmlns:p16="http://schemas.microsoft.com/office/powerpoint/2015/main" val="1"/>
+                </p:ext>
+              </p:extLst>
+            </p:nvPr>
+          </p:nvCxnSpPr>
+          <p:spPr>
+            <a:xfrm flipH="1">
+              <a:off x="10443103" y="3131080"/>
+              <a:ext cx="1745722" cy="1745720"/>
+            </a:xfrm>
+            <a:prstGeom prst="line">
+              <a:avLst/>
+            </a:prstGeom>
+            <a:ln w="28575">
+              <a:solidFill>
+                <a:srgbClr val="FFFFFF"/>
+              </a:solidFill>
+            </a:ln>
+          </p:spPr>
+          <p:style>
+            <a:lnRef idx="2">
+              <a:schemeClr val="accent1"/>
+            </a:lnRef>
+            <a:fillRef idx="0">
+              <a:schemeClr val="accent1"/>
+            </a:fillRef>
+            <a:effectRef idx="1">
+              <a:schemeClr val="accent1"/>
+            </a:effectRef>
+            <a:fontRef idx="minor">
+              <a:schemeClr val="tx1"/>
+            </a:fontRef>
+          </p:style>
+        </p:cxnSp>
+        <p:cxnSp>
+          <p:nvCxnSpPr>
+            <p:cNvPr id="33" name="Straight Connector 32">
+              <a:extLst>
+                <a:ext uri="{FF2B5EF4-FFF2-40B4-BE49-F238E27FC236}">
+                  <a16:creationId xmlns:a16="http://schemas.microsoft.com/office/drawing/2014/main" id="{7C8CFC7B-B818-47F0-AE87-6B34B07D14D2}"/>
+                </a:ext>
+                <a:ext uri="{C183D7F6-B498-43B3-948B-1728B52AA6E4}">
+                  <adec:decorative xmlns:adec="http://schemas.microsoft.com/office/drawing/2017/decorative" val="1"/>
+                </a:ext>
+              </a:extLst>
+            </p:cNvPr>
+            <p:cNvCxnSpPr/>
+            <p:nvPr>
+              <p:extLst>
+                <p:ext uri="{386F3935-93C4-4BCD-93E2-E3B085C9AB24}">
+                  <p16:designElem xmlns:p16="http://schemas.microsoft.com/office/powerpoint/2015/main" val="1"/>
+                </p:ext>
+              </p:extLst>
+            </p:nvPr>
+          </p:nvCxnSpPr>
+          <p:spPr>
+            <a:xfrm flipH="1">
+              <a:off x="10918826" y="3683001"/>
+              <a:ext cx="1270001" cy="1269999"/>
+            </a:xfrm>
+            <a:prstGeom prst="line">
+              <a:avLst/>
+            </a:prstGeom>
+            <a:ln w="28575">
+              <a:solidFill>
+                <a:srgbClr val="FFFFFF"/>
+              </a:solidFill>
+            </a:ln>
+          </p:spPr>
+          <p:style>
+            <a:lnRef idx="2">
+              <a:schemeClr val="accent1"/>
+            </a:lnRef>
+            <a:fillRef idx="0">
+              <a:schemeClr val="accent1"/>
+            </a:fillRef>
+            <a:effectRef idx="1">
+              <a:schemeClr val="accent1"/>
+            </a:effectRef>
+            <a:fontRef idx="minor">
+              <a:schemeClr val="tx1"/>
+            </a:fontRef>
+          </p:style>
+        </p:cxnSp>
+      </p:grpSp>
+    </p:spTree>
+    <p:extLst>
+      <p:ext uri="{BB962C8B-B14F-4D97-AF65-F5344CB8AC3E}">
+        <p14:creationId xmlns:p14="http://schemas.microsoft.com/office/powerpoint/2010/main" val="1403277842"/>
+      </p:ext>
+    </p:extLst>
+  </p:cSld>
+  <p:clrMapOvr>
+    <a:overrideClrMapping bg1="lt1" tx1="dk1" bg2="lt2" tx2="dk2" accent1="accent1" accent2="accent2" accent3="accent3" accent4="accent4" accent5="accent5" accent6="accent6" hlink="hlink" folHlink="folHlink"/>
+  </p:clrMapOvr>
+  <p:timing>
+    <p:tnLst>
+      <p:par>
+        <p:cTn id="1" dur="indefinite" restart="never" nodeType="tmRoot">
+          <p:childTnLst>
+            <p:seq concurrent="1" nextAc="seek">
+              <p:cTn id="2" dur="indefinite" nodeType="mainSeq">
+                <p:childTnLst>
+                  <p:par>
+                    <p:cTn id="3" fill="hold">
+                      <p:stCondLst>
+                        <p:cond delay="indefinite"/>
+                        <p:cond evt="onBegin" delay="0">
+                          <p:tn val="2"/>
+                        </p:cond>
+                      </p:stCondLst>
+                      <p:childTnLst>
+                        <p:par>
+                          <p:cTn id="4" fill="hold">
+                            <p:stCondLst>
+                              <p:cond delay="0"/>
+                            </p:stCondLst>
+                            <p:childTnLst>
+                              <p:par>
+                                <p:cTn id="5" presetID="10" presetClass="entr" presetSubtype="0" fill="hold" grpId="0" nodeType="withEffect">
+                                  <p:stCondLst>
+                                    <p:cond delay="1000"/>
+                                  </p:stCondLst>
+                                  <p:iterate type="lt">
+                                    <p:tmPct val="10000"/>
+                                  </p:iterate>
+                                  <p:childTnLst>
+                                    <p:set>
+                                      <p:cBhvr>
+                                        <p:cTn id="6" dur="1" fill="hold">
+                                          <p:stCondLst>
+                                            <p:cond delay="0"/>
+                                          </p:stCondLst>
+                                        </p:cTn>
+                                        <p:tgtEl>
+                                          <p:spTgt spid="2"/>
+                                        </p:tgtEl>
+                                        <p:attrNameLst>
+                                          <p:attrName>style.visibility</p:attrName>
+                                        </p:attrNameLst>
+                                      </p:cBhvr>
+                                      <p:to>
+                                        <p:strVal val="visible"/>
+                                      </p:to>
+                                    </p:set>
+                                    <p:animEffect transition="in" filter="fade">
+                                      <p:cBhvr>
+                                        <p:cTn id="7" dur="400"/>
+                                        <p:tgtEl>
+                                          <p:spTgt spid="2"/>
+                                        </p:tgtEl>
+                                      </p:cBhvr>
+                                    </p:animEffect>
+                                  </p:childTnLst>
+                                </p:cTn>
+                              </p:par>
+                            </p:childTnLst>
+                          </p:cTn>
+                        </p:par>
+                      </p:childTnLst>
+                    </p:cTn>
+                  </p:par>
+                  <p:par>
+                    <p:cTn id="8" fill="hold">
+                      <p:stCondLst>
+                        <p:cond delay="indefinite"/>
+                      </p:stCondLst>
+                      <p:childTnLst>
+                        <p:par>
+                          <p:cTn id="9" fill="hold">
+                            <p:stCondLst>
+                              <p:cond delay="0"/>
+                            </p:stCondLst>
+                            <p:childTnLst>
+                              <p:par>
+                                <p:cTn id="10" presetID="16" presetClass="entr" presetSubtype="21" fill="hold" nodeType="clickEffect">
+                                  <p:stCondLst>
+                                    <p:cond delay="0"/>
+                                  </p:stCondLst>
+                                  <p:childTnLst>
+                                    <p:set>
+                                      <p:cBhvr>
+                                        <p:cTn id="11" dur="1" fill="hold">
+                                          <p:stCondLst>
+                                            <p:cond delay="0"/>
+                                          </p:stCondLst>
+                                        </p:cTn>
+                                        <p:tgtEl>
+                                          <p:spTgt spid="3">
+                                            <p:txEl>
+                                              <p:pRg st="0" end="0"/>
+                                            </p:txEl>
+                                          </p:spTgt>
+                                        </p:tgtEl>
+                                        <p:attrNameLst>
+                                          <p:attrName>style.visibility</p:attrName>
+                                        </p:attrNameLst>
+                                      </p:cBhvr>
+                                      <p:to>
+                                        <p:strVal val="visible"/>
+                                      </p:to>
+                                    </p:set>
+                                    <p:animEffect transition="in" filter="barn(inVertical)">
+                                      <p:cBhvr>
+                                        <p:cTn id="12" dur="500"/>
+                                        <p:tgtEl>
+                                          <p:spTgt spid="3">
+                                            <p:txEl>
+                                              <p:pRg st="0" end="0"/>
+                                            </p:txEl>
+                                          </p:spTgt>
+                                        </p:tgtEl>
+                                      </p:cBhvr>
+                                    </p:animEffect>
+                                  </p:childTnLst>
+                                </p:cTn>
+                              </p:par>
+                            </p:childTnLst>
+                          </p:cTn>
+                        </p:par>
+                        <p:par>
+                          <p:cTn id="13" fill="hold">
+                            <p:stCondLst>
+                              <p:cond delay="500"/>
+                            </p:stCondLst>
+                            <p:childTnLst>
+                              <p:par>
+                                <p:cTn id="14" presetID="16" presetClass="entr" presetSubtype="21" fill="hold" nodeType="afterEffect">
+                                  <p:stCondLst>
+                                    <p:cond delay="0"/>
+                                  </p:stCondLst>
+                                  <p:childTnLst>
+                                    <p:set>
+                                      <p:cBhvr>
+                                        <p:cTn id="15" dur="1" fill="hold">
+                                          <p:stCondLst>
+                                            <p:cond delay="0"/>
+                                          </p:stCondLst>
+                                        </p:cTn>
+                                        <p:tgtEl>
+                                          <p:spTgt spid="3">
+                                            <p:txEl>
+                                              <p:pRg st="2" end="2"/>
+                                            </p:txEl>
+                                          </p:spTgt>
+                                        </p:tgtEl>
+                                        <p:attrNameLst>
+                                          <p:attrName>style.visibility</p:attrName>
+                                        </p:attrNameLst>
+                                      </p:cBhvr>
+                                      <p:to>
+                                        <p:strVal val="visible"/>
+                                      </p:to>
+                                    </p:set>
+                                    <p:animEffect transition="in" filter="barn(inVertical)">
+                                      <p:cBhvr>
+                                        <p:cTn id="16" dur="500"/>
+                                        <p:tgtEl>
+                                          <p:spTgt spid="3">
+                                            <p:txEl>
+                                              <p:pRg st="2" end="2"/>
+                                            </p:txEl>
+                                          </p:spTgt>
+                                        </p:tgtEl>
+                                      </p:cBhvr>
+                                    </p:animEffect>
+                                  </p:childTnLst>
+                                </p:cTn>
+                              </p:par>
+                            </p:childTnLst>
+                          </p:cTn>
+                        </p:par>
+                        <p:par>
+                          <p:cTn id="17" fill="hold">
+                            <p:stCondLst>
+                              <p:cond delay="1000"/>
+                            </p:stCondLst>
+                            <p:childTnLst>
+                              <p:par>
+                                <p:cTn id="18" presetID="16" presetClass="entr" presetSubtype="21" fill="hold" nodeType="afterEffect">
+                                  <p:stCondLst>
+                                    <p:cond delay="0"/>
+                                  </p:stCondLst>
+                                  <p:childTnLst>
+                                    <p:set>
+                                      <p:cBhvr>
+                                        <p:cTn id="19" dur="1" fill="hold">
+                                          <p:stCondLst>
+                                            <p:cond delay="0"/>
+                                          </p:stCondLst>
+                                        </p:cTn>
+                                        <p:tgtEl>
+                                          <p:spTgt spid="3">
+                                            <p:txEl>
+                                              <p:pRg st="3" end="3"/>
+                                            </p:txEl>
+                                          </p:spTgt>
+                                        </p:tgtEl>
+                                        <p:attrNameLst>
+                                          <p:attrName>style.visibility</p:attrName>
+                                        </p:attrNameLst>
+                                      </p:cBhvr>
+                                      <p:to>
+                                        <p:strVal val="visible"/>
+                                      </p:to>
+                                    </p:set>
+                                    <p:animEffect transition="in" filter="barn(inVertical)">
+                                      <p:cBhvr>
+                                        <p:cTn id="20" dur="500"/>
+                                        <p:tgtEl>
+                                          <p:spTgt spid="3">
+                                            <p:txEl>
+                                              <p:pRg st="3" end="3"/>
+                                            </p:txEl>
+                                          </p:spTgt>
+                                        </p:tgtEl>
+                                      </p:cBhvr>
+                                    </p:animEffect>
+                                  </p:childTnLst>
+                                </p:cTn>
+                              </p:par>
+                            </p:childTnLst>
+                          </p:cTn>
+                        </p:par>
+                        <p:par>
+                          <p:cTn id="21" fill="hold">
+                            <p:stCondLst>
+                              <p:cond delay="1500"/>
+                            </p:stCondLst>
+                            <p:childTnLst>
+                              <p:par>
+                                <p:cTn id="22" presetID="16" presetClass="entr" presetSubtype="21" fill="hold" nodeType="afterEffect">
+                                  <p:stCondLst>
+                                    <p:cond delay="0"/>
+                                  </p:stCondLst>
+                                  <p:childTnLst>
+                                    <p:set>
+                                      <p:cBhvr>
+                                        <p:cTn id="23" dur="1" fill="hold">
+                                          <p:stCondLst>
+                                            <p:cond delay="0"/>
+                                          </p:stCondLst>
+                                        </p:cTn>
+                                        <p:tgtEl>
+                                          <p:spTgt spid="3">
+                                            <p:txEl>
+                                              <p:pRg st="4" end="4"/>
+                                            </p:txEl>
+                                          </p:spTgt>
+                                        </p:tgtEl>
+                                        <p:attrNameLst>
+                                          <p:attrName>style.visibility</p:attrName>
+                                        </p:attrNameLst>
+                                      </p:cBhvr>
+                                      <p:to>
+                                        <p:strVal val="visible"/>
+                                      </p:to>
+                                    </p:set>
+                                    <p:animEffect transition="in" filter="barn(inVertical)">
+                                      <p:cBhvr>
+                                        <p:cTn id="24" dur="500"/>
+                                        <p:tgtEl>
+                                          <p:spTgt spid="3">
+                                            <p:txEl>
+                                              <p:pRg st="4" end="4"/>
+                                            </p:txEl>
+                                          </p:spTgt>
+                                        </p:tgtEl>
+                                      </p:cBhvr>
+                                    </p:animEffect>
+                                  </p:childTnLst>
+                                </p:cTn>
+                              </p:par>
+                            </p:childTnLst>
+                          </p:cTn>
+                        </p:par>
+                        <p:par>
+                          <p:cTn id="25" fill="hold">
+                            <p:stCondLst>
+                              <p:cond delay="2000"/>
+                            </p:stCondLst>
+                            <p:childTnLst>
+                              <p:par>
+                                <p:cTn id="26" presetID="16" presetClass="entr" presetSubtype="21" fill="hold" nodeType="afterEffect">
+                                  <p:stCondLst>
+                                    <p:cond delay="0"/>
+                                  </p:stCondLst>
+                                  <p:childTnLst>
+                                    <p:set>
+                                      <p:cBhvr>
+                                        <p:cTn id="27" dur="1" fill="hold">
+                                          <p:stCondLst>
+                                            <p:cond delay="0"/>
+                                          </p:stCondLst>
+                                        </p:cTn>
+                                        <p:tgtEl>
+                                          <p:spTgt spid="3">
+                                            <p:txEl>
+                                              <p:pRg st="5" end="5"/>
+                                            </p:txEl>
+                                          </p:spTgt>
+                                        </p:tgtEl>
+                                        <p:attrNameLst>
+                                          <p:attrName>style.visibility</p:attrName>
+                                        </p:attrNameLst>
+                                      </p:cBhvr>
+                                      <p:to>
+                                        <p:strVal val="visible"/>
+                                      </p:to>
+                                    </p:set>
+                                    <p:animEffect transition="in" filter="barn(inVertical)">
+                                      <p:cBhvr>
+                                        <p:cTn id="28" dur="500"/>
+                                        <p:tgtEl>
+                                          <p:spTgt spid="3">
+                                            <p:txEl>
+                                              <p:pRg st="5" end="5"/>
+                                            </p:txEl>
+                                          </p:spTgt>
+                                        </p:tgtEl>
+                                      </p:cBhvr>
+                                    </p:animEffect>
+                                  </p:childTnLst>
+                                </p:cTn>
+                              </p:par>
+                            </p:childTnLst>
+                          </p:cTn>
+                        </p:par>
+                      </p:childTnLst>
+                    </p:cTn>
+                  </p:par>
+                </p:childTnLst>
+              </p:cTn>
+              <p:prevCondLst>
+                <p:cond evt="onPrev" delay="0">
+                  <p:tgtEl>
+                    <p:sldTgt/>
+                  </p:tgtEl>
+                </p:cond>
+              </p:prevCondLst>
+              <p:nextCondLst>
+                <p:cond evt="onNext" delay="0">
+                  <p:tgtEl>
+                    <p:sldTgt/>
+                  </p:tgtEl>
+                </p:cond>
+              </p:nextCondLst>
+            </p:seq>
+          </p:childTnLst>
+        </p:cTn>
+      </p:par>
+    </p:tnLst>
+    <p:bldLst>
+      <p:bldP spid="2" grpId="0"/>
+    </p:bldLst>
+  </p:timing>
+</p:sld>
+</file>
+
+<file path=ppt/slides/slide9.xml><?xml version="1.0" encoding="utf-8"?>
+<p:sld xmlns:a="http://schemas.openxmlformats.org/drawingml/2006/main" xmlns:r="http://schemas.openxmlformats.org/officeDocument/2006/relationships" xmlns:p="http://schemas.openxmlformats.org/presentationml/2006/main">
+  <p:cSld>
+    <p:spTree>
+      <p:nvGrpSpPr>
+        <p:cNvPr id="1" name=""/>
+        <p:cNvGrpSpPr/>
+        <p:nvPr/>
+      </p:nvGrpSpPr>
+      <p:grpSpPr>
+        <a:xfrm>
+          <a:off x="0" y="0"/>
+          <a:ext cx="0" cy="0"/>
+          <a:chOff x="0" y="0"/>
+          <a:chExt cx="0" cy="0"/>
+        </a:xfrm>
+      </p:grpSpPr>
+      <p:sp>
+        <p:nvSpPr>
+          <p:cNvPr id="2" name="Title 1">
+            <a:extLst>
+              <a:ext uri="{FF2B5EF4-FFF2-40B4-BE49-F238E27FC236}">
+                <a16:creationId xmlns:a16="http://schemas.microsoft.com/office/drawing/2014/main" id="{2719647F-ACA0-4D70-934F-D74F70B33464}"/>
+              </a:ext>
+            </a:extLst>
+          </p:cNvPr>
+          <p:cNvSpPr>
+            <a:spLocks noGrp="1"/>
+          </p:cNvSpPr>
+          <p:nvPr>
+            <p:ph type="title"/>
+          </p:nvPr>
+        </p:nvSpPr>
+        <p:spPr>
+          <a:xfrm>
+            <a:off x="684212" y="194465"/>
+            <a:ext cx="8534400" cy="1507067"/>
+          </a:xfrm>
+        </p:spPr>
+        <p:txBody>
+          <a:bodyPr/>
+          <a:lstStyle/>
+          <a:p>
+            <a:r>
+              <a:rPr lang="en-US" dirty="0" err="1"/>
+              <a:t>Slo</a:t>
+            </a:r>
+            <a:r>
+              <a:rPr lang="bs-Latn-BA" dirty="0"/>
+              <a:t>ženi izrazi, prioritet operatora i zagrade</a:t>
+            </a:r>
+            <a:endParaRPr lang="en-US" dirty="0"/>
+          </a:p>
+        </p:txBody>
+      </p:sp>
+      <p:sp>
+        <p:nvSpPr>
+          <p:cNvPr id="3" name="Content Placeholder 2">
+            <a:extLst>
+              <a:ext uri="{FF2B5EF4-FFF2-40B4-BE49-F238E27FC236}">
+                <a16:creationId xmlns:a16="http://schemas.microsoft.com/office/drawing/2014/main" id="{DFD63EAF-15E6-4423-8EC2-73FAD5A0E019}"/>
+              </a:ext>
+            </a:extLst>
+          </p:cNvPr>
+          <p:cNvSpPr>
+            <a:spLocks noGrp="1"/>
+          </p:cNvSpPr>
+          <p:nvPr>
+            <p:ph idx="1"/>
+          </p:nvPr>
+        </p:nvSpPr>
+        <p:spPr>
+          <a:xfrm>
+            <a:off x="413886" y="1482291"/>
+            <a:ext cx="10116152" cy="5293893"/>
+          </a:xfrm>
+        </p:spPr>
+        <p:txBody>
+          <a:bodyPr>
+            <a:normAutofit lnSpcReduction="10000"/>
+          </a:bodyPr>
+          <a:lstStyle/>
+          <a:p>
+            <a:r>
+              <a:rPr lang="bs-Latn-BA" sz="2400" dirty="0">
+                <a:solidFill>
+                  <a:schemeClr val="tx1"/>
+                </a:solidFill>
+              </a:rPr>
+              <a:t>Zadatak: Izračunaj proizvod zbira brojeva 874 i 437 i razlike brojeva 915 i 364</a:t>
+            </a:r>
+            <a:br>
+              <a:rPr lang="bs-Latn-BA" sz="2400" dirty="0">
+                <a:solidFill>
+                  <a:schemeClr val="tx1"/>
+                </a:solidFill>
+              </a:rPr>
+            </a:br>
+            <a:endParaRPr lang="bs-Latn-BA" sz="2400" dirty="0">
+              <a:solidFill>
+                <a:schemeClr val="tx1"/>
+              </a:solidFill>
+            </a:endParaRPr>
+          </a:p>
+          <a:p>
+            <a:r>
+              <a:rPr lang="bs-Latn-BA" sz="2400" dirty="0">
+                <a:solidFill>
+                  <a:schemeClr val="tx1"/>
+                </a:solidFill>
+              </a:rPr>
+              <a:t>Zadatak: Koja je vrijednost izraza 5 + 5 * 5</a:t>
+            </a:r>
+            <a:br>
+              <a:rPr lang="bs-Latn-BA" sz="2400" dirty="0">
+                <a:solidFill>
+                  <a:schemeClr val="tx1"/>
+                </a:solidFill>
+              </a:rPr>
+            </a:br>
+            <a:endParaRPr lang="bs-Latn-BA" sz="2400" dirty="0">
+              <a:solidFill>
+                <a:schemeClr val="tx1"/>
+              </a:solidFill>
+            </a:endParaRPr>
+          </a:p>
+          <a:p>
+            <a:r>
+              <a:rPr lang="bs-Latn-BA" sz="2400" dirty="0">
+                <a:solidFill>
+                  <a:schemeClr val="tx1"/>
+                </a:solidFill>
+              </a:rPr>
+              <a:t>Zadatak: Koja je vrijednost izraza (5 + 5) * 5</a:t>
+            </a:r>
+            <a:br>
+              <a:rPr lang="bs-Latn-BA" sz="2400" dirty="0">
+                <a:solidFill>
+                  <a:schemeClr val="tx1"/>
+                </a:solidFill>
+              </a:rPr>
+            </a:br>
+            <a:endParaRPr lang="bs-Latn-BA" sz="2400" dirty="0">
+              <a:solidFill>
+                <a:schemeClr val="tx1"/>
+              </a:solidFill>
+            </a:endParaRPr>
+          </a:p>
+          <a:p>
+            <a:r>
+              <a:rPr lang="bs-Latn-BA" sz="2400" dirty="0">
+                <a:solidFill>
+                  <a:schemeClr val="tx1"/>
+                </a:solidFill>
+              </a:rPr>
+              <a:t>Zadatak: Koji je narednih programa izračunava i ispisuje proizvod razlike brojeva 184 i 72 i razlike brojeva 273 i 194</a:t>
+            </a:r>
+          </a:p>
+          <a:p>
+            <a:pPr lvl="1"/>
+            <a:r>
+              <a:rPr lang="bs-Latn-BA" sz="2000" dirty="0">
+                <a:solidFill>
+                  <a:schemeClr val="tx1"/>
+                </a:solidFill>
+              </a:rPr>
+              <a:t>print((184 + 72) * (273 - 194))</a:t>
+            </a:r>
+          </a:p>
+          <a:p>
+            <a:pPr lvl="1"/>
+            <a:r>
+              <a:rPr lang="bs-Latn-BA" sz="2000" dirty="0">
+                <a:solidFill>
+                  <a:schemeClr val="tx1"/>
+                </a:solidFill>
+              </a:rPr>
+              <a:t>print((184 - 72) * (273 - 194))</a:t>
+            </a:r>
+          </a:p>
+          <a:p>
+            <a:pPr lvl="1"/>
+            <a:r>
+              <a:rPr lang="bs-Latn-BA" sz="2000" dirty="0">
+                <a:solidFill>
+                  <a:schemeClr val="tx1"/>
+                </a:solidFill>
+              </a:rPr>
+              <a:t>(184 - 72) * (273 - 194)</a:t>
+            </a:r>
+          </a:p>
+          <a:p>
+            <a:pPr lvl="1"/>
+            <a:r>
+              <a:rPr lang="bs-Latn-BA" sz="2000" dirty="0">
+                <a:solidFill>
+                  <a:schemeClr val="tx1"/>
+                </a:solidFill>
+              </a:rPr>
+              <a:t>print(184 - 72 * 273 - 194)</a:t>
+            </a:r>
+          </a:p>
+        </p:txBody>
+      </p:sp>
+    </p:spTree>
+    <p:extLst>
+      <p:ext uri="{BB962C8B-B14F-4D97-AF65-F5344CB8AC3E}">
+        <p14:creationId xmlns:p14="http://schemas.microsoft.com/office/powerpoint/2010/main" val="2857871875"/>
+      </p:ext>
+    </p:extLst>
+  </p:cSld>
+  <p:clrMapOvr>
+    <a:masterClrMapping/>
+  </p:clrMapOvr>
+  <p:timing>
+    <p:tnLst>
+      <p:par>
+        <p:cTn id="1" dur="indefinite" restart="never" nodeType="tmRoot">
+          <p:childTnLst>
+            <p:seq concurrent="1" nextAc="seek">
+              <p:cTn id="2" dur="indefinite" nodeType="mainSeq">
+                <p:childTnLst>
+                  <p:par>
+                    <p:cTn id="3" fill="hold">
+                      <p:stCondLst>
+                        <p:cond delay="indefinite"/>
+                        <p:cond evt="onBegin" delay="0">
+                          <p:tn val="2"/>
+                        </p:cond>
+                      </p:stCondLst>
+                      <p:childTnLst>
+                        <p:par>
+                          <p:cTn id="4" fill="hold">
+                            <p:stCondLst>
+                              <p:cond delay="0"/>
+                            </p:stCondLst>
+                            <p:childTnLst>
+                              <p:par>
+                                <p:cTn id="5" presetID="2" presetClass="entr" presetSubtype="4" fill="hold" nodeType="afterEffect">
+                                  <p:stCondLst>
+                                    <p:cond delay="0"/>
+                                  </p:stCondLst>
+                                  <p:childTnLst>
+                                    <p:set>
+                                      <p:cBhvr>
+                                        <p:cTn id="6" dur="1" fill="hold">
+                                          <p:stCondLst>
+                                            <p:cond delay="0"/>
+                                          </p:stCondLst>
+                                        </p:cTn>
+                                        <p:tgtEl>
+                                          <p:spTgt spid="3">
+                                            <p:txEl>
+                                              <p:pRg st="0" end="0"/>
+                                            </p:txEl>
+                                          </p:spTgt>
+                                        </p:tgtEl>
+                                        <p:attrNameLst>
+                                          <p:attrName>style.visibility</p:attrName>
+                                        </p:attrNameLst>
+                                      </p:cBhvr>
+                                      <p:to>
+                                        <p:strVal val="visible"/>
+                                      </p:to>
+                                    </p:set>
+                                    <p:anim calcmode="lin" valueType="num">
+                                      <p:cBhvr additive="base">
+                                        <p:cTn id="7" dur="500" fill="hold"/>
+                                        <p:tgtEl>
+                                          <p:spTgt spid="3">
+                                            <p:txEl>
+                                              <p:pRg st="0" end="0"/>
+                                            </p:txEl>
+                                          </p:spTgt>
+                                        </p:tgtEl>
+                                        <p:attrNameLst>
+                                          <p:attrName>ppt_x</p:attrName>
+                                        </p:attrNameLst>
+                                      </p:cBhvr>
+                                      <p:tavLst>
+                                        <p:tav tm="0">
+                                          <p:val>
+                                            <p:strVal val="#ppt_x"/>
+                                          </p:val>
+                                        </p:tav>
+                                        <p:tav tm="100000">
+                                          <p:val>
+                                            <p:strVal val="#ppt_x"/>
+                                          </p:val>
+                                        </p:tav>
+                                      </p:tavLst>
+                                    </p:anim>
+                                    <p:anim calcmode="lin" valueType="num">
+                                      <p:cBhvr additive="base">
+                                        <p:cTn id="8" dur="500" fill="hold"/>
+                                        <p:tgtEl>
+                                          <p:spTgt spid="3">
+                                            <p:txEl>
+                                              <p:pRg st="0" end="0"/>
+                                            </p:txEl>
+                                          </p:spTgt>
+                                        </p:tgtEl>
+                                        <p:attrNameLst>
+                                          <p:attrName>ppt_y</p:attrName>
+                                        </p:attrNameLst>
+                                      </p:cBhvr>
+                                      <p:tavLst>
+                                        <p:tav tm="0">
+                                          <p:val>
+                                            <p:strVal val="1+#ppt_h/2"/>
+                                          </p:val>
+                                        </p:tav>
+                                        <p:tav tm="100000">
+                                          <p:val>
+                                            <p:strVal val="#ppt_y"/>
+                                          </p:val>
+                                        </p:tav>
+                                      </p:tavLst>
+                                    </p:anim>
+                                  </p:childTnLst>
+                                </p:cTn>
+                              </p:par>
+                            </p:childTnLst>
+                          </p:cTn>
+                        </p:par>
+                      </p:childTnLst>
+                    </p:cTn>
+                  </p:par>
+                  <p:par>
+                    <p:cTn id="9" fill="hold">
+                      <p:stCondLst>
+                        <p:cond delay="indefinite"/>
+                      </p:stCondLst>
+                      <p:childTnLst>
+                        <p:par>
+                          <p:cTn id="10" fill="hold">
+                            <p:stCondLst>
+                              <p:cond delay="0"/>
+                            </p:stCondLst>
+                            <p:childTnLst>
+                              <p:par>
+                                <p:cTn id="11" presetID="2" presetClass="entr" presetSubtype="4" fill="hold" nodeType="clickEffect">
+                                  <p:stCondLst>
+                                    <p:cond delay="0"/>
+                                  </p:stCondLst>
+                                  <p:childTnLst>
+                                    <p:set>
+                                      <p:cBhvr>
+                                        <p:cTn id="12" dur="1" fill="hold">
+                                          <p:stCondLst>
+                                            <p:cond delay="0"/>
+                                          </p:stCondLst>
+                                        </p:cTn>
+                                        <p:tgtEl>
+                                          <p:spTgt spid="3">
+                                            <p:txEl>
+                                              <p:pRg st="1" end="1"/>
+                                            </p:txEl>
+                                          </p:spTgt>
+                                        </p:tgtEl>
+                                        <p:attrNameLst>
+                                          <p:attrName>style.visibility</p:attrName>
+                                        </p:attrNameLst>
+                                      </p:cBhvr>
+                                      <p:to>
+                                        <p:strVal val="visible"/>
+                                      </p:to>
+                                    </p:set>
+                                    <p:anim calcmode="lin" valueType="num">
+                                      <p:cBhvr additive="base">
+                                        <p:cTn id="13" dur="500" fill="hold"/>
+                                        <p:tgtEl>
+                                          <p:spTgt spid="3">
+                                            <p:txEl>
+                                              <p:pRg st="1" end="1"/>
+                                            </p:txEl>
+                                          </p:spTgt>
+                                        </p:tgtEl>
+                                        <p:attrNameLst>
+                                          <p:attrName>ppt_x</p:attrName>
+                                        </p:attrNameLst>
+                                      </p:cBhvr>
+                                      <p:tavLst>
+                                        <p:tav tm="0">
+                                          <p:val>
+                                            <p:strVal val="#ppt_x"/>
+                                          </p:val>
+                                        </p:tav>
+                                        <p:tav tm="100000">
+                                          <p:val>
+                                            <p:strVal val="#ppt_x"/>
+                                          </p:val>
+                                        </p:tav>
+                                      </p:tavLst>
+                                    </p:anim>
+                                    <p:anim calcmode="lin" valueType="num">
+                                      <p:cBhvr additive="base">
+                                        <p:cTn id="14" dur="500" fill="hold"/>
+                                        <p:tgtEl>
+                                          <p:spTgt spid="3">
+                                            <p:txEl>
+                                              <p:pRg st="1" end="1"/>
+                                            </p:txEl>
+                                          </p:spTgt>
+                                        </p:tgtEl>
+                                        <p:attrNameLst>
+                                          <p:attrName>ppt_y</p:attrName>
+                                        </p:attrNameLst>
+                                      </p:cBhvr>
+                                      <p:tavLst>
+                                        <p:tav tm="0">
+                                          <p:val>
+                                            <p:strVal val="1+#ppt_h/2"/>
+                                          </p:val>
+                                        </p:tav>
+                                        <p:tav tm="100000">
+                                          <p:val>
+                                            <p:strVal val="#ppt_y"/>
+                                          </p:val>
+                                        </p:tav>
+                                      </p:tavLst>
+                                    </p:anim>
+                                  </p:childTnLst>
+                                </p:cTn>
+                              </p:par>
+                            </p:childTnLst>
+                          </p:cTn>
+                        </p:par>
+                      </p:childTnLst>
+                    </p:cTn>
+                  </p:par>
+                  <p:par>
+                    <p:cTn id="15" fill="hold">
+                      <p:stCondLst>
+                        <p:cond delay="indefinite"/>
+                      </p:stCondLst>
+                      <p:childTnLst>
+                        <p:par>
+                          <p:cTn id="16" fill="hold">
+                            <p:stCondLst>
+                              <p:cond delay="0"/>
+                            </p:stCondLst>
+                            <p:childTnLst>
+                              <p:par>
+                                <p:cTn id="17" presetID="2" presetClass="entr" presetSubtype="4" fill="hold" nodeType="clickEffect">
+                                  <p:stCondLst>
+                                    <p:cond delay="0"/>
+                                  </p:stCondLst>
+                                  <p:childTnLst>
+                                    <p:set>
+                                      <p:cBhvr>
+                                        <p:cTn id="18" dur="1" fill="hold">
+                                          <p:stCondLst>
+                                            <p:cond delay="0"/>
+                                          </p:stCondLst>
+                                        </p:cTn>
+                                        <p:tgtEl>
+                                          <p:spTgt spid="3">
+                                            <p:txEl>
+                                              <p:pRg st="2" end="2"/>
+                                            </p:txEl>
+                                          </p:spTgt>
+                                        </p:tgtEl>
+                                        <p:attrNameLst>
+                                          <p:attrName>style.visibility</p:attrName>
+                                        </p:attrNameLst>
+                                      </p:cBhvr>
+                                      <p:to>
+                                        <p:strVal val="visible"/>
+                                      </p:to>
+                                    </p:set>
+                                    <p:anim calcmode="lin" valueType="num">
+                                      <p:cBhvr additive="base">
+                                        <p:cTn id="19" dur="500" fill="hold"/>
+                                        <p:tgtEl>
+                                          <p:spTgt spid="3">
+                                            <p:txEl>
+                                              <p:pRg st="2" end="2"/>
+                                            </p:txEl>
+                                          </p:spTgt>
+                                        </p:tgtEl>
+                                        <p:attrNameLst>
+                                          <p:attrName>ppt_x</p:attrName>
+                                        </p:attrNameLst>
+                                      </p:cBhvr>
+                                      <p:tavLst>
+                                        <p:tav tm="0">
+                                          <p:val>
+                                            <p:strVal val="#ppt_x"/>
+                                          </p:val>
+                                        </p:tav>
+                                        <p:tav tm="100000">
+                                          <p:val>
+                                            <p:strVal val="#ppt_x"/>
+                                          </p:val>
+                                        </p:tav>
+                                      </p:tavLst>
+                                    </p:anim>
+                                    <p:anim calcmode="lin" valueType="num">
+                                      <p:cBhvr additive="base">
+                                        <p:cTn id="20" dur="500" fill="hold"/>
+                                        <p:tgtEl>
+                                          <p:spTgt spid="3">
+                                            <p:txEl>
+                                              <p:pRg st="2" end="2"/>
+                                            </p:txEl>
+                                          </p:spTgt>
+                                        </p:tgtEl>
+                                        <p:attrNameLst>
+                                          <p:attrName>ppt_y</p:attrName>
+                                        </p:attrNameLst>
+                                      </p:cBhvr>
+                                      <p:tavLst>
+                                        <p:tav tm="0">
+                                          <p:val>
+                                            <p:strVal val="1+#ppt_h/2"/>
+                                          </p:val>
+                                        </p:tav>
+                                        <p:tav tm="100000">
+                                          <p:val>
+                                            <p:strVal val="#ppt_y"/>
+                                          </p:val>
+                                        </p:tav>
+                                      </p:tavLst>
+                                    </p:anim>
+                                  </p:childTnLst>
+                                </p:cTn>
+                              </p:par>
+                            </p:childTnLst>
+                          </p:cTn>
+                        </p:par>
+                      </p:childTnLst>
+                    </p:cTn>
+                  </p:par>
+                  <p:par>
+                    <p:cTn id="21" fill="hold">
+                      <p:stCondLst>
+                        <p:cond delay="indefinite"/>
+                      </p:stCondLst>
+                      <p:childTnLst>
+                        <p:par>
+                          <p:cTn id="22" fill="hold">
+                            <p:stCondLst>
+                              <p:cond delay="0"/>
+                            </p:stCondLst>
+                            <p:childTnLst>
+                              <p:par>
+                                <p:cTn id="23" presetID="2" presetClass="entr" presetSubtype="4" fill="hold" nodeType="clickEffect">
+                                  <p:stCondLst>
+                                    <p:cond delay="0"/>
+                                  </p:stCondLst>
+                                  <p:childTnLst>
+                                    <p:set>
+                                      <p:cBhvr>
+                                        <p:cTn id="24" dur="1" fill="hold">
+                                          <p:stCondLst>
+                                            <p:cond delay="0"/>
+                                          </p:stCondLst>
+                                        </p:cTn>
+                                        <p:tgtEl>
+                                          <p:spTgt spid="3">
+                                            <p:txEl>
+                                              <p:pRg st="3" end="3"/>
+                                            </p:txEl>
+                                          </p:spTgt>
+                                        </p:tgtEl>
+                                        <p:attrNameLst>
+                                          <p:attrName>style.visibility</p:attrName>
+                                        </p:attrNameLst>
+                                      </p:cBhvr>
+                                      <p:to>
+                                        <p:strVal val="visible"/>
+                                      </p:to>
+                                    </p:set>
+                                    <p:anim calcmode="lin" valueType="num">
+                                      <p:cBhvr additive="base">
+                                        <p:cTn id="25" dur="500" fill="hold"/>
+                                        <p:tgtEl>
+                                          <p:spTgt spid="3">
+                                            <p:txEl>
+                                              <p:pRg st="3" end="3"/>
+                                            </p:txEl>
+                                          </p:spTgt>
+                                        </p:tgtEl>
+                                        <p:attrNameLst>
+                                          <p:attrName>ppt_x</p:attrName>
+                                        </p:attrNameLst>
+                                      </p:cBhvr>
+                                      <p:tavLst>
+                                        <p:tav tm="0">
+                                          <p:val>
+                                            <p:strVal val="#ppt_x"/>
+                                          </p:val>
+                                        </p:tav>
+                                        <p:tav tm="100000">
+                                          <p:val>
+                                            <p:strVal val="#ppt_x"/>
+                                          </p:val>
+                                        </p:tav>
+                                      </p:tavLst>
+                                    </p:anim>
+                                    <p:anim calcmode="lin" valueType="num">
+                                      <p:cBhvr additive="base">
+                                        <p:cTn id="26" dur="500" fill="hold"/>
+                                        <p:tgtEl>
+                                          <p:spTgt spid="3">
+                                            <p:txEl>
+                                              <p:pRg st="3" end="3"/>
+                                            </p:txEl>
+                                          </p:spTgt>
+                                        </p:tgtEl>
+                                        <p:attrNameLst>
+                                          <p:attrName>ppt_y</p:attrName>
+                                        </p:attrNameLst>
+                                      </p:cBhvr>
+                                      <p:tavLst>
+                                        <p:tav tm="0">
+                                          <p:val>
+                                            <p:strVal val="1+#ppt_h/2"/>
+                                          </p:val>
+                                        </p:tav>
+                                        <p:tav tm="100000">
+                                          <p:val>
+                                            <p:strVal val="#ppt_y"/>
+                                          </p:val>
+                                        </p:tav>
+                                      </p:tavLst>
+                                    </p:anim>
+                                  </p:childTnLst>
+                                </p:cTn>
+                              </p:par>
+                              <p:par>
+                                <p:cTn id="27" presetID="2" presetClass="entr" presetSubtype="4" fill="hold" nodeType="withEffect">
+                                  <p:stCondLst>
+                                    <p:cond delay="0"/>
+                                  </p:stCondLst>
+                                  <p:childTnLst>
+                                    <p:set>
+                                      <p:cBhvr>
+                                        <p:cTn id="28" dur="1" fill="hold">
+                                          <p:stCondLst>
+                                            <p:cond delay="0"/>
+                                          </p:stCondLst>
+                                        </p:cTn>
+                                        <p:tgtEl>
+                                          <p:spTgt spid="3">
+                                            <p:txEl>
+                                              <p:pRg st="4" end="4"/>
+                                            </p:txEl>
+                                          </p:spTgt>
+                                        </p:tgtEl>
+                                        <p:attrNameLst>
+                                          <p:attrName>style.visibility</p:attrName>
+                                        </p:attrNameLst>
+                                      </p:cBhvr>
+                                      <p:to>
+                                        <p:strVal val="visible"/>
+                                      </p:to>
+                                    </p:set>
+                                    <p:anim calcmode="lin" valueType="num">
+                                      <p:cBhvr additive="base">
+                                        <p:cTn id="29" dur="500" fill="hold"/>
+                                        <p:tgtEl>
+                                          <p:spTgt spid="3">
+                                            <p:txEl>
+                                              <p:pRg st="4" end="4"/>
+                                            </p:txEl>
+                                          </p:spTgt>
+                                        </p:tgtEl>
+                                        <p:attrNameLst>
+                                          <p:attrName>ppt_x</p:attrName>
+                                        </p:attrNameLst>
+                                      </p:cBhvr>
+                                      <p:tavLst>
+                                        <p:tav tm="0">
+                                          <p:val>
+                                            <p:strVal val="#ppt_x"/>
+                                          </p:val>
+                                        </p:tav>
+                                        <p:tav tm="100000">
+                                          <p:val>
+                                            <p:strVal val="#ppt_x"/>
+                                          </p:val>
+                                        </p:tav>
+                                      </p:tavLst>
+                                    </p:anim>
+                                    <p:anim calcmode="lin" valueType="num">
+                                      <p:cBhvr additive="base">
+                                        <p:cTn id="30" dur="500" fill="hold"/>
+                                        <p:tgtEl>
+                                          <p:spTgt spid="3">
+                                            <p:txEl>
+                                              <p:pRg st="4" end="4"/>
+                                            </p:txEl>
+                                          </p:spTgt>
+                                        </p:tgtEl>
+                                        <p:attrNameLst>
+                                          <p:attrName>ppt_y</p:attrName>
+                                        </p:attrNameLst>
+                                      </p:cBhvr>
+                                      <p:tavLst>
+                                        <p:tav tm="0">
+                                          <p:val>
+                                            <p:strVal val="1+#ppt_h/2"/>
+                                          </p:val>
+                                        </p:tav>
+                                        <p:tav tm="100000">
+                                          <p:val>
+                                            <p:strVal val="#ppt_y"/>
+                                          </p:val>
+                                        </p:tav>
+                                      </p:tavLst>
+                                    </p:anim>
+                                  </p:childTnLst>
+                                </p:cTn>
+                              </p:par>
+                              <p:par>
+                                <p:cTn id="31" presetID="2" presetClass="entr" presetSubtype="4" fill="hold" nodeType="withEffect">
+                                  <p:stCondLst>
+                                    <p:cond delay="0"/>
+                                  </p:stCondLst>
+                                  <p:childTnLst>
+                                    <p:set>
+                                      <p:cBhvr>
+                                        <p:cTn id="32" dur="1" fill="hold">
+                                          <p:stCondLst>
+                                            <p:cond delay="0"/>
+                                          </p:stCondLst>
+                                        </p:cTn>
+                                        <p:tgtEl>
+                                          <p:spTgt spid="3">
+                                            <p:txEl>
+                                              <p:pRg st="5" end="5"/>
+                                            </p:txEl>
+                                          </p:spTgt>
+                                        </p:tgtEl>
+                                        <p:attrNameLst>
+                                          <p:attrName>style.visibility</p:attrName>
+                                        </p:attrNameLst>
+                                      </p:cBhvr>
+                                      <p:to>
+                                        <p:strVal val="visible"/>
+                                      </p:to>
+                                    </p:set>
+                                    <p:anim calcmode="lin" valueType="num">
+                                      <p:cBhvr additive="base">
+                                        <p:cTn id="33" dur="500" fill="hold"/>
+                                        <p:tgtEl>
+                                          <p:spTgt spid="3">
+                                            <p:txEl>
+                                              <p:pRg st="5" end="5"/>
+                                            </p:txEl>
+                                          </p:spTgt>
+                                        </p:tgtEl>
+                                        <p:attrNameLst>
+                                          <p:attrName>ppt_x</p:attrName>
+                                        </p:attrNameLst>
+                                      </p:cBhvr>
+                                      <p:tavLst>
+                                        <p:tav tm="0">
+                                          <p:val>
+                                            <p:strVal val="#ppt_x"/>
+                                          </p:val>
+                                        </p:tav>
+                                        <p:tav tm="100000">
+                                          <p:val>
+                                            <p:strVal val="#ppt_x"/>
+                                          </p:val>
+                                        </p:tav>
+                                      </p:tavLst>
+                                    </p:anim>
+                                    <p:anim calcmode="lin" valueType="num">
+                                      <p:cBhvr additive="base">
+                                        <p:cTn id="34" dur="500" fill="hold"/>
+                                        <p:tgtEl>
+                                          <p:spTgt spid="3">
+                                            <p:txEl>
+                                              <p:pRg st="5" end="5"/>
+                                            </p:txEl>
+                                          </p:spTgt>
+                                        </p:tgtEl>
+                                        <p:attrNameLst>
+                                          <p:attrName>ppt_y</p:attrName>
+                                        </p:attrNameLst>
+                                      </p:cBhvr>
+                                      <p:tavLst>
+                                        <p:tav tm="0">
+                                          <p:val>
+                                            <p:strVal val="1+#ppt_h/2"/>
+                                          </p:val>
+                                        </p:tav>
+                                        <p:tav tm="100000">
+                                          <p:val>
+                                            <p:strVal val="#ppt_y"/>
+                                          </p:val>
+                                        </p:tav>
+                                      </p:tavLst>
+                                    </p:anim>
+                                  </p:childTnLst>
+                                </p:cTn>
+                              </p:par>
+                              <p:par>
+                                <p:cTn id="35" presetID="2" presetClass="entr" presetSubtype="4" fill="hold" nodeType="withEffect">
+                                  <p:stCondLst>
+                                    <p:cond delay="0"/>
+                                  </p:stCondLst>
+                                  <p:childTnLst>
+                                    <p:set>
+                                      <p:cBhvr>
+                                        <p:cTn id="36" dur="1" fill="hold">
+                                          <p:stCondLst>
+                                            <p:cond delay="0"/>
+                                          </p:stCondLst>
+                                        </p:cTn>
+                                        <p:tgtEl>
+                                          <p:spTgt spid="3">
+                                            <p:txEl>
+                                              <p:pRg st="6" end="6"/>
+                                            </p:txEl>
+                                          </p:spTgt>
+                                        </p:tgtEl>
+                                        <p:attrNameLst>
+                                          <p:attrName>style.visibility</p:attrName>
+                                        </p:attrNameLst>
+                                      </p:cBhvr>
+                                      <p:to>
+                                        <p:strVal val="visible"/>
+                                      </p:to>
+                                    </p:set>
+                                    <p:anim calcmode="lin" valueType="num">
+                                      <p:cBhvr additive="base">
+                                        <p:cTn id="37" dur="500" fill="hold"/>
+                                        <p:tgtEl>
+                                          <p:spTgt spid="3">
+                                            <p:txEl>
+                                              <p:pRg st="6" end="6"/>
+                                            </p:txEl>
+                                          </p:spTgt>
+                                        </p:tgtEl>
+                                        <p:attrNameLst>
+                                          <p:attrName>ppt_x</p:attrName>
+                                        </p:attrNameLst>
+                                      </p:cBhvr>
+                                      <p:tavLst>
+                                        <p:tav tm="0">
+                                          <p:val>
+                                            <p:strVal val="#ppt_x"/>
+                                          </p:val>
+                                        </p:tav>
+                                        <p:tav tm="100000">
+                                          <p:val>
+                                            <p:strVal val="#ppt_x"/>
+                                          </p:val>
+                                        </p:tav>
+                                      </p:tavLst>
+                                    </p:anim>
+                                    <p:anim calcmode="lin" valueType="num">
+                                      <p:cBhvr additive="base">
+                                        <p:cTn id="38" dur="500" fill="hold"/>
+                                        <p:tgtEl>
+                                          <p:spTgt spid="3">
+                                            <p:txEl>
+                                              <p:pRg st="6" end="6"/>
+                                            </p:txEl>
+                                          </p:spTgt>
+                                        </p:tgtEl>
+                                        <p:attrNameLst>
+                                          <p:attrName>ppt_y</p:attrName>
+                                        </p:attrNameLst>
+                                      </p:cBhvr>
+                                      <p:tavLst>
+                                        <p:tav tm="0">
+                                          <p:val>
+                                            <p:strVal val="1+#ppt_h/2"/>
+                                          </p:val>
+                                        </p:tav>
+                                        <p:tav tm="100000">
+                                          <p:val>
+                                            <p:strVal val="#ppt_y"/>
+                                          </p:val>
+                                        </p:tav>
+                                      </p:tavLst>
+                                    </p:anim>
+                                  </p:childTnLst>
+                                </p:cTn>
+                              </p:par>
+                              <p:par>
+                                <p:cTn id="39" presetID="2" presetClass="entr" presetSubtype="4" fill="hold" nodeType="withEffect">
+                                  <p:stCondLst>
+                                    <p:cond delay="0"/>
+                                  </p:stCondLst>
+                                  <p:childTnLst>
+                                    <p:set>
+                                      <p:cBhvr>
+                                        <p:cTn id="40" dur="1" fill="hold">
+                                          <p:stCondLst>
+                                            <p:cond delay="0"/>
+                                          </p:stCondLst>
+                                        </p:cTn>
+                                        <p:tgtEl>
+                                          <p:spTgt spid="3">
+                                            <p:txEl>
+                                              <p:pRg st="7" end="7"/>
+                                            </p:txEl>
+                                          </p:spTgt>
+                                        </p:tgtEl>
+                                        <p:attrNameLst>
+                                          <p:attrName>style.visibility</p:attrName>
+                                        </p:attrNameLst>
+                                      </p:cBhvr>
+                                      <p:to>
+                                        <p:strVal val="visible"/>
+                                      </p:to>
+                                    </p:set>
+                                    <p:anim calcmode="lin" valueType="num">
+                                      <p:cBhvr additive="base">
+                                        <p:cTn id="41" dur="500" fill="hold"/>
+                                        <p:tgtEl>
+                                          <p:spTgt spid="3">
+                                            <p:txEl>
+                                              <p:pRg st="7" end="7"/>
+                                            </p:txEl>
+                                          </p:spTgt>
+                                        </p:tgtEl>
+                                        <p:attrNameLst>
+                                          <p:attrName>ppt_x</p:attrName>
+                                        </p:attrNameLst>
+                                      </p:cBhvr>
+                                      <p:tavLst>
+                                        <p:tav tm="0">
+                                          <p:val>
+                                            <p:strVal val="#ppt_x"/>
+                                          </p:val>
+                                        </p:tav>
+                                        <p:tav tm="100000">
+                                          <p:val>
+                                            <p:strVal val="#ppt_x"/>
+                                          </p:val>
+                                        </p:tav>
+                                      </p:tavLst>
+                                    </p:anim>
+                                    <p:anim calcmode="lin" valueType="num">
+                                      <p:cBhvr additive="base">
+                                        <p:cTn id="42" dur="500" fill="hold"/>
+                                        <p:tgtEl>
+                                          <p:spTgt spid="3">
+                                            <p:txEl>
+                                              <p:pRg st="7" end="7"/>
+                                            </p:txEl>
+                                          </p:spTgt>
+                                        </p:tgtEl>
+                                        <p:attrNameLst>
+                                          <p:attrName>ppt_y</p:attrName>
+                                        </p:attrNameLst>
+                                      </p:cBhvr>
+                                      <p:tavLst>
+                                        <p:tav tm="0">
+                                          <p:val>
+                                            <p:strVal val="1+#ppt_h/2"/>
+                                          </p:val>
+                                        </p:tav>
+                                        <p:tav tm="100000">
+                                          <p:val>
+                                            <p:strVal val="#ppt_y"/>
+                                          </p:val>
+                                        </p:tav>
+                                      </p:tavLst>
+                                    </p:anim>
+                                  </p:childTnLst>
+                                </p:cTn>
+                              </p:par>
+                            </p:childTnLst>
+                          </p:cTn>
+                        </p:par>
+                      </p:childTnLst>
+                    </p:cTn>
+                  </p:par>
+                </p:childTnLst>
+              </p:cTn>
+              <p:prevCondLst>
+                <p:cond evt="onPrev" delay="0">
+                  <p:tgtEl>
+                    <p:sldTgt/>
+                  </p:tgtEl>
+                </p:cond>
+              </p:prevCondLst>
+              <p:nextCondLst>
+                <p:cond evt="onNext" delay="0">
+                  <p:tgtEl>
+                    <p:sldTgt/>
+                  </p:tgtEl>
+                </p:cond>
+              </p:nextCondLst>
+            </p:seq>
+          </p:childTnLst>
+        </p:cTn>
+      </p:par>
+    </p:tnLst>
+  </p:timing>
+</p:sld>
+</file>
+
 <file path=ppt/theme/theme1.xml><?xml version="1.0" encoding="utf-8"?>
 <a:theme xmlns:a="http://schemas.openxmlformats.org/drawingml/2006/main" name="Slice">
   <a:themeElements>
@@ -9535,4 +14216,299 @@
     </a:ext>
   </a:extLst>
 </a:theme>
+</file>
+
+<file path=ppt/theme/theme2.xml><?xml version="1.0" encoding="utf-8"?>
+<a:theme xmlns:a="http://schemas.openxmlformats.org/drawingml/2006/main" name="Office Theme">
+  <a:themeElements>
+    <a:clrScheme name="Office">
+      <a:dk1>
+        <a:sysClr val="windowText" lastClr="000000"/>
+      </a:dk1>
+      <a:lt1>
+        <a:sysClr val="window" lastClr="FFFFFF"/>
+      </a:lt1>
+      <a:dk2>
+        <a:srgbClr val="44546A"/>
+      </a:dk2>
+      <a:lt2>
+        <a:srgbClr val="E7E6E6"/>
+      </a:lt2>
+      <a:accent1>
+        <a:srgbClr val="4472C4"/>
+      </a:accent1>
+      <a:accent2>
+        <a:srgbClr val="ED7D31"/>
+      </a:accent2>
+      <a:accent3>
+        <a:srgbClr val="A5A5A5"/>
+      </a:accent3>
+      <a:accent4>
+        <a:srgbClr val="FFC000"/>
+      </a:accent4>
+      <a:accent5>
+        <a:srgbClr val="5B9BD5"/>
+      </a:accent5>
+      <a:accent6>
+        <a:srgbClr val="70AD47"/>
+      </a:accent6>
+      <a:hlink>
+        <a:srgbClr val="0563C1"/>
+      </a:hlink>
+      <a:folHlink>
+        <a:srgbClr val="954F72"/>
+      </a:folHlink>
+    </a:clrScheme>
+    <a:fontScheme name="Office">
+      <a:majorFont>
+        <a:latin typeface="Calibri Light" panose="020F0302020204030204"/>
+        <a:ea typeface=""/>
+        <a:cs typeface=""/>
+        <a:font script="Jpan" typeface="游ゴシック Light"/>
+        <a:font script="Hang" typeface="맑은 고딕"/>
+        <a:font script="Hans" typeface="等线 Light"/>
+        <a:font script="Hant" typeface="新細明體"/>
+        <a:font script="Arab" typeface="Times New Roman"/>
+        <a:font script="Hebr" typeface="Times New Roman"/>
+        <a:font script="Thai" typeface="Angsana New"/>
+        <a:font script="Ethi" typeface="Nyala"/>
+        <a:font script="Beng" typeface="Vrinda"/>
+        <a:font script="Gujr" typeface="Shruti"/>
+        <a:font script="Khmr" typeface="MoolBoran"/>
+        <a:font script="Knda" typeface="Tunga"/>
+        <a:font script="Guru" typeface="Raavi"/>
+        <a:font script="Cans" typeface="Euphemia"/>
+        <a:font script="Cher" typeface="Plantagenet Cherokee"/>
+        <a:font script="Yiii" typeface="Microsoft Yi Baiti"/>
+        <a:font script="Tibt" typeface="Microsoft Himalaya"/>
+        <a:font script="Thaa" typeface="MV Boli"/>
+        <a:font script="Deva" typeface="Mangal"/>
+        <a:font script="Telu" typeface="Gautami"/>
+        <a:font script="Taml" typeface="Latha"/>
+        <a:font script="Syrc" typeface="Estrangelo Edessa"/>
+        <a:font script="Orya" typeface="Kalinga"/>
+        <a:font script="Mlym" typeface="Kartika"/>
+        <a:font script="Laoo" typeface="DokChampa"/>
+        <a:font script="Sinh" typeface="Iskoola Pota"/>
+        <a:font script="Mong" typeface="Mongolian Baiti"/>
+        <a:font script="Viet" typeface="Times New Roman"/>
+        <a:font script="Uigh" typeface="Microsoft Uighur"/>
+        <a:font script="Geor" typeface="Sylfaen"/>
+        <a:font script="Armn" typeface="Arial"/>
+        <a:font script="Bugi" typeface="Leelawadee UI"/>
+        <a:font script="Bopo" typeface="Microsoft JhengHei"/>
+        <a:font script="Java" typeface="Javanese Text"/>
+        <a:font script="Lisu" typeface="Segoe UI"/>
+        <a:font script="Mymr" typeface="Myanmar Text"/>
+        <a:font script="Nkoo" typeface="Ebrima"/>
+        <a:font script="Olck" typeface="Nirmala UI"/>
+        <a:font script="Osma" typeface="Ebrima"/>
+        <a:font script="Phag" typeface="Phagspa"/>
+        <a:font script="Syrn" typeface="Estrangelo Edessa"/>
+        <a:font script="Syrj" typeface="Estrangelo Edessa"/>
+        <a:font script="Syre" typeface="Estrangelo Edessa"/>
+        <a:font script="Sora" typeface="Nirmala UI"/>
+        <a:font script="Tale" typeface="Microsoft Tai Le"/>
+        <a:font script="Talu" typeface="Microsoft New Tai Lue"/>
+        <a:font script="Tfng" typeface="Ebrima"/>
+      </a:majorFont>
+      <a:minorFont>
+        <a:latin typeface="Calibri" panose="020F0502020204030204"/>
+        <a:ea typeface=""/>
+        <a:cs typeface=""/>
+        <a:font script="Jpan" typeface="游ゴシック"/>
+        <a:font script="Hang" typeface="맑은 고딕"/>
+        <a:font script="Hans" typeface="等线"/>
+        <a:font script="Hant" typeface="新細明體"/>
+        <a:font script="Arab" typeface="Arial"/>
+        <a:font script="Hebr" typeface="Arial"/>
+        <a:font script="Thai" typeface="Cordia New"/>
+        <a:font script="Ethi" typeface="Nyala"/>
+        <a:font script="Beng" typeface="Vrinda"/>
+        <a:font script="Gujr" typeface="Shruti"/>
+        <a:font script="Khmr" typeface="DaunPenh"/>
+        <a:font script="Knda" typeface="Tunga"/>
+        <a:font script="Guru" typeface="Raavi"/>
+        <a:font script="Cans" typeface="Euphemia"/>
+        <a:font script="Cher" typeface="Plantagenet Cherokee"/>
+        <a:font script="Yiii" typeface="Microsoft Yi Baiti"/>
+        <a:font script="Tibt" typeface="Microsoft Himalaya"/>
+        <a:font script="Thaa" typeface="MV Boli"/>
+        <a:font script="Deva" typeface="Mangal"/>
+        <a:font script="Telu" typeface="Gautami"/>
+        <a:font script="Taml" typeface="Latha"/>
+        <a:font script="Syrc" typeface="Estrangelo Edessa"/>
+        <a:font script="Orya" typeface="Kalinga"/>
+        <a:font script="Mlym" typeface="Kartika"/>
+        <a:font script="Laoo" typeface="DokChampa"/>
+        <a:font script="Sinh" typeface="Iskoola Pota"/>
+        <a:font script="Mong" typeface="Mongolian Baiti"/>
+        <a:font script="Viet" typeface="Arial"/>
+        <a:font script="Uigh" typeface="Microsoft Uighur"/>
+        <a:font script="Geor" typeface="Sylfaen"/>
+        <a:font script="Armn" typeface="Arial"/>
+        <a:font script="Bugi" typeface="Leelawadee UI"/>
+        <a:font script="Bopo" typeface="Microsoft JhengHei"/>
+        <a:font script="Java" typeface="Javanese Text"/>
+        <a:font script="Lisu" typeface="Segoe UI"/>
+        <a:font script="Mymr" typeface="Myanmar Text"/>
+        <a:font script="Nkoo" typeface="Ebrima"/>
+        <a:font script="Olck" typeface="Nirmala UI"/>
+        <a:font script="Osma" typeface="Ebrima"/>
+        <a:font script="Phag" typeface="Phagspa"/>
+        <a:font script="Syrn" typeface="Estrangelo Edessa"/>
+        <a:font script="Syrj" typeface="Estrangelo Edessa"/>
+        <a:font script="Syre" typeface="Estrangelo Edessa"/>
+        <a:font script="Sora" typeface="Nirmala UI"/>
+        <a:font script="Tale" typeface="Microsoft Tai Le"/>
+        <a:font script="Talu" typeface="Microsoft New Tai Lue"/>
+        <a:font script="Tfng" typeface="Ebrima"/>
+      </a:minorFont>
+    </a:fontScheme>
+    <a:fmtScheme name="Office">
+      <a:fillStyleLst>
+        <a:solidFill>
+          <a:schemeClr val="phClr"/>
+        </a:solidFill>
+        <a:gradFill rotWithShape="1">
+          <a:gsLst>
+            <a:gs pos="0">
+              <a:schemeClr val="phClr">
+                <a:lumMod val="110000"/>
+                <a:satMod val="105000"/>
+                <a:tint val="67000"/>
+              </a:schemeClr>
+            </a:gs>
+            <a:gs pos="50000">
+              <a:schemeClr val="phClr">
+                <a:lumMod val="105000"/>
+                <a:satMod val="103000"/>
+                <a:tint val="73000"/>
+              </a:schemeClr>
+            </a:gs>
+            <a:gs pos="100000">
+              <a:schemeClr val="phClr">
+                <a:lumMod val="105000"/>
+                <a:satMod val="109000"/>
+                <a:tint val="81000"/>
+              </a:schemeClr>
+            </a:gs>
+          </a:gsLst>
+          <a:lin ang="5400000" scaled="0"/>
+        </a:gradFill>
+        <a:gradFill rotWithShape="1">
+          <a:gsLst>
+            <a:gs pos="0">
+              <a:schemeClr val="phClr">
+                <a:satMod val="103000"/>
+                <a:lumMod val="102000"/>
+                <a:tint val="94000"/>
+              </a:schemeClr>
+            </a:gs>
+            <a:gs pos="50000">
+              <a:schemeClr val="phClr">
+                <a:satMod val="110000"/>
+                <a:lumMod val="100000"/>
+                <a:shade val="100000"/>
+              </a:schemeClr>
+            </a:gs>
+            <a:gs pos="100000">
+              <a:schemeClr val="phClr">
+                <a:lumMod val="99000"/>
+                <a:satMod val="120000"/>
+                <a:shade val="78000"/>
+              </a:schemeClr>
+            </a:gs>
+          </a:gsLst>
+          <a:lin ang="5400000" scaled="0"/>
+        </a:gradFill>
+      </a:fillStyleLst>
+      <a:lnStyleLst>
+        <a:ln w="6350" cap="flat" cmpd="sng" algn="ctr">
+          <a:solidFill>
+            <a:schemeClr val="phClr"/>
+          </a:solidFill>
+          <a:prstDash val="solid"/>
+          <a:miter lim="800000"/>
+        </a:ln>
+        <a:ln w="12700" cap="flat" cmpd="sng" algn="ctr">
+          <a:solidFill>
+            <a:schemeClr val="phClr"/>
+          </a:solidFill>
+          <a:prstDash val="solid"/>
+          <a:miter lim="800000"/>
+        </a:ln>
+        <a:ln w="19050" cap="flat" cmpd="sng" algn="ctr">
+          <a:solidFill>
+            <a:schemeClr val="phClr"/>
+          </a:solidFill>
+          <a:prstDash val="solid"/>
+          <a:miter lim="800000"/>
+        </a:ln>
+      </a:lnStyleLst>
+      <a:effectStyleLst>
+        <a:effectStyle>
+          <a:effectLst/>
+        </a:effectStyle>
+        <a:effectStyle>
+          <a:effectLst/>
+        </a:effectStyle>
+        <a:effectStyle>
+          <a:effectLst>
+            <a:outerShdw blurRad="57150" dist="19050" dir="5400000" algn="ctr" rotWithShape="0">
+              <a:srgbClr val="000000">
+                <a:alpha val="63000"/>
+              </a:srgbClr>
+            </a:outerShdw>
+          </a:effectLst>
+        </a:effectStyle>
+      </a:effectStyleLst>
+      <a:bgFillStyleLst>
+        <a:solidFill>
+          <a:schemeClr val="phClr"/>
+        </a:solidFill>
+        <a:solidFill>
+          <a:schemeClr val="phClr">
+            <a:tint val="95000"/>
+            <a:satMod val="170000"/>
+          </a:schemeClr>
+        </a:solidFill>
+        <a:gradFill rotWithShape="1">
+          <a:gsLst>
+            <a:gs pos="0">
+              <a:schemeClr val="phClr">
+                <a:tint val="93000"/>
+                <a:satMod val="150000"/>
+                <a:shade val="98000"/>
+                <a:lumMod val="102000"/>
+              </a:schemeClr>
+            </a:gs>
+            <a:gs pos="50000">
+              <a:schemeClr val="phClr">
+                <a:tint val="98000"/>
+                <a:satMod val="130000"/>
+                <a:shade val="90000"/>
+                <a:lumMod val="103000"/>
+              </a:schemeClr>
+            </a:gs>
+            <a:gs pos="100000">
+              <a:schemeClr val="phClr">
+                <a:shade val="63000"/>
+                <a:satMod val="120000"/>
+              </a:schemeClr>
+            </a:gs>
+          </a:gsLst>
+          <a:lin ang="5400000" scaled="0"/>
+        </a:gradFill>
+      </a:bgFillStyleLst>
+    </a:fmtScheme>
+  </a:themeElements>
+  <a:objectDefaults/>
+  <a:extraClrSchemeLst/>
+  <a:extLst>
+    <a:ext uri="{05A4C25C-085E-4340-85A3-A5531E510DB2}">
+      <thm15:themeFamily xmlns:thm15="http://schemas.microsoft.com/office/thememl/2012/main" name="Office Theme" id="{62F939B6-93AF-4DB8-9C6B-D6C7DFDC589F}" vid="{4A3C46E8-61CC-4603-A589-7422A47A8E4A}"/>
+    </a:ext>
+  </a:extLst>
+</a:theme>
 </file>
--- a/Python/Python-Osnovni-kurs/Izracunavanje/1-Osnovne aritmeticke operacije i primjena/Prezentacija.pptx
+++ b/Python/Python-Osnovni-kurs/Izracunavanje/1-Osnovne aritmeticke operacije i primjena/Prezentacija.pptx
@@ -5,7 +5,7 @@
     <p:sldMasterId id="2147483660" r:id="rId1"/>
   </p:sldMasterIdLst>
   <p:notesMasterIdLst>
-    <p:notesMasterId r:id="rId14"/>
+    <p:notesMasterId r:id="rId19"/>
   </p:notesMasterIdLst>
   <p:sldIdLst>
     <p:sldId id="256" r:id="rId2"/>
@@ -20,6 +20,11 @@
     <p:sldId id="265" r:id="rId11"/>
     <p:sldId id="266" r:id="rId12"/>
     <p:sldId id="267" r:id="rId13"/>
+    <p:sldId id="268" r:id="rId14"/>
+    <p:sldId id="269" r:id="rId15"/>
+    <p:sldId id="270" r:id="rId16"/>
+    <p:sldId id="271" r:id="rId17"/>
+    <p:sldId id="272" r:id="rId18"/>
   </p:sldIdLst>
   <p:sldSz cx="12192000" cy="6858000"/>
   <p:notesSz cx="6858000" cy="9144000"/>
@@ -208,7 +213,7 @@
           <a:p>
             <a:fld id="{37DC2007-1088-4600-B1BC-AE884B82A1B0}" type="datetimeFigureOut">
               <a:rPr lang="en-US" smtClean="0"/>
-              <a:t>3/31/2021</a:t>
+              <a:t>4/1/2021</a:t>
             </a:fld>
             <a:endParaRPr lang="en-US"/>
           </a:p>
@@ -918,7 +923,7 @@
           <a:p>
             <a:fld id="{EECE8CBC-D9E8-4B9C-9658-364F4F7C96BD}" type="datetimeFigureOut">
               <a:rPr lang="en-US" smtClean="0"/>
-              <a:t>3/31/2021</a:t>
+              <a:t>4/1/2021</a:t>
             </a:fld>
             <a:endParaRPr lang="en-US"/>
           </a:p>
@@ -1354,7 +1359,7 @@
           <a:p>
             <a:fld id="{EECE8CBC-D9E8-4B9C-9658-364F4F7C96BD}" type="datetimeFigureOut">
               <a:rPr lang="en-US" smtClean="0"/>
-              <a:t>3/31/2021</a:t>
+              <a:t>4/1/2021</a:t>
             </a:fld>
             <a:endParaRPr lang="en-US"/>
           </a:p>
@@ -1604,7 +1609,7 @@
           <a:p>
             <a:fld id="{EECE8CBC-D9E8-4B9C-9658-364F4F7C96BD}" type="datetimeFigureOut">
               <a:rPr lang="en-US" smtClean="0"/>
-              <a:t>3/31/2021</a:t>
+              <a:t>4/1/2021</a:t>
             </a:fld>
             <a:endParaRPr lang="en-US"/>
           </a:p>
@@ -1912,7 +1917,7 @@
           <a:p>
             <a:fld id="{EECE8CBC-D9E8-4B9C-9658-364F4F7C96BD}" type="datetimeFigureOut">
               <a:rPr lang="en-US" smtClean="0"/>
-              <a:t>3/31/2021</a:t>
+              <a:t>4/1/2021</a:t>
             </a:fld>
             <a:endParaRPr lang="en-US"/>
           </a:p>
@@ -2230,7 +2235,7 @@
           <a:p>
             <a:fld id="{EECE8CBC-D9E8-4B9C-9658-364F4F7C96BD}" type="datetimeFigureOut">
               <a:rPr lang="en-US" smtClean="0"/>
-              <a:t>3/31/2021</a:t>
+              <a:t>4/1/2021</a:t>
             </a:fld>
             <a:endParaRPr lang="en-US"/>
           </a:p>
@@ -2532,7 +2537,7 @@
           <a:p>
             <a:fld id="{EECE8CBC-D9E8-4B9C-9658-364F4F7C96BD}" type="datetimeFigureOut">
               <a:rPr lang="en-US" smtClean="0"/>
-              <a:t>3/31/2021</a:t>
+              <a:t>4/1/2021</a:t>
             </a:fld>
             <a:endParaRPr lang="en-US"/>
           </a:p>
@@ -2899,7 +2904,7 @@
           <a:p>
             <a:fld id="{EECE8CBC-D9E8-4B9C-9658-364F4F7C96BD}" type="datetimeFigureOut">
               <a:rPr lang="en-US" smtClean="0"/>
-              <a:t>3/31/2021</a:t>
+              <a:t>4/1/2021</a:t>
             </a:fld>
             <a:endParaRPr lang="en-US"/>
           </a:p>
@@ -3073,7 +3078,7 @@
           <a:p>
             <a:fld id="{EECE8CBC-D9E8-4B9C-9658-364F4F7C96BD}" type="datetimeFigureOut">
               <a:rPr lang="en-US" smtClean="0"/>
-              <a:t>3/31/2021</a:t>
+              <a:t>4/1/2021</a:t>
             </a:fld>
             <a:endParaRPr lang="en-US"/>
           </a:p>
@@ -3253,7 +3258,7 @@
           <a:p>
             <a:fld id="{EECE8CBC-D9E8-4B9C-9658-364F4F7C96BD}" type="datetimeFigureOut">
               <a:rPr lang="en-US" smtClean="0"/>
-              <a:t>3/31/2021</a:t>
+              <a:t>4/1/2021</a:t>
             </a:fld>
             <a:endParaRPr lang="en-US"/>
           </a:p>
@@ -3423,7 +3428,7 @@
           <a:p>
             <a:fld id="{EECE8CBC-D9E8-4B9C-9658-364F4F7C96BD}" type="datetimeFigureOut">
               <a:rPr lang="en-US" smtClean="0"/>
-              <a:t>3/31/2021</a:t>
+              <a:t>4/1/2021</a:t>
             </a:fld>
             <a:endParaRPr lang="en-US"/>
           </a:p>
@@ -3673,7 +3678,7 @@
           <a:p>
             <a:fld id="{EECE8CBC-D9E8-4B9C-9658-364F4F7C96BD}" type="datetimeFigureOut">
               <a:rPr lang="en-US" smtClean="0"/>
-              <a:t>3/31/2021</a:t>
+              <a:t>4/1/2021</a:t>
             </a:fld>
             <a:endParaRPr lang="en-US"/>
           </a:p>
@@ -3909,7 +3914,7 @@
           <a:p>
             <a:fld id="{EECE8CBC-D9E8-4B9C-9658-364F4F7C96BD}" type="datetimeFigureOut">
               <a:rPr lang="en-US" smtClean="0"/>
-              <a:t>3/31/2021</a:t>
+              <a:t>4/1/2021</a:t>
             </a:fld>
             <a:endParaRPr lang="en-US"/>
           </a:p>
@@ -4291,7 +4296,7 @@
           <a:p>
             <a:fld id="{EECE8CBC-D9E8-4B9C-9658-364F4F7C96BD}" type="datetimeFigureOut">
               <a:rPr lang="en-US" smtClean="0"/>
-              <a:t>3/31/2021</a:t>
+              <a:t>4/1/2021</a:t>
             </a:fld>
             <a:endParaRPr lang="en-US"/>
           </a:p>
@@ -4409,7 +4414,7 @@
           <a:p>
             <a:fld id="{EECE8CBC-D9E8-4B9C-9658-364F4F7C96BD}" type="datetimeFigureOut">
               <a:rPr lang="en-US" smtClean="0"/>
-              <a:t>3/31/2021</a:t>
+              <a:t>4/1/2021</a:t>
             </a:fld>
             <a:endParaRPr lang="en-US"/>
           </a:p>
@@ -4504,7 +4509,7 @@
           <a:p>
             <a:fld id="{EECE8CBC-D9E8-4B9C-9658-364F4F7C96BD}" type="datetimeFigureOut">
               <a:rPr lang="en-US" smtClean="0"/>
-              <a:t>3/31/2021</a:t>
+              <a:t>4/1/2021</a:t>
             </a:fld>
             <a:endParaRPr lang="en-US"/>
           </a:p>
@@ -4759,7 +4764,7 @@
           <a:p>
             <a:fld id="{EECE8CBC-D9E8-4B9C-9658-364F4F7C96BD}" type="datetimeFigureOut">
               <a:rPr lang="en-US" smtClean="0"/>
-              <a:t>3/31/2021</a:t>
+              <a:t>4/1/2021</a:t>
             </a:fld>
             <a:endParaRPr lang="en-US"/>
           </a:p>
@@ -5042,7 +5047,7 @@
           <a:p>
             <a:fld id="{EECE8CBC-D9E8-4B9C-9658-364F4F7C96BD}" type="datetimeFigureOut">
               <a:rPr lang="en-US" smtClean="0"/>
-              <a:t>3/31/2021</a:t>
+              <a:t>4/1/2021</a:t>
             </a:fld>
             <a:endParaRPr lang="en-US"/>
           </a:p>
@@ -5448,7 +5453,7 @@
           <a:p>
             <a:fld id="{EECE8CBC-D9E8-4B9C-9658-364F4F7C96BD}" type="datetimeFigureOut">
               <a:rPr lang="en-US" smtClean="0"/>
-              <a:t>3/31/2021</a:t>
+              <a:t>4/1/2021</a:t>
             </a:fld>
             <a:endParaRPr lang="en-US"/>
           </a:p>
@@ -7921,6 +7926,51 @@
           </a:p>
         </p:txBody>
       </p:sp>
+      <p:cxnSp>
+        <p:nvCxnSpPr>
+          <p:cNvPr id="5" name="Straight Connector 4">
+            <a:extLst>
+              <a:ext uri="{FF2B5EF4-FFF2-40B4-BE49-F238E27FC236}">
+                <a16:creationId xmlns:a16="http://schemas.microsoft.com/office/drawing/2014/main" id="{E3C8FFCD-E1D0-43A4-85B7-9F438F71F74A}"/>
+              </a:ext>
+            </a:extLst>
+          </p:cNvPr>
+          <p:cNvCxnSpPr>
+            <a:cxnSpLocks/>
+          </p:cNvCxnSpPr>
+          <p:nvPr/>
+        </p:nvCxnSpPr>
+        <p:spPr>
+          <a:xfrm>
+            <a:off x="807868" y="5592933"/>
+            <a:ext cx="8788893" cy="0"/>
+          </a:xfrm>
+          <a:prstGeom prst="line">
+            <a:avLst/>
+          </a:prstGeom>
+          <a:ln>
+            <a:solidFill>
+              <a:schemeClr val="tx1">
+                <a:alpha val="60000"/>
+              </a:schemeClr>
+            </a:solidFill>
+          </a:ln>
+        </p:spPr>
+        <p:style>
+          <a:lnRef idx="1">
+            <a:schemeClr val="accent2"/>
+          </a:lnRef>
+          <a:fillRef idx="0">
+            <a:schemeClr val="accent2"/>
+          </a:fillRef>
+          <a:effectRef idx="0">
+            <a:schemeClr val="accent2"/>
+          </a:effectRef>
+          <a:fontRef idx="minor">
+            <a:schemeClr val="tx1"/>
+          </a:fontRef>
+        </p:style>
+      </p:cxnSp>
     </p:spTree>
     <p:extLst>
       <p:ext uri="{BB962C8B-B14F-4D97-AF65-F5344CB8AC3E}">
@@ -8158,6 +8208,4063 @@
       </p:par>
     </p:tnLst>
   </p:timing>
+</p:sld>
+</file>
+
+<file path=ppt/slides/slide13.xml><?xml version="1.0" encoding="utf-8"?>
+<p:sld xmlns:a="http://schemas.openxmlformats.org/drawingml/2006/main" xmlns:r="http://schemas.openxmlformats.org/officeDocument/2006/relationships" xmlns:p="http://schemas.openxmlformats.org/presentationml/2006/main">
+  <p:cSld>
+    <p:spTree>
+      <p:nvGrpSpPr>
+        <p:cNvPr id="1" name=""/>
+        <p:cNvGrpSpPr/>
+        <p:nvPr/>
+      </p:nvGrpSpPr>
+      <p:grpSpPr>
+        <a:xfrm>
+          <a:off x="0" y="0"/>
+          <a:ext cx="0" cy="0"/>
+          <a:chOff x="0" y="0"/>
+          <a:chExt cx="0" cy="0"/>
+        </a:xfrm>
+      </p:grpSpPr>
+      <p:sp>
+        <p:nvSpPr>
+          <p:cNvPr id="2" name="Title 1">
+            <a:extLst>
+              <a:ext uri="{FF2B5EF4-FFF2-40B4-BE49-F238E27FC236}">
+                <a16:creationId xmlns:a16="http://schemas.microsoft.com/office/drawing/2014/main" id="{B204F89E-8686-4433-ADC9-D1B389A51FF5}"/>
+              </a:ext>
+            </a:extLst>
+          </p:cNvPr>
+          <p:cNvSpPr>
+            <a:spLocks noGrp="1"/>
+          </p:cNvSpPr>
+          <p:nvPr>
+            <p:ph type="title"/>
+          </p:nvPr>
+        </p:nvSpPr>
+        <p:spPr>
+          <a:xfrm>
+            <a:off x="684212" y="203364"/>
+            <a:ext cx="8534400" cy="1369133"/>
+          </a:xfrm>
+        </p:spPr>
+        <p:txBody>
+          <a:bodyPr/>
+          <a:lstStyle/>
+          <a:p>
+            <a:r>
+              <a:rPr lang="en-US" dirty="0" err="1"/>
+              <a:t>Rje</a:t>
+            </a:r>
+            <a:r>
+              <a:rPr lang="bs-Latn-BA" dirty="0"/>
+              <a:t>šavanje zadataka u opštim brojevima</a:t>
+            </a:r>
+            <a:endParaRPr lang="en-US" dirty="0"/>
+          </a:p>
+        </p:txBody>
+      </p:sp>
+      <p:sp>
+        <p:nvSpPr>
+          <p:cNvPr id="3" name="Content Placeholder 2">
+            <a:extLst>
+              <a:ext uri="{FF2B5EF4-FFF2-40B4-BE49-F238E27FC236}">
+                <a16:creationId xmlns:a16="http://schemas.microsoft.com/office/drawing/2014/main" id="{17D02AA3-71F9-4942-99F0-940067FC51E4}"/>
+              </a:ext>
+            </a:extLst>
+          </p:cNvPr>
+          <p:cNvSpPr>
+            <a:spLocks noGrp="1"/>
+          </p:cNvSpPr>
+          <p:nvPr>
+            <p:ph idx="1"/>
+          </p:nvPr>
+        </p:nvSpPr>
+        <p:spPr>
+          <a:xfrm>
+            <a:off x="684212" y="1704514"/>
+            <a:ext cx="9702662" cy="4740674"/>
+          </a:xfrm>
+        </p:spPr>
+        <p:txBody>
+          <a:bodyPr>
+            <a:normAutofit/>
+          </a:bodyPr>
+          <a:lstStyle/>
+          <a:p>
+            <a:r>
+              <a:rPr lang="bs-Latn-BA" sz="2400" dirty="0">
+                <a:solidFill>
+                  <a:schemeClr val="tx1"/>
+                </a:solidFill>
+              </a:rPr>
+              <a:t>Zadatak: Siniša sklapa igračke od lego kockica. Želi da sklopi jedan auto za koji su mu potrebna 4 točka, 8 velikih kocki i 4 male i jedan bicikl za koji su mu potrebna 2 točka i 6 malih kockica. Ako je cijena točka 3KM, cijena male kocke 2KM, a cijena velike kocke 4KM, napiši program koji izračunava koliko je KM potrebno Siniši da bi kupio sve potrebne dijelove.</a:t>
+            </a:r>
+          </a:p>
+          <a:p>
+            <a:endParaRPr lang="bs-Latn-BA" sz="2400" dirty="0">
+              <a:solidFill>
+                <a:schemeClr val="tx1"/>
+              </a:solidFill>
+            </a:endParaRPr>
+          </a:p>
+          <a:p>
+            <a:pPr marL="0" indent="0">
+              <a:buNone/>
+            </a:pPr>
+            <a:r>
+              <a:rPr lang="bs-Latn-BA" sz="2400" dirty="0">
+                <a:solidFill>
+                  <a:schemeClr val="tx1"/>
+                </a:solidFill>
+              </a:rPr>
+              <a:t>Rješenje:	</a:t>
+            </a:r>
+            <a:r>
+              <a:rPr lang="en-US" sz="2400" dirty="0">
+                <a:solidFill>
+                  <a:schemeClr val="tx1"/>
+                </a:solidFill>
+              </a:rPr>
+              <a:t>print(</a:t>
+            </a:r>
+            <a:r>
+              <a:rPr lang="bs-Latn-BA" sz="2400" dirty="0">
+                <a:solidFill>
+                  <a:schemeClr val="tx1"/>
+                </a:solidFill>
+              </a:rPr>
+              <a:t>4*3 + 8*4 + 4*2 + 2*3 + 6*2</a:t>
+            </a:r>
+            <a:r>
+              <a:rPr lang="en-US" sz="2400" dirty="0">
+                <a:solidFill>
+                  <a:schemeClr val="tx1"/>
+                </a:solidFill>
+              </a:rPr>
+              <a:t>)</a:t>
+            </a:r>
+          </a:p>
+        </p:txBody>
+      </p:sp>
+    </p:spTree>
+    <p:extLst>
+      <p:ext uri="{BB962C8B-B14F-4D97-AF65-F5344CB8AC3E}">
+        <p14:creationId xmlns:p14="http://schemas.microsoft.com/office/powerpoint/2010/main" val="3226174319"/>
+      </p:ext>
+    </p:extLst>
+  </p:cSld>
+  <p:clrMapOvr>
+    <a:masterClrMapping/>
+  </p:clrMapOvr>
+  <p:timing>
+    <p:tnLst>
+      <p:par>
+        <p:cTn id="1" dur="indefinite" restart="never" nodeType="tmRoot">
+          <p:childTnLst>
+            <p:seq concurrent="1" nextAc="seek">
+              <p:cTn id="2" dur="indefinite" nodeType="mainSeq">
+                <p:childTnLst>
+                  <p:par>
+                    <p:cTn id="3" fill="hold">
+                      <p:stCondLst>
+                        <p:cond delay="indefinite"/>
+                        <p:cond evt="onBegin" delay="0">
+                          <p:tn val="2"/>
+                        </p:cond>
+                      </p:stCondLst>
+                      <p:childTnLst>
+                        <p:par>
+                          <p:cTn id="4" fill="hold">
+                            <p:stCondLst>
+                              <p:cond delay="0"/>
+                            </p:stCondLst>
+                            <p:childTnLst>
+                              <p:par>
+                                <p:cTn id="5" presetID="2" presetClass="entr" presetSubtype="4" fill="hold" nodeType="afterEffect">
+                                  <p:stCondLst>
+                                    <p:cond delay="0"/>
+                                  </p:stCondLst>
+                                  <p:childTnLst>
+                                    <p:set>
+                                      <p:cBhvr>
+                                        <p:cTn id="6" dur="1" fill="hold">
+                                          <p:stCondLst>
+                                            <p:cond delay="0"/>
+                                          </p:stCondLst>
+                                        </p:cTn>
+                                        <p:tgtEl>
+                                          <p:spTgt spid="3">
+                                            <p:txEl>
+                                              <p:pRg st="0" end="0"/>
+                                            </p:txEl>
+                                          </p:spTgt>
+                                        </p:tgtEl>
+                                        <p:attrNameLst>
+                                          <p:attrName>style.visibility</p:attrName>
+                                        </p:attrNameLst>
+                                      </p:cBhvr>
+                                      <p:to>
+                                        <p:strVal val="visible"/>
+                                      </p:to>
+                                    </p:set>
+                                    <p:anim calcmode="lin" valueType="num">
+                                      <p:cBhvr additive="base">
+                                        <p:cTn id="7" dur="500" fill="hold"/>
+                                        <p:tgtEl>
+                                          <p:spTgt spid="3">
+                                            <p:txEl>
+                                              <p:pRg st="0" end="0"/>
+                                            </p:txEl>
+                                          </p:spTgt>
+                                        </p:tgtEl>
+                                        <p:attrNameLst>
+                                          <p:attrName>ppt_x</p:attrName>
+                                        </p:attrNameLst>
+                                      </p:cBhvr>
+                                      <p:tavLst>
+                                        <p:tav tm="0">
+                                          <p:val>
+                                            <p:strVal val="#ppt_x"/>
+                                          </p:val>
+                                        </p:tav>
+                                        <p:tav tm="100000">
+                                          <p:val>
+                                            <p:strVal val="#ppt_x"/>
+                                          </p:val>
+                                        </p:tav>
+                                      </p:tavLst>
+                                    </p:anim>
+                                    <p:anim calcmode="lin" valueType="num">
+                                      <p:cBhvr additive="base">
+                                        <p:cTn id="8" dur="500" fill="hold"/>
+                                        <p:tgtEl>
+                                          <p:spTgt spid="3">
+                                            <p:txEl>
+                                              <p:pRg st="0" end="0"/>
+                                            </p:txEl>
+                                          </p:spTgt>
+                                        </p:tgtEl>
+                                        <p:attrNameLst>
+                                          <p:attrName>ppt_y</p:attrName>
+                                        </p:attrNameLst>
+                                      </p:cBhvr>
+                                      <p:tavLst>
+                                        <p:tav tm="0">
+                                          <p:val>
+                                            <p:strVal val="1+#ppt_h/2"/>
+                                          </p:val>
+                                        </p:tav>
+                                        <p:tav tm="100000">
+                                          <p:val>
+                                            <p:strVal val="#ppt_y"/>
+                                          </p:val>
+                                        </p:tav>
+                                      </p:tavLst>
+                                    </p:anim>
+                                  </p:childTnLst>
+                                </p:cTn>
+                              </p:par>
+                            </p:childTnLst>
+                          </p:cTn>
+                        </p:par>
+                      </p:childTnLst>
+                    </p:cTn>
+                  </p:par>
+                  <p:par>
+                    <p:cTn id="9" fill="hold">
+                      <p:stCondLst>
+                        <p:cond delay="indefinite"/>
+                      </p:stCondLst>
+                      <p:childTnLst>
+                        <p:par>
+                          <p:cTn id="10" fill="hold">
+                            <p:stCondLst>
+                              <p:cond delay="0"/>
+                            </p:stCondLst>
+                            <p:childTnLst>
+                              <p:par>
+                                <p:cTn id="11" presetID="2" presetClass="entr" presetSubtype="4" fill="hold" nodeType="clickEffect">
+                                  <p:stCondLst>
+                                    <p:cond delay="0"/>
+                                  </p:stCondLst>
+                                  <p:childTnLst>
+                                    <p:set>
+                                      <p:cBhvr>
+                                        <p:cTn id="12" dur="1" fill="hold">
+                                          <p:stCondLst>
+                                            <p:cond delay="0"/>
+                                          </p:stCondLst>
+                                        </p:cTn>
+                                        <p:tgtEl>
+                                          <p:spTgt spid="3">
+                                            <p:txEl>
+                                              <p:pRg st="2" end="2"/>
+                                            </p:txEl>
+                                          </p:spTgt>
+                                        </p:tgtEl>
+                                        <p:attrNameLst>
+                                          <p:attrName>style.visibility</p:attrName>
+                                        </p:attrNameLst>
+                                      </p:cBhvr>
+                                      <p:to>
+                                        <p:strVal val="visible"/>
+                                      </p:to>
+                                    </p:set>
+                                    <p:anim calcmode="lin" valueType="num">
+                                      <p:cBhvr additive="base">
+                                        <p:cTn id="13" dur="500" fill="hold"/>
+                                        <p:tgtEl>
+                                          <p:spTgt spid="3">
+                                            <p:txEl>
+                                              <p:pRg st="2" end="2"/>
+                                            </p:txEl>
+                                          </p:spTgt>
+                                        </p:tgtEl>
+                                        <p:attrNameLst>
+                                          <p:attrName>ppt_x</p:attrName>
+                                        </p:attrNameLst>
+                                      </p:cBhvr>
+                                      <p:tavLst>
+                                        <p:tav tm="0">
+                                          <p:val>
+                                            <p:strVal val="#ppt_x"/>
+                                          </p:val>
+                                        </p:tav>
+                                        <p:tav tm="100000">
+                                          <p:val>
+                                            <p:strVal val="#ppt_x"/>
+                                          </p:val>
+                                        </p:tav>
+                                      </p:tavLst>
+                                    </p:anim>
+                                    <p:anim calcmode="lin" valueType="num">
+                                      <p:cBhvr additive="base">
+                                        <p:cTn id="14" dur="500" fill="hold"/>
+                                        <p:tgtEl>
+                                          <p:spTgt spid="3">
+                                            <p:txEl>
+                                              <p:pRg st="2" end="2"/>
+                                            </p:txEl>
+                                          </p:spTgt>
+                                        </p:tgtEl>
+                                        <p:attrNameLst>
+                                          <p:attrName>ppt_y</p:attrName>
+                                        </p:attrNameLst>
+                                      </p:cBhvr>
+                                      <p:tavLst>
+                                        <p:tav tm="0">
+                                          <p:val>
+                                            <p:strVal val="1+#ppt_h/2"/>
+                                          </p:val>
+                                        </p:tav>
+                                        <p:tav tm="100000">
+                                          <p:val>
+                                            <p:strVal val="#ppt_y"/>
+                                          </p:val>
+                                        </p:tav>
+                                      </p:tavLst>
+                                    </p:anim>
+                                  </p:childTnLst>
+                                </p:cTn>
+                              </p:par>
+                            </p:childTnLst>
+                          </p:cTn>
+                        </p:par>
+                      </p:childTnLst>
+                    </p:cTn>
+                  </p:par>
+                </p:childTnLst>
+              </p:cTn>
+              <p:prevCondLst>
+                <p:cond evt="onPrev" delay="0">
+                  <p:tgtEl>
+                    <p:sldTgt/>
+                  </p:tgtEl>
+                </p:cond>
+              </p:prevCondLst>
+              <p:nextCondLst>
+                <p:cond evt="onNext" delay="0">
+                  <p:tgtEl>
+                    <p:sldTgt/>
+                  </p:tgtEl>
+                </p:cond>
+              </p:nextCondLst>
+            </p:seq>
+          </p:childTnLst>
+        </p:cTn>
+      </p:par>
+    </p:tnLst>
+  </p:timing>
+</p:sld>
+</file>
+
+<file path=ppt/slides/slide14.xml><?xml version="1.0" encoding="utf-8"?>
+<p:sld xmlns:a="http://schemas.openxmlformats.org/drawingml/2006/main" xmlns:r="http://schemas.openxmlformats.org/officeDocument/2006/relationships" xmlns:p="http://schemas.openxmlformats.org/presentationml/2006/main">
+  <p:cSld>
+    <p:spTree>
+      <p:nvGrpSpPr>
+        <p:cNvPr id="1" name=""/>
+        <p:cNvGrpSpPr/>
+        <p:nvPr/>
+      </p:nvGrpSpPr>
+      <p:grpSpPr>
+        <a:xfrm>
+          <a:off x="0" y="0"/>
+          <a:ext cx="0" cy="0"/>
+          <a:chOff x="0" y="0"/>
+          <a:chExt cx="0" cy="0"/>
+        </a:xfrm>
+      </p:grpSpPr>
+      <p:sp>
+        <p:nvSpPr>
+          <p:cNvPr id="2" name="Title 1">
+            <a:extLst>
+              <a:ext uri="{FF2B5EF4-FFF2-40B4-BE49-F238E27FC236}">
+                <a16:creationId xmlns:a16="http://schemas.microsoft.com/office/drawing/2014/main" id="{B204F89E-8686-4433-ADC9-D1B389A51FF5}"/>
+              </a:ext>
+            </a:extLst>
+          </p:cNvPr>
+          <p:cNvSpPr>
+            <a:spLocks noGrp="1"/>
+          </p:cNvSpPr>
+          <p:nvPr>
+            <p:ph type="title"/>
+          </p:nvPr>
+        </p:nvSpPr>
+        <p:spPr>
+          <a:xfrm>
+            <a:off x="684212" y="203364"/>
+            <a:ext cx="8534400" cy="1369133"/>
+          </a:xfrm>
+        </p:spPr>
+        <p:txBody>
+          <a:bodyPr/>
+          <a:lstStyle/>
+          <a:p>
+            <a:r>
+              <a:rPr lang="en-US" dirty="0" err="1"/>
+              <a:t>Rje</a:t>
+            </a:r>
+            <a:r>
+              <a:rPr lang="bs-Latn-BA" dirty="0"/>
+              <a:t>šavanje zadataka u opštim brojevima</a:t>
+            </a:r>
+            <a:endParaRPr lang="en-US" dirty="0"/>
+          </a:p>
+        </p:txBody>
+      </p:sp>
+      <p:sp>
+        <p:nvSpPr>
+          <p:cNvPr id="3" name="Content Placeholder 2">
+            <a:extLst>
+              <a:ext uri="{FF2B5EF4-FFF2-40B4-BE49-F238E27FC236}">
+                <a16:creationId xmlns:a16="http://schemas.microsoft.com/office/drawing/2014/main" id="{17D02AA3-71F9-4942-99F0-940067FC51E4}"/>
+              </a:ext>
+            </a:extLst>
+          </p:cNvPr>
+          <p:cNvSpPr>
+            <a:spLocks noGrp="1"/>
+          </p:cNvSpPr>
+          <p:nvPr>
+            <p:ph idx="1"/>
+          </p:nvPr>
+        </p:nvSpPr>
+        <p:spPr>
+          <a:xfrm>
+            <a:off x="0" y="1454257"/>
+            <a:ext cx="10992050" cy="4740674"/>
+          </a:xfrm>
+        </p:spPr>
+        <p:txBody>
+          <a:bodyPr>
+            <a:normAutofit fontScale="92500" lnSpcReduction="10000"/>
+          </a:bodyPr>
+          <a:lstStyle/>
+          <a:p>
+            <a:r>
+              <a:rPr lang="bs-Latn-BA" sz="2400" dirty="0">
+                <a:solidFill>
+                  <a:schemeClr val="tx1"/>
+                </a:solidFill>
+              </a:rPr>
+              <a:t>Drugo rješenje</a:t>
+            </a:r>
+          </a:p>
+          <a:p>
+            <a:endParaRPr lang="bs-Latn-BA" sz="2200" dirty="0">
+              <a:solidFill>
+                <a:schemeClr val="tx1"/>
+              </a:solidFill>
+            </a:endParaRPr>
+          </a:p>
+          <a:p>
+            <a:pPr marL="0" indent="0">
+              <a:buNone/>
+            </a:pPr>
+            <a:r>
+              <a:rPr lang="bs-Latn-BA" sz="2200" dirty="0">
+                <a:solidFill>
+                  <a:schemeClr val="tx1"/>
+                </a:solidFill>
+              </a:rPr>
+              <a:t>	cijena_</a:t>
+            </a:r>
+            <a:r>
+              <a:rPr lang="en-US" sz="2200" dirty="0" err="1">
+                <a:solidFill>
+                  <a:schemeClr val="tx1"/>
+                </a:solidFill>
+              </a:rPr>
+              <a:t>tocka</a:t>
+            </a:r>
+            <a:r>
+              <a:rPr lang="en-US" sz="2200" dirty="0">
+                <a:solidFill>
+                  <a:schemeClr val="tx1"/>
+                </a:solidFill>
+              </a:rPr>
+              <a:t> = 3</a:t>
+            </a:r>
+          </a:p>
+          <a:p>
+            <a:pPr marL="0" indent="0">
+              <a:buNone/>
+            </a:pPr>
+            <a:r>
+              <a:rPr lang="en-US" sz="2200" dirty="0">
+                <a:solidFill>
+                  <a:schemeClr val="tx1"/>
+                </a:solidFill>
+              </a:rPr>
+              <a:t>	</a:t>
+            </a:r>
+            <a:r>
+              <a:rPr lang="en-US" sz="2200" dirty="0" err="1">
+                <a:solidFill>
+                  <a:schemeClr val="tx1"/>
+                </a:solidFill>
+              </a:rPr>
+              <a:t>cijena_velike_kocke</a:t>
+            </a:r>
+            <a:r>
+              <a:rPr lang="en-US" sz="2200" dirty="0">
+                <a:solidFill>
+                  <a:schemeClr val="tx1"/>
+                </a:solidFill>
+              </a:rPr>
+              <a:t> = 4</a:t>
+            </a:r>
+          </a:p>
+          <a:p>
+            <a:pPr marL="0" indent="0">
+              <a:buNone/>
+            </a:pPr>
+            <a:r>
+              <a:rPr lang="en-US" sz="2200" dirty="0">
+                <a:solidFill>
+                  <a:schemeClr val="tx1"/>
+                </a:solidFill>
+              </a:rPr>
+              <a:t>	</a:t>
+            </a:r>
+            <a:r>
+              <a:rPr lang="en-US" sz="2200" dirty="0" err="1">
+                <a:solidFill>
+                  <a:schemeClr val="tx1"/>
+                </a:solidFill>
+              </a:rPr>
+              <a:t>cijena_male_kocke</a:t>
+            </a:r>
+            <a:r>
+              <a:rPr lang="en-US" sz="2200" dirty="0">
+                <a:solidFill>
+                  <a:schemeClr val="tx1"/>
+                </a:solidFill>
+              </a:rPr>
+              <a:t> = 2</a:t>
+            </a:r>
+          </a:p>
+          <a:p>
+            <a:pPr marL="0" indent="0">
+              <a:buNone/>
+            </a:pPr>
+            <a:r>
+              <a:rPr lang="en-US" sz="2200" dirty="0">
+                <a:solidFill>
+                  <a:schemeClr val="tx1"/>
+                </a:solidFill>
+              </a:rPr>
+              <a:t>	</a:t>
+            </a:r>
+          </a:p>
+          <a:p>
+            <a:pPr marL="0" indent="0">
+              <a:buNone/>
+            </a:pPr>
+            <a:r>
+              <a:rPr lang="en-US" sz="2200" dirty="0">
+                <a:solidFill>
+                  <a:schemeClr val="tx1"/>
+                </a:solidFill>
+              </a:rPr>
+              <a:t>	</a:t>
+            </a:r>
+            <a:r>
+              <a:rPr lang="en-US" sz="2200" dirty="0" err="1">
+                <a:solidFill>
+                  <a:schemeClr val="tx1"/>
+                </a:solidFill>
+              </a:rPr>
+              <a:t>cijena_automobil</a:t>
+            </a:r>
+            <a:r>
+              <a:rPr lang="en-US" sz="2200" dirty="0">
+                <a:solidFill>
+                  <a:schemeClr val="tx1"/>
+                </a:solidFill>
+              </a:rPr>
+              <a:t> = 4*</a:t>
+            </a:r>
+            <a:r>
+              <a:rPr lang="en-US" sz="2200" dirty="0" err="1">
+                <a:solidFill>
+                  <a:schemeClr val="tx1"/>
+                </a:solidFill>
+              </a:rPr>
+              <a:t>cijena_tocka</a:t>
+            </a:r>
+            <a:r>
+              <a:rPr lang="en-US" sz="2200" dirty="0">
+                <a:solidFill>
+                  <a:schemeClr val="tx1"/>
+                </a:solidFill>
+              </a:rPr>
+              <a:t> + 8*</a:t>
+            </a:r>
+            <a:r>
+              <a:rPr lang="en-US" sz="2200" dirty="0" err="1">
+                <a:solidFill>
+                  <a:schemeClr val="tx1"/>
+                </a:solidFill>
+              </a:rPr>
+              <a:t>cijena_velike_kocke</a:t>
+            </a:r>
+            <a:r>
+              <a:rPr lang="en-US" sz="2200" dirty="0">
+                <a:solidFill>
+                  <a:schemeClr val="tx1"/>
+                </a:solidFill>
+              </a:rPr>
+              <a:t> + 4*</a:t>
+            </a:r>
+            <a:r>
+              <a:rPr lang="en-US" sz="2200" dirty="0" err="1">
+                <a:solidFill>
+                  <a:schemeClr val="tx1"/>
+                </a:solidFill>
+              </a:rPr>
+              <a:t>cijena_male_kocke</a:t>
+            </a:r>
+            <a:endParaRPr lang="en-US" sz="2200" dirty="0">
+              <a:solidFill>
+                <a:schemeClr val="tx1"/>
+              </a:solidFill>
+            </a:endParaRPr>
+          </a:p>
+          <a:p>
+            <a:pPr marL="0" indent="0">
+              <a:buNone/>
+            </a:pPr>
+            <a:r>
+              <a:rPr lang="en-US" sz="2200" dirty="0">
+                <a:solidFill>
+                  <a:schemeClr val="tx1"/>
+                </a:solidFill>
+              </a:rPr>
+              <a:t>	</a:t>
+            </a:r>
+            <a:r>
+              <a:rPr lang="en-US" sz="2200" dirty="0" err="1">
+                <a:solidFill>
+                  <a:schemeClr val="tx1"/>
+                </a:solidFill>
+              </a:rPr>
+              <a:t>cijena_bicikl</a:t>
+            </a:r>
+            <a:r>
+              <a:rPr lang="en-US" sz="2200" dirty="0">
+                <a:solidFill>
+                  <a:schemeClr val="tx1"/>
+                </a:solidFill>
+              </a:rPr>
+              <a:t> = 2*</a:t>
+            </a:r>
+            <a:r>
+              <a:rPr lang="en-US" sz="2200" dirty="0" err="1">
+                <a:solidFill>
+                  <a:schemeClr val="tx1"/>
+                </a:solidFill>
+              </a:rPr>
+              <a:t>cijena_tocka</a:t>
+            </a:r>
+            <a:r>
+              <a:rPr lang="en-US" sz="2200" dirty="0">
+                <a:solidFill>
+                  <a:schemeClr val="tx1"/>
+                </a:solidFill>
+              </a:rPr>
+              <a:t> + 6*</a:t>
+            </a:r>
+            <a:r>
+              <a:rPr lang="en-US" sz="2200" dirty="0" err="1">
+                <a:solidFill>
+                  <a:schemeClr val="tx1"/>
+                </a:solidFill>
+              </a:rPr>
+              <a:t>cijena_male_kocke</a:t>
+            </a:r>
+            <a:endParaRPr lang="en-US" sz="2200" dirty="0">
+              <a:solidFill>
+                <a:schemeClr val="tx1"/>
+              </a:solidFill>
+            </a:endParaRPr>
+          </a:p>
+          <a:p>
+            <a:pPr marL="0" indent="0">
+              <a:buNone/>
+            </a:pPr>
+            <a:r>
+              <a:rPr lang="en-US" sz="2200" dirty="0">
+                <a:solidFill>
+                  <a:schemeClr val="tx1"/>
+                </a:solidFill>
+              </a:rPr>
+              <a:t>	</a:t>
+            </a:r>
+            <a:r>
+              <a:rPr lang="en-US" sz="2200" dirty="0" err="1">
+                <a:solidFill>
+                  <a:schemeClr val="tx1"/>
+                </a:solidFill>
+              </a:rPr>
+              <a:t>ukupna_cijena</a:t>
+            </a:r>
+            <a:r>
+              <a:rPr lang="en-US" sz="2200" dirty="0">
+                <a:solidFill>
+                  <a:schemeClr val="tx1"/>
+                </a:solidFill>
+              </a:rPr>
+              <a:t> = </a:t>
+            </a:r>
+            <a:r>
+              <a:rPr lang="en-US" sz="2200" dirty="0" err="1">
+                <a:solidFill>
+                  <a:schemeClr val="tx1"/>
+                </a:solidFill>
+              </a:rPr>
+              <a:t>cijena_automobil</a:t>
+            </a:r>
+            <a:r>
+              <a:rPr lang="en-US" sz="2200" dirty="0">
+                <a:solidFill>
+                  <a:schemeClr val="tx1"/>
+                </a:solidFill>
+              </a:rPr>
+              <a:t> + </a:t>
+            </a:r>
+            <a:r>
+              <a:rPr lang="en-US" sz="2200" dirty="0" err="1">
+                <a:solidFill>
+                  <a:schemeClr val="tx1"/>
+                </a:solidFill>
+              </a:rPr>
+              <a:t>cijena_bicikl</a:t>
+            </a:r>
+            <a:endParaRPr lang="en-US" sz="2200" dirty="0">
+              <a:solidFill>
+                <a:schemeClr val="tx1"/>
+              </a:solidFill>
+            </a:endParaRPr>
+          </a:p>
+          <a:p>
+            <a:pPr marL="0" indent="0">
+              <a:buNone/>
+            </a:pPr>
+            <a:r>
+              <a:rPr lang="en-US" sz="2200" dirty="0">
+                <a:solidFill>
+                  <a:schemeClr val="tx1"/>
+                </a:solidFill>
+              </a:rPr>
+              <a:t>	</a:t>
+            </a:r>
+          </a:p>
+          <a:p>
+            <a:pPr marL="0" indent="0">
+              <a:buNone/>
+            </a:pPr>
+            <a:r>
+              <a:rPr lang="en-US" sz="2400" dirty="0">
+                <a:solidFill>
+                  <a:schemeClr val="tx1"/>
+                </a:solidFill>
+              </a:rPr>
+              <a:t>	print(</a:t>
+            </a:r>
+            <a:r>
+              <a:rPr lang="en-US" sz="2400" dirty="0" err="1">
+                <a:solidFill>
+                  <a:schemeClr val="tx1"/>
+                </a:solidFill>
+              </a:rPr>
+              <a:t>ukupna_cijena</a:t>
+            </a:r>
+            <a:r>
+              <a:rPr lang="en-US" sz="2400" dirty="0">
+                <a:solidFill>
+                  <a:schemeClr val="tx1"/>
+                </a:solidFill>
+              </a:rPr>
+              <a:t>)</a:t>
+            </a:r>
+            <a:endParaRPr lang="bs-Latn-BA" sz="2400" dirty="0">
+              <a:solidFill>
+                <a:schemeClr val="tx1"/>
+              </a:solidFill>
+            </a:endParaRPr>
+          </a:p>
+        </p:txBody>
+      </p:sp>
+    </p:spTree>
+    <p:extLst>
+      <p:ext uri="{BB962C8B-B14F-4D97-AF65-F5344CB8AC3E}">
+        <p14:creationId xmlns:p14="http://schemas.microsoft.com/office/powerpoint/2010/main" val="2943936219"/>
+      </p:ext>
+    </p:extLst>
+  </p:cSld>
+  <p:clrMapOvr>
+    <a:masterClrMapping/>
+  </p:clrMapOvr>
+  <p:timing>
+    <p:tnLst>
+      <p:par>
+        <p:cTn id="1" dur="indefinite" restart="never" nodeType="tmRoot">
+          <p:childTnLst>
+            <p:seq concurrent="1" nextAc="seek">
+              <p:cTn id="2" dur="indefinite" nodeType="mainSeq">
+                <p:childTnLst>
+                  <p:par>
+                    <p:cTn id="3" fill="hold">
+                      <p:stCondLst>
+                        <p:cond delay="indefinite"/>
+                        <p:cond evt="onBegin" delay="0">
+                          <p:tn val="2"/>
+                        </p:cond>
+                      </p:stCondLst>
+                      <p:childTnLst>
+                        <p:par>
+                          <p:cTn id="4" fill="hold">
+                            <p:stCondLst>
+                              <p:cond delay="0"/>
+                            </p:stCondLst>
+                            <p:childTnLst>
+                              <p:par>
+                                <p:cTn id="5" presetID="2" presetClass="entr" presetSubtype="4" fill="hold" nodeType="afterEffect">
+                                  <p:stCondLst>
+                                    <p:cond delay="0"/>
+                                  </p:stCondLst>
+                                  <p:childTnLst>
+                                    <p:set>
+                                      <p:cBhvr>
+                                        <p:cTn id="6" dur="1" fill="hold">
+                                          <p:stCondLst>
+                                            <p:cond delay="0"/>
+                                          </p:stCondLst>
+                                        </p:cTn>
+                                        <p:tgtEl>
+                                          <p:spTgt spid="3">
+                                            <p:txEl>
+                                              <p:pRg st="2" end="2"/>
+                                            </p:txEl>
+                                          </p:spTgt>
+                                        </p:tgtEl>
+                                        <p:attrNameLst>
+                                          <p:attrName>style.visibility</p:attrName>
+                                        </p:attrNameLst>
+                                      </p:cBhvr>
+                                      <p:to>
+                                        <p:strVal val="visible"/>
+                                      </p:to>
+                                    </p:set>
+                                    <p:anim calcmode="lin" valueType="num">
+                                      <p:cBhvr additive="base">
+                                        <p:cTn id="7" dur="500" fill="hold"/>
+                                        <p:tgtEl>
+                                          <p:spTgt spid="3">
+                                            <p:txEl>
+                                              <p:pRg st="2" end="2"/>
+                                            </p:txEl>
+                                          </p:spTgt>
+                                        </p:tgtEl>
+                                        <p:attrNameLst>
+                                          <p:attrName>ppt_x</p:attrName>
+                                        </p:attrNameLst>
+                                      </p:cBhvr>
+                                      <p:tavLst>
+                                        <p:tav tm="0">
+                                          <p:val>
+                                            <p:strVal val="#ppt_x"/>
+                                          </p:val>
+                                        </p:tav>
+                                        <p:tav tm="100000">
+                                          <p:val>
+                                            <p:strVal val="#ppt_x"/>
+                                          </p:val>
+                                        </p:tav>
+                                      </p:tavLst>
+                                    </p:anim>
+                                    <p:anim calcmode="lin" valueType="num">
+                                      <p:cBhvr additive="base">
+                                        <p:cTn id="8" dur="500" fill="hold"/>
+                                        <p:tgtEl>
+                                          <p:spTgt spid="3">
+                                            <p:txEl>
+                                              <p:pRg st="2" end="2"/>
+                                            </p:txEl>
+                                          </p:spTgt>
+                                        </p:tgtEl>
+                                        <p:attrNameLst>
+                                          <p:attrName>ppt_y</p:attrName>
+                                        </p:attrNameLst>
+                                      </p:cBhvr>
+                                      <p:tavLst>
+                                        <p:tav tm="0">
+                                          <p:val>
+                                            <p:strVal val="1+#ppt_h/2"/>
+                                          </p:val>
+                                        </p:tav>
+                                        <p:tav tm="100000">
+                                          <p:val>
+                                            <p:strVal val="#ppt_y"/>
+                                          </p:val>
+                                        </p:tav>
+                                      </p:tavLst>
+                                    </p:anim>
+                                  </p:childTnLst>
+                                </p:cTn>
+                              </p:par>
+                            </p:childTnLst>
+                          </p:cTn>
+                        </p:par>
+                      </p:childTnLst>
+                    </p:cTn>
+                  </p:par>
+                  <p:par>
+                    <p:cTn id="9" fill="hold">
+                      <p:stCondLst>
+                        <p:cond delay="indefinite"/>
+                      </p:stCondLst>
+                      <p:childTnLst>
+                        <p:par>
+                          <p:cTn id="10" fill="hold">
+                            <p:stCondLst>
+                              <p:cond delay="0"/>
+                            </p:stCondLst>
+                            <p:childTnLst>
+                              <p:par>
+                                <p:cTn id="11" presetID="2" presetClass="entr" presetSubtype="4" fill="hold" nodeType="clickEffect">
+                                  <p:stCondLst>
+                                    <p:cond delay="0"/>
+                                  </p:stCondLst>
+                                  <p:childTnLst>
+                                    <p:set>
+                                      <p:cBhvr>
+                                        <p:cTn id="12" dur="1" fill="hold">
+                                          <p:stCondLst>
+                                            <p:cond delay="0"/>
+                                          </p:stCondLst>
+                                        </p:cTn>
+                                        <p:tgtEl>
+                                          <p:spTgt spid="3">
+                                            <p:txEl>
+                                              <p:pRg st="3" end="3"/>
+                                            </p:txEl>
+                                          </p:spTgt>
+                                        </p:tgtEl>
+                                        <p:attrNameLst>
+                                          <p:attrName>style.visibility</p:attrName>
+                                        </p:attrNameLst>
+                                      </p:cBhvr>
+                                      <p:to>
+                                        <p:strVal val="visible"/>
+                                      </p:to>
+                                    </p:set>
+                                    <p:anim calcmode="lin" valueType="num">
+                                      <p:cBhvr additive="base">
+                                        <p:cTn id="13" dur="500" fill="hold"/>
+                                        <p:tgtEl>
+                                          <p:spTgt spid="3">
+                                            <p:txEl>
+                                              <p:pRg st="3" end="3"/>
+                                            </p:txEl>
+                                          </p:spTgt>
+                                        </p:tgtEl>
+                                        <p:attrNameLst>
+                                          <p:attrName>ppt_x</p:attrName>
+                                        </p:attrNameLst>
+                                      </p:cBhvr>
+                                      <p:tavLst>
+                                        <p:tav tm="0">
+                                          <p:val>
+                                            <p:strVal val="#ppt_x"/>
+                                          </p:val>
+                                        </p:tav>
+                                        <p:tav tm="100000">
+                                          <p:val>
+                                            <p:strVal val="#ppt_x"/>
+                                          </p:val>
+                                        </p:tav>
+                                      </p:tavLst>
+                                    </p:anim>
+                                    <p:anim calcmode="lin" valueType="num">
+                                      <p:cBhvr additive="base">
+                                        <p:cTn id="14" dur="500" fill="hold"/>
+                                        <p:tgtEl>
+                                          <p:spTgt spid="3">
+                                            <p:txEl>
+                                              <p:pRg st="3" end="3"/>
+                                            </p:txEl>
+                                          </p:spTgt>
+                                        </p:tgtEl>
+                                        <p:attrNameLst>
+                                          <p:attrName>ppt_y</p:attrName>
+                                        </p:attrNameLst>
+                                      </p:cBhvr>
+                                      <p:tavLst>
+                                        <p:tav tm="0">
+                                          <p:val>
+                                            <p:strVal val="1+#ppt_h/2"/>
+                                          </p:val>
+                                        </p:tav>
+                                        <p:tav tm="100000">
+                                          <p:val>
+                                            <p:strVal val="#ppt_y"/>
+                                          </p:val>
+                                        </p:tav>
+                                      </p:tavLst>
+                                    </p:anim>
+                                  </p:childTnLst>
+                                </p:cTn>
+                              </p:par>
+                            </p:childTnLst>
+                          </p:cTn>
+                        </p:par>
+                      </p:childTnLst>
+                    </p:cTn>
+                  </p:par>
+                  <p:par>
+                    <p:cTn id="15" fill="hold">
+                      <p:stCondLst>
+                        <p:cond delay="indefinite"/>
+                      </p:stCondLst>
+                      <p:childTnLst>
+                        <p:par>
+                          <p:cTn id="16" fill="hold">
+                            <p:stCondLst>
+                              <p:cond delay="0"/>
+                            </p:stCondLst>
+                            <p:childTnLst>
+                              <p:par>
+                                <p:cTn id="17" presetID="2" presetClass="entr" presetSubtype="4" fill="hold" nodeType="clickEffect">
+                                  <p:stCondLst>
+                                    <p:cond delay="0"/>
+                                  </p:stCondLst>
+                                  <p:childTnLst>
+                                    <p:set>
+                                      <p:cBhvr>
+                                        <p:cTn id="18" dur="1" fill="hold">
+                                          <p:stCondLst>
+                                            <p:cond delay="0"/>
+                                          </p:stCondLst>
+                                        </p:cTn>
+                                        <p:tgtEl>
+                                          <p:spTgt spid="3">
+                                            <p:txEl>
+                                              <p:pRg st="4" end="4"/>
+                                            </p:txEl>
+                                          </p:spTgt>
+                                        </p:tgtEl>
+                                        <p:attrNameLst>
+                                          <p:attrName>style.visibility</p:attrName>
+                                        </p:attrNameLst>
+                                      </p:cBhvr>
+                                      <p:to>
+                                        <p:strVal val="visible"/>
+                                      </p:to>
+                                    </p:set>
+                                    <p:anim calcmode="lin" valueType="num">
+                                      <p:cBhvr additive="base">
+                                        <p:cTn id="19" dur="500" fill="hold"/>
+                                        <p:tgtEl>
+                                          <p:spTgt spid="3">
+                                            <p:txEl>
+                                              <p:pRg st="4" end="4"/>
+                                            </p:txEl>
+                                          </p:spTgt>
+                                        </p:tgtEl>
+                                        <p:attrNameLst>
+                                          <p:attrName>ppt_x</p:attrName>
+                                        </p:attrNameLst>
+                                      </p:cBhvr>
+                                      <p:tavLst>
+                                        <p:tav tm="0">
+                                          <p:val>
+                                            <p:strVal val="#ppt_x"/>
+                                          </p:val>
+                                        </p:tav>
+                                        <p:tav tm="100000">
+                                          <p:val>
+                                            <p:strVal val="#ppt_x"/>
+                                          </p:val>
+                                        </p:tav>
+                                      </p:tavLst>
+                                    </p:anim>
+                                    <p:anim calcmode="lin" valueType="num">
+                                      <p:cBhvr additive="base">
+                                        <p:cTn id="20" dur="500" fill="hold"/>
+                                        <p:tgtEl>
+                                          <p:spTgt spid="3">
+                                            <p:txEl>
+                                              <p:pRg st="4" end="4"/>
+                                            </p:txEl>
+                                          </p:spTgt>
+                                        </p:tgtEl>
+                                        <p:attrNameLst>
+                                          <p:attrName>ppt_y</p:attrName>
+                                        </p:attrNameLst>
+                                      </p:cBhvr>
+                                      <p:tavLst>
+                                        <p:tav tm="0">
+                                          <p:val>
+                                            <p:strVal val="1+#ppt_h/2"/>
+                                          </p:val>
+                                        </p:tav>
+                                        <p:tav tm="100000">
+                                          <p:val>
+                                            <p:strVal val="#ppt_y"/>
+                                          </p:val>
+                                        </p:tav>
+                                      </p:tavLst>
+                                    </p:anim>
+                                  </p:childTnLst>
+                                </p:cTn>
+                              </p:par>
+                            </p:childTnLst>
+                          </p:cTn>
+                        </p:par>
+                      </p:childTnLst>
+                    </p:cTn>
+                  </p:par>
+                  <p:par>
+                    <p:cTn id="21" fill="hold">
+                      <p:stCondLst>
+                        <p:cond delay="indefinite"/>
+                      </p:stCondLst>
+                      <p:childTnLst>
+                        <p:par>
+                          <p:cTn id="22" fill="hold">
+                            <p:stCondLst>
+                              <p:cond delay="0"/>
+                            </p:stCondLst>
+                            <p:childTnLst>
+                              <p:par>
+                                <p:cTn id="23" presetID="2" presetClass="entr" presetSubtype="4" fill="hold" nodeType="clickEffect">
+                                  <p:stCondLst>
+                                    <p:cond delay="0"/>
+                                  </p:stCondLst>
+                                  <p:childTnLst>
+                                    <p:set>
+                                      <p:cBhvr>
+                                        <p:cTn id="24" dur="1" fill="hold">
+                                          <p:stCondLst>
+                                            <p:cond delay="0"/>
+                                          </p:stCondLst>
+                                        </p:cTn>
+                                        <p:tgtEl>
+                                          <p:spTgt spid="3">
+                                            <p:txEl>
+                                              <p:pRg st="6" end="6"/>
+                                            </p:txEl>
+                                          </p:spTgt>
+                                        </p:tgtEl>
+                                        <p:attrNameLst>
+                                          <p:attrName>style.visibility</p:attrName>
+                                        </p:attrNameLst>
+                                      </p:cBhvr>
+                                      <p:to>
+                                        <p:strVal val="visible"/>
+                                      </p:to>
+                                    </p:set>
+                                    <p:anim calcmode="lin" valueType="num">
+                                      <p:cBhvr additive="base">
+                                        <p:cTn id="25" dur="500" fill="hold"/>
+                                        <p:tgtEl>
+                                          <p:spTgt spid="3">
+                                            <p:txEl>
+                                              <p:pRg st="6" end="6"/>
+                                            </p:txEl>
+                                          </p:spTgt>
+                                        </p:tgtEl>
+                                        <p:attrNameLst>
+                                          <p:attrName>ppt_x</p:attrName>
+                                        </p:attrNameLst>
+                                      </p:cBhvr>
+                                      <p:tavLst>
+                                        <p:tav tm="0">
+                                          <p:val>
+                                            <p:strVal val="#ppt_x"/>
+                                          </p:val>
+                                        </p:tav>
+                                        <p:tav tm="100000">
+                                          <p:val>
+                                            <p:strVal val="#ppt_x"/>
+                                          </p:val>
+                                        </p:tav>
+                                      </p:tavLst>
+                                    </p:anim>
+                                    <p:anim calcmode="lin" valueType="num">
+                                      <p:cBhvr additive="base">
+                                        <p:cTn id="26" dur="500" fill="hold"/>
+                                        <p:tgtEl>
+                                          <p:spTgt spid="3">
+                                            <p:txEl>
+                                              <p:pRg st="6" end="6"/>
+                                            </p:txEl>
+                                          </p:spTgt>
+                                        </p:tgtEl>
+                                        <p:attrNameLst>
+                                          <p:attrName>ppt_y</p:attrName>
+                                        </p:attrNameLst>
+                                      </p:cBhvr>
+                                      <p:tavLst>
+                                        <p:tav tm="0">
+                                          <p:val>
+                                            <p:strVal val="1+#ppt_h/2"/>
+                                          </p:val>
+                                        </p:tav>
+                                        <p:tav tm="100000">
+                                          <p:val>
+                                            <p:strVal val="#ppt_y"/>
+                                          </p:val>
+                                        </p:tav>
+                                      </p:tavLst>
+                                    </p:anim>
+                                  </p:childTnLst>
+                                </p:cTn>
+                              </p:par>
+                            </p:childTnLst>
+                          </p:cTn>
+                        </p:par>
+                      </p:childTnLst>
+                    </p:cTn>
+                  </p:par>
+                  <p:par>
+                    <p:cTn id="27" fill="hold">
+                      <p:stCondLst>
+                        <p:cond delay="indefinite"/>
+                      </p:stCondLst>
+                      <p:childTnLst>
+                        <p:par>
+                          <p:cTn id="28" fill="hold">
+                            <p:stCondLst>
+                              <p:cond delay="0"/>
+                            </p:stCondLst>
+                            <p:childTnLst>
+                              <p:par>
+                                <p:cTn id="29" presetID="2" presetClass="entr" presetSubtype="4" fill="hold" nodeType="clickEffect">
+                                  <p:stCondLst>
+                                    <p:cond delay="0"/>
+                                  </p:stCondLst>
+                                  <p:childTnLst>
+                                    <p:set>
+                                      <p:cBhvr>
+                                        <p:cTn id="30" dur="1" fill="hold">
+                                          <p:stCondLst>
+                                            <p:cond delay="0"/>
+                                          </p:stCondLst>
+                                        </p:cTn>
+                                        <p:tgtEl>
+                                          <p:spTgt spid="3">
+                                            <p:txEl>
+                                              <p:pRg st="7" end="7"/>
+                                            </p:txEl>
+                                          </p:spTgt>
+                                        </p:tgtEl>
+                                        <p:attrNameLst>
+                                          <p:attrName>style.visibility</p:attrName>
+                                        </p:attrNameLst>
+                                      </p:cBhvr>
+                                      <p:to>
+                                        <p:strVal val="visible"/>
+                                      </p:to>
+                                    </p:set>
+                                    <p:anim calcmode="lin" valueType="num">
+                                      <p:cBhvr additive="base">
+                                        <p:cTn id="31" dur="500" fill="hold"/>
+                                        <p:tgtEl>
+                                          <p:spTgt spid="3">
+                                            <p:txEl>
+                                              <p:pRg st="7" end="7"/>
+                                            </p:txEl>
+                                          </p:spTgt>
+                                        </p:tgtEl>
+                                        <p:attrNameLst>
+                                          <p:attrName>ppt_x</p:attrName>
+                                        </p:attrNameLst>
+                                      </p:cBhvr>
+                                      <p:tavLst>
+                                        <p:tav tm="0">
+                                          <p:val>
+                                            <p:strVal val="#ppt_x"/>
+                                          </p:val>
+                                        </p:tav>
+                                        <p:tav tm="100000">
+                                          <p:val>
+                                            <p:strVal val="#ppt_x"/>
+                                          </p:val>
+                                        </p:tav>
+                                      </p:tavLst>
+                                    </p:anim>
+                                    <p:anim calcmode="lin" valueType="num">
+                                      <p:cBhvr additive="base">
+                                        <p:cTn id="32" dur="500" fill="hold"/>
+                                        <p:tgtEl>
+                                          <p:spTgt spid="3">
+                                            <p:txEl>
+                                              <p:pRg st="7" end="7"/>
+                                            </p:txEl>
+                                          </p:spTgt>
+                                        </p:tgtEl>
+                                        <p:attrNameLst>
+                                          <p:attrName>ppt_y</p:attrName>
+                                        </p:attrNameLst>
+                                      </p:cBhvr>
+                                      <p:tavLst>
+                                        <p:tav tm="0">
+                                          <p:val>
+                                            <p:strVal val="1+#ppt_h/2"/>
+                                          </p:val>
+                                        </p:tav>
+                                        <p:tav tm="100000">
+                                          <p:val>
+                                            <p:strVal val="#ppt_y"/>
+                                          </p:val>
+                                        </p:tav>
+                                      </p:tavLst>
+                                    </p:anim>
+                                  </p:childTnLst>
+                                </p:cTn>
+                              </p:par>
+                            </p:childTnLst>
+                          </p:cTn>
+                        </p:par>
+                      </p:childTnLst>
+                    </p:cTn>
+                  </p:par>
+                  <p:par>
+                    <p:cTn id="33" fill="hold">
+                      <p:stCondLst>
+                        <p:cond delay="indefinite"/>
+                      </p:stCondLst>
+                      <p:childTnLst>
+                        <p:par>
+                          <p:cTn id="34" fill="hold">
+                            <p:stCondLst>
+                              <p:cond delay="0"/>
+                            </p:stCondLst>
+                            <p:childTnLst>
+                              <p:par>
+                                <p:cTn id="35" presetID="2" presetClass="entr" presetSubtype="4" fill="hold" nodeType="clickEffect">
+                                  <p:stCondLst>
+                                    <p:cond delay="0"/>
+                                  </p:stCondLst>
+                                  <p:childTnLst>
+                                    <p:set>
+                                      <p:cBhvr>
+                                        <p:cTn id="36" dur="1" fill="hold">
+                                          <p:stCondLst>
+                                            <p:cond delay="0"/>
+                                          </p:stCondLst>
+                                        </p:cTn>
+                                        <p:tgtEl>
+                                          <p:spTgt spid="3">
+                                            <p:txEl>
+                                              <p:pRg st="8" end="8"/>
+                                            </p:txEl>
+                                          </p:spTgt>
+                                        </p:tgtEl>
+                                        <p:attrNameLst>
+                                          <p:attrName>style.visibility</p:attrName>
+                                        </p:attrNameLst>
+                                      </p:cBhvr>
+                                      <p:to>
+                                        <p:strVal val="visible"/>
+                                      </p:to>
+                                    </p:set>
+                                    <p:anim calcmode="lin" valueType="num">
+                                      <p:cBhvr additive="base">
+                                        <p:cTn id="37" dur="500" fill="hold"/>
+                                        <p:tgtEl>
+                                          <p:spTgt spid="3">
+                                            <p:txEl>
+                                              <p:pRg st="8" end="8"/>
+                                            </p:txEl>
+                                          </p:spTgt>
+                                        </p:tgtEl>
+                                        <p:attrNameLst>
+                                          <p:attrName>ppt_x</p:attrName>
+                                        </p:attrNameLst>
+                                      </p:cBhvr>
+                                      <p:tavLst>
+                                        <p:tav tm="0">
+                                          <p:val>
+                                            <p:strVal val="#ppt_x"/>
+                                          </p:val>
+                                        </p:tav>
+                                        <p:tav tm="100000">
+                                          <p:val>
+                                            <p:strVal val="#ppt_x"/>
+                                          </p:val>
+                                        </p:tav>
+                                      </p:tavLst>
+                                    </p:anim>
+                                    <p:anim calcmode="lin" valueType="num">
+                                      <p:cBhvr additive="base">
+                                        <p:cTn id="38" dur="500" fill="hold"/>
+                                        <p:tgtEl>
+                                          <p:spTgt spid="3">
+                                            <p:txEl>
+                                              <p:pRg st="8" end="8"/>
+                                            </p:txEl>
+                                          </p:spTgt>
+                                        </p:tgtEl>
+                                        <p:attrNameLst>
+                                          <p:attrName>ppt_y</p:attrName>
+                                        </p:attrNameLst>
+                                      </p:cBhvr>
+                                      <p:tavLst>
+                                        <p:tav tm="0">
+                                          <p:val>
+                                            <p:strVal val="1+#ppt_h/2"/>
+                                          </p:val>
+                                        </p:tav>
+                                        <p:tav tm="100000">
+                                          <p:val>
+                                            <p:strVal val="#ppt_y"/>
+                                          </p:val>
+                                        </p:tav>
+                                      </p:tavLst>
+                                    </p:anim>
+                                  </p:childTnLst>
+                                </p:cTn>
+                              </p:par>
+                            </p:childTnLst>
+                          </p:cTn>
+                        </p:par>
+                      </p:childTnLst>
+                    </p:cTn>
+                  </p:par>
+                  <p:par>
+                    <p:cTn id="39" fill="hold">
+                      <p:stCondLst>
+                        <p:cond delay="indefinite"/>
+                      </p:stCondLst>
+                      <p:childTnLst>
+                        <p:par>
+                          <p:cTn id="40" fill="hold">
+                            <p:stCondLst>
+                              <p:cond delay="0"/>
+                            </p:stCondLst>
+                            <p:childTnLst>
+                              <p:par>
+                                <p:cTn id="41" presetID="2" presetClass="entr" presetSubtype="4" fill="hold" nodeType="clickEffect">
+                                  <p:stCondLst>
+                                    <p:cond delay="0"/>
+                                  </p:stCondLst>
+                                  <p:childTnLst>
+                                    <p:set>
+                                      <p:cBhvr>
+                                        <p:cTn id="42" dur="1" fill="hold">
+                                          <p:stCondLst>
+                                            <p:cond delay="0"/>
+                                          </p:stCondLst>
+                                        </p:cTn>
+                                        <p:tgtEl>
+                                          <p:spTgt spid="3">
+                                            <p:txEl>
+                                              <p:pRg st="10" end="10"/>
+                                            </p:txEl>
+                                          </p:spTgt>
+                                        </p:tgtEl>
+                                        <p:attrNameLst>
+                                          <p:attrName>style.visibility</p:attrName>
+                                        </p:attrNameLst>
+                                      </p:cBhvr>
+                                      <p:to>
+                                        <p:strVal val="visible"/>
+                                      </p:to>
+                                    </p:set>
+                                    <p:anim calcmode="lin" valueType="num">
+                                      <p:cBhvr additive="base">
+                                        <p:cTn id="43" dur="500" fill="hold"/>
+                                        <p:tgtEl>
+                                          <p:spTgt spid="3">
+                                            <p:txEl>
+                                              <p:pRg st="10" end="10"/>
+                                            </p:txEl>
+                                          </p:spTgt>
+                                        </p:tgtEl>
+                                        <p:attrNameLst>
+                                          <p:attrName>ppt_x</p:attrName>
+                                        </p:attrNameLst>
+                                      </p:cBhvr>
+                                      <p:tavLst>
+                                        <p:tav tm="0">
+                                          <p:val>
+                                            <p:strVal val="#ppt_x"/>
+                                          </p:val>
+                                        </p:tav>
+                                        <p:tav tm="100000">
+                                          <p:val>
+                                            <p:strVal val="#ppt_x"/>
+                                          </p:val>
+                                        </p:tav>
+                                      </p:tavLst>
+                                    </p:anim>
+                                    <p:anim calcmode="lin" valueType="num">
+                                      <p:cBhvr additive="base">
+                                        <p:cTn id="44" dur="500" fill="hold"/>
+                                        <p:tgtEl>
+                                          <p:spTgt spid="3">
+                                            <p:txEl>
+                                              <p:pRg st="10" end="10"/>
+                                            </p:txEl>
+                                          </p:spTgt>
+                                        </p:tgtEl>
+                                        <p:attrNameLst>
+                                          <p:attrName>ppt_y</p:attrName>
+                                        </p:attrNameLst>
+                                      </p:cBhvr>
+                                      <p:tavLst>
+                                        <p:tav tm="0">
+                                          <p:val>
+                                            <p:strVal val="1+#ppt_h/2"/>
+                                          </p:val>
+                                        </p:tav>
+                                        <p:tav tm="100000">
+                                          <p:val>
+                                            <p:strVal val="#ppt_y"/>
+                                          </p:val>
+                                        </p:tav>
+                                      </p:tavLst>
+                                    </p:anim>
+                                  </p:childTnLst>
+                                </p:cTn>
+                              </p:par>
+                            </p:childTnLst>
+                          </p:cTn>
+                        </p:par>
+                      </p:childTnLst>
+                    </p:cTn>
+                  </p:par>
+                </p:childTnLst>
+              </p:cTn>
+              <p:prevCondLst>
+                <p:cond evt="onPrev" delay="0">
+                  <p:tgtEl>
+                    <p:sldTgt/>
+                  </p:tgtEl>
+                </p:cond>
+              </p:prevCondLst>
+              <p:nextCondLst>
+                <p:cond evt="onNext" delay="0">
+                  <p:tgtEl>
+                    <p:sldTgt/>
+                  </p:tgtEl>
+                </p:cond>
+              </p:nextCondLst>
+            </p:seq>
+          </p:childTnLst>
+        </p:cTn>
+      </p:par>
+    </p:tnLst>
+  </p:timing>
+</p:sld>
+</file>
+
+<file path=ppt/slides/slide15.xml><?xml version="1.0" encoding="utf-8"?>
+<p:sld xmlns:a="http://schemas.openxmlformats.org/drawingml/2006/main" xmlns:r="http://schemas.openxmlformats.org/officeDocument/2006/relationships" xmlns:p="http://schemas.openxmlformats.org/presentationml/2006/main">
+  <p:cSld>
+    <p:spTree>
+      <p:nvGrpSpPr>
+        <p:cNvPr id="1" name=""/>
+        <p:cNvGrpSpPr/>
+        <p:nvPr/>
+      </p:nvGrpSpPr>
+      <p:grpSpPr>
+        <a:xfrm>
+          <a:off x="0" y="0"/>
+          <a:ext cx="0" cy="0"/>
+          <a:chOff x="0" y="0"/>
+          <a:chExt cx="0" cy="0"/>
+        </a:xfrm>
+      </p:grpSpPr>
+      <p:sp>
+        <p:nvSpPr>
+          <p:cNvPr id="2" name="Title 1">
+            <a:extLst>
+              <a:ext uri="{FF2B5EF4-FFF2-40B4-BE49-F238E27FC236}">
+                <a16:creationId xmlns:a16="http://schemas.microsoft.com/office/drawing/2014/main" id="{E1AAE57C-ED69-424A-9FFC-F37D0AD1E187}"/>
+              </a:ext>
+            </a:extLst>
+          </p:cNvPr>
+          <p:cNvSpPr>
+            <a:spLocks noGrp="1"/>
+          </p:cNvSpPr>
+          <p:nvPr>
+            <p:ph type="title"/>
+          </p:nvPr>
+        </p:nvSpPr>
+        <p:spPr>
+          <a:xfrm>
+            <a:off x="202130" y="117463"/>
+            <a:ext cx="8534400" cy="1066445"/>
+          </a:xfrm>
+        </p:spPr>
+        <p:txBody>
+          <a:bodyPr>
+            <a:normAutofit fontScale="90000"/>
+          </a:bodyPr>
+          <a:lstStyle/>
+          <a:p>
+            <a:r>
+              <a:rPr lang="en-US" dirty="0"/>
+              <a:t>U</a:t>
+            </a:r>
+            <a:r>
+              <a:rPr lang="bs-Latn-BA" dirty="0"/>
+              <a:t>čitavanje podataka pri pokretanju programa</a:t>
+            </a:r>
+            <a:endParaRPr lang="en-US" dirty="0"/>
+          </a:p>
+        </p:txBody>
+      </p:sp>
+      <p:pic>
+        <p:nvPicPr>
+          <p:cNvPr id="7" name="Picture 6">
+            <a:extLst>
+              <a:ext uri="{FF2B5EF4-FFF2-40B4-BE49-F238E27FC236}">
+                <a16:creationId xmlns:a16="http://schemas.microsoft.com/office/drawing/2014/main" id="{7197757C-7962-4790-BD4D-183E853CEF94}"/>
+              </a:ext>
+            </a:extLst>
+          </p:cNvPr>
+          <p:cNvPicPr>
+            <a:picLocks noChangeAspect="1"/>
+          </p:cNvPicPr>
+          <p:nvPr/>
+        </p:nvPicPr>
+        <p:blipFill>
+          <a:blip r:embed="rId2"/>
+          <a:stretch>
+            <a:fillRect/>
+          </a:stretch>
+        </p:blipFill>
+        <p:spPr>
+          <a:xfrm>
+            <a:off x="279951" y="1749144"/>
+            <a:ext cx="1548849" cy="1855392"/>
+          </a:xfrm>
+          <a:prstGeom prst="rect">
+            <a:avLst/>
+          </a:prstGeom>
+        </p:spPr>
+      </p:pic>
+      <p:sp>
+        <p:nvSpPr>
+          <p:cNvPr id="8" name="TextBox 7">
+            <a:extLst>
+              <a:ext uri="{FF2B5EF4-FFF2-40B4-BE49-F238E27FC236}">
+                <a16:creationId xmlns:a16="http://schemas.microsoft.com/office/drawing/2014/main" id="{5F1FB985-7842-4EC1-9EE3-0082802DEDB0}"/>
+              </a:ext>
+            </a:extLst>
+          </p:cNvPr>
+          <p:cNvSpPr txBox="1"/>
+          <p:nvPr/>
+        </p:nvSpPr>
+        <p:spPr>
+          <a:xfrm>
+            <a:off x="202130" y="1349034"/>
+            <a:ext cx="4417996" cy="400110"/>
+          </a:xfrm>
+          <a:prstGeom prst="rect">
+            <a:avLst/>
+          </a:prstGeom>
+          <a:noFill/>
+        </p:spPr>
+        <p:txBody>
+          <a:bodyPr wrap="square" rtlCol="0">
+            <a:spAutoFit/>
+          </a:bodyPr>
+          <a:lstStyle/>
+          <a:p>
+            <a:r>
+              <a:rPr lang="en-US" sz="2000" dirty="0" err="1"/>
+              <a:t>Jednostavan</a:t>
+            </a:r>
+            <a:r>
+              <a:rPr lang="en-US" sz="2000" dirty="0"/>
+              <a:t> </a:t>
+            </a:r>
+            <a:r>
+              <a:rPr lang="en-US" sz="2000" dirty="0" err="1"/>
+              <a:t>primjer</a:t>
+            </a:r>
+            <a:r>
+              <a:rPr lang="en-US" sz="2000" dirty="0"/>
+              <a:t> u</a:t>
+            </a:r>
+            <a:r>
+              <a:rPr lang="bs-Latn-BA" sz="2000" dirty="0"/>
+              <a:t>či</a:t>
+            </a:r>
+            <a:r>
+              <a:rPr lang="en-US" sz="2000" dirty="0" err="1"/>
+              <a:t>tavanja</a:t>
+            </a:r>
+            <a:endParaRPr lang="en-US" sz="2000" dirty="0"/>
+          </a:p>
+        </p:txBody>
+      </p:sp>
+      <p:pic>
+        <p:nvPicPr>
+          <p:cNvPr id="10" name="Picture 9">
+            <a:extLst>
+              <a:ext uri="{FF2B5EF4-FFF2-40B4-BE49-F238E27FC236}">
+                <a16:creationId xmlns:a16="http://schemas.microsoft.com/office/drawing/2014/main" id="{BF0F5FBE-432F-4A53-AE36-CBFC7129B8A4}"/>
+              </a:ext>
+            </a:extLst>
+          </p:cNvPr>
+          <p:cNvPicPr>
+            <a:picLocks noChangeAspect="1"/>
+          </p:cNvPicPr>
+          <p:nvPr/>
+        </p:nvPicPr>
+        <p:blipFill>
+          <a:blip r:embed="rId3"/>
+          <a:stretch>
+            <a:fillRect/>
+          </a:stretch>
+        </p:blipFill>
+        <p:spPr>
+          <a:xfrm>
+            <a:off x="5851055" y="1584018"/>
+            <a:ext cx="4935577" cy="877804"/>
+          </a:xfrm>
+          <a:prstGeom prst="rect">
+            <a:avLst/>
+          </a:prstGeom>
+        </p:spPr>
+      </p:pic>
+      <p:sp>
+        <p:nvSpPr>
+          <p:cNvPr id="11" name="TextBox 10">
+            <a:extLst>
+              <a:ext uri="{FF2B5EF4-FFF2-40B4-BE49-F238E27FC236}">
+                <a16:creationId xmlns:a16="http://schemas.microsoft.com/office/drawing/2014/main" id="{C1F0A762-9035-4572-831F-59E575C555B5}"/>
+              </a:ext>
+            </a:extLst>
+          </p:cNvPr>
+          <p:cNvSpPr txBox="1"/>
+          <p:nvPr/>
+        </p:nvSpPr>
+        <p:spPr>
+          <a:xfrm>
+            <a:off x="5767044" y="1183908"/>
+            <a:ext cx="4417996" cy="400110"/>
+          </a:xfrm>
+          <a:prstGeom prst="rect">
+            <a:avLst/>
+          </a:prstGeom>
+          <a:noFill/>
+        </p:spPr>
+        <p:txBody>
+          <a:bodyPr wrap="square" rtlCol="0">
+            <a:spAutoFit/>
+          </a:bodyPr>
+          <a:lstStyle/>
+          <a:p>
+            <a:r>
+              <a:rPr lang="en-US" sz="2000" dirty="0" err="1"/>
+              <a:t>Primjer</a:t>
+            </a:r>
+            <a:r>
+              <a:rPr lang="en-US" sz="2000" dirty="0"/>
+              <a:t> </a:t>
+            </a:r>
+            <a:r>
+              <a:rPr lang="bs-Latn-BA" sz="2000" dirty="0"/>
+              <a:t>učitavanja sa varijablom</a:t>
+            </a:r>
+            <a:endParaRPr lang="en-US" sz="2000" dirty="0"/>
+          </a:p>
+        </p:txBody>
+      </p:sp>
+      <p:pic>
+        <p:nvPicPr>
+          <p:cNvPr id="13" name="Picture 12">
+            <a:extLst>
+              <a:ext uri="{FF2B5EF4-FFF2-40B4-BE49-F238E27FC236}">
+                <a16:creationId xmlns:a16="http://schemas.microsoft.com/office/drawing/2014/main" id="{44A29783-EC86-42A0-93E6-27D10A085F85}"/>
+              </a:ext>
+            </a:extLst>
+          </p:cNvPr>
+          <p:cNvPicPr>
+            <a:picLocks noChangeAspect="1"/>
+          </p:cNvPicPr>
+          <p:nvPr/>
+        </p:nvPicPr>
+        <p:blipFill>
+          <a:blip r:embed="rId4"/>
+          <a:stretch>
+            <a:fillRect/>
+          </a:stretch>
+        </p:blipFill>
+        <p:spPr>
+          <a:xfrm>
+            <a:off x="232843" y="4763226"/>
+            <a:ext cx="5534201" cy="910866"/>
+          </a:xfrm>
+          <a:prstGeom prst="rect">
+            <a:avLst/>
+          </a:prstGeom>
+        </p:spPr>
+      </p:pic>
+      <p:sp>
+        <p:nvSpPr>
+          <p:cNvPr id="14" name="TextBox 13">
+            <a:extLst>
+              <a:ext uri="{FF2B5EF4-FFF2-40B4-BE49-F238E27FC236}">
+                <a16:creationId xmlns:a16="http://schemas.microsoft.com/office/drawing/2014/main" id="{04BF08A2-9C6B-4D92-91F0-266B8213146C}"/>
+              </a:ext>
+            </a:extLst>
+          </p:cNvPr>
+          <p:cNvSpPr txBox="1"/>
+          <p:nvPr/>
+        </p:nvSpPr>
+        <p:spPr>
+          <a:xfrm>
+            <a:off x="202130" y="4289431"/>
+            <a:ext cx="5564914" cy="400110"/>
+          </a:xfrm>
+          <a:prstGeom prst="rect">
+            <a:avLst/>
+          </a:prstGeom>
+          <a:noFill/>
+        </p:spPr>
+        <p:txBody>
+          <a:bodyPr wrap="square" rtlCol="0">
+            <a:spAutoFit/>
+          </a:bodyPr>
+          <a:lstStyle/>
+          <a:p>
+            <a:r>
+              <a:rPr lang="en-US" sz="2000" dirty="0" err="1"/>
+              <a:t>Primjer</a:t>
+            </a:r>
+            <a:r>
+              <a:rPr lang="en-US" sz="2000" dirty="0"/>
+              <a:t> </a:t>
+            </a:r>
+            <a:r>
+              <a:rPr lang="bs-Latn-BA" sz="2000" dirty="0"/>
+              <a:t>učitavanja</a:t>
+            </a:r>
+            <a:r>
+              <a:rPr lang="en-US" sz="2000" dirty="0"/>
+              <a:t> </a:t>
+            </a:r>
+            <a:r>
+              <a:rPr lang="en-US" sz="2000" dirty="0" err="1"/>
+              <a:t>cijelog</a:t>
+            </a:r>
+            <a:r>
+              <a:rPr lang="en-US" sz="2000" dirty="0"/>
+              <a:t> </a:t>
+            </a:r>
+            <a:r>
+              <a:rPr lang="en-US" sz="2000" dirty="0" err="1"/>
+              <a:t>broja</a:t>
+            </a:r>
+            <a:endParaRPr lang="en-US" sz="2000" dirty="0"/>
+          </a:p>
+        </p:txBody>
+      </p:sp>
+      <p:pic>
+        <p:nvPicPr>
+          <p:cNvPr id="16" name="Picture 15">
+            <a:extLst>
+              <a:ext uri="{FF2B5EF4-FFF2-40B4-BE49-F238E27FC236}">
+                <a16:creationId xmlns:a16="http://schemas.microsoft.com/office/drawing/2014/main" id="{F86605E2-A054-46DA-88E3-49E19E3CCBBD}"/>
+              </a:ext>
+            </a:extLst>
+          </p:cNvPr>
+          <p:cNvPicPr>
+            <a:picLocks noChangeAspect="1"/>
+          </p:cNvPicPr>
+          <p:nvPr/>
+        </p:nvPicPr>
+        <p:blipFill>
+          <a:blip r:embed="rId5"/>
+          <a:stretch>
+            <a:fillRect/>
+          </a:stretch>
+        </p:blipFill>
+        <p:spPr>
+          <a:xfrm>
+            <a:off x="5395167" y="3301799"/>
+            <a:ext cx="6360484" cy="1387742"/>
+          </a:xfrm>
+          <a:prstGeom prst="rect">
+            <a:avLst/>
+          </a:prstGeom>
+        </p:spPr>
+      </p:pic>
+      <p:sp>
+        <p:nvSpPr>
+          <p:cNvPr id="17" name="TextBox 16">
+            <a:extLst>
+              <a:ext uri="{FF2B5EF4-FFF2-40B4-BE49-F238E27FC236}">
+                <a16:creationId xmlns:a16="http://schemas.microsoft.com/office/drawing/2014/main" id="{CFDCFABA-F249-4E18-9222-1AB4412486D4}"/>
+              </a:ext>
+            </a:extLst>
+          </p:cNvPr>
+          <p:cNvSpPr txBox="1"/>
+          <p:nvPr/>
+        </p:nvSpPr>
+        <p:spPr>
+          <a:xfrm>
+            <a:off x="5395167" y="2816079"/>
+            <a:ext cx="5564914" cy="400110"/>
+          </a:xfrm>
+          <a:prstGeom prst="rect">
+            <a:avLst/>
+          </a:prstGeom>
+          <a:noFill/>
+        </p:spPr>
+        <p:txBody>
+          <a:bodyPr wrap="square" rtlCol="0">
+            <a:spAutoFit/>
+          </a:bodyPr>
+          <a:lstStyle/>
+          <a:p>
+            <a:r>
+              <a:rPr lang="en-US" sz="2000" dirty="0" err="1"/>
+              <a:t>Primjer</a:t>
+            </a:r>
+            <a:r>
+              <a:rPr lang="en-US" sz="2000" dirty="0"/>
+              <a:t> </a:t>
+            </a:r>
+            <a:r>
+              <a:rPr lang="en-US" sz="2000" dirty="0" err="1"/>
+              <a:t>gre</a:t>
+            </a:r>
+            <a:r>
+              <a:rPr lang="bs-Latn-BA" sz="2000" dirty="0"/>
+              <a:t>ške učitavanja broja</a:t>
+            </a:r>
+            <a:endParaRPr lang="en-US" sz="2000" dirty="0"/>
+          </a:p>
+        </p:txBody>
+      </p:sp>
+    </p:spTree>
+    <p:extLst>
+      <p:ext uri="{BB962C8B-B14F-4D97-AF65-F5344CB8AC3E}">
+        <p14:creationId xmlns:p14="http://schemas.microsoft.com/office/powerpoint/2010/main" val="565731361"/>
+      </p:ext>
+    </p:extLst>
+  </p:cSld>
+  <p:clrMapOvr>
+    <a:masterClrMapping/>
+  </p:clrMapOvr>
+  <p:timing>
+    <p:tnLst>
+      <p:par>
+        <p:cTn id="1" dur="indefinite" restart="never" nodeType="tmRoot">
+          <p:childTnLst>
+            <p:seq concurrent="1" nextAc="seek">
+              <p:cTn id="2" dur="indefinite" nodeType="mainSeq">
+                <p:childTnLst>
+                  <p:par>
+                    <p:cTn id="3" fill="hold">
+                      <p:stCondLst>
+                        <p:cond delay="indefinite"/>
+                        <p:cond evt="onBegin" delay="0">
+                          <p:tn val="2"/>
+                        </p:cond>
+                      </p:stCondLst>
+                      <p:childTnLst>
+                        <p:par>
+                          <p:cTn id="4" fill="hold">
+                            <p:stCondLst>
+                              <p:cond delay="0"/>
+                            </p:stCondLst>
+                            <p:childTnLst>
+                              <p:par>
+                                <p:cTn id="5" presetID="2" presetClass="entr" presetSubtype="4" fill="hold" grpId="0" nodeType="afterEffect">
+                                  <p:stCondLst>
+                                    <p:cond delay="0"/>
+                                  </p:stCondLst>
+                                  <p:childTnLst>
+                                    <p:set>
+                                      <p:cBhvr>
+                                        <p:cTn id="6" dur="1" fill="hold">
+                                          <p:stCondLst>
+                                            <p:cond delay="0"/>
+                                          </p:stCondLst>
+                                        </p:cTn>
+                                        <p:tgtEl>
+                                          <p:spTgt spid="8"/>
+                                        </p:tgtEl>
+                                        <p:attrNameLst>
+                                          <p:attrName>style.visibility</p:attrName>
+                                        </p:attrNameLst>
+                                      </p:cBhvr>
+                                      <p:to>
+                                        <p:strVal val="visible"/>
+                                      </p:to>
+                                    </p:set>
+                                    <p:anim calcmode="lin" valueType="num">
+                                      <p:cBhvr additive="base">
+                                        <p:cTn id="7" dur="500" fill="hold"/>
+                                        <p:tgtEl>
+                                          <p:spTgt spid="8"/>
+                                        </p:tgtEl>
+                                        <p:attrNameLst>
+                                          <p:attrName>ppt_x</p:attrName>
+                                        </p:attrNameLst>
+                                      </p:cBhvr>
+                                      <p:tavLst>
+                                        <p:tav tm="0">
+                                          <p:val>
+                                            <p:strVal val="#ppt_x"/>
+                                          </p:val>
+                                        </p:tav>
+                                        <p:tav tm="100000">
+                                          <p:val>
+                                            <p:strVal val="#ppt_x"/>
+                                          </p:val>
+                                        </p:tav>
+                                      </p:tavLst>
+                                    </p:anim>
+                                    <p:anim calcmode="lin" valueType="num">
+                                      <p:cBhvr additive="base">
+                                        <p:cTn id="8" dur="500" fill="hold"/>
+                                        <p:tgtEl>
+                                          <p:spTgt spid="8"/>
+                                        </p:tgtEl>
+                                        <p:attrNameLst>
+                                          <p:attrName>ppt_y</p:attrName>
+                                        </p:attrNameLst>
+                                      </p:cBhvr>
+                                      <p:tavLst>
+                                        <p:tav tm="0">
+                                          <p:val>
+                                            <p:strVal val="1+#ppt_h/2"/>
+                                          </p:val>
+                                        </p:tav>
+                                        <p:tav tm="100000">
+                                          <p:val>
+                                            <p:strVal val="#ppt_y"/>
+                                          </p:val>
+                                        </p:tav>
+                                      </p:tavLst>
+                                    </p:anim>
+                                  </p:childTnLst>
+                                </p:cTn>
+                              </p:par>
+                            </p:childTnLst>
+                          </p:cTn>
+                        </p:par>
+                        <p:par>
+                          <p:cTn id="9" fill="hold">
+                            <p:stCondLst>
+                              <p:cond delay="500"/>
+                            </p:stCondLst>
+                            <p:childTnLst>
+                              <p:par>
+                                <p:cTn id="10" presetID="2" presetClass="entr" presetSubtype="4" fill="hold" nodeType="afterEffect">
+                                  <p:stCondLst>
+                                    <p:cond delay="0"/>
+                                  </p:stCondLst>
+                                  <p:childTnLst>
+                                    <p:set>
+                                      <p:cBhvr>
+                                        <p:cTn id="11" dur="1" fill="hold">
+                                          <p:stCondLst>
+                                            <p:cond delay="0"/>
+                                          </p:stCondLst>
+                                        </p:cTn>
+                                        <p:tgtEl>
+                                          <p:spTgt spid="7"/>
+                                        </p:tgtEl>
+                                        <p:attrNameLst>
+                                          <p:attrName>style.visibility</p:attrName>
+                                        </p:attrNameLst>
+                                      </p:cBhvr>
+                                      <p:to>
+                                        <p:strVal val="visible"/>
+                                      </p:to>
+                                    </p:set>
+                                    <p:anim calcmode="lin" valueType="num">
+                                      <p:cBhvr additive="base">
+                                        <p:cTn id="12" dur="500" fill="hold"/>
+                                        <p:tgtEl>
+                                          <p:spTgt spid="7"/>
+                                        </p:tgtEl>
+                                        <p:attrNameLst>
+                                          <p:attrName>ppt_x</p:attrName>
+                                        </p:attrNameLst>
+                                      </p:cBhvr>
+                                      <p:tavLst>
+                                        <p:tav tm="0">
+                                          <p:val>
+                                            <p:strVal val="#ppt_x"/>
+                                          </p:val>
+                                        </p:tav>
+                                        <p:tav tm="100000">
+                                          <p:val>
+                                            <p:strVal val="#ppt_x"/>
+                                          </p:val>
+                                        </p:tav>
+                                      </p:tavLst>
+                                    </p:anim>
+                                    <p:anim calcmode="lin" valueType="num">
+                                      <p:cBhvr additive="base">
+                                        <p:cTn id="13" dur="500" fill="hold"/>
+                                        <p:tgtEl>
+                                          <p:spTgt spid="7"/>
+                                        </p:tgtEl>
+                                        <p:attrNameLst>
+                                          <p:attrName>ppt_y</p:attrName>
+                                        </p:attrNameLst>
+                                      </p:cBhvr>
+                                      <p:tavLst>
+                                        <p:tav tm="0">
+                                          <p:val>
+                                            <p:strVal val="1+#ppt_h/2"/>
+                                          </p:val>
+                                        </p:tav>
+                                        <p:tav tm="100000">
+                                          <p:val>
+                                            <p:strVal val="#ppt_y"/>
+                                          </p:val>
+                                        </p:tav>
+                                      </p:tavLst>
+                                    </p:anim>
+                                  </p:childTnLst>
+                                </p:cTn>
+                              </p:par>
+                            </p:childTnLst>
+                          </p:cTn>
+                        </p:par>
+                      </p:childTnLst>
+                    </p:cTn>
+                  </p:par>
+                  <p:par>
+                    <p:cTn id="14" fill="hold">
+                      <p:stCondLst>
+                        <p:cond delay="indefinite"/>
+                      </p:stCondLst>
+                      <p:childTnLst>
+                        <p:par>
+                          <p:cTn id="15" fill="hold">
+                            <p:stCondLst>
+                              <p:cond delay="0"/>
+                            </p:stCondLst>
+                            <p:childTnLst>
+                              <p:par>
+                                <p:cTn id="16" presetID="2" presetClass="entr" presetSubtype="4" fill="hold" grpId="0" nodeType="clickEffect">
+                                  <p:stCondLst>
+                                    <p:cond delay="0"/>
+                                  </p:stCondLst>
+                                  <p:childTnLst>
+                                    <p:set>
+                                      <p:cBhvr>
+                                        <p:cTn id="17" dur="1" fill="hold">
+                                          <p:stCondLst>
+                                            <p:cond delay="0"/>
+                                          </p:stCondLst>
+                                        </p:cTn>
+                                        <p:tgtEl>
+                                          <p:spTgt spid="11"/>
+                                        </p:tgtEl>
+                                        <p:attrNameLst>
+                                          <p:attrName>style.visibility</p:attrName>
+                                        </p:attrNameLst>
+                                      </p:cBhvr>
+                                      <p:to>
+                                        <p:strVal val="visible"/>
+                                      </p:to>
+                                    </p:set>
+                                    <p:anim calcmode="lin" valueType="num">
+                                      <p:cBhvr additive="base">
+                                        <p:cTn id="18" dur="500" fill="hold"/>
+                                        <p:tgtEl>
+                                          <p:spTgt spid="11"/>
+                                        </p:tgtEl>
+                                        <p:attrNameLst>
+                                          <p:attrName>ppt_x</p:attrName>
+                                        </p:attrNameLst>
+                                      </p:cBhvr>
+                                      <p:tavLst>
+                                        <p:tav tm="0">
+                                          <p:val>
+                                            <p:strVal val="#ppt_x"/>
+                                          </p:val>
+                                        </p:tav>
+                                        <p:tav tm="100000">
+                                          <p:val>
+                                            <p:strVal val="#ppt_x"/>
+                                          </p:val>
+                                        </p:tav>
+                                      </p:tavLst>
+                                    </p:anim>
+                                    <p:anim calcmode="lin" valueType="num">
+                                      <p:cBhvr additive="base">
+                                        <p:cTn id="19" dur="500" fill="hold"/>
+                                        <p:tgtEl>
+                                          <p:spTgt spid="11"/>
+                                        </p:tgtEl>
+                                        <p:attrNameLst>
+                                          <p:attrName>ppt_y</p:attrName>
+                                        </p:attrNameLst>
+                                      </p:cBhvr>
+                                      <p:tavLst>
+                                        <p:tav tm="0">
+                                          <p:val>
+                                            <p:strVal val="1+#ppt_h/2"/>
+                                          </p:val>
+                                        </p:tav>
+                                        <p:tav tm="100000">
+                                          <p:val>
+                                            <p:strVal val="#ppt_y"/>
+                                          </p:val>
+                                        </p:tav>
+                                      </p:tavLst>
+                                    </p:anim>
+                                  </p:childTnLst>
+                                </p:cTn>
+                              </p:par>
+                            </p:childTnLst>
+                          </p:cTn>
+                        </p:par>
+                        <p:par>
+                          <p:cTn id="20" fill="hold">
+                            <p:stCondLst>
+                              <p:cond delay="500"/>
+                            </p:stCondLst>
+                            <p:childTnLst>
+                              <p:par>
+                                <p:cTn id="21" presetID="2" presetClass="entr" presetSubtype="4" fill="hold" nodeType="afterEffect">
+                                  <p:stCondLst>
+                                    <p:cond delay="0"/>
+                                  </p:stCondLst>
+                                  <p:childTnLst>
+                                    <p:set>
+                                      <p:cBhvr>
+                                        <p:cTn id="22" dur="1" fill="hold">
+                                          <p:stCondLst>
+                                            <p:cond delay="0"/>
+                                          </p:stCondLst>
+                                        </p:cTn>
+                                        <p:tgtEl>
+                                          <p:spTgt spid="10"/>
+                                        </p:tgtEl>
+                                        <p:attrNameLst>
+                                          <p:attrName>style.visibility</p:attrName>
+                                        </p:attrNameLst>
+                                      </p:cBhvr>
+                                      <p:to>
+                                        <p:strVal val="visible"/>
+                                      </p:to>
+                                    </p:set>
+                                    <p:anim calcmode="lin" valueType="num">
+                                      <p:cBhvr additive="base">
+                                        <p:cTn id="23" dur="500" fill="hold"/>
+                                        <p:tgtEl>
+                                          <p:spTgt spid="10"/>
+                                        </p:tgtEl>
+                                        <p:attrNameLst>
+                                          <p:attrName>ppt_x</p:attrName>
+                                        </p:attrNameLst>
+                                      </p:cBhvr>
+                                      <p:tavLst>
+                                        <p:tav tm="0">
+                                          <p:val>
+                                            <p:strVal val="#ppt_x"/>
+                                          </p:val>
+                                        </p:tav>
+                                        <p:tav tm="100000">
+                                          <p:val>
+                                            <p:strVal val="#ppt_x"/>
+                                          </p:val>
+                                        </p:tav>
+                                      </p:tavLst>
+                                    </p:anim>
+                                    <p:anim calcmode="lin" valueType="num">
+                                      <p:cBhvr additive="base">
+                                        <p:cTn id="24" dur="500" fill="hold"/>
+                                        <p:tgtEl>
+                                          <p:spTgt spid="10"/>
+                                        </p:tgtEl>
+                                        <p:attrNameLst>
+                                          <p:attrName>ppt_y</p:attrName>
+                                        </p:attrNameLst>
+                                      </p:cBhvr>
+                                      <p:tavLst>
+                                        <p:tav tm="0">
+                                          <p:val>
+                                            <p:strVal val="1+#ppt_h/2"/>
+                                          </p:val>
+                                        </p:tav>
+                                        <p:tav tm="100000">
+                                          <p:val>
+                                            <p:strVal val="#ppt_y"/>
+                                          </p:val>
+                                        </p:tav>
+                                      </p:tavLst>
+                                    </p:anim>
+                                  </p:childTnLst>
+                                </p:cTn>
+                              </p:par>
+                            </p:childTnLst>
+                          </p:cTn>
+                        </p:par>
+                      </p:childTnLst>
+                    </p:cTn>
+                  </p:par>
+                  <p:par>
+                    <p:cTn id="25" fill="hold">
+                      <p:stCondLst>
+                        <p:cond delay="indefinite"/>
+                      </p:stCondLst>
+                      <p:childTnLst>
+                        <p:par>
+                          <p:cTn id="26" fill="hold">
+                            <p:stCondLst>
+                              <p:cond delay="0"/>
+                            </p:stCondLst>
+                            <p:childTnLst>
+                              <p:par>
+                                <p:cTn id="27" presetID="2" presetClass="entr" presetSubtype="4" fill="hold" grpId="0" nodeType="clickEffect">
+                                  <p:stCondLst>
+                                    <p:cond delay="0"/>
+                                  </p:stCondLst>
+                                  <p:childTnLst>
+                                    <p:set>
+                                      <p:cBhvr>
+                                        <p:cTn id="28" dur="1" fill="hold">
+                                          <p:stCondLst>
+                                            <p:cond delay="0"/>
+                                          </p:stCondLst>
+                                        </p:cTn>
+                                        <p:tgtEl>
+                                          <p:spTgt spid="14"/>
+                                        </p:tgtEl>
+                                        <p:attrNameLst>
+                                          <p:attrName>style.visibility</p:attrName>
+                                        </p:attrNameLst>
+                                      </p:cBhvr>
+                                      <p:to>
+                                        <p:strVal val="visible"/>
+                                      </p:to>
+                                    </p:set>
+                                    <p:anim calcmode="lin" valueType="num">
+                                      <p:cBhvr additive="base">
+                                        <p:cTn id="29" dur="500" fill="hold"/>
+                                        <p:tgtEl>
+                                          <p:spTgt spid="14"/>
+                                        </p:tgtEl>
+                                        <p:attrNameLst>
+                                          <p:attrName>ppt_x</p:attrName>
+                                        </p:attrNameLst>
+                                      </p:cBhvr>
+                                      <p:tavLst>
+                                        <p:tav tm="0">
+                                          <p:val>
+                                            <p:strVal val="#ppt_x"/>
+                                          </p:val>
+                                        </p:tav>
+                                        <p:tav tm="100000">
+                                          <p:val>
+                                            <p:strVal val="#ppt_x"/>
+                                          </p:val>
+                                        </p:tav>
+                                      </p:tavLst>
+                                    </p:anim>
+                                    <p:anim calcmode="lin" valueType="num">
+                                      <p:cBhvr additive="base">
+                                        <p:cTn id="30" dur="500" fill="hold"/>
+                                        <p:tgtEl>
+                                          <p:spTgt spid="14"/>
+                                        </p:tgtEl>
+                                        <p:attrNameLst>
+                                          <p:attrName>ppt_y</p:attrName>
+                                        </p:attrNameLst>
+                                      </p:cBhvr>
+                                      <p:tavLst>
+                                        <p:tav tm="0">
+                                          <p:val>
+                                            <p:strVal val="1+#ppt_h/2"/>
+                                          </p:val>
+                                        </p:tav>
+                                        <p:tav tm="100000">
+                                          <p:val>
+                                            <p:strVal val="#ppt_y"/>
+                                          </p:val>
+                                        </p:tav>
+                                      </p:tavLst>
+                                    </p:anim>
+                                  </p:childTnLst>
+                                </p:cTn>
+                              </p:par>
+                            </p:childTnLst>
+                          </p:cTn>
+                        </p:par>
+                        <p:par>
+                          <p:cTn id="31" fill="hold">
+                            <p:stCondLst>
+                              <p:cond delay="500"/>
+                            </p:stCondLst>
+                            <p:childTnLst>
+                              <p:par>
+                                <p:cTn id="32" presetID="2" presetClass="entr" presetSubtype="4" fill="hold" nodeType="afterEffect">
+                                  <p:stCondLst>
+                                    <p:cond delay="0"/>
+                                  </p:stCondLst>
+                                  <p:childTnLst>
+                                    <p:set>
+                                      <p:cBhvr>
+                                        <p:cTn id="33" dur="1" fill="hold">
+                                          <p:stCondLst>
+                                            <p:cond delay="0"/>
+                                          </p:stCondLst>
+                                        </p:cTn>
+                                        <p:tgtEl>
+                                          <p:spTgt spid="13"/>
+                                        </p:tgtEl>
+                                        <p:attrNameLst>
+                                          <p:attrName>style.visibility</p:attrName>
+                                        </p:attrNameLst>
+                                      </p:cBhvr>
+                                      <p:to>
+                                        <p:strVal val="visible"/>
+                                      </p:to>
+                                    </p:set>
+                                    <p:anim calcmode="lin" valueType="num">
+                                      <p:cBhvr additive="base">
+                                        <p:cTn id="34" dur="500" fill="hold"/>
+                                        <p:tgtEl>
+                                          <p:spTgt spid="13"/>
+                                        </p:tgtEl>
+                                        <p:attrNameLst>
+                                          <p:attrName>ppt_x</p:attrName>
+                                        </p:attrNameLst>
+                                      </p:cBhvr>
+                                      <p:tavLst>
+                                        <p:tav tm="0">
+                                          <p:val>
+                                            <p:strVal val="#ppt_x"/>
+                                          </p:val>
+                                        </p:tav>
+                                        <p:tav tm="100000">
+                                          <p:val>
+                                            <p:strVal val="#ppt_x"/>
+                                          </p:val>
+                                        </p:tav>
+                                      </p:tavLst>
+                                    </p:anim>
+                                    <p:anim calcmode="lin" valueType="num">
+                                      <p:cBhvr additive="base">
+                                        <p:cTn id="35" dur="500" fill="hold"/>
+                                        <p:tgtEl>
+                                          <p:spTgt spid="13"/>
+                                        </p:tgtEl>
+                                        <p:attrNameLst>
+                                          <p:attrName>ppt_y</p:attrName>
+                                        </p:attrNameLst>
+                                      </p:cBhvr>
+                                      <p:tavLst>
+                                        <p:tav tm="0">
+                                          <p:val>
+                                            <p:strVal val="1+#ppt_h/2"/>
+                                          </p:val>
+                                        </p:tav>
+                                        <p:tav tm="100000">
+                                          <p:val>
+                                            <p:strVal val="#ppt_y"/>
+                                          </p:val>
+                                        </p:tav>
+                                      </p:tavLst>
+                                    </p:anim>
+                                  </p:childTnLst>
+                                </p:cTn>
+                              </p:par>
+                            </p:childTnLst>
+                          </p:cTn>
+                        </p:par>
+                      </p:childTnLst>
+                    </p:cTn>
+                  </p:par>
+                  <p:par>
+                    <p:cTn id="36" fill="hold">
+                      <p:stCondLst>
+                        <p:cond delay="indefinite"/>
+                      </p:stCondLst>
+                      <p:childTnLst>
+                        <p:par>
+                          <p:cTn id="37" fill="hold">
+                            <p:stCondLst>
+                              <p:cond delay="0"/>
+                            </p:stCondLst>
+                            <p:childTnLst>
+                              <p:par>
+                                <p:cTn id="38" presetID="2" presetClass="entr" presetSubtype="4" fill="hold" grpId="0" nodeType="clickEffect">
+                                  <p:stCondLst>
+                                    <p:cond delay="0"/>
+                                  </p:stCondLst>
+                                  <p:childTnLst>
+                                    <p:set>
+                                      <p:cBhvr>
+                                        <p:cTn id="39" dur="1" fill="hold">
+                                          <p:stCondLst>
+                                            <p:cond delay="0"/>
+                                          </p:stCondLst>
+                                        </p:cTn>
+                                        <p:tgtEl>
+                                          <p:spTgt spid="17"/>
+                                        </p:tgtEl>
+                                        <p:attrNameLst>
+                                          <p:attrName>style.visibility</p:attrName>
+                                        </p:attrNameLst>
+                                      </p:cBhvr>
+                                      <p:to>
+                                        <p:strVal val="visible"/>
+                                      </p:to>
+                                    </p:set>
+                                    <p:anim calcmode="lin" valueType="num">
+                                      <p:cBhvr additive="base">
+                                        <p:cTn id="40" dur="500" fill="hold"/>
+                                        <p:tgtEl>
+                                          <p:spTgt spid="17"/>
+                                        </p:tgtEl>
+                                        <p:attrNameLst>
+                                          <p:attrName>ppt_x</p:attrName>
+                                        </p:attrNameLst>
+                                      </p:cBhvr>
+                                      <p:tavLst>
+                                        <p:tav tm="0">
+                                          <p:val>
+                                            <p:strVal val="#ppt_x"/>
+                                          </p:val>
+                                        </p:tav>
+                                        <p:tav tm="100000">
+                                          <p:val>
+                                            <p:strVal val="#ppt_x"/>
+                                          </p:val>
+                                        </p:tav>
+                                      </p:tavLst>
+                                    </p:anim>
+                                    <p:anim calcmode="lin" valueType="num">
+                                      <p:cBhvr additive="base">
+                                        <p:cTn id="41" dur="500" fill="hold"/>
+                                        <p:tgtEl>
+                                          <p:spTgt spid="17"/>
+                                        </p:tgtEl>
+                                        <p:attrNameLst>
+                                          <p:attrName>ppt_y</p:attrName>
+                                        </p:attrNameLst>
+                                      </p:cBhvr>
+                                      <p:tavLst>
+                                        <p:tav tm="0">
+                                          <p:val>
+                                            <p:strVal val="1+#ppt_h/2"/>
+                                          </p:val>
+                                        </p:tav>
+                                        <p:tav tm="100000">
+                                          <p:val>
+                                            <p:strVal val="#ppt_y"/>
+                                          </p:val>
+                                        </p:tav>
+                                      </p:tavLst>
+                                    </p:anim>
+                                  </p:childTnLst>
+                                </p:cTn>
+                              </p:par>
+                            </p:childTnLst>
+                          </p:cTn>
+                        </p:par>
+                        <p:par>
+                          <p:cTn id="42" fill="hold">
+                            <p:stCondLst>
+                              <p:cond delay="500"/>
+                            </p:stCondLst>
+                            <p:childTnLst>
+                              <p:par>
+                                <p:cTn id="43" presetID="2" presetClass="entr" presetSubtype="4" fill="hold" nodeType="afterEffect">
+                                  <p:stCondLst>
+                                    <p:cond delay="0"/>
+                                  </p:stCondLst>
+                                  <p:childTnLst>
+                                    <p:set>
+                                      <p:cBhvr>
+                                        <p:cTn id="44" dur="1" fill="hold">
+                                          <p:stCondLst>
+                                            <p:cond delay="0"/>
+                                          </p:stCondLst>
+                                        </p:cTn>
+                                        <p:tgtEl>
+                                          <p:spTgt spid="16"/>
+                                        </p:tgtEl>
+                                        <p:attrNameLst>
+                                          <p:attrName>style.visibility</p:attrName>
+                                        </p:attrNameLst>
+                                      </p:cBhvr>
+                                      <p:to>
+                                        <p:strVal val="visible"/>
+                                      </p:to>
+                                    </p:set>
+                                    <p:anim calcmode="lin" valueType="num">
+                                      <p:cBhvr additive="base">
+                                        <p:cTn id="45" dur="500" fill="hold"/>
+                                        <p:tgtEl>
+                                          <p:spTgt spid="16"/>
+                                        </p:tgtEl>
+                                        <p:attrNameLst>
+                                          <p:attrName>ppt_x</p:attrName>
+                                        </p:attrNameLst>
+                                      </p:cBhvr>
+                                      <p:tavLst>
+                                        <p:tav tm="0">
+                                          <p:val>
+                                            <p:strVal val="#ppt_x"/>
+                                          </p:val>
+                                        </p:tav>
+                                        <p:tav tm="100000">
+                                          <p:val>
+                                            <p:strVal val="#ppt_x"/>
+                                          </p:val>
+                                        </p:tav>
+                                      </p:tavLst>
+                                    </p:anim>
+                                    <p:anim calcmode="lin" valueType="num">
+                                      <p:cBhvr additive="base">
+                                        <p:cTn id="46" dur="500" fill="hold"/>
+                                        <p:tgtEl>
+                                          <p:spTgt spid="16"/>
+                                        </p:tgtEl>
+                                        <p:attrNameLst>
+                                          <p:attrName>ppt_y</p:attrName>
+                                        </p:attrNameLst>
+                                      </p:cBhvr>
+                                      <p:tavLst>
+                                        <p:tav tm="0">
+                                          <p:val>
+                                            <p:strVal val="1+#ppt_h/2"/>
+                                          </p:val>
+                                        </p:tav>
+                                        <p:tav tm="100000">
+                                          <p:val>
+                                            <p:strVal val="#ppt_y"/>
+                                          </p:val>
+                                        </p:tav>
+                                      </p:tavLst>
+                                    </p:anim>
+                                  </p:childTnLst>
+                                </p:cTn>
+                              </p:par>
+                            </p:childTnLst>
+                          </p:cTn>
+                        </p:par>
+                      </p:childTnLst>
+                    </p:cTn>
+                  </p:par>
+                </p:childTnLst>
+              </p:cTn>
+              <p:prevCondLst>
+                <p:cond evt="onPrev" delay="0">
+                  <p:tgtEl>
+                    <p:sldTgt/>
+                  </p:tgtEl>
+                </p:cond>
+              </p:prevCondLst>
+              <p:nextCondLst>
+                <p:cond evt="onNext" delay="0">
+                  <p:tgtEl>
+                    <p:sldTgt/>
+                  </p:tgtEl>
+                </p:cond>
+              </p:nextCondLst>
+            </p:seq>
+          </p:childTnLst>
+        </p:cTn>
+      </p:par>
+    </p:tnLst>
+    <p:bldLst>
+      <p:bldP spid="8" grpId="0"/>
+      <p:bldP spid="11" grpId="0"/>
+      <p:bldP spid="14" grpId="0"/>
+      <p:bldP spid="17" grpId="0"/>
+    </p:bldLst>
+  </p:timing>
+</p:sld>
+</file>
+
+<file path=ppt/slides/slide16.xml><?xml version="1.0" encoding="utf-8"?>
+<p:sld xmlns:a="http://schemas.openxmlformats.org/drawingml/2006/main" xmlns:r="http://schemas.openxmlformats.org/officeDocument/2006/relationships" xmlns:p="http://schemas.openxmlformats.org/presentationml/2006/main">
+  <p:cSld>
+    <p:spTree>
+      <p:nvGrpSpPr>
+        <p:cNvPr id="1" name=""/>
+        <p:cNvGrpSpPr/>
+        <p:nvPr/>
+      </p:nvGrpSpPr>
+      <p:grpSpPr>
+        <a:xfrm>
+          <a:off x="0" y="0"/>
+          <a:ext cx="0" cy="0"/>
+          <a:chOff x="0" y="0"/>
+          <a:chExt cx="0" cy="0"/>
+        </a:xfrm>
+      </p:grpSpPr>
+      <p:sp>
+        <p:nvSpPr>
+          <p:cNvPr id="2" name="Title 1">
+            <a:extLst>
+              <a:ext uri="{FF2B5EF4-FFF2-40B4-BE49-F238E27FC236}">
+                <a16:creationId xmlns:a16="http://schemas.microsoft.com/office/drawing/2014/main" id="{E1AAE57C-ED69-424A-9FFC-F37D0AD1E187}"/>
+              </a:ext>
+            </a:extLst>
+          </p:cNvPr>
+          <p:cNvSpPr>
+            <a:spLocks noGrp="1"/>
+          </p:cNvSpPr>
+          <p:nvPr>
+            <p:ph type="title"/>
+          </p:nvPr>
+        </p:nvSpPr>
+        <p:spPr>
+          <a:xfrm>
+            <a:off x="202130" y="117463"/>
+            <a:ext cx="8534400" cy="1066445"/>
+          </a:xfrm>
+        </p:spPr>
+        <p:txBody>
+          <a:bodyPr>
+            <a:normAutofit fontScale="90000"/>
+          </a:bodyPr>
+          <a:lstStyle/>
+          <a:p>
+            <a:r>
+              <a:rPr lang="en-US" dirty="0"/>
+              <a:t>U</a:t>
+            </a:r>
+            <a:r>
+              <a:rPr lang="bs-Latn-BA" dirty="0"/>
+              <a:t>čitavanje podataka pri pokretanju programa</a:t>
+            </a:r>
+            <a:endParaRPr lang="en-US" dirty="0"/>
+          </a:p>
+        </p:txBody>
+      </p:sp>
+      <p:sp>
+        <p:nvSpPr>
+          <p:cNvPr id="3" name="TextBox 2">
+            <a:extLst>
+              <a:ext uri="{FF2B5EF4-FFF2-40B4-BE49-F238E27FC236}">
+                <a16:creationId xmlns:a16="http://schemas.microsoft.com/office/drawing/2014/main" id="{233909DB-0905-412E-ACE4-A1182A7352B7}"/>
+              </a:ext>
+            </a:extLst>
+          </p:cNvPr>
+          <p:cNvSpPr txBox="1"/>
+          <p:nvPr/>
+        </p:nvSpPr>
+        <p:spPr>
+          <a:xfrm>
+            <a:off x="202130" y="1549668"/>
+            <a:ext cx="6022803" cy="400110"/>
+          </a:xfrm>
+          <a:prstGeom prst="rect">
+            <a:avLst/>
+          </a:prstGeom>
+          <a:noFill/>
+        </p:spPr>
+        <p:txBody>
+          <a:bodyPr wrap="none" rtlCol="0">
+            <a:spAutoFit/>
+          </a:bodyPr>
+          <a:lstStyle/>
+          <a:p>
+            <a:r>
+              <a:rPr lang="bs-Latn-BA" sz="2000" b="1" dirty="0"/>
+              <a:t>Drugačije rješenje zadatka sa lego kockicama</a:t>
+            </a:r>
+            <a:endParaRPr lang="en-US" sz="2000" b="1" dirty="0"/>
+          </a:p>
+        </p:txBody>
+      </p:sp>
+      <p:sp>
+        <p:nvSpPr>
+          <p:cNvPr id="4" name="TextBox 3">
+            <a:extLst>
+              <a:ext uri="{FF2B5EF4-FFF2-40B4-BE49-F238E27FC236}">
+                <a16:creationId xmlns:a16="http://schemas.microsoft.com/office/drawing/2014/main" id="{9165BEB2-55DE-4DD8-9EFA-E8F26B930F91}"/>
+              </a:ext>
+            </a:extLst>
+          </p:cNvPr>
+          <p:cNvSpPr txBox="1"/>
+          <p:nvPr/>
+        </p:nvSpPr>
+        <p:spPr>
+          <a:xfrm>
+            <a:off x="202130" y="2223435"/>
+            <a:ext cx="8534400" cy="2585323"/>
+          </a:xfrm>
+          <a:prstGeom prst="rect">
+            <a:avLst/>
+          </a:prstGeom>
+          <a:noFill/>
+        </p:spPr>
+        <p:txBody>
+          <a:bodyPr wrap="square" rtlCol="0">
+            <a:spAutoFit/>
+          </a:bodyPr>
+          <a:lstStyle/>
+          <a:p>
+            <a:r>
+              <a:rPr lang="en-US" dirty="0"/>
+              <a:t>c</a:t>
+            </a:r>
+            <a:r>
+              <a:rPr lang="bs-Latn-BA" dirty="0"/>
+              <a:t>ij</a:t>
+            </a:r>
+            <a:r>
+              <a:rPr lang="en-US" dirty="0" err="1"/>
+              <a:t>ena_toc</a:t>
+            </a:r>
+            <a:r>
+              <a:rPr lang="bs-Latn-BA" dirty="0"/>
+              <a:t>ka</a:t>
+            </a:r>
+            <a:r>
+              <a:rPr lang="en-US" dirty="0"/>
+              <a:t> = int(input("</a:t>
+            </a:r>
+            <a:r>
+              <a:rPr lang="en-US" dirty="0" err="1"/>
+              <a:t>Unesi</a:t>
+            </a:r>
+            <a:r>
+              <a:rPr lang="en-US" dirty="0"/>
+              <a:t> c</a:t>
+            </a:r>
+            <a:r>
+              <a:rPr lang="bs-Latn-BA" dirty="0"/>
+              <a:t>ij</a:t>
+            </a:r>
+            <a:r>
+              <a:rPr lang="en-US" dirty="0" err="1"/>
+              <a:t>enu</a:t>
+            </a:r>
+            <a:r>
+              <a:rPr lang="en-US" dirty="0"/>
+              <a:t> </a:t>
+            </a:r>
+            <a:r>
+              <a:rPr lang="en-US" dirty="0" err="1"/>
+              <a:t>točka</a:t>
+            </a:r>
+            <a:r>
+              <a:rPr lang="en-US" dirty="0"/>
+              <a:t>:"))</a:t>
+            </a:r>
+          </a:p>
+          <a:p>
+            <a:r>
+              <a:rPr lang="en-US" dirty="0"/>
+              <a:t>c</a:t>
+            </a:r>
+            <a:r>
+              <a:rPr lang="bs-Latn-BA" dirty="0"/>
+              <a:t>ij</a:t>
+            </a:r>
+            <a:r>
+              <a:rPr lang="en-US" dirty="0" err="1"/>
+              <a:t>ena_velik</a:t>
+            </a:r>
+            <a:r>
+              <a:rPr lang="bs-Latn-BA" dirty="0"/>
+              <a:t>e_kocke</a:t>
+            </a:r>
+            <a:r>
+              <a:rPr lang="en-US" dirty="0"/>
+              <a:t> = int(input("</a:t>
+            </a:r>
+            <a:r>
+              <a:rPr lang="en-US" dirty="0" err="1"/>
+              <a:t>Unesi</a:t>
+            </a:r>
+            <a:r>
+              <a:rPr lang="en-US" dirty="0"/>
+              <a:t> c</a:t>
+            </a:r>
+            <a:r>
+              <a:rPr lang="bs-Latn-BA" dirty="0"/>
+              <a:t>ij</a:t>
+            </a:r>
+            <a:r>
+              <a:rPr lang="en-US" dirty="0" err="1"/>
+              <a:t>enu</a:t>
+            </a:r>
+            <a:r>
+              <a:rPr lang="en-US" dirty="0"/>
+              <a:t> </a:t>
+            </a:r>
+            <a:r>
+              <a:rPr lang="en-US" dirty="0" err="1"/>
+              <a:t>velike</a:t>
+            </a:r>
+            <a:r>
+              <a:rPr lang="en-US" dirty="0"/>
+              <a:t> </a:t>
+            </a:r>
+            <a:r>
+              <a:rPr lang="en-US" dirty="0" err="1"/>
+              <a:t>kocke</a:t>
+            </a:r>
+            <a:r>
+              <a:rPr lang="en-US" dirty="0"/>
+              <a:t>:"))</a:t>
+            </a:r>
+          </a:p>
+          <a:p>
+            <a:r>
+              <a:rPr lang="en-US" dirty="0"/>
+              <a:t>c</a:t>
+            </a:r>
+            <a:r>
+              <a:rPr lang="bs-Latn-BA" dirty="0"/>
+              <a:t>ij</a:t>
+            </a:r>
+            <a:r>
+              <a:rPr lang="en-US" dirty="0" err="1"/>
+              <a:t>ena_mal</a:t>
+            </a:r>
+            <a:r>
+              <a:rPr lang="bs-Latn-BA" dirty="0"/>
+              <a:t>e _kocke</a:t>
+            </a:r>
+            <a:r>
+              <a:rPr lang="en-US" dirty="0"/>
+              <a:t> = int(input("</a:t>
+            </a:r>
+            <a:r>
+              <a:rPr lang="en-US" dirty="0" err="1"/>
+              <a:t>Unesi</a:t>
+            </a:r>
+            <a:r>
+              <a:rPr lang="en-US" dirty="0"/>
+              <a:t> c</a:t>
+            </a:r>
+            <a:r>
+              <a:rPr lang="bs-Latn-BA" dirty="0"/>
+              <a:t>ij</a:t>
+            </a:r>
+            <a:r>
+              <a:rPr lang="en-US" dirty="0" err="1"/>
+              <a:t>enu</a:t>
+            </a:r>
+            <a:r>
+              <a:rPr lang="en-US" dirty="0"/>
+              <a:t> male </a:t>
+            </a:r>
+            <a:r>
+              <a:rPr lang="en-US" dirty="0" err="1"/>
+              <a:t>kocke</a:t>
+            </a:r>
+            <a:r>
+              <a:rPr lang="en-US" dirty="0"/>
+              <a:t>:"))</a:t>
+            </a:r>
+          </a:p>
+          <a:p>
+            <a:endParaRPr lang="en-US" dirty="0"/>
+          </a:p>
+          <a:p>
+            <a:r>
+              <a:rPr lang="en-US" dirty="0"/>
+              <a:t>c</a:t>
+            </a:r>
+            <a:r>
+              <a:rPr lang="bs-Latn-BA" dirty="0"/>
+              <a:t>ij</a:t>
+            </a:r>
+            <a:r>
+              <a:rPr lang="en-US" dirty="0" err="1"/>
+              <a:t>ena_automobil</a:t>
+            </a:r>
+            <a:r>
+              <a:rPr lang="en-US" dirty="0"/>
+              <a:t> = 4*c</a:t>
+            </a:r>
+            <a:r>
+              <a:rPr lang="bs-Latn-BA" dirty="0"/>
+              <a:t>ij</a:t>
+            </a:r>
+            <a:r>
+              <a:rPr lang="en-US" dirty="0" err="1"/>
+              <a:t>ena_tocak</a:t>
+            </a:r>
+            <a:r>
+              <a:rPr lang="en-US" dirty="0"/>
+              <a:t> + 8*c</a:t>
+            </a:r>
+            <a:r>
+              <a:rPr lang="bs-Latn-BA" dirty="0"/>
+              <a:t>ij</a:t>
+            </a:r>
+            <a:r>
+              <a:rPr lang="en-US" dirty="0" err="1"/>
+              <a:t>ena_velika</a:t>
+            </a:r>
+            <a:r>
+              <a:rPr lang="en-US" dirty="0"/>
+              <a:t> + 4*c</a:t>
+            </a:r>
+            <a:r>
+              <a:rPr lang="bs-Latn-BA" dirty="0"/>
+              <a:t>ij</a:t>
+            </a:r>
+            <a:r>
+              <a:rPr lang="en-US" dirty="0" err="1"/>
+              <a:t>ena_mala</a:t>
+            </a:r>
+            <a:endParaRPr lang="en-US" dirty="0"/>
+          </a:p>
+          <a:p>
+            <a:r>
+              <a:rPr lang="en-US" dirty="0"/>
+              <a:t>c</a:t>
+            </a:r>
+            <a:r>
+              <a:rPr lang="bs-Latn-BA" dirty="0"/>
+              <a:t>ij</a:t>
+            </a:r>
+            <a:r>
+              <a:rPr lang="en-US" dirty="0" err="1"/>
+              <a:t>ena_bicikl</a:t>
+            </a:r>
+            <a:r>
+              <a:rPr lang="en-US" dirty="0"/>
+              <a:t> = 2*c</a:t>
+            </a:r>
+            <a:r>
+              <a:rPr lang="bs-Latn-BA" dirty="0"/>
+              <a:t>ij</a:t>
+            </a:r>
+            <a:r>
+              <a:rPr lang="en-US" dirty="0" err="1"/>
+              <a:t>ena_tocak</a:t>
+            </a:r>
+            <a:r>
+              <a:rPr lang="en-US" dirty="0"/>
+              <a:t> + 6*c</a:t>
+            </a:r>
+            <a:r>
+              <a:rPr lang="bs-Latn-BA" dirty="0"/>
+              <a:t>ij</a:t>
+            </a:r>
+            <a:r>
+              <a:rPr lang="en-US" dirty="0" err="1"/>
+              <a:t>ena_mala</a:t>
+            </a:r>
+            <a:endParaRPr lang="en-US" dirty="0"/>
+          </a:p>
+          <a:p>
+            <a:endParaRPr lang="bs-Latn-BA" dirty="0"/>
+          </a:p>
+          <a:p>
+            <a:r>
+              <a:rPr lang="bs-Latn-BA" dirty="0"/>
+              <a:t>ukupna_cijena </a:t>
+            </a:r>
+            <a:r>
+              <a:rPr lang="en-US" dirty="0"/>
+              <a:t>= c</a:t>
+            </a:r>
+            <a:r>
+              <a:rPr lang="bs-Latn-BA" dirty="0"/>
+              <a:t>ij</a:t>
+            </a:r>
+            <a:r>
+              <a:rPr lang="en-US" dirty="0" err="1"/>
+              <a:t>ena_automobil</a:t>
+            </a:r>
+            <a:r>
+              <a:rPr lang="en-US" dirty="0"/>
+              <a:t> + c</a:t>
+            </a:r>
+            <a:r>
+              <a:rPr lang="bs-Latn-BA" dirty="0"/>
+              <a:t>ij</a:t>
+            </a:r>
+            <a:r>
+              <a:rPr lang="en-US" dirty="0" err="1"/>
+              <a:t>ena_bicikl</a:t>
+            </a:r>
+            <a:endParaRPr lang="en-US" dirty="0"/>
+          </a:p>
+          <a:p>
+            <a:r>
+              <a:rPr lang="en-US" dirty="0"/>
+              <a:t>print(</a:t>
+            </a:r>
+            <a:r>
+              <a:rPr lang="bs-Latn-BA" dirty="0"/>
+              <a:t>ukupna_cijena)</a:t>
+            </a:r>
+            <a:endParaRPr lang="en-US" dirty="0"/>
+          </a:p>
+        </p:txBody>
+      </p:sp>
+    </p:spTree>
+    <p:extLst>
+      <p:ext uri="{BB962C8B-B14F-4D97-AF65-F5344CB8AC3E}">
+        <p14:creationId xmlns:p14="http://schemas.microsoft.com/office/powerpoint/2010/main" val="3190139485"/>
+      </p:ext>
+    </p:extLst>
+  </p:cSld>
+  <p:clrMapOvr>
+    <a:masterClrMapping/>
+  </p:clrMapOvr>
+  <p:timing>
+    <p:tnLst>
+      <p:par>
+        <p:cTn id="1" dur="indefinite" restart="never" nodeType="tmRoot">
+          <p:childTnLst>
+            <p:seq concurrent="1" nextAc="seek">
+              <p:cTn id="2" dur="indefinite" nodeType="mainSeq">
+                <p:childTnLst>
+                  <p:par>
+                    <p:cTn id="3" fill="hold">
+                      <p:stCondLst>
+                        <p:cond delay="indefinite"/>
+                        <p:cond evt="onBegin" delay="0">
+                          <p:tn val="2"/>
+                        </p:cond>
+                      </p:stCondLst>
+                      <p:childTnLst>
+                        <p:par>
+                          <p:cTn id="4" fill="hold">
+                            <p:stCondLst>
+                              <p:cond delay="0"/>
+                            </p:stCondLst>
+                            <p:childTnLst>
+                              <p:par>
+                                <p:cTn id="5" presetID="2" presetClass="entr" presetSubtype="4" fill="hold" nodeType="afterEffect">
+                                  <p:stCondLst>
+                                    <p:cond delay="0"/>
+                                  </p:stCondLst>
+                                  <p:childTnLst>
+                                    <p:set>
+                                      <p:cBhvr>
+                                        <p:cTn id="6" dur="1" fill="hold">
+                                          <p:stCondLst>
+                                            <p:cond delay="0"/>
+                                          </p:stCondLst>
+                                        </p:cTn>
+                                        <p:tgtEl>
+                                          <p:spTgt spid="4">
+                                            <p:txEl>
+                                              <p:pRg st="0" end="0"/>
+                                            </p:txEl>
+                                          </p:spTgt>
+                                        </p:tgtEl>
+                                        <p:attrNameLst>
+                                          <p:attrName>style.visibility</p:attrName>
+                                        </p:attrNameLst>
+                                      </p:cBhvr>
+                                      <p:to>
+                                        <p:strVal val="visible"/>
+                                      </p:to>
+                                    </p:set>
+                                    <p:anim calcmode="lin" valueType="num">
+                                      <p:cBhvr additive="base">
+                                        <p:cTn id="7" dur="500" fill="hold"/>
+                                        <p:tgtEl>
+                                          <p:spTgt spid="4">
+                                            <p:txEl>
+                                              <p:pRg st="0" end="0"/>
+                                            </p:txEl>
+                                          </p:spTgt>
+                                        </p:tgtEl>
+                                        <p:attrNameLst>
+                                          <p:attrName>ppt_x</p:attrName>
+                                        </p:attrNameLst>
+                                      </p:cBhvr>
+                                      <p:tavLst>
+                                        <p:tav tm="0">
+                                          <p:val>
+                                            <p:strVal val="#ppt_x"/>
+                                          </p:val>
+                                        </p:tav>
+                                        <p:tav tm="100000">
+                                          <p:val>
+                                            <p:strVal val="#ppt_x"/>
+                                          </p:val>
+                                        </p:tav>
+                                      </p:tavLst>
+                                    </p:anim>
+                                    <p:anim calcmode="lin" valueType="num">
+                                      <p:cBhvr additive="base">
+                                        <p:cTn id="8" dur="500" fill="hold"/>
+                                        <p:tgtEl>
+                                          <p:spTgt spid="4">
+                                            <p:txEl>
+                                              <p:pRg st="0" end="0"/>
+                                            </p:txEl>
+                                          </p:spTgt>
+                                        </p:tgtEl>
+                                        <p:attrNameLst>
+                                          <p:attrName>ppt_y</p:attrName>
+                                        </p:attrNameLst>
+                                      </p:cBhvr>
+                                      <p:tavLst>
+                                        <p:tav tm="0">
+                                          <p:val>
+                                            <p:strVal val="1+#ppt_h/2"/>
+                                          </p:val>
+                                        </p:tav>
+                                        <p:tav tm="100000">
+                                          <p:val>
+                                            <p:strVal val="#ppt_y"/>
+                                          </p:val>
+                                        </p:tav>
+                                      </p:tavLst>
+                                    </p:anim>
+                                  </p:childTnLst>
+                                </p:cTn>
+                              </p:par>
+                            </p:childTnLst>
+                          </p:cTn>
+                        </p:par>
+                      </p:childTnLst>
+                    </p:cTn>
+                  </p:par>
+                  <p:par>
+                    <p:cTn id="9" fill="hold">
+                      <p:stCondLst>
+                        <p:cond delay="indefinite"/>
+                      </p:stCondLst>
+                      <p:childTnLst>
+                        <p:par>
+                          <p:cTn id="10" fill="hold">
+                            <p:stCondLst>
+                              <p:cond delay="0"/>
+                            </p:stCondLst>
+                            <p:childTnLst>
+                              <p:par>
+                                <p:cTn id="11" presetID="2" presetClass="entr" presetSubtype="4" fill="hold" nodeType="clickEffect">
+                                  <p:stCondLst>
+                                    <p:cond delay="0"/>
+                                  </p:stCondLst>
+                                  <p:childTnLst>
+                                    <p:set>
+                                      <p:cBhvr>
+                                        <p:cTn id="12" dur="1" fill="hold">
+                                          <p:stCondLst>
+                                            <p:cond delay="0"/>
+                                          </p:stCondLst>
+                                        </p:cTn>
+                                        <p:tgtEl>
+                                          <p:spTgt spid="4">
+                                            <p:txEl>
+                                              <p:pRg st="1" end="1"/>
+                                            </p:txEl>
+                                          </p:spTgt>
+                                        </p:tgtEl>
+                                        <p:attrNameLst>
+                                          <p:attrName>style.visibility</p:attrName>
+                                        </p:attrNameLst>
+                                      </p:cBhvr>
+                                      <p:to>
+                                        <p:strVal val="visible"/>
+                                      </p:to>
+                                    </p:set>
+                                    <p:anim calcmode="lin" valueType="num">
+                                      <p:cBhvr additive="base">
+                                        <p:cTn id="13" dur="500" fill="hold"/>
+                                        <p:tgtEl>
+                                          <p:spTgt spid="4">
+                                            <p:txEl>
+                                              <p:pRg st="1" end="1"/>
+                                            </p:txEl>
+                                          </p:spTgt>
+                                        </p:tgtEl>
+                                        <p:attrNameLst>
+                                          <p:attrName>ppt_x</p:attrName>
+                                        </p:attrNameLst>
+                                      </p:cBhvr>
+                                      <p:tavLst>
+                                        <p:tav tm="0">
+                                          <p:val>
+                                            <p:strVal val="#ppt_x"/>
+                                          </p:val>
+                                        </p:tav>
+                                        <p:tav tm="100000">
+                                          <p:val>
+                                            <p:strVal val="#ppt_x"/>
+                                          </p:val>
+                                        </p:tav>
+                                      </p:tavLst>
+                                    </p:anim>
+                                    <p:anim calcmode="lin" valueType="num">
+                                      <p:cBhvr additive="base">
+                                        <p:cTn id="14" dur="500" fill="hold"/>
+                                        <p:tgtEl>
+                                          <p:spTgt spid="4">
+                                            <p:txEl>
+                                              <p:pRg st="1" end="1"/>
+                                            </p:txEl>
+                                          </p:spTgt>
+                                        </p:tgtEl>
+                                        <p:attrNameLst>
+                                          <p:attrName>ppt_y</p:attrName>
+                                        </p:attrNameLst>
+                                      </p:cBhvr>
+                                      <p:tavLst>
+                                        <p:tav tm="0">
+                                          <p:val>
+                                            <p:strVal val="1+#ppt_h/2"/>
+                                          </p:val>
+                                        </p:tav>
+                                        <p:tav tm="100000">
+                                          <p:val>
+                                            <p:strVal val="#ppt_y"/>
+                                          </p:val>
+                                        </p:tav>
+                                      </p:tavLst>
+                                    </p:anim>
+                                  </p:childTnLst>
+                                </p:cTn>
+                              </p:par>
+                            </p:childTnLst>
+                          </p:cTn>
+                        </p:par>
+                      </p:childTnLst>
+                    </p:cTn>
+                  </p:par>
+                  <p:par>
+                    <p:cTn id="15" fill="hold">
+                      <p:stCondLst>
+                        <p:cond delay="indefinite"/>
+                      </p:stCondLst>
+                      <p:childTnLst>
+                        <p:par>
+                          <p:cTn id="16" fill="hold">
+                            <p:stCondLst>
+                              <p:cond delay="0"/>
+                            </p:stCondLst>
+                            <p:childTnLst>
+                              <p:par>
+                                <p:cTn id="17" presetID="2" presetClass="entr" presetSubtype="4" fill="hold" nodeType="clickEffect">
+                                  <p:stCondLst>
+                                    <p:cond delay="0"/>
+                                  </p:stCondLst>
+                                  <p:childTnLst>
+                                    <p:set>
+                                      <p:cBhvr>
+                                        <p:cTn id="18" dur="1" fill="hold">
+                                          <p:stCondLst>
+                                            <p:cond delay="0"/>
+                                          </p:stCondLst>
+                                        </p:cTn>
+                                        <p:tgtEl>
+                                          <p:spTgt spid="4">
+                                            <p:txEl>
+                                              <p:pRg st="2" end="2"/>
+                                            </p:txEl>
+                                          </p:spTgt>
+                                        </p:tgtEl>
+                                        <p:attrNameLst>
+                                          <p:attrName>style.visibility</p:attrName>
+                                        </p:attrNameLst>
+                                      </p:cBhvr>
+                                      <p:to>
+                                        <p:strVal val="visible"/>
+                                      </p:to>
+                                    </p:set>
+                                    <p:anim calcmode="lin" valueType="num">
+                                      <p:cBhvr additive="base">
+                                        <p:cTn id="19" dur="500" fill="hold"/>
+                                        <p:tgtEl>
+                                          <p:spTgt spid="4">
+                                            <p:txEl>
+                                              <p:pRg st="2" end="2"/>
+                                            </p:txEl>
+                                          </p:spTgt>
+                                        </p:tgtEl>
+                                        <p:attrNameLst>
+                                          <p:attrName>ppt_x</p:attrName>
+                                        </p:attrNameLst>
+                                      </p:cBhvr>
+                                      <p:tavLst>
+                                        <p:tav tm="0">
+                                          <p:val>
+                                            <p:strVal val="#ppt_x"/>
+                                          </p:val>
+                                        </p:tav>
+                                        <p:tav tm="100000">
+                                          <p:val>
+                                            <p:strVal val="#ppt_x"/>
+                                          </p:val>
+                                        </p:tav>
+                                      </p:tavLst>
+                                    </p:anim>
+                                    <p:anim calcmode="lin" valueType="num">
+                                      <p:cBhvr additive="base">
+                                        <p:cTn id="20" dur="500" fill="hold"/>
+                                        <p:tgtEl>
+                                          <p:spTgt spid="4">
+                                            <p:txEl>
+                                              <p:pRg st="2" end="2"/>
+                                            </p:txEl>
+                                          </p:spTgt>
+                                        </p:tgtEl>
+                                        <p:attrNameLst>
+                                          <p:attrName>ppt_y</p:attrName>
+                                        </p:attrNameLst>
+                                      </p:cBhvr>
+                                      <p:tavLst>
+                                        <p:tav tm="0">
+                                          <p:val>
+                                            <p:strVal val="1+#ppt_h/2"/>
+                                          </p:val>
+                                        </p:tav>
+                                        <p:tav tm="100000">
+                                          <p:val>
+                                            <p:strVal val="#ppt_y"/>
+                                          </p:val>
+                                        </p:tav>
+                                      </p:tavLst>
+                                    </p:anim>
+                                  </p:childTnLst>
+                                </p:cTn>
+                              </p:par>
+                            </p:childTnLst>
+                          </p:cTn>
+                        </p:par>
+                      </p:childTnLst>
+                    </p:cTn>
+                  </p:par>
+                  <p:par>
+                    <p:cTn id="21" fill="hold">
+                      <p:stCondLst>
+                        <p:cond delay="indefinite"/>
+                      </p:stCondLst>
+                      <p:childTnLst>
+                        <p:par>
+                          <p:cTn id="22" fill="hold">
+                            <p:stCondLst>
+                              <p:cond delay="0"/>
+                            </p:stCondLst>
+                            <p:childTnLst>
+                              <p:par>
+                                <p:cTn id="23" presetID="2" presetClass="entr" presetSubtype="4" fill="hold" nodeType="clickEffect">
+                                  <p:stCondLst>
+                                    <p:cond delay="0"/>
+                                  </p:stCondLst>
+                                  <p:childTnLst>
+                                    <p:set>
+                                      <p:cBhvr>
+                                        <p:cTn id="24" dur="1" fill="hold">
+                                          <p:stCondLst>
+                                            <p:cond delay="0"/>
+                                          </p:stCondLst>
+                                        </p:cTn>
+                                        <p:tgtEl>
+                                          <p:spTgt spid="4">
+                                            <p:txEl>
+                                              <p:pRg st="4" end="4"/>
+                                            </p:txEl>
+                                          </p:spTgt>
+                                        </p:tgtEl>
+                                        <p:attrNameLst>
+                                          <p:attrName>style.visibility</p:attrName>
+                                        </p:attrNameLst>
+                                      </p:cBhvr>
+                                      <p:to>
+                                        <p:strVal val="visible"/>
+                                      </p:to>
+                                    </p:set>
+                                    <p:anim calcmode="lin" valueType="num">
+                                      <p:cBhvr additive="base">
+                                        <p:cTn id="25" dur="500" fill="hold"/>
+                                        <p:tgtEl>
+                                          <p:spTgt spid="4">
+                                            <p:txEl>
+                                              <p:pRg st="4" end="4"/>
+                                            </p:txEl>
+                                          </p:spTgt>
+                                        </p:tgtEl>
+                                        <p:attrNameLst>
+                                          <p:attrName>ppt_x</p:attrName>
+                                        </p:attrNameLst>
+                                      </p:cBhvr>
+                                      <p:tavLst>
+                                        <p:tav tm="0">
+                                          <p:val>
+                                            <p:strVal val="#ppt_x"/>
+                                          </p:val>
+                                        </p:tav>
+                                        <p:tav tm="100000">
+                                          <p:val>
+                                            <p:strVal val="#ppt_x"/>
+                                          </p:val>
+                                        </p:tav>
+                                      </p:tavLst>
+                                    </p:anim>
+                                    <p:anim calcmode="lin" valueType="num">
+                                      <p:cBhvr additive="base">
+                                        <p:cTn id="26" dur="500" fill="hold"/>
+                                        <p:tgtEl>
+                                          <p:spTgt spid="4">
+                                            <p:txEl>
+                                              <p:pRg st="4" end="4"/>
+                                            </p:txEl>
+                                          </p:spTgt>
+                                        </p:tgtEl>
+                                        <p:attrNameLst>
+                                          <p:attrName>ppt_y</p:attrName>
+                                        </p:attrNameLst>
+                                      </p:cBhvr>
+                                      <p:tavLst>
+                                        <p:tav tm="0">
+                                          <p:val>
+                                            <p:strVal val="1+#ppt_h/2"/>
+                                          </p:val>
+                                        </p:tav>
+                                        <p:tav tm="100000">
+                                          <p:val>
+                                            <p:strVal val="#ppt_y"/>
+                                          </p:val>
+                                        </p:tav>
+                                      </p:tavLst>
+                                    </p:anim>
+                                  </p:childTnLst>
+                                </p:cTn>
+                              </p:par>
+                            </p:childTnLst>
+                          </p:cTn>
+                        </p:par>
+                      </p:childTnLst>
+                    </p:cTn>
+                  </p:par>
+                  <p:par>
+                    <p:cTn id="27" fill="hold">
+                      <p:stCondLst>
+                        <p:cond delay="indefinite"/>
+                      </p:stCondLst>
+                      <p:childTnLst>
+                        <p:par>
+                          <p:cTn id="28" fill="hold">
+                            <p:stCondLst>
+                              <p:cond delay="0"/>
+                            </p:stCondLst>
+                            <p:childTnLst>
+                              <p:par>
+                                <p:cTn id="29" presetID="2" presetClass="entr" presetSubtype="4" fill="hold" nodeType="clickEffect">
+                                  <p:stCondLst>
+                                    <p:cond delay="0"/>
+                                  </p:stCondLst>
+                                  <p:childTnLst>
+                                    <p:set>
+                                      <p:cBhvr>
+                                        <p:cTn id="30" dur="1" fill="hold">
+                                          <p:stCondLst>
+                                            <p:cond delay="0"/>
+                                          </p:stCondLst>
+                                        </p:cTn>
+                                        <p:tgtEl>
+                                          <p:spTgt spid="4">
+                                            <p:txEl>
+                                              <p:pRg st="5" end="5"/>
+                                            </p:txEl>
+                                          </p:spTgt>
+                                        </p:tgtEl>
+                                        <p:attrNameLst>
+                                          <p:attrName>style.visibility</p:attrName>
+                                        </p:attrNameLst>
+                                      </p:cBhvr>
+                                      <p:to>
+                                        <p:strVal val="visible"/>
+                                      </p:to>
+                                    </p:set>
+                                    <p:anim calcmode="lin" valueType="num">
+                                      <p:cBhvr additive="base">
+                                        <p:cTn id="31" dur="500" fill="hold"/>
+                                        <p:tgtEl>
+                                          <p:spTgt spid="4">
+                                            <p:txEl>
+                                              <p:pRg st="5" end="5"/>
+                                            </p:txEl>
+                                          </p:spTgt>
+                                        </p:tgtEl>
+                                        <p:attrNameLst>
+                                          <p:attrName>ppt_x</p:attrName>
+                                        </p:attrNameLst>
+                                      </p:cBhvr>
+                                      <p:tavLst>
+                                        <p:tav tm="0">
+                                          <p:val>
+                                            <p:strVal val="#ppt_x"/>
+                                          </p:val>
+                                        </p:tav>
+                                        <p:tav tm="100000">
+                                          <p:val>
+                                            <p:strVal val="#ppt_x"/>
+                                          </p:val>
+                                        </p:tav>
+                                      </p:tavLst>
+                                    </p:anim>
+                                    <p:anim calcmode="lin" valueType="num">
+                                      <p:cBhvr additive="base">
+                                        <p:cTn id="32" dur="500" fill="hold"/>
+                                        <p:tgtEl>
+                                          <p:spTgt spid="4">
+                                            <p:txEl>
+                                              <p:pRg st="5" end="5"/>
+                                            </p:txEl>
+                                          </p:spTgt>
+                                        </p:tgtEl>
+                                        <p:attrNameLst>
+                                          <p:attrName>ppt_y</p:attrName>
+                                        </p:attrNameLst>
+                                      </p:cBhvr>
+                                      <p:tavLst>
+                                        <p:tav tm="0">
+                                          <p:val>
+                                            <p:strVal val="1+#ppt_h/2"/>
+                                          </p:val>
+                                        </p:tav>
+                                        <p:tav tm="100000">
+                                          <p:val>
+                                            <p:strVal val="#ppt_y"/>
+                                          </p:val>
+                                        </p:tav>
+                                      </p:tavLst>
+                                    </p:anim>
+                                  </p:childTnLst>
+                                </p:cTn>
+                              </p:par>
+                            </p:childTnLst>
+                          </p:cTn>
+                        </p:par>
+                      </p:childTnLst>
+                    </p:cTn>
+                  </p:par>
+                  <p:par>
+                    <p:cTn id="33" fill="hold">
+                      <p:stCondLst>
+                        <p:cond delay="indefinite"/>
+                      </p:stCondLst>
+                      <p:childTnLst>
+                        <p:par>
+                          <p:cTn id="34" fill="hold">
+                            <p:stCondLst>
+                              <p:cond delay="0"/>
+                            </p:stCondLst>
+                            <p:childTnLst>
+                              <p:par>
+                                <p:cTn id="35" presetID="2" presetClass="entr" presetSubtype="4" fill="hold" nodeType="clickEffect">
+                                  <p:stCondLst>
+                                    <p:cond delay="0"/>
+                                  </p:stCondLst>
+                                  <p:childTnLst>
+                                    <p:set>
+                                      <p:cBhvr>
+                                        <p:cTn id="36" dur="1" fill="hold">
+                                          <p:stCondLst>
+                                            <p:cond delay="0"/>
+                                          </p:stCondLst>
+                                        </p:cTn>
+                                        <p:tgtEl>
+                                          <p:spTgt spid="4">
+                                            <p:txEl>
+                                              <p:pRg st="7" end="7"/>
+                                            </p:txEl>
+                                          </p:spTgt>
+                                        </p:tgtEl>
+                                        <p:attrNameLst>
+                                          <p:attrName>style.visibility</p:attrName>
+                                        </p:attrNameLst>
+                                      </p:cBhvr>
+                                      <p:to>
+                                        <p:strVal val="visible"/>
+                                      </p:to>
+                                    </p:set>
+                                    <p:anim calcmode="lin" valueType="num">
+                                      <p:cBhvr additive="base">
+                                        <p:cTn id="37" dur="500" fill="hold"/>
+                                        <p:tgtEl>
+                                          <p:spTgt spid="4">
+                                            <p:txEl>
+                                              <p:pRg st="7" end="7"/>
+                                            </p:txEl>
+                                          </p:spTgt>
+                                        </p:tgtEl>
+                                        <p:attrNameLst>
+                                          <p:attrName>ppt_x</p:attrName>
+                                        </p:attrNameLst>
+                                      </p:cBhvr>
+                                      <p:tavLst>
+                                        <p:tav tm="0">
+                                          <p:val>
+                                            <p:strVal val="#ppt_x"/>
+                                          </p:val>
+                                        </p:tav>
+                                        <p:tav tm="100000">
+                                          <p:val>
+                                            <p:strVal val="#ppt_x"/>
+                                          </p:val>
+                                        </p:tav>
+                                      </p:tavLst>
+                                    </p:anim>
+                                    <p:anim calcmode="lin" valueType="num">
+                                      <p:cBhvr additive="base">
+                                        <p:cTn id="38" dur="500" fill="hold"/>
+                                        <p:tgtEl>
+                                          <p:spTgt spid="4">
+                                            <p:txEl>
+                                              <p:pRg st="7" end="7"/>
+                                            </p:txEl>
+                                          </p:spTgt>
+                                        </p:tgtEl>
+                                        <p:attrNameLst>
+                                          <p:attrName>ppt_y</p:attrName>
+                                        </p:attrNameLst>
+                                      </p:cBhvr>
+                                      <p:tavLst>
+                                        <p:tav tm="0">
+                                          <p:val>
+                                            <p:strVal val="1+#ppt_h/2"/>
+                                          </p:val>
+                                        </p:tav>
+                                        <p:tav tm="100000">
+                                          <p:val>
+                                            <p:strVal val="#ppt_y"/>
+                                          </p:val>
+                                        </p:tav>
+                                      </p:tavLst>
+                                    </p:anim>
+                                  </p:childTnLst>
+                                </p:cTn>
+                              </p:par>
+                            </p:childTnLst>
+                          </p:cTn>
+                        </p:par>
+                      </p:childTnLst>
+                    </p:cTn>
+                  </p:par>
+                  <p:par>
+                    <p:cTn id="39" fill="hold">
+                      <p:stCondLst>
+                        <p:cond delay="indefinite"/>
+                      </p:stCondLst>
+                      <p:childTnLst>
+                        <p:par>
+                          <p:cTn id="40" fill="hold">
+                            <p:stCondLst>
+                              <p:cond delay="0"/>
+                            </p:stCondLst>
+                            <p:childTnLst>
+                              <p:par>
+                                <p:cTn id="41" presetID="2" presetClass="entr" presetSubtype="4" fill="hold" nodeType="clickEffect">
+                                  <p:stCondLst>
+                                    <p:cond delay="0"/>
+                                  </p:stCondLst>
+                                  <p:childTnLst>
+                                    <p:set>
+                                      <p:cBhvr>
+                                        <p:cTn id="42" dur="1" fill="hold">
+                                          <p:stCondLst>
+                                            <p:cond delay="0"/>
+                                          </p:stCondLst>
+                                        </p:cTn>
+                                        <p:tgtEl>
+                                          <p:spTgt spid="4">
+                                            <p:txEl>
+                                              <p:pRg st="8" end="8"/>
+                                            </p:txEl>
+                                          </p:spTgt>
+                                        </p:tgtEl>
+                                        <p:attrNameLst>
+                                          <p:attrName>style.visibility</p:attrName>
+                                        </p:attrNameLst>
+                                      </p:cBhvr>
+                                      <p:to>
+                                        <p:strVal val="visible"/>
+                                      </p:to>
+                                    </p:set>
+                                    <p:anim calcmode="lin" valueType="num">
+                                      <p:cBhvr additive="base">
+                                        <p:cTn id="43" dur="500" fill="hold"/>
+                                        <p:tgtEl>
+                                          <p:spTgt spid="4">
+                                            <p:txEl>
+                                              <p:pRg st="8" end="8"/>
+                                            </p:txEl>
+                                          </p:spTgt>
+                                        </p:tgtEl>
+                                        <p:attrNameLst>
+                                          <p:attrName>ppt_x</p:attrName>
+                                        </p:attrNameLst>
+                                      </p:cBhvr>
+                                      <p:tavLst>
+                                        <p:tav tm="0">
+                                          <p:val>
+                                            <p:strVal val="#ppt_x"/>
+                                          </p:val>
+                                        </p:tav>
+                                        <p:tav tm="100000">
+                                          <p:val>
+                                            <p:strVal val="#ppt_x"/>
+                                          </p:val>
+                                        </p:tav>
+                                      </p:tavLst>
+                                    </p:anim>
+                                    <p:anim calcmode="lin" valueType="num">
+                                      <p:cBhvr additive="base">
+                                        <p:cTn id="44" dur="500" fill="hold"/>
+                                        <p:tgtEl>
+                                          <p:spTgt spid="4">
+                                            <p:txEl>
+                                              <p:pRg st="8" end="8"/>
+                                            </p:txEl>
+                                          </p:spTgt>
+                                        </p:tgtEl>
+                                        <p:attrNameLst>
+                                          <p:attrName>ppt_y</p:attrName>
+                                        </p:attrNameLst>
+                                      </p:cBhvr>
+                                      <p:tavLst>
+                                        <p:tav tm="0">
+                                          <p:val>
+                                            <p:strVal val="1+#ppt_h/2"/>
+                                          </p:val>
+                                        </p:tav>
+                                        <p:tav tm="100000">
+                                          <p:val>
+                                            <p:strVal val="#ppt_y"/>
+                                          </p:val>
+                                        </p:tav>
+                                      </p:tavLst>
+                                    </p:anim>
+                                  </p:childTnLst>
+                                </p:cTn>
+                              </p:par>
+                            </p:childTnLst>
+                          </p:cTn>
+                        </p:par>
+                      </p:childTnLst>
+                    </p:cTn>
+                  </p:par>
+                </p:childTnLst>
+              </p:cTn>
+              <p:prevCondLst>
+                <p:cond evt="onPrev" delay="0">
+                  <p:tgtEl>
+                    <p:sldTgt/>
+                  </p:tgtEl>
+                </p:cond>
+              </p:prevCondLst>
+              <p:nextCondLst>
+                <p:cond evt="onNext" delay="0">
+                  <p:tgtEl>
+                    <p:sldTgt/>
+                  </p:tgtEl>
+                </p:cond>
+              </p:nextCondLst>
+            </p:seq>
+          </p:childTnLst>
+        </p:cTn>
+      </p:par>
+    </p:tnLst>
+  </p:timing>
+</p:sld>
+</file>
+
+<file path=ppt/slides/slide17.xml><?xml version="1.0" encoding="utf-8"?>
+<p:sld xmlns:a="http://schemas.openxmlformats.org/drawingml/2006/main" xmlns:r="http://schemas.openxmlformats.org/officeDocument/2006/relationships" xmlns:p="http://schemas.openxmlformats.org/presentationml/2006/main">
+  <p:cSld>
+    <p:spTree>
+      <p:nvGrpSpPr>
+        <p:cNvPr id="1" name=""/>
+        <p:cNvGrpSpPr/>
+        <p:nvPr/>
+      </p:nvGrpSpPr>
+      <p:grpSpPr>
+        <a:xfrm>
+          <a:off x="0" y="0"/>
+          <a:ext cx="0" cy="0"/>
+          <a:chOff x="0" y="0"/>
+          <a:chExt cx="0" cy="0"/>
+        </a:xfrm>
+      </p:grpSpPr>
+      <p:sp>
+        <p:nvSpPr>
+          <p:cNvPr id="2" name="Title 1">
+            <a:extLst>
+              <a:ext uri="{FF2B5EF4-FFF2-40B4-BE49-F238E27FC236}">
+                <a16:creationId xmlns:a16="http://schemas.microsoft.com/office/drawing/2014/main" id="{A44FFC0D-800A-4863-B51D-50A22CC4C62E}"/>
+              </a:ext>
+            </a:extLst>
+          </p:cNvPr>
+          <p:cNvSpPr>
+            <a:spLocks noGrp="1"/>
+          </p:cNvSpPr>
+          <p:nvPr>
+            <p:ph type="title"/>
+          </p:nvPr>
+        </p:nvSpPr>
+        <p:spPr>
+          <a:xfrm>
+            <a:off x="684212" y="232966"/>
+            <a:ext cx="8534400" cy="1507067"/>
+          </a:xfrm>
+        </p:spPr>
+        <p:txBody>
+          <a:bodyPr/>
+          <a:lstStyle/>
+          <a:p>
+            <a:r>
+              <a:rPr lang="bs-Latn-BA" dirty="0"/>
+              <a:t>Stringovi</a:t>
+            </a:r>
+            <a:endParaRPr lang="en-US" dirty="0"/>
+          </a:p>
+        </p:txBody>
+      </p:sp>
+      <p:sp>
+        <p:nvSpPr>
+          <p:cNvPr id="3" name="Content Placeholder 2">
+            <a:extLst>
+              <a:ext uri="{FF2B5EF4-FFF2-40B4-BE49-F238E27FC236}">
+                <a16:creationId xmlns:a16="http://schemas.microsoft.com/office/drawing/2014/main" id="{18CA1E42-CEF2-4489-B961-F7C4EFC10C5A}"/>
+              </a:ext>
+            </a:extLst>
+          </p:cNvPr>
+          <p:cNvSpPr>
+            <a:spLocks noGrp="1"/>
+          </p:cNvSpPr>
+          <p:nvPr>
+            <p:ph idx="1"/>
+          </p:nvPr>
+        </p:nvSpPr>
+        <p:spPr>
+          <a:xfrm>
+            <a:off x="684212" y="2216217"/>
+            <a:ext cx="8534400" cy="3615267"/>
+          </a:xfrm>
+        </p:spPr>
+        <p:txBody>
+          <a:bodyPr/>
+          <a:lstStyle/>
+          <a:p>
+            <a:r>
+              <a:rPr lang="bs-Latn-BA" dirty="0"/>
+              <a:t>Primjeri stringova:</a:t>
+            </a:r>
+          </a:p>
+          <a:p>
+            <a:pPr lvl="1"/>
+            <a:r>
+              <a:rPr lang="bs-Latn-BA" dirty="0"/>
+              <a:t>„Hello world“</a:t>
+            </a:r>
+          </a:p>
+          <a:p>
+            <a:pPr lvl="1"/>
+            <a:r>
+              <a:rPr lang="bs-Latn-BA" dirty="0"/>
+              <a:t>„Programski jezik Python“</a:t>
+            </a:r>
+          </a:p>
+          <a:p>
+            <a:pPr lvl="1"/>
+            <a:r>
+              <a:rPr lang="en-US" dirty="0"/>
+              <a:t>‘</a:t>
+            </a:r>
+            <a:r>
+              <a:rPr lang="en-US" dirty="0" err="1"/>
+              <a:t>Programiranje</a:t>
+            </a:r>
+            <a:r>
+              <a:rPr lang="en-US" dirty="0"/>
+              <a:t>’</a:t>
+            </a:r>
+          </a:p>
+          <a:p>
+            <a:pPr lvl="1"/>
+            <a:r>
+              <a:rPr lang="en-US" dirty="0"/>
+              <a:t>’89_’</a:t>
+            </a:r>
+          </a:p>
+          <a:p>
+            <a:pPr lvl="1"/>
+            <a:r>
+              <a:rPr lang="en-US" dirty="0"/>
+              <a:t>‘</a:t>
+            </a:r>
+            <a:r>
+              <a:rPr lang="en-US" dirty="0" err="1"/>
+              <a:t>Nova_godina</a:t>
+            </a:r>
+            <a:r>
+              <a:rPr lang="en-US" dirty="0"/>
+              <a:t>’</a:t>
+            </a:r>
+          </a:p>
+        </p:txBody>
+      </p:sp>
+    </p:spTree>
+    <p:extLst>
+      <p:ext uri="{BB962C8B-B14F-4D97-AF65-F5344CB8AC3E}">
+        <p14:creationId xmlns:p14="http://schemas.microsoft.com/office/powerpoint/2010/main" val="3362103162"/>
+      </p:ext>
+    </p:extLst>
+  </p:cSld>
+  <p:clrMapOvr>
+    <a:masterClrMapping/>
+  </p:clrMapOvr>
 </p:sld>
 </file>
 

--- a/Python/Python-Osnovni-kurs/Izracunavanje/1-Osnovne aritmeticke operacije i primjena/Prezentacija.pptx
+++ b/Python/Python-Osnovni-kurs/Izracunavanje/1-Osnovne aritmeticke operacije i primjena/Prezentacija.pptx
@@ -5,7 +5,7 @@
     <p:sldMasterId id="2147483660" r:id="rId1"/>
   </p:sldMasterIdLst>
   <p:notesMasterIdLst>
-    <p:notesMasterId r:id="rId19"/>
+    <p:notesMasterId r:id="rId20"/>
   </p:notesMasterIdLst>
   <p:sldIdLst>
     <p:sldId id="256" r:id="rId2"/>
@@ -25,6 +25,7 @@
     <p:sldId id="270" r:id="rId16"/>
     <p:sldId id="271" r:id="rId17"/>
     <p:sldId id="272" r:id="rId18"/>
+    <p:sldId id="273" r:id="rId19"/>
   </p:sldIdLst>
   <p:sldSz cx="12192000" cy="6858000"/>
   <p:notesSz cx="6858000" cy="9144000"/>
@@ -213,7 +214,7 @@
           <a:p>
             <a:fld id="{37DC2007-1088-4600-B1BC-AE884B82A1B0}" type="datetimeFigureOut">
               <a:rPr lang="en-US" smtClean="0"/>
-              <a:t>4/1/2021</a:t>
+              <a:t>4/15/2021</a:t>
             </a:fld>
             <a:endParaRPr lang="en-US"/>
           </a:p>
@@ -923,7 +924,7 @@
           <a:p>
             <a:fld id="{EECE8CBC-D9E8-4B9C-9658-364F4F7C96BD}" type="datetimeFigureOut">
               <a:rPr lang="en-US" smtClean="0"/>
-              <a:t>4/1/2021</a:t>
+              <a:t>4/15/2021</a:t>
             </a:fld>
             <a:endParaRPr lang="en-US"/>
           </a:p>
@@ -1359,7 +1360,7 @@
           <a:p>
             <a:fld id="{EECE8CBC-D9E8-4B9C-9658-364F4F7C96BD}" type="datetimeFigureOut">
               <a:rPr lang="en-US" smtClean="0"/>
-              <a:t>4/1/2021</a:t>
+              <a:t>4/15/2021</a:t>
             </a:fld>
             <a:endParaRPr lang="en-US"/>
           </a:p>
@@ -1609,7 +1610,7 @@
           <a:p>
             <a:fld id="{EECE8CBC-D9E8-4B9C-9658-364F4F7C96BD}" type="datetimeFigureOut">
               <a:rPr lang="en-US" smtClean="0"/>
-              <a:t>4/1/2021</a:t>
+              <a:t>4/15/2021</a:t>
             </a:fld>
             <a:endParaRPr lang="en-US"/>
           </a:p>
@@ -1917,7 +1918,7 @@
           <a:p>
             <a:fld id="{EECE8CBC-D9E8-4B9C-9658-364F4F7C96BD}" type="datetimeFigureOut">
               <a:rPr lang="en-US" smtClean="0"/>
-              <a:t>4/1/2021</a:t>
+              <a:t>4/15/2021</a:t>
             </a:fld>
             <a:endParaRPr lang="en-US"/>
           </a:p>
@@ -2235,7 +2236,7 @@
           <a:p>
             <a:fld id="{EECE8CBC-D9E8-4B9C-9658-364F4F7C96BD}" type="datetimeFigureOut">
               <a:rPr lang="en-US" smtClean="0"/>
-              <a:t>4/1/2021</a:t>
+              <a:t>4/15/2021</a:t>
             </a:fld>
             <a:endParaRPr lang="en-US"/>
           </a:p>
@@ -2537,7 +2538,7 @@
           <a:p>
             <a:fld id="{EECE8CBC-D9E8-4B9C-9658-364F4F7C96BD}" type="datetimeFigureOut">
               <a:rPr lang="en-US" smtClean="0"/>
-              <a:t>4/1/2021</a:t>
+              <a:t>4/15/2021</a:t>
             </a:fld>
             <a:endParaRPr lang="en-US"/>
           </a:p>
@@ -2904,7 +2905,7 @@
           <a:p>
             <a:fld id="{EECE8CBC-D9E8-4B9C-9658-364F4F7C96BD}" type="datetimeFigureOut">
               <a:rPr lang="en-US" smtClean="0"/>
-              <a:t>4/1/2021</a:t>
+              <a:t>4/15/2021</a:t>
             </a:fld>
             <a:endParaRPr lang="en-US"/>
           </a:p>
@@ -3078,7 +3079,7 @@
           <a:p>
             <a:fld id="{EECE8CBC-D9E8-4B9C-9658-364F4F7C96BD}" type="datetimeFigureOut">
               <a:rPr lang="en-US" smtClean="0"/>
-              <a:t>4/1/2021</a:t>
+              <a:t>4/15/2021</a:t>
             </a:fld>
             <a:endParaRPr lang="en-US"/>
           </a:p>
@@ -3258,7 +3259,7 @@
           <a:p>
             <a:fld id="{EECE8CBC-D9E8-4B9C-9658-364F4F7C96BD}" type="datetimeFigureOut">
               <a:rPr lang="en-US" smtClean="0"/>
-              <a:t>4/1/2021</a:t>
+              <a:t>4/15/2021</a:t>
             </a:fld>
             <a:endParaRPr lang="en-US"/>
           </a:p>
@@ -3428,7 +3429,7 @@
           <a:p>
             <a:fld id="{EECE8CBC-D9E8-4B9C-9658-364F4F7C96BD}" type="datetimeFigureOut">
               <a:rPr lang="en-US" smtClean="0"/>
-              <a:t>4/1/2021</a:t>
+              <a:t>4/15/2021</a:t>
             </a:fld>
             <a:endParaRPr lang="en-US"/>
           </a:p>
@@ -3678,7 +3679,7 @@
           <a:p>
             <a:fld id="{EECE8CBC-D9E8-4B9C-9658-364F4F7C96BD}" type="datetimeFigureOut">
               <a:rPr lang="en-US" smtClean="0"/>
-              <a:t>4/1/2021</a:t>
+              <a:t>4/15/2021</a:t>
             </a:fld>
             <a:endParaRPr lang="en-US"/>
           </a:p>
@@ -3914,7 +3915,7 @@
           <a:p>
             <a:fld id="{EECE8CBC-D9E8-4B9C-9658-364F4F7C96BD}" type="datetimeFigureOut">
               <a:rPr lang="en-US" smtClean="0"/>
-              <a:t>4/1/2021</a:t>
+              <a:t>4/15/2021</a:t>
             </a:fld>
             <a:endParaRPr lang="en-US"/>
           </a:p>
@@ -4296,7 +4297,7 @@
           <a:p>
             <a:fld id="{EECE8CBC-D9E8-4B9C-9658-364F4F7C96BD}" type="datetimeFigureOut">
               <a:rPr lang="en-US" smtClean="0"/>
-              <a:t>4/1/2021</a:t>
+              <a:t>4/15/2021</a:t>
             </a:fld>
             <a:endParaRPr lang="en-US"/>
           </a:p>
@@ -4414,7 +4415,7 @@
           <a:p>
             <a:fld id="{EECE8CBC-D9E8-4B9C-9658-364F4F7C96BD}" type="datetimeFigureOut">
               <a:rPr lang="en-US" smtClean="0"/>
-              <a:t>4/1/2021</a:t>
+              <a:t>4/15/2021</a:t>
             </a:fld>
             <a:endParaRPr lang="en-US"/>
           </a:p>
@@ -4509,7 +4510,7 @@
           <a:p>
             <a:fld id="{EECE8CBC-D9E8-4B9C-9658-364F4F7C96BD}" type="datetimeFigureOut">
               <a:rPr lang="en-US" smtClean="0"/>
-              <a:t>4/1/2021</a:t>
+              <a:t>4/15/2021</a:t>
             </a:fld>
             <a:endParaRPr lang="en-US"/>
           </a:p>
@@ -4764,7 +4765,7 @@
           <a:p>
             <a:fld id="{EECE8CBC-D9E8-4B9C-9658-364F4F7C96BD}" type="datetimeFigureOut">
               <a:rPr lang="en-US" smtClean="0"/>
-              <a:t>4/1/2021</a:t>
+              <a:t>4/15/2021</a:t>
             </a:fld>
             <a:endParaRPr lang="en-US"/>
           </a:p>
@@ -5047,7 +5048,7 @@
           <a:p>
             <a:fld id="{EECE8CBC-D9E8-4B9C-9658-364F4F7C96BD}" type="datetimeFigureOut">
               <a:rPr lang="en-US" smtClean="0"/>
-              <a:t>4/1/2021</a:t>
+              <a:t>4/15/2021</a:t>
             </a:fld>
             <a:endParaRPr lang="en-US"/>
           </a:p>
@@ -5453,7 +5454,7 @@
           <a:p>
             <a:fld id="{EECE8CBC-D9E8-4B9C-9658-364F4F7C96BD}" type="datetimeFigureOut">
               <a:rPr lang="en-US" smtClean="0"/>
-              <a:t>4/1/2021</a:t>
+              <a:t>4/15/2021</a:t>
             </a:fld>
             <a:endParaRPr lang="en-US"/>
           </a:p>
@@ -12155,8 +12156,8 @@
         </p:nvSpPr>
         <p:spPr>
           <a:xfrm>
-            <a:off x="684212" y="232966"/>
-            <a:ext cx="8534400" cy="1507067"/>
+            <a:off x="684212" y="131975"/>
+            <a:ext cx="8534400" cy="787926"/>
           </a:xfrm>
         </p:spPr>
         <p:txBody>
@@ -12189,69 +12190,353 @@
         </p:nvSpPr>
         <p:spPr>
           <a:xfrm>
-            <a:off x="684212" y="2216217"/>
-            <a:ext cx="8534400" cy="3615267"/>
+            <a:off x="684212" y="919901"/>
+            <a:ext cx="8534400" cy="5806124"/>
           </a:xfrm>
         </p:spPr>
         <p:txBody>
-          <a:bodyPr/>
+          <a:bodyPr>
+            <a:normAutofit/>
+          </a:bodyPr>
           <a:lstStyle/>
           <a:p>
             <a:r>
-              <a:rPr lang="bs-Latn-BA" dirty="0"/>
+              <a:rPr lang="bs-Latn-BA" dirty="0">
+                <a:solidFill>
+                  <a:schemeClr val="tx1"/>
+                </a:solidFill>
+              </a:rPr>
               <a:t>Primjeri stringova:</a:t>
             </a:r>
           </a:p>
           <a:p>
             <a:pPr lvl="1"/>
             <a:r>
-              <a:rPr lang="bs-Latn-BA" dirty="0"/>
+              <a:rPr lang="bs-Latn-BA" dirty="0">
+                <a:solidFill>
+                  <a:schemeClr val="tx1"/>
+                </a:solidFill>
+              </a:rPr>
               <a:t>„Hello world“</a:t>
             </a:r>
           </a:p>
           <a:p>
             <a:pPr lvl="1"/>
             <a:r>
-              <a:rPr lang="bs-Latn-BA" dirty="0"/>
+              <a:rPr lang="bs-Latn-BA" dirty="0">
+                <a:solidFill>
+                  <a:schemeClr val="tx1"/>
+                </a:solidFill>
+              </a:rPr>
               <a:t>„Programski jezik Python“</a:t>
             </a:r>
           </a:p>
           <a:p>
             <a:pPr lvl="1"/>
             <a:r>
-              <a:rPr lang="en-US" dirty="0"/>
+              <a:rPr lang="en-US" dirty="0">
+                <a:solidFill>
+                  <a:schemeClr val="tx1"/>
+                </a:solidFill>
+              </a:rPr>
               <a:t>‘</a:t>
             </a:r>
             <a:r>
-              <a:rPr lang="en-US" dirty="0" err="1"/>
+              <a:rPr lang="en-US" dirty="0" err="1">
+                <a:solidFill>
+                  <a:schemeClr val="tx1"/>
+                </a:solidFill>
+              </a:rPr>
               <a:t>Programiranje</a:t>
             </a:r>
             <a:r>
-              <a:rPr lang="en-US" dirty="0"/>
+              <a:rPr lang="en-US" dirty="0">
+                <a:solidFill>
+                  <a:schemeClr val="tx1"/>
+                </a:solidFill>
+              </a:rPr>
               <a:t>’</a:t>
             </a:r>
           </a:p>
           <a:p>
             <a:pPr lvl="1"/>
             <a:r>
-              <a:rPr lang="en-US" dirty="0"/>
+              <a:rPr lang="en-US" dirty="0">
+                <a:solidFill>
+                  <a:schemeClr val="tx1"/>
+                </a:solidFill>
+              </a:rPr>
               <a:t>’89_’</a:t>
             </a:r>
           </a:p>
           <a:p>
             <a:pPr lvl="1"/>
             <a:r>
-              <a:rPr lang="en-US" dirty="0"/>
+              <a:rPr lang="en-US" dirty="0">
+                <a:solidFill>
+                  <a:schemeClr val="tx1"/>
+                </a:solidFill>
+              </a:rPr>
               <a:t>‘</a:t>
             </a:r>
             <a:r>
-              <a:rPr lang="en-US" dirty="0" err="1"/>
+              <a:rPr lang="en-US" dirty="0" err="1">
+                <a:solidFill>
+                  <a:schemeClr val="tx1"/>
+                </a:solidFill>
+              </a:rPr>
               <a:t>Nova_godina</a:t>
             </a:r>
             <a:r>
-              <a:rPr lang="en-US" dirty="0"/>
+              <a:rPr lang="en-US" dirty="0">
+                <a:solidFill>
+                  <a:schemeClr val="tx1"/>
+                </a:solidFill>
+              </a:rPr>
               <a:t>’</a:t>
             </a:r>
+            <a:endParaRPr lang="bs-Latn-BA" dirty="0">
+              <a:solidFill>
+                <a:schemeClr val="tx1"/>
+              </a:solidFill>
+            </a:endParaRPr>
+          </a:p>
+          <a:p>
+            <a:pPr lvl="1"/>
+            <a:endParaRPr lang="bs-Latn-BA" dirty="0">
+              <a:solidFill>
+                <a:schemeClr val="tx1"/>
+              </a:solidFill>
+            </a:endParaRPr>
+          </a:p>
+          <a:p>
+            <a:r>
+              <a:rPr lang="bs-Latn-BA" dirty="0">
+                <a:solidFill>
+                  <a:schemeClr val="tx1"/>
+                </a:solidFill>
+              </a:rPr>
+              <a:t>Primjer ispisa: print(„Marko Marković“)</a:t>
+            </a:r>
+          </a:p>
+          <a:p>
+            <a:endParaRPr lang="bs-Latn-BA" dirty="0">
+              <a:solidFill>
+                <a:schemeClr val="tx1"/>
+              </a:solidFill>
+            </a:endParaRPr>
+          </a:p>
+          <a:p>
+            <a:r>
+              <a:rPr lang="bs-Latn-BA" dirty="0">
+                <a:solidFill>
+                  <a:schemeClr val="tx1"/>
+                </a:solidFill>
+              </a:rPr>
+              <a:t>Primjer unosa i ispisa:</a:t>
+            </a:r>
+          </a:p>
+          <a:p>
+            <a:pPr lvl="1"/>
+            <a:r>
+              <a:rPr lang="en-GB" dirty="0">
+                <a:solidFill>
+                  <a:schemeClr val="tx1"/>
+                </a:solidFill>
+              </a:rPr>
+              <a:t>i</a:t>
+            </a:r>
+            <a:r>
+              <a:rPr lang="bs-Latn-BA" dirty="0">
+                <a:solidFill>
+                  <a:schemeClr val="tx1"/>
+                </a:solidFill>
+              </a:rPr>
+              <a:t>me</a:t>
+            </a:r>
+            <a:r>
+              <a:rPr lang="en-GB" dirty="0">
+                <a:solidFill>
+                  <a:schemeClr val="tx1"/>
+                </a:solidFill>
+              </a:rPr>
+              <a:t> = input(“</a:t>
+            </a:r>
+            <a:r>
+              <a:rPr lang="en-GB" dirty="0" err="1">
+                <a:solidFill>
+                  <a:schemeClr val="tx1"/>
+                </a:solidFill>
+              </a:rPr>
+              <a:t>Unesi</a:t>
+            </a:r>
+            <a:r>
+              <a:rPr lang="en-GB" dirty="0">
+                <a:solidFill>
+                  <a:schemeClr val="tx1"/>
+                </a:solidFill>
+              </a:rPr>
+              <a:t> </a:t>
+            </a:r>
+            <a:r>
+              <a:rPr lang="en-GB" dirty="0" err="1">
+                <a:solidFill>
+                  <a:schemeClr val="tx1"/>
+                </a:solidFill>
+              </a:rPr>
+              <a:t>svoje</a:t>
+            </a:r>
+            <a:r>
+              <a:rPr lang="en-GB" dirty="0">
+                <a:solidFill>
+                  <a:schemeClr val="tx1"/>
+                </a:solidFill>
+              </a:rPr>
+              <a:t> </a:t>
+            </a:r>
+            <a:r>
+              <a:rPr lang="en-GB" dirty="0" err="1">
+                <a:solidFill>
+                  <a:schemeClr val="tx1"/>
+                </a:solidFill>
+              </a:rPr>
+              <a:t>ime</a:t>
+            </a:r>
+            <a:r>
+              <a:rPr lang="en-GB" dirty="0">
+                <a:solidFill>
+                  <a:schemeClr val="tx1"/>
+                </a:solidFill>
+              </a:rPr>
+              <a:t>: ”)</a:t>
+            </a:r>
+          </a:p>
+          <a:p>
+            <a:pPr lvl="1"/>
+            <a:r>
+              <a:rPr lang="en-US" dirty="0">
+                <a:solidFill>
+                  <a:schemeClr val="tx1"/>
+                </a:solidFill>
+              </a:rPr>
+              <a:t>print(“</a:t>
+            </a:r>
+            <a:r>
+              <a:rPr lang="en-US" dirty="0" err="1">
+                <a:solidFill>
+                  <a:schemeClr val="tx1"/>
+                </a:solidFill>
+              </a:rPr>
+              <a:t>Pozdrav</a:t>
+            </a:r>
+            <a:r>
+              <a:rPr lang="en-US" dirty="0">
+                <a:solidFill>
+                  <a:schemeClr val="tx1"/>
+                </a:solidFill>
+              </a:rPr>
+              <a:t>, </a:t>
+            </a:r>
+            <a:r>
+              <a:rPr lang="en-US" dirty="0" err="1">
+                <a:solidFill>
+                  <a:schemeClr val="tx1"/>
+                </a:solidFill>
+              </a:rPr>
+              <a:t>ti</a:t>
+            </a:r>
+            <a:r>
+              <a:rPr lang="en-US" dirty="0">
+                <a:solidFill>
+                  <a:schemeClr val="tx1"/>
+                </a:solidFill>
+              </a:rPr>
+              <a:t> se </a:t>
+            </a:r>
+            <a:r>
+              <a:rPr lang="en-US" dirty="0" err="1">
+                <a:solidFill>
+                  <a:schemeClr val="tx1"/>
+                </a:solidFill>
+              </a:rPr>
+              <a:t>zove</a:t>
+            </a:r>
+            <a:r>
+              <a:rPr lang="bs-Latn-BA" dirty="0">
+                <a:solidFill>
+                  <a:schemeClr val="tx1"/>
+                </a:solidFill>
+              </a:rPr>
+              <a:t>š: </a:t>
+            </a:r>
+            <a:r>
+              <a:rPr lang="en-US" dirty="0">
+                <a:solidFill>
+                  <a:schemeClr val="tx1"/>
+                </a:solidFill>
+              </a:rPr>
+              <a:t>”, </a:t>
+            </a:r>
+            <a:r>
+              <a:rPr lang="en-US" dirty="0" err="1">
+                <a:solidFill>
+                  <a:schemeClr val="tx1"/>
+                </a:solidFill>
+              </a:rPr>
+              <a:t>ime</a:t>
+            </a:r>
+            <a:r>
+              <a:rPr lang="en-US" dirty="0">
+                <a:solidFill>
+                  <a:schemeClr val="tx1"/>
+                </a:solidFill>
+              </a:rPr>
+              <a:t>)</a:t>
+            </a:r>
+          </a:p>
+          <a:p>
+            <a:r>
+              <a:rPr lang="en-US" dirty="0">
+                <a:solidFill>
+                  <a:schemeClr val="tx1"/>
+                </a:solidFill>
+              </a:rPr>
+              <a:t>I</a:t>
+            </a:r>
+            <a:r>
+              <a:rPr lang="bs-Latn-BA" dirty="0">
+                <a:solidFill>
+                  <a:schemeClr val="tx1"/>
+                </a:solidFill>
+              </a:rPr>
+              <a:t>zvršavanje koda korak po korak: </a:t>
+            </a:r>
+            <a:r>
+              <a:rPr lang="bs-Latn-BA" b="1" dirty="0">
+                <a:solidFill>
+                  <a:schemeClr val="tx2">
+                    <a:lumMod val="60000"/>
+                    <a:lumOff val="40000"/>
+                  </a:schemeClr>
+                </a:solidFill>
+                <a:hlinkClick r:id="rId2">
+                  <a:extLst>
+                    <a:ext uri="{A12FA001-AC4F-418D-AE19-62706E023703}">
+                      <ahyp:hlinkClr xmlns:ahyp="http://schemas.microsoft.com/office/drawing/2018/hyperlinkcolor" val="tx"/>
+                    </a:ext>
+                  </a:extLst>
+                </a:hlinkClick>
+              </a:rPr>
+              <a:t>http://pythontutor.com/</a:t>
+            </a:r>
+            <a:endParaRPr lang="en-US" b="1" dirty="0">
+              <a:solidFill>
+                <a:schemeClr val="tx2">
+                  <a:lumMod val="60000"/>
+                  <a:lumOff val="40000"/>
+                </a:schemeClr>
+              </a:solidFill>
+            </a:endParaRPr>
           </a:p>
         </p:txBody>
       </p:sp>
@@ -12259,6 +12544,595 @@
     <p:extLst>
       <p:ext uri="{BB962C8B-B14F-4D97-AF65-F5344CB8AC3E}">
         <p14:creationId xmlns:p14="http://schemas.microsoft.com/office/powerpoint/2010/main" val="3362103162"/>
+      </p:ext>
+    </p:extLst>
+  </p:cSld>
+  <p:clrMapOvr>
+    <a:masterClrMapping/>
+  </p:clrMapOvr>
+  <p:timing>
+    <p:tnLst>
+      <p:par>
+        <p:cTn id="1" dur="indefinite" restart="never" nodeType="tmRoot">
+          <p:childTnLst>
+            <p:seq concurrent="1" nextAc="seek">
+              <p:cTn id="2" dur="indefinite" nodeType="mainSeq">
+                <p:childTnLst>
+                  <p:par>
+                    <p:cTn id="3" fill="hold">
+                      <p:stCondLst>
+                        <p:cond delay="indefinite"/>
+                      </p:stCondLst>
+                      <p:childTnLst>
+                        <p:par>
+                          <p:cTn id="4" fill="hold">
+                            <p:stCondLst>
+                              <p:cond delay="0"/>
+                            </p:stCondLst>
+                            <p:childTnLst>
+                              <p:par>
+                                <p:cTn id="5" presetID="2" presetClass="entr" presetSubtype="4" fill="hold" nodeType="clickEffect">
+                                  <p:stCondLst>
+                                    <p:cond delay="0"/>
+                                  </p:stCondLst>
+                                  <p:childTnLst>
+                                    <p:set>
+                                      <p:cBhvr>
+                                        <p:cTn id="6" dur="1" fill="hold">
+                                          <p:stCondLst>
+                                            <p:cond delay="0"/>
+                                          </p:stCondLst>
+                                        </p:cTn>
+                                        <p:tgtEl>
+                                          <p:spTgt spid="3">
+                                            <p:txEl>
+                                              <p:pRg st="7" end="7"/>
+                                            </p:txEl>
+                                          </p:spTgt>
+                                        </p:tgtEl>
+                                        <p:attrNameLst>
+                                          <p:attrName>style.visibility</p:attrName>
+                                        </p:attrNameLst>
+                                      </p:cBhvr>
+                                      <p:to>
+                                        <p:strVal val="visible"/>
+                                      </p:to>
+                                    </p:set>
+                                    <p:anim calcmode="lin" valueType="num">
+                                      <p:cBhvr additive="base">
+                                        <p:cTn id="7" dur="500" fill="hold"/>
+                                        <p:tgtEl>
+                                          <p:spTgt spid="3">
+                                            <p:txEl>
+                                              <p:pRg st="7" end="7"/>
+                                            </p:txEl>
+                                          </p:spTgt>
+                                        </p:tgtEl>
+                                        <p:attrNameLst>
+                                          <p:attrName>ppt_x</p:attrName>
+                                        </p:attrNameLst>
+                                      </p:cBhvr>
+                                      <p:tavLst>
+                                        <p:tav tm="0">
+                                          <p:val>
+                                            <p:strVal val="#ppt_x"/>
+                                          </p:val>
+                                        </p:tav>
+                                        <p:tav tm="100000">
+                                          <p:val>
+                                            <p:strVal val="#ppt_x"/>
+                                          </p:val>
+                                        </p:tav>
+                                      </p:tavLst>
+                                    </p:anim>
+                                    <p:anim calcmode="lin" valueType="num">
+                                      <p:cBhvr additive="base">
+                                        <p:cTn id="8" dur="500" fill="hold"/>
+                                        <p:tgtEl>
+                                          <p:spTgt spid="3">
+                                            <p:txEl>
+                                              <p:pRg st="7" end="7"/>
+                                            </p:txEl>
+                                          </p:spTgt>
+                                        </p:tgtEl>
+                                        <p:attrNameLst>
+                                          <p:attrName>ppt_y</p:attrName>
+                                        </p:attrNameLst>
+                                      </p:cBhvr>
+                                      <p:tavLst>
+                                        <p:tav tm="0">
+                                          <p:val>
+                                            <p:strVal val="1+#ppt_h/2"/>
+                                          </p:val>
+                                        </p:tav>
+                                        <p:tav tm="100000">
+                                          <p:val>
+                                            <p:strVal val="#ppt_y"/>
+                                          </p:val>
+                                        </p:tav>
+                                      </p:tavLst>
+                                    </p:anim>
+                                  </p:childTnLst>
+                                </p:cTn>
+                              </p:par>
+                            </p:childTnLst>
+                          </p:cTn>
+                        </p:par>
+                      </p:childTnLst>
+                    </p:cTn>
+                  </p:par>
+                  <p:par>
+                    <p:cTn id="9" fill="hold">
+                      <p:stCondLst>
+                        <p:cond delay="indefinite"/>
+                      </p:stCondLst>
+                      <p:childTnLst>
+                        <p:par>
+                          <p:cTn id="10" fill="hold">
+                            <p:stCondLst>
+                              <p:cond delay="0"/>
+                            </p:stCondLst>
+                            <p:childTnLst>
+                              <p:par>
+                                <p:cTn id="11" presetID="2" presetClass="entr" presetSubtype="4" fill="hold" nodeType="clickEffect">
+                                  <p:stCondLst>
+                                    <p:cond delay="0"/>
+                                  </p:stCondLst>
+                                  <p:childTnLst>
+                                    <p:set>
+                                      <p:cBhvr>
+                                        <p:cTn id="12" dur="1" fill="hold">
+                                          <p:stCondLst>
+                                            <p:cond delay="0"/>
+                                          </p:stCondLst>
+                                        </p:cTn>
+                                        <p:tgtEl>
+                                          <p:spTgt spid="3">
+                                            <p:txEl>
+                                              <p:pRg st="9" end="9"/>
+                                            </p:txEl>
+                                          </p:spTgt>
+                                        </p:tgtEl>
+                                        <p:attrNameLst>
+                                          <p:attrName>style.visibility</p:attrName>
+                                        </p:attrNameLst>
+                                      </p:cBhvr>
+                                      <p:to>
+                                        <p:strVal val="visible"/>
+                                      </p:to>
+                                    </p:set>
+                                    <p:anim calcmode="lin" valueType="num">
+                                      <p:cBhvr additive="base">
+                                        <p:cTn id="13" dur="500" fill="hold"/>
+                                        <p:tgtEl>
+                                          <p:spTgt spid="3">
+                                            <p:txEl>
+                                              <p:pRg st="9" end="9"/>
+                                            </p:txEl>
+                                          </p:spTgt>
+                                        </p:tgtEl>
+                                        <p:attrNameLst>
+                                          <p:attrName>ppt_x</p:attrName>
+                                        </p:attrNameLst>
+                                      </p:cBhvr>
+                                      <p:tavLst>
+                                        <p:tav tm="0">
+                                          <p:val>
+                                            <p:strVal val="#ppt_x"/>
+                                          </p:val>
+                                        </p:tav>
+                                        <p:tav tm="100000">
+                                          <p:val>
+                                            <p:strVal val="#ppt_x"/>
+                                          </p:val>
+                                        </p:tav>
+                                      </p:tavLst>
+                                    </p:anim>
+                                    <p:anim calcmode="lin" valueType="num">
+                                      <p:cBhvr additive="base">
+                                        <p:cTn id="14" dur="500" fill="hold"/>
+                                        <p:tgtEl>
+                                          <p:spTgt spid="3">
+                                            <p:txEl>
+                                              <p:pRg st="9" end="9"/>
+                                            </p:txEl>
+                                          </p:spTgt>
+                                        </p:tgtEl>
+                                        <p:attrNameLst>
+                                          <p:attrName>ppt_y</p:attrName>
+                                        </p:attrNameLst>
+                                      </p:cBhvr>
+                                      <p:tavLst>
+                                        <p:tav tm="0">
+                                          <p:val>
+                                            <p:strVal val="1+#ppt_h/2"/>
+                                          </p:val>
+                                        </p:tav>
+                                        <p:tav tm="100000">
+                                          <p:val>
+                                            <p:strVal val="#ppt_y"/>
+                                          </p:val>
+                                        </p:tav>
+                                      </p:tavLst>
+                                    </p:anim>
+                                  </p:childTnLst>
+                                </p:cTn>
+                              </p:par>
+                              <p:par>
+                                <p:cTn id="15" presetID="2" presetClass="entr" presetSubtype="4" fill="hold" nodeType="withEffect">
+                                  <p:stCondLst>
+                                    <p:cond delay="0"/>
+                                  </p:stCondLst>
+                                  <p:childTnLst>
+                                    <p:set>
+                                      <p:cBhvr>
+                                        <p:cTn id="16" dur="1" fill="hold">
+                                          <p:stCondLst>
+                                            <p:cond delay="0"/>
+                                          </p:stCondLst>
+                                        </p:cTn>
+                                        <p:tgtEl>
+                                          <p:spTgt spid="3">
+                                            <p:txEl>
+                                              <p:pRg st="10" end="10"/>
+                                            </p:txEl>
+                                          </p:spTgt>
+                                        </p:tgtEl>
+                                        <p:attrNameLst>
+                                          <p:attrName>style.visibility</p:attrName>
+                                        </p:attrNameLst>
+                                      </p:cBhvr>
+                                      <p:to>
+                                        <p:strVal val="visible"/>
+                                      </p:to>
+                                    </p:set>
+                                    <p:anim calcmode="lin" valueType="num">
+                                      <p:cBhvr additive="base">
+                                        <p:cTn id="17" dur="500" fill="hold"/>
+                                        <p:tgtEl>
+                                          <p:spTgt spid="3">
+                                            <p:txEl>
+                                              <p:pRg st="10" end="10"/>
+                                            </p:txEl>
+                                          </p:spTgt>
+                                        </p:tgtEl>
+                                        <p:attrNameLst>
+                                          <p:attrName>ppt_x</p:attrName>
+                                        </p:attrNameLst>
+                                      </p:cBhvr>
+                                      <p:tavLst>
+                                        <p:tav tm="0">
+                                          <p:val>
+                                            <p:strVal val="#ppt_x"/>
+                                          </p:val>
+                                        </p:tav>
+                                        <p:tav tm="100000">
+                                          <p:val>
+                                            <p:strVal val="#ppt_x"/>
+                                          </p:val>
+                                        </p:tav>
+                                      </p:tavLst>
+                                    </p:anim>
+                                    <p:anim calcmode="lin" valueType="num">
+                                      <p:cBhvr additive="base">
+                                        <p:cTn id="18" dur="500" fill="hold"/>
+                                        <p:tgtEl>
+                                          <p:spTgt spid="3">
+                                            <p:txEl>
+                                              <p:pRg st="10" end="10"/>
+                                            </p:txEl>
+                                          </p:spTgt>
+                                        </p:tgtEl>
+                                        <p:attrNameLst>
+                                          <p:attrName>ppt_y</p:attrName>
+                                        </p:attrNameLst>
+                                      </p:cBhvr>
+                                      <p:tavLst>
+                                        <p:tav tm="0">
+                                          <p:val>
+                                            <p:strVal val="1+#ppt_h/2"/>
+                                          </p:val>
+                                        </p:tav>
+                                        <p:tav tm="100000">
+                                          <p:val>
+                                            <p:strVal val="#ppt_y"/>
+                                          </p:val>
+                                        </p:tav>
+                                      </p:tavLst>
+                                    </p:anim>
+                                  </p:childTnLst>
+                                </p:cTn>
+                              </p:par>
+                              <p:par>
+                                <p:cTn id="19" presetID="2" presetClass="entr" presetSubtype="4" fill="hold" nodeType="withEffect">
+                                  <p:stCondLst>
+                                    <p:cond delay="0"/>
+                                  </p:stCondLst>
+                                  <p:childTnLst>
+                                    <p:set>
+                                      <p:cBhvr>
+                                        <p:cTn id="20" dur="1" fill="hold">
+                                          <p:stCondLst>
+                                            <p:cond delay="0"/>
+                                          </p:stCondLst>
+                                        </p:cTn>
+                                        <p:tgtEl>
+                                          <p:spTgt spid="3">
+                                            <p:txEl>
+                                              <p:pRg st="11" end="11"/>
+                                            </p:txEl>
+                                          </p:spTgt>
+                                        </p:tgtEl>
+                                        <p:attrNameLst>
+                                          <p:attrName>style.visibility</p:attrName>
+                                        </p:attrNameLst>
+                                      </p:cBhvr>
+                                      <p:to>
+                                        <p:strVal val="visible"/>
+                                      </p:to>
+                                    </p:set>
+                                    <p:anim calcmode="lin" valueType="num">
+                                      <p:cBhvr additive="base">
+                                        <p:cTn id="21" dur="500" fill="hold"/>
+                                        <p:tgtEl>
+                                          <p:spTgt spid="3">
+                                            <p:txEl>
+                                              <p:pRg st="11" end="11"/>
+                                            </p:txEl>
+                                          </p:spTgt>
+                                        </p:tgtEl>
+                                        <p:attrNameLst>
+                                          <p:attrName>ppt_x</p:attrName>
+                                        </p:attrNameLst>
+                                      </p:cBhvr>
+                                      <p:tavLst>
+                                        <p:tav tm="0">
+                                          <p:val>
+                                            <p:strVal val="#ppt_x"/>
+                                          </p:val>
+                                        </p:tav>
+                                        <p:tav tm="100000">
+                                          <p:val>
+                                            <p:strVal val="#ppt_x"/>
+                                          </p:val>
+                                        </p:tav>
+                                      </p:tavLst>
+                                    </p:anim>
+                                    <p:anim calcmode="lin" valueType="num">
+                                      <p:cBhvr additive="base">
+                                        <p:cTn id="22" dur="500" fill="hold"/>
+                                        <p:tgtEl>
+                                          <p:spTgt spid="3">
+                                            <p:txEl>
+                                              <p:pRg st="11" end="11"/>
+                                            </p:txEl>
+                                          </p:spTgt>
+                                        </p:tgtEl>
+                                        <p:attrNameLst>
+                                          <p:attrName>ppt_y</p:attrName>
+                                        </p:attrNameLst>
+                                      </p:cBhvr>
+                                      <p:tavLst>
+                                        <p:tav tm="0">
+                                          <p:val>
+                                            <p:strVal val="1+#ppt_h/2"/>
+                                          </p:val>
+                                        </p:tav>
+                                        <p:tav tm="100000">
+                                          <p:val>
+                                            <p:strVal val="#ppt_y"/>
+                                          </p:val>
+                                        </p:tav>
+                                      </p:tavLst>
+                                    </p:anim>
+                                  </p:childTnLst>
+                                </p:cTn>
+                              </p:par>
+                            </p:childTnLst>
+                          </p:cTn>
+                        </p:par>
+                      </p:childTnLst>
+                    </p:cTn>
+                  </p:par>
+                  <p:par>
+                    <p:cTn id="23" fill="hold">
+                      <p:stCondLst>
+                        <p:cond delay="indefinite"/>
+                      </p:stCondLst>
+                      <p:childTnLst>
+                        <p:par>
+                          <p:cTn id="24" fill="hold">
+                            <p:stCondLst>
+                              <p:cond delay="0"/>
+                            </p:stCondLst>
+                            <p:childTnLst>
+                              <p:par>
+                                <p:cTn id="25" presetID="2" presetClass="entr" presetSubtype="4" fill="hold" nodeType="clickEffect">
+                                  <p:stCondLst>
+                                    <p:cond delay="0"/>
+                                  </p:stCondLst>
+                                  <p:childTnLst>
+                                    <p:set>
+                                      <p:cBhvr>
+                                        <p:cTn id="26" dur="1" fill="hold">
+                                          <p:stCondLst>
+                                            <p:cond delay="0"/>
+                                          </p:stCondLst>
+                                        </p:cTn>
+                                        <p:tgtEl>
+                                          <p:spTgt spid="3">
+                                            <p:txEl>
+                                              <p:pRg st="12" end="12"/>
+                                            </p:txEl>
+                                          </p:spTgt>
+                                        </p:tgtEl>
+                                        <p:attrNameLst>
+                                          <p:attrName>style.visibility</p:attrName>
+                                        </p:attrNameLst>
+                                      </p:cBhvr>
+                                      <p:to>
+                                        <p:strVal val="visible"/>
+                                      </p:to>
+                                    </p:set>
+                                    <p:anim calcmode="lin" valueType="num">
+                                      <p:cBhvr additive="base">
+                                        <p:cTn id="27" dur="500" fill="hold"/>
+                                        <p:tgtEl>
+                                          <p:spTgt spid="3">
+                                            <p:txEl>
+                                              <p:pRg st="12" end="12"/>
+                                            </p:txEl>
+                                          </p:spTgt>
+                                        </p:tgtEl>
+                                        <p:attrNameLst>
+                                          <p:attrName>ppt_x</p:attrName>
+                                        </p:attrNameLst>
+                                      </p:cBhvr>
+                                      <p:tavLst>
+                                        <p:tav tm="0">
+                                          <p:val>
+                                            <p:strVal val="#ppt_x"/>
+                                          </p:val>
+                                        </p:tav>
+                                        <p:tav tm="100000">
+                                          <p:val>
+                                            <p:strVal val="#ppt_x"/>
+                                          </p:val>
+                                        </p:tav>
+                                      </p:tavLst>
+                                    </p:anim>
+                                    <p:anim calcmode="lin" valueType="num">
+                                      <p:cBhvr additive="base">
+                                        <p:cTn id="28" dur="500" fill="hold"/>
+                                        <p:tgtEl>
+                                          <p:spTgt spid="3">
+                                            <p:txEl>
+                                              <p:pRg st="12" end="12"/>
+                                            </p:txEl>
+                                          </p:spTgt>
+                                        </p:tgtEl>
+                                        <p:attrNameLst>
+                                          <p:attrName>ppt_y</p:attrName>
+                                        </p:attrNameLst>
+                                      </p:cBhvr>
+                                      <p:tavLst>
+                                        <p:tav tm="0">
+                                          <p:val>
+                                            <p:strVal val="1+#ppt_h/2"/>
+                                          </p:val>
+                                        </p:tav>
+                                        <p:tav tm="100000">
+                                          <p:val>
+                                            <p:strVal val="#ppt_y"/>
+                                          </p:val>
+                                        </p:tav>
+                                      </p:tavLst>
+                                    </p:anim>
+                                  </p:childTnLst>
+                                </p:cTn>
+                              </p:par>
+                            </p:childTnLst>
+                          </p:cTn>
+                        </p:par>
+                      </p:childTnLst>
+                    </p:cTn>
+                  </p:par>
+                </p:childTnLst>
+              </p:cTn>
+              <p:prevCondLst>
+                <p:cond evt="onPrev" delay="0">
+                  <p:tgtEl>
+                    <p:sldTgt/>
+                  </p:tgtEl>
+                </p:cond>
+              </p:prevCondLst>
+              <p:nextCondLst>
+                <p:cond evt="onNext" delay="0">
+                  <p:tgtEl>
+                    <p:sldTgt/>
+                  </p:tgtEl>
+                </p:cond>
+              </p:nextCondLst>
+            </p:seq>
+          </p:childTnLst>
+        </p:cTn>
+      </p:par>
+    </p:tnLst>
+  </p:timing>
+</p:sld>
+</file>
+
+<file path=ppt/slides/slide18.xml><?xml version="1.0" encoding="utf-8"?>
+<p:sld xmlns:a="http://schemas.openxmlformats.org/drawingml/2006/main" xmlns:r="http://schemas.openxmlformats.org/officeDocument/2006/relationships" xmlns:p="http://schemas.openxmlformats.org/presentationml/2006/main">
+  <p:cSld>
+    <p:spTree>
+      <p:nvGrpSpPr>
+        <p:cNvPr id="1" name=""/>
+        <p:cNvGrpSpPr/>
+        <p:nvPr/>
+      </p:nvGrpSpPr>
+      <p:grpSpPr>
+        <a:xfrm>
+          <a:off x="0" y="0"/>
+          <a:ext cx="0" cy="0"/>
+          <a:chOff x="0" y="0"/>
+          <a:chExt cx="0" cy="0"/>
+        </a:xfrm>
+      </p:grpSpPr>
+      <p:sp>
+        <p:nvSpPr>
+          <p:cNvPr id="2" name="Title 1">
+            <a:extLst>
+              <a:ext uri="{FF2B5EF4-FFF2-40B4-BE49-F238E27FC236}">
+                <a16:creationId xmlns:a16="http://schemas.microsoft.com/office/drawing/2014/main" id="{F6EFE667-D260-4819-9B91-63FEC74B65DF}"/>
+              </a:ext>
+            </a:extLst>
+          </p:cNvPr>
+          <p:cNvSpPr>
+            <a:spLocks noGrp="1"/>
+          </p:cNvSpPr>
+          <p:nvPr>
+            <p:ph type="title"/>
+          </p:nvPr>
+        </p:nvSpPr>
+        <p:spPr/>
+        <p:txBody>
+          <a:bodyPr/>
+          <a:lstStyle/>
+          <a:p>
+            <a:endParaRPr lang="en-GB"/>
+          </a:p>
+        </p:txBody>
+      </p:sp>
+      <p:sp>
+        <p:nvSpPr>
+          <p:cNvPr id="3" name="Content Placeholder 2">
+            <a:extLst>
+              <a:ext uri="{FF2B5EF4-FFF2-40B4-BE49-F238E27FC236}">
+                <a16:creationId xmlns:a16="http://schemas.microsoft.com/office/drawing/2014/main" id="{0A9218F1-0370-4D46-80CA-E679D6AD0358}"/>
+              </a:ext>
+            </a:extLst>
+          </p:cNvPr>
+          <p:cNvSpPr>
+            <a:spLocks noGrp="1"/>
+          </p:cNvSpPr>
+          <p:nvPr>
+            <p:ph idx="1"/>
+          </p:nvPr>
+        </p:nvSpPr>
+        <p:spPr/>
+        <p:txBody>
+          <a:bodyPr/>
+          <a:lstStyle/>
+          <a:p>
+            <a:endParaRPr lang="en-GB"/>
+          </a:p>
+        </p:txBody>
+      </p:sp>
+    </p:spTree>
+    <p:extLst>
+      <p:ext uri="{BB962C8B-B14F-4D97-AF65-F5344CB8AC3E}">
+        <p14:creationId xmlns:p14="http://schemas.microsoft.com/office/powerpoint/2010/main" val="922790587"/>
       </p:ext>
     </p:extLst>
   </p:cSld>

--- a/Python/Python-Osnovni-kurs/Izracunavanje/1-Osnovne aritmeticke operacije i primjena/Prezentacija.pptx
+++ b/Python/Python-Osnovni-kurs/Izracunavanje/1-Osnovne aritmeticke operacije i primjena/Prezentacija.pptx
@@ -214,7 +214,7 @@
           <a:p>
             <a:fld id="{37DC2007-1088-4600-B1BC-AE884B82A1B0}" type="datetimeFigureOut">
               <a:rPr lang="en-US" smtClean="0"/>
-              <a:t>4/15/2021</a:t>
+              <a:t>4/16/2021</a:t>
             </a:fld>
             <a:endParaRPr lang="en-US"/>
           </a:p>
@@ -924,7 +924,7 @@
           <a:p>
             <a:fld id="{EECE8CBC-D9E8-4B9C-9658-364F4F7C96BD}" type="datetimeFigureOut">
               <a:rPr lang="en-US" smtClean="0"/>
-              <a:t>4/15/2021</a:t>
+              <a:t>4/16/2021</a:t>
             </a:fld>
             <a:endParaRPr lang="en-US"/>
           </a:p>
@@ -1360,7 +1360,7 @@
           <a:p>
             <a:fld id="{EECE8CBC-D9E8-4B9C-9658-364F4F7C96BD}" type="datetimeFigureOut">
               <a:rPr lang="en-US" smtClean="0"/>
-              <a:t>4/15/2021</a:t>
+              <a:t>4/16/2021</a:t>
             </a:fld>
             <a:endParaRPr lang="en-US"/>
           </a:p>
@@ -1610,7 +1610,7 @@
           <a:p>
             <a:fld id="{EECE8CBC-D9E8-4B9C-9658-364F4F7C96BD}" type="datetimeFigureOut">
               <a:rPr lang="en-US" smtClean="0"/>
-              <a:t>4/15/2021</a:t>
+              <a:t>4/16/2021</a:t>
             </a:fld>
             <a:endParaRPr lang="en-US"/>
           </a:p>
@@ -1918,7 +1918,7 @@
           <a:p>
             <a:fld id="{EECE8CBC-D9E8-4B9C-9658-364F4F7C96BD}" type="datetimeFigureOut">
               <a:rPr lang="en-US" smtClean="0"/>
-              <a:t>4/15/2021</a:t>
+              <a:t>4/16/2021</a:t>
             </a:fld>
             <a:endParaRPr lang="en-US"/>
           </a:p>
@@ -2236,7 +2236,7 @@
           <a:p>
             <a:fld id="{EECE8CBC-D9E8-4B9C-9658-364F4F7C96BD}" type="datetimeFigureOut">
               <a:rPr lang="en-US" smtClean="0"/>
-              <a:t>4/15/2021</a:t>
+              <a:t>4/16/2021</a:t>
             </a:fld>
             <a:endParaRPr lang="en-US"/>
           </a:p>
@@ -2538,7 +2538,7 @@
           <a:p>
             <a:fld id="{EECE8CBC-D9E8-4B9C-9658-364F4F7C96BD}" type="datetimeFigureOut">
               <a:rPr lang="en-US" smtClean="0"/>
-              <a:t>4/15/2021</a:t>
+              <a:t>4/16/2021</a:t>
             </a:fld>
             <a:endParaRPr lang="en-US"/>
           </a:p>
@@ -2905,7 +2905,7 @@
           <a:p>
             <a:fld id="{EECE8CBC-D9E8-4B9C-9658-364F4F7C96BD}" type="datetimeFigureOut">
               <a:rPr lang="en-US" smtClean="0"/>
-              <a:t>4/15/2021</a:t>
+              <a:t>4/16/2021</a:t>
             </a:fld>
             <a:endParaRPr lang="en-US"/>
           </a:p>
@@ -3079,7 +3079,7 @@
           <a:p>
             <a:fld id="{EECE8CBC-D9E8-4B9C-9658-364F4F7C96BD}" type="datetimeFigureOut">
               <a:rPr lang="en-US" smtClean="0"/>
-              <a:t>4/15/2021</a:t>
+              <a:t>4/16/2021</a:t>
             </a:fld>
             <a:endParaRPr lang="en-US"/>
           </a:p>
@@ -3259,7 +3259,7 @@
           <a:p>
             <a:fld id="{EECE8CBC-D9E8-4B9C-9658-364F4F7C96BD}" type="datetimeFigureOut">
               <a:rPr lang="en-US" smtClean="0"/>
-              <a:t>4/15/2021</a:t>
+              <a:t>4/16/2021</a:t>
             </a:fld>
             <a:endParaRPr lang="en-US"/>
           </a:p>
@@ -3429,7 +3429,7 @@
           <a:p>
             <a:fld id="{EECE8CBC-D9E8-4B9C-9658-364F4F7C96BD}" type="datetimeFigureOut">
               <a:rPr lang="en-US" smtClean="0"/>
-              <a:t>4/15/2021</a:t>
+              <a:t>4/16/2021</a:t>
             </a:fld>
             <a:endParaRPr lang="en-US"/>
           </a:p>
@@ -3679,7 +3679,7 @@
           <a:p>
             <a:fld id="{EECE8CBC-D9E8-4B9C-9658-364F4F7C96BD}" type="datetimeFigureOut">
               <a:rPr lang="en-US" smtClean="0"/>
-              <a:t>4/15/2021</a:t>
+              <a:t>4/16/2021</a:t>
             </a:fld>
             <a:endParaRPr lang="en-US"/>
           </a:p>
@@ -3915,7 +3915,7 @@
           <a:p>
             <a:fld id="{EECE8CBC-D9E8-4B9C-9658-364F4F7C96BD}" type="datetimeFigureOut">
               <a:rPr lang="en-US" smtClean="0"/>
-              <a:t>4/15/2021</a:t>
+              <a:t>4/16/2021</a:t>
             </a:fld>
             <a:endParaRPr lang="en-US"/>
           </a:p>
@@ -4297,7 +4297,7 @@
           <a:p>
             <a:fld id="{EECE8CBC-D9E8-4B9C-9658-364F4F7C96BD}" type="datetimeFigureOut">
               <a:rPr lang="en-US" smtClean="0"/>
-              <a:t>4/15/2021</a:t>
+              <a:t>4/16/2021</a:t>
             </a:fld>
             <a:endParaRPr lang="en-US"/>
           </a:p>
@@ -4415,7 +4415,7 @@
           <a:p>
             <a:fld id="{EECE8CBC-D9E8-4B9C-9658-364F4F7C96BD}" type="datetimeFigureOut">
               <a:rPr lang="en-US" smtClean="0"/>
-              <a:t>4/15/2021</a:t>
+              <a:t>4/16/2021</a:t>
             </a:fld>
             <a:endParaRPr lang="en-US"/>
           </a:p>
@@ -4510,7 +4510,7 @@
           <a:p>
             <a:fld id="{EECE8CBC-D9E8-4B9C-9658-364F4F7C96BD}" type="datetimeFigureOut">
               <a:rPr lang="en-US" smtClean="0"/>
-              <a:t>4/15/2021</a:t>
+              <a:t>4/16/2021</a:t>
             </a:fld>
             <a:endParaRPr lang="en-US"/>
           </a:p>
@@ -4765,7 +4765,7 @@
           <a:p>
             <a:fld id="{EECE8CBC-D9E8-4B9C-9658-364F4F7C96BD}" type="datetimeFigureOut">
               <a:rPr lang="en-US" smtClean="0"/>
-              <a:t>4/15/2021</a:t>
+              <a:t>4/16/2021</a:t>
             </a:fld>
             <a:endParaRPr lang="en-US"/>
           </a:p>
@@ -5048,7 +5048,7 @@
           <a:p>
             <a:fld id="{EECE8CBC-D9E8-4B9C-9658-364F4F7C96BD}" type="datetimeFigureOut">
               <a:rPr lang="en-US" smtClean="0"/>
-              <a:t>4/15/2021</a:t>
+              <a:t>4/16/2021</a:t>
             </a:fld>
             <a:endParaRPr lang="en-US"/>
           </a:p>
@@ -5454,7 +5454,7 @@
           <a:p>
             <a:fld id="{EECE8CBC-D9E8-4B9C-9658-364F4F7C96BD}" type="datetimeFigureOut">
               <a:rPr lang="en-US" smtClean="0"/>
-              <a:t>4/15/2021</a:t>
+              <a:t>4/16/2021</a:t>
             </a:fld>
             <a:endParaRPr lang="en-US"/>
           </a:p>
@@ -11364,6 +11364,18 @@
   <p:clrMapOvr>
     <a:masterClrMapping/>
   </p:clrMapOvr>
+  <mc:AlternateContent xmlns:mc="http://schemas.openxmlformats.org/markup-compatibility/2006">
+    <mc:Choice xmlns:p14="http://schemas.microsoft.com/office/powerpoint/2010/main" Requires="p14">
+      <p:transition spd="slow" p14:dur="1500">
+        <p:split orient="vert"/>
+      </p:transition>
+    </mc:Choice>
+    <mc:Fallback>
+      <p:transition spd="slow">
+        <p:split orient="vert"/>
+      </p:transition>
+    </mc:Fallback>
+  </mc:AlternateContent>
   <p:timing>
     <p:tnLst>
       <p:par>
@@ -12550,6 +12562,18 @@
   <p:clrMapOvr>
     <a:masterClrMapping/>
   </p:clrMapOvr>
+  <mc:AlternateContent xmlns:mc="http://schemas.openxmlformats.org/markup-compatibility/2006">
+    <mc:Choice xmlns:p14="http://schemas.microsoft.com/office/powerpoint/2010/main" Requires="p14">
+      <p:transition spd="slow" p14:dur="3400">
+        <p14:reveal/>
+      </p:transition>
+    </mc:Choice>
+    <mc:Fallback>
+      <p:transition spd="slow">
+        <p:fade/>
+      </p:transition>
+    </mc:Fallback>
+  </mc:AlternateContent>
   <p:timing>
     <p:tnLst>
       <p:par>
@@ -13095,12 +13119,20 @@
             <p:ph type="title"/>
           </p:nvPr>
         </p:nvSpPr>
-        <p:spPr/>
+        <p:spPr>
+          <a:xfrm>
+            <a:off x="684212" y="235843"/>
+            <a:ext cx="8534400" cy="1507067"/>
+          </a:xfrm>
+        </p:spPr>
         <p:txBody>
           <a:bodyPr/>
           <a:lstStyle/>
           <a:p>
-            <a:endParaRPr lang="en-GB"/>
+            <a:r>
+              <a:rPr lang="en-GB" dirty="0"/>
+              <a:t>ZADACI</a:t>
+            </a:r>
           </a:p>
         </p:txBody>
       </p:sp>
@@ -13120,12 +13152,222 @@
             <p:ph idx="1"/>
           </p:nvPr>
         </p:nvSpPr>
-        <p:spPr/>
+        <p:spPr>
+          <a:xfrm>
+            <a:off x="684212" y="1357460"/>
+            <a:ext cx="8534400" cy="5344998"/>
+          </a:xfrm>
+        </p:spPr>
         <p:txBody>
           <a:bodyPr/>
           <a:lstStyle/>
           <a:p>
-            <a:endParaRPr lang="en-GB"/>
+            <a:r>
+              <a:rPr lang="en-GB" dirty="0" err="1">
+                <a:solidFill>
+                  <a:schemeClr val="tx1"/>
+                </a:solidFill>
+              </a:rPr>
+              <a:t>Veli</a:t>
+            </a:r>
+            <a:r>
+              <a:rPr lang="bs-Latn-BA" dirty="0">
+                <a:solidFill>
+                  <a:schemeClr val="tx1"/>
+                </a:solidFill>
+              </a:rPr>
+              <a:t>ka Morava je dugačka 185km i nastaje od Južne Morave, koja je 90km duža, i Zapadne Morave, koja je 123km duža od nje. Kolika je ukupna dužina ove tri rijeke?</a:t>
+            </a:r>
+          </a:p>
+          <a:p>
+            <a:endParaRPr lang="bs-Latn-BA" dirty="0">
+              <a:solidFill>
+                <a:schemeClr val="tx1"/>
+              </a:solidFill>
+            </a:endParaRPr>
+          </a:p>
+          <a:p>
+            <a:r>
+              <a:rPr lang="bs-Latn-BA" dirty="0">
+                <a:solidFill>
+                  <a:schemeClr val="tx1"/>
+                </a:solidFill>
+              </a:rPr>
+              <a:t>velika_</a:t>
+            </a:r>
+            <a:r>
+              <a:rPr lang="en-GB" dirty="0" err="1">
+                <a:solidFill>
+                  <a:schemeClr val="tx1"/>
+                </a:solidFill>
+              </a:rPr>
+              <a:t>morava</a:t>
+            </a:r>
+            <a:r>
+              <a:rPr lang="en-GB" dirty="0">
+                <a:solidFill>
+                  <a:schemeClr val="tx1"/>
+                </a:solidFill>
+              </a:rPr>
+              <a:t> = 85</a:t>
+            </a:r>
+          </a:p>
+          <a:p>
+            <a:r>
+              <a:rPr lang="en-GB" dirty="0" err="1">
+                <a:solidFill>
+                  <a:schemeClr val="tx1"/>
+                </a:solidFill>
+              </a:rPr>
+              <a:t>juzna_morava</a:t>
+            </a:r>
+            <a:r>
+              <a:rPr lang="en-GB" dirty="0">
+                <a:solidFill>
+                  <a:schemeClr val="tx1"/>
+                </a:solidFill>
+              </a:rPr>
+              <a:t> = </a:t>
+            </a:r>
+            <a:r>
+              <a:rPr lang="en-GB" dirty="0" err="1">
+                <a:solidFill>
+                  <a:schemeClr val="tx1"/>
+                </a:solidFill>
+              </a:rPr>
+              <a:t>velika_morava</a:t>
+            </a:r>
+            <a:r>
+              <a:rPr lang="en-GB" dirty="0">
+                <a:solidFill>
+                  <a:schemeClr val="tx1"/>
+                </a:solidFill>
+              </a:rPr>
+              <a:t> + 90</a:t>
+            </a:r>
+          </a:p>
+          <a:p>
+            <a:r>
+              <a:rPr lang="en-GB" dirty="0" err="1">
+                <a:solidFill>
+                  <a:schemeClr val="tx1"/>
+                </a:solidFill>
+              </a:rPr>
+              <a:t>zapadna_morava</a:t>
+            </a:r>
+            <a:r>
+              <a:rPr lang="en-GB" dirty="0">
+                <a:solidFill>
+                  <a:schemeClr val="tx1"/>
+                </a:solidFill>
+              </a:rPr>
+              <a:t> = </a:t>
+            </a:r>
+            <a:r>
+              <a:rPr lang="en-GB" dirty="0" err="1">
+                <a:solidFill>
+                  <a:schemeClr val="tx1"/>
+                </a:solidFill>
+              </a:rPr>
+              <a:t>velika_morava</a:t>
+            </a:r>
+            <a:r>
+              <a:rPr lang="en-GB" dirty="0">
+                <a:solidFill>
+                  <a:schemeClr val="tx1"/>
+                </a:solidFill>
+              </a:rPr>
+              <a:t> + 123</a:t>
+            </a:r>
+          </a:p>
+          <a:p>
+            <a:r>
+              <a:rPr lang="en-GB" dirty="0" err="1">
+                <a:solidFill>
+                  <a:schemeClr val="tx1"/>
+                </a:solidFill>
+              </a:rPr>
+              <a:t>ukupno</a:t>
+            </a:r>
+            <a:r>
+              <a:rPr lang="en-GB" dirty="0">
+                <a:solidFill>
+                  <a:schemeClr val="tx1"/>
+                </a:solidFill>
+              </a:rPr>
+              <a:t> = </a:t>
+            </a:r>
+            <a:r>
+              <a:rPr lang="en-GB" dirty="0" err="1">
+                <a:solidFill>
+                  <a:schemeClr val="tx1"/>
+                </a:solidFill>
+              </a:rPr>
+              <a:t>vevelika_morava</a:t>
+            </a:r>
+            <a:r>
+              <a:rPr lang="en-GB" dirty="0">
+                <a:solidFill>
+                  <a:schemeClr val="tx1"/>
+                </a:solidFill>
+              </a:rPr>
+              <a:t> + </a:t>
+            </a:r>
+            <a:r>
+              <a:rPr lang="en-GB" dirty="0" err="1">
+                <a:solidFill>
+                  <a:schemeClr val="tx1"/>
+                </a:solidFill>
+              </a:rPr>
+              <a:t>juzna_morava</a:t>
+            </a:r>
+            <a:r>
+              <a:rPr lang="en-GB" dirty="0">
+                <a:solidFill>
+                  <a:schemeClr val="tx1"/>
+                </a:solidFill>
+              </a:rPr>
+              <a:t> + </a:t>
+            </a:r>
+            <a:r>
+              <a:rPr lang="en-GB" dirty="0" err="1">
+                <a:solidFill>
+                  <a:schemeClr val="tx1"/>
+                </a:solidFill>
+              </a:rPr>
+              <a:t>zapadna_morava</a:t>
+            </a:r>
+            <a:endParaRPr lang="en-GB" dirty="0">
+              <a:solidFill>
+                <a:schemeClr val="tx1"/>
+              </a:solidFill>
+            </a:endParaRPr>
+          </a:p>
+          <a:p>
+            <a:r>
+              <a:rPr lang="en-GB" dirty="0">
+                <a:solidFill>
+                  <a:schemeClr val="tx1"/>
+                </a:solidFill>
+              </a:rPr>
+              <a:t>print(</a:t>
+            </a:r>
+            <a:r>
+              <a:rPr lang="en-GB" dirty="0" err="1">
+                <a:solidFill>
+                  <a:schemeClr val="tx1"/>
+                </a:solidFill>
+              </a:rPr>
+              <a:t>ukupno</a:t>
+            </a:r>
+            <a:r>
+              <a:rPr lang="en-GB" dirty="0">
+                <a:solidFill>
+                  <a:schemeClr val="tx1"/>
+                </a:solidFill>
+              </a:rPr>
+              <a:t>)</a:t>
+            </a:r>
           </a:p>
         </p:txBody>
       </p:sp>
@@ -13139,6 +13381,408 @@
   <p:clrMapOvr>
     <a:masterClrMapping/>
   </p:clrMapOvr>
+  <p:transition spd="slow">
+    <p:randomBar dir="vert"/>
+  </p:transition>
+  <p:timing>
+    <p:tnLst>
+      <p:par>
+        <p:cTn id="1" dur="indefinite" restart="never" nodeType="tmRoot">
+          <p:childTnLst>
+            <p:seq concurrent="1" nextAc="seek">
+              <p:cTn id="2" dur="indefinite" nodeType="mainSeq">
+                <p:childTnLst>
+                  <p:par>
+                    <p:cTn id="3" fill="hold">
+                      <p:stCondLst>
+                        <p:cond delay="indefinite"/>
+                        <p:cond evt="onBegin" delay="0">
+                          <p:tn val="2"/>
+                        </p:cond>
+                      </p:stCondLst>
+                      <p:childTnLst>
+                        <p:par>
+                          <p:cTn id="4" fill="hold">
+                            <p:stCondLst>
+                              <p:cond delay="0"/>
+                            </p:stCondLst>
+                            <p:childTnLst>
+                              <p:par>
+                                <p:cTn id="5" presetID="16" presetClass="entr" presetSubtype="21" fill="hold" nodeType="afterEffect">
+                                  <p:stCondLst>
+                                    <p:cond delay="0"/>
+                                  </p:stCondLst>
+                                  <p:childTnLst>
+                                    <p:set>
+                                      <p:cBhvr>
+                                        <p:cTn id="6" dur="1" fill="hold">
+                                          <p:stCondLst>
+                                            <p:cond delay="0"/>
+                                          </p:stCondLst>
+                                        </p:cTn>
+                                        <p:tgtEl>
+                                          <p:spTgt spid="3">
+                                            <p:txEl>
+                                              <p:pRg st="0" end="0"/>
+                                            </p:txEl>
+                                          </p:spTgt>
+                                        </p:tgtEl>
+                                        <p:attrNameLst>
+                                          <p:attrName>style.visibility</p:attrName>
+                                        </p:attrNameLst>
+                                      </p:cBhvr>
+                                      <p:to>
+                                        <p:strVal val="visible"/>
+                                      </p:to>
+                                    </p:set>
+                                    <p:animEffect transition="in" filter="barn(inVertical)">
+                                      <p:cBhvr>
+                                        <p:cTn id="7" dur="500"/>
+                                        <p:tgtEl>
+                                          <p:spTgt spid="3">
+                                            <p:txEl>
+                                              <p:pRg st="0" end="0"/>
+                                            </p:txEl>
+                                          </p:spTgt>
+                                        </p:tgtEl>
+                                      </p:cBhvr>
+                                    </p:animEffect>
+                                  </p:childTnLst>
+                                </p:cTn>
+                              </p:par>
+                            </p:childTnLst>
+                          </p:cTn>
+                        </p:par>
+                      </p:childTnLst>
+                    </p:cTn>
+                  </p:par>
+                  <p:par>
+                    <p:cTn id="8" fill="hold">
+                      <p:stCondLst>
+                        <p:cond delay="indefinite"/>
+                      </p:stCondLst>
+                      <p:childTnLst>
+                        <p:par>
+                          <p:cTn id="9" fill="hold">
+                            <p:stCondLst>
+                              <p:cond delay="0"/>
+                            </p:stCondLst>
+                            <p:childTnLst>
+                              <p:par>
+                                <p:cTn id="10" presetID="16" presetClass="entr" presetSubtype="21" fill="hold" nodeType="clickEffect">
+                                  <p:stCondLst>
+                                    <p:cond delay="0"/>
+                                  </p:stCondLst>
+                                  <p:childTnLst>
+                                    <p:set>
+                                      <p:cBhvr>
+                                        <p:cTn id="11" dur="1" fill="hold">
+                                          <p:stCondLst>
+                                            <p:cond delay="0"/>
+                                          </p:stCondLst>
+                                        </p:cTn>
+                                        <p:tgtEl>
+                                          <p:spTgt spid="3">
+                                            <p:txEl>
+                                              <p:pRg st="2" end="2"/>
+                                            </p:txEl>
+                                          </p:spTgt>
+                                        </p:tgtEl>
+                                        <p:attrNameLst>
+                                          <p:attrName>style.visibility</p:attrName>
+                                        </p:attrNameLst>
+                                      </p:cBhvr>
+                                      <p:to>
+                                        <p:strVal val="visible"/>
+                                      </p:to>
+                                    </p:set>
+                                    <p:animEffect transition="in" filter="barn(inVertical)">
+                                      <p:cBhvr>
+                                        <p:cTn id="12" dur="500"/>
+                                        <p:tgtEl>
+                                          <p:spTgt spid="3">
+                                            <p:txEl>
+                                              <p:pRg st="2" end="2"/>
+                                            </p:txEl>
+                                          </p:spTgt>
+                                        </p:tgtEl>
+                                      </p:cBhvr>
+                                    </p:animEffect>
+                                  </p:childTnLst>
+                                </p:cTn>
+                              </p:par>
+                            </p:childTnLst>
+                          </p:cTn>
+                        </p:par>
+                      </p:childTnLst>
+                    </p:cTn>
+                  </p:par>
+                  <p:par>
+                    <p:cTn id="13" fill="hold">
+                      <p:stCondLst>
+                        <p:cond delay="indefinite"/>
+                      </p:stCondLst>
+                      <p:childTnLst>
+                        <p:par>
+                          <p:cTn id="14" fill="hold">
+                            <p:stCondLst>
+                              <p:cond delay="0"/>
+                            </p:stCondLst>
+                            <p:childTnLst>
+                              <p:par>
+                                <p:cTn id="15" presetID="16" presetClass="entr" presetSubtype="21" fill="hold" nodeType="clickEffect">
+                                  <p:stCondLst>
+                                    <p:cond delay="0"/>
+                                  </p:stCondLst>
+                                  <p:childTnLst>
+                                    <p:set>
+                                      <p:cBhvr>
+                                        <p:cTn id="16" dur="1" fill="hold">
+                                          <p:stCondLst>
+                                            <p:cond delay="0"/>
+                                          </p:stCondLst>
+                                        </p:cTn>
+                                        <p:tgtEl>
+                                          <p:spTgt spid="3">
+                                            <p:txEl>
+                                              <p:pRg st="3" end="3"/>
+                                            </p:txEl>
+                                          </p:spTgt>
+                                        </p:tgtEl>
+                                        <p:attrNameLst>
+                                          <p:attrName>style.visibility</p:attrName>
+                                        </p:attrNameLst>
+                                      </p:cBhvr>
+                                      <p:to>
+                                        <p:strVal val="visible"/>
+                                      </p:to>
+                                    </p:set>
+                                    <p:animEffect transition="in" filter="barn(inVertical)">
+                                      <p:cBhvr>
+                                        <p:cTn id="17" dur="500"/>
+                                        <p:tgtEl>
+                                          <p:spTgt spid="3">
+                                            <p:txEl>
+                                              <p:pRg st="3" end="3"/>
+                                            </p:txEl>
+                                          </p:spTgt>
+                                        </p:tgtEl>
+                                      </p:cBhvr>
+                                    </p:animEffect>
+                                  </p:childTnLst>
+                                </p:cTn>
+                              </p:par>
+                            </p:childTnLst>
+                          </p:cTn>
+                        </p:par>
+                      </p:childTnLst>
+                    </p:cTn>
+                  </p:par>
+                  <p:par>
+                    <p:cTn id="18" fill="hold">
+                      <p:stCondLst>
+                        <p:cond delay="indefinite"/>
+                      </p:stCondLst>
+                      <p:childTnLst>
+                        <p:par>
+                          <p:cTn id="19" fill="hold">
+                            <p:stCondLst>
+                              <p:cond delay="0"/>
+                            </p:stCondLst>
+                            <p:childTnLst>
+                              <p:par>
+                                <p:cTn id="20" presetID="16" presetClass="entr" presetSubtype="21" fill="hold" nodeType="clickEffect">
+                                  <p:stCondLst>
+                                    <p:cond delay="0"/>
+                                  </p:stCondLst>
+                                  <p:childTnLst>
+                                    <p:set>
+                                      <p:cBhvr>
+                                        <p:cTn id="21" dur="1" fill="hold">
+                                          <p:stCondLst>
+                                            <p:cond delay="0"/>
+                                          </p:stCondLst>
+                                        </p:cTn>
+                                        <p:tgtEl>
+                                          <p:spTgt spid="3">
+                                            <p:txEl>
+                                              <p:pRg st="4" end="4"/>
+                                            </p:txEl>
+                                          </p:spTgt>
+                                        </p:tgtEl>
+                                        <p:attrNameLst>
+                                          <p:attrName>style.visibility</p:attrName>
+                                        </p:attrNameLst>
+                                      </p:cBhvr>
+                                      <p:to>
+                                        <p:strVal val="visible"/>
+                                      </p:to>
+                                    </p:set>
+                                    <p:animEffect transition="in" filter="barn(inVertical)">
+                                      <p:cBhvr>
+                                        <p:cTn id="22" dur="500"/>
+                                        <p:tgtEl>
+                                          <p:spTgt spid="3">
+                                            <p:txEl>
+                                              <p:pRg st="4" end="4"/>
+                                            </p:txEl>
+                                          </p:spTgt>
+                                        </p:tgtEl>
+                                      </p:cBhvr>
+                                    </p:animEffect>
+                                  </p:childTnLst>
+                                </p:cTn>
+                              </p:par>
+                            </p:childTnLst>
+                          </p:cTn>
+                        </p:par>
+                      </p:childTnLst>
+                    </p:cTn>
+                  </p:par>
+                  <p:par>
+                    <p:cTn id="23" fill="hold">
+                      <p:stCondLst>
+                        <p:cond delay="indefinite"/>
+                      </p:stCondLst>
+                      <p:childTnLst>
+                        <p:par>
+                          <p:cTn id="24" fill="hold">
+                            <p:stCondLst>
+                              <p:cond delay="0"/>
+                            </p:stCondLst>
+                            <p:childTnLst>
+                              <p:par>
+                                <p:cTn id="25" presetID="16" presetClass="entr" presetSubtype="21" fill="hold" nodeType="clickEffect">
+                                  <p:stCondLst>
+                                    <p:cond delay="0"/>
+                                  </p:stCondLst>
+                                  <p:childTnLst>
+                                    <p:set>
+                                      <p:cBhvr>
+                                        <p:cTn id="26" dur="1" fill="hold">
+                                          <p:stCondLst>
+                                            <p:cond delay="0"/>
+                                          </p:stCondLst>
+                                        </p:cTn>
+                                        <p:tgtEl>
+                                          <p:spTgt spid="3">
+                                            <p:txEl>
+                                              <p:pRg st="5" end="5"/>
+                                            </p:txEl>
+                                          </p:spTgt>
+                                        </p:tgtEl>
+                                        <p:attrNameLst>
+                                          <p:attrName>style.visibility</p:attrName>
+                                        </p:attrNameLst>
+                                      </p:cBhvr>
+                                      <p:to>
+                                        <p:strVal val="visible"/>
+                                      </p:to>
+                                    </p:set>
+                                    <p:animEffect transition="in" filter="barn(inVertical)">
+                                      <p:cBhvr>
+                                        <p:cTn id="27" dur="500"/>
+                                        <p:tgtEl>
+                                          <p:spTgt spid="3">
+                                            <p:txEl>
+                                              <p:pRg st="5" end="5"/>
+                                            </p:txEl>
+                                          </p:spTgt>
+                                        </p:tgtEl>
+                                      </p:cBhvr>
+                                    </p:animEffect>
+                                  </p:childTnLst>
+                                </p:cTn>
+                              </p:par>
+                            </p:childTnLst>
+                          </p:cTn>
+                        </p:par>
+                      </p:childTnLst>
+                    </p:cTn>
+                  </p:par>
+                  <p:par>
+                    <p:cTn id="28" fill="hold">
+                      <p:stCondLst>
+                        <p:cond delay="indefinite"/>
+                      </p:stCondLst>
+                      <p:childTnLst>
+                        <p:par>
+                          <p:cTn id="29" fill="hold">
+                            <p:stCondLst>
+                              <p:cond delay="0"/>
+                            </p:stCondLst>
+                            <p:childTnLst>
+                              <p:par>
+                                <p:cTn id="30" presetID="16" presetClass="entr" presetSubtype="21" fill="hold" nodeType="clickEffect">
+                                  <p:stCondLst>
+                                    <p:cond delay="0"/>
+                                  </p:stCondLst>
+                                  <p:childTnLst>
+                                    <p:set>
+                                      <p:cBhvr>
+                                        <p:cTn id="31" dur="1" fill="hold">
+                                          <p:stCondLst>
+                                            <p:cond delay="0"/>
+                                          </p:stCondLst>
+                                        </p:cTn>
+                                        <p:tgtEl>
+                                          <p:spTgt spid="3">
+                                            <p:txEl>
+                                              <p:pRg st="6" end="6"/>
+                                            </p:txEl>
+                                          </p:spTgt>
+                                        </p:tgtEl>
+                                        <p:attrNameLst>
+                                          <p:attrName>style.visibility</p:attrName>
+                                        </p:attrNameLst>
+                                      </p:cBhvr>
+                                      <p:to>
+                                        <p:strVal val="visible"/>
+                                      </p:to>
+                                    </p:set>
+                                    <p:animEffect transition="in" filter="barn(inVertical)">
+                                      <p:cBhvr>
+                                        <p:cTn id="32" dur="500"/>
+                                        <p:tgtEl>
+                                          <p:spTgt spid="3">
+                                            <p:txEl>
+                                              <p:pRg st="6" end="6"/>
+                                            </p:txEl>
+                                          </p:spTgt>
+                                        </p:tgtEl>
+                                      </p:cBhvr>
+                                    </p:animEffect>
+                                  </p:childTnLst>
+                                </p:cTn>
+                              </p:par>
+                            </p:childTnLst>
+                          </p:cTn>
+                        </p:par>
+                      </p:childTnLst>
+                    </p:cTn>
+                  </p:par>
+                </p:childTnLst>
+              </p:cTn>
+              <p:prevCondLst>
+                <p:cond evt="onPrev" delay="0">
+                  <p:tgtEl>
+                    <p:sldTgt/>
+                  </p:tgtEl>
+                </p:cond>
+              </p:prevCondLst>
+              <p:nextCondLst>
+                <p:cond evt="onNext" delay="0">
+                  <p:tgtEl>
+                    <p:sldTgt/>
+                  </p:tgtEl>
+                </p:cond>
+              </p:nextCondLst>
+            </p:seq>
+          </p:childTnLst>
+        </p:cTn>
+      </p:par>
+    </p:tnLst>
+  </p:timing>
 </p:sld>
 </file>
 

--- a/Python/Python-Osnovni-kurs/Izracunavanje/1-Osnovne aritmeticke operacije i primjena/Prezentacija.pptx
+++ b/Python/Python-Osnovni-kurs/Izracunavanje/1-Osnovne aritmeticke operacije i primjena/Prezentacija.pptx
@@ -5,7 +5,7 @@
     <p:sldMasterId id="2147483660" r:id="rId1"/>
   </p:sldMasterIdLst>
   <p:notesMasterIdLst>
-    <p:notesMasterId r:id="rId20"/>
+    <p:notesMasterId r:id="rId27"/>
   </p:notesMasterIdLst>
   <p:sldIdLst>
     <p:sldId id="256" r:id="rId2"/>
@@ -26,6 +26,13 @@
     <p:sldId id="271" r:id="rId17"/>
     <p:sldId id="272" r:id="rId18"/>
     <p:sldId id="273" r:id="rId19"/>
+    <p:sldId id="274" r:id="rId20"/>
+    <p:sldId id="275" r:id="rId21"/>
+    <p:sldId id="276" r:id="rId22"/>
+    <p:sldId id="277" r:id="rId23"/>
+    <p:sldId id="278" r:id="rId24"/>
+    <p:sldId id="279" r:id="rId25"/>
+    <p:sldId id="280" r:id="rId26"/>
   </p:sldIdLst>
   <p:sldSz cx="12192000" cy="6858000"/>
   <p:notesSz cx="6858000" cy="9144000"/>
@@ -214,7 +221,7 @@
           <a:p>
             <a:fld id="{37DC2007-1088-4600-B1BC-AE884B82A1B0}" type="datetimeFigureOut">
               <a:rPr lang="en-US" smtClean="0"/>
-              <a:t>4/16/2021</a:t>
+              <a:t>4/27/2021</a:t>
             </a:fld>
             <a:endParaRPr lang="en-US"/>
           </a:p>
@@ -924,7 +931,7 @@
           <a:p>
             <a:fld id="{EECE8CBC-D9E8-4B9C-9658-364F4F7C96BD}" type="datetimeFigureOut">
               <a:rPr lang="en-US" smtClean="0"/>
-              <a:t>4/16/2021</a:t>
+              <a:t>4/27/2021</a:t>
             </a:fld>
             <a:endParaRPr lang="en-US"/>
           </a:p>
@@ -1360,7 +1367,7 @@
           <a:p>
             <a:fld id="{EECE8CBC-D9E8-4B9C-9658-364F4F7C96BD}" type="datetimeFigureOut">
               <a:rPr lang="en-US" smtClean="0"/>
-              <a:t>4/16/2021</a:t>
+              <a:t>4/27/2021</a:t>
             </a:fld>
             <a:endParaRPr lang="en-US"/>
           </a:p>
@@ -1610,7 +1617,7 @@
           <a:p>
             <a:fld id="{EECE8CBC-D9E8-4B9C-9658-364F4F7C96BD}" type="datetimeFigureOut">
               <a:rPr lang="en-US" smtClean="0"/>
-              <a:t>4/16/2021</a:t>
+              <a:t>4/27/2021</a:t>
             </a:fld>
             <a:endParaRPr lang="en-US"/>
           </a:p>
@@ -1918,7 +1925,7 @@
           <a:p>
             <a:fld id="{EECE8CBC-D9E8-4B9C-9658-364F4F7C96BD}" type="datetimeFigureOut">
               <a:rPr lang="en-US" smtClean="0"/>
-              <a:t>4/16/2021</a:t>
+              <a:t>4/27/2021</a:t>
             </a:fld>
             <a:endParaRPr lang="en-US"/>
           </a:p>
@@ -2236,7 +2243,7 @@
           <a:p>
             <a:fld id="{EECE8CBC-D9E8-4B9C-9658-364F4F7C96BD}" type="datetimeFigureOut">
               <a:rPr lang="en-US" smtClean="0"/>
-              <a:t>4/16/2021</a:t>
+              <a:t>4/27/2021</a:t>
             </a:fld>
             <a:endParaRPr lang="en-US"/>
           </a:p>
@@ -2538,7 +2545,7 @@
           <a:p>
             <a:fld id="{EECE8CBC-D9E8-4B9C-9658-364F4F7C96BD}" type="datetimeFigureOut">
               <a:rPr lang="en-US" smtClean="0"/>
-              <a:t>4/16/2021</a:t>
+              <a:t>4/27/2021</a:t>
             </a:fld>
             <a:endParaRPr lang="en-US"/>
           </a:p>
@@ -2905,7 +2912,7 @@
           <a:p>
             <a:fld id="{EECE8CBC-D9E8-4B9C-9658-364F4F7C96BD}" type="datetimeFigureOut">
               <a:rPr lang="en-US" smtClean="0"/>
-              <a:t>4/16/2021</a:t>
+              <a:t>4/27/2021</a:t>
             </a:fld>
             <a:endParaRPr lang="en-US"/>
           </a:p>
@@ -3079,7 +3086,7 @@
           <a:p>
             <a:fld id="{EECE8CBC-D9E8-4B9C-9658-364F4F7C96BD}" type="datetimeFigureOut">
               <a:rPr lang="en-US" smtClean="0"/>
-              <a:t>4/16/2021</a:t>
+              <a:t>4/27/2021</a:t>
             </a:fld>
             <a:endParaRPr lang="en-US"/>
           </a:p>
@@ -3259,7 +3266,7 @@
           <a:p>
             <a:fld id="{EECE8CBC-D9E8-4B9C-9658-364F4F7C96BD}" type="datetimeFigureOut">
               <a:rPr lang="en-US" smtClean="0"/>
-              <a:t>4/16/2021</a:t>
+              <a:t>4/27/2021</a:t>
             </a:fld>
             <a:endParaRPr lang="en-US"/>
           </a:p>
@@ -3429,7 +3436,7 @@
           <a:p>
             <a:fld id="{EECE8CBC-D9E8-4B9C-9658-364F4F7C96BD}" type="datetimeFigureOut">
               <a:rPr lang="en-US" smtClean="0"/>
-              <a:t>4/16/2021</a:t>
+              <a:t>4/27/2021</a:t>
             </a:fld>
             <a:endParaRPr lang="en-US"/>
           </a:p>
@@ -3679,7 +3686,7 @@
           <a:p>
             <a:fld id="{EECE8CBC-D9E8-4B9C-9658-364F4F7C96BD}" type="datetimeFigureOut">
               <a:rPr lang="en-US" smtClean="0"/>
-              <a:t>4/16/2021</a:t>
+              <a:t>4/27/2021</a:t>
             </a:fld>
             <a:endParaRPr lang="en-US"/>
           </a:p>
@@ -3915,7 +3922,7 @@
           <a:p>
             <a:fld id="{EECE8CBC-D9E8-4B9C-9658-364F4F7C96BD}" type="datetimeFigureOut">
               <a:rPr lang="en-US" smtClean="0"/>
-              <a:t>4/16/2021</a:t>
+              <a:t>4/27/2021</a:t>
             </a:fld>
             <a:endParaRPr lang="en-US"/>
           </a:p>
@@ -4297,7 +4304,7 @@
           <a:p>
             <a:fld id="{EECE8CBC-D9E8-4B9C-9658-364F4F7C96BD}" type="datetimeFigureOut">
               <a:rPr lang="en-US" smtClean="0"/>
-              <a:t>4/16/2021</a:t>
+              <a:t>4/27/2021</a:t>
             </a:fld>
             <a:endParaRPr lang="en-US"/>
           </a:p>
@@ -4415,7 +4422,7 @@
           <a:p>
             <a:fld id="{EECE8CBC-D9E8-4B9C-9658-364F4F7C96BD}" type="datetimeFigureOut">
               <a:rPr lang="en-US" smtClean="0"/>
-              <a:t>4/16/2021</a:t>
+              <a:t>4/27/2021</a:t>
             </a:fld>
             <a:endParaRPr lang="en-US"/>
           </a:p>
@@ -4510,7 +4517,7 @@
           <a:p>
             <a:fld id="{EECE8CBC-D9E8-4B9C-9658-364F4F7C96BD}" type="datetimeFigureOut">
               <a:rPr lang="en-US" smtClean="0"/>
-              <a:t>4/16/2021</a:t>
+              <a:t>4/27/2021</a:t>
             </a:fld>
             <a:endParaRPr lang="en-US"/>
           </a:p>
@@ -4765,7 +4772,7 @@
           <a:p>
             <a:fld id="{EECE8CBC-D9E8-4B9C-9658-364F4F7C96BD}" type="datetimeFigureOut">
               <a:rPr lang="en-US" smtClean="0"/>
-              <a:t>4/16/2021</a:t>
+              <a:t>4/27/2021</a:t>
             </a:fld>
             <a:endParaRPr lang="en-US"/>
           </a:p>
@@ -5048,7 +5055,7 @@
           <a:p>
             <a:fld id="{EECE8CBC-D9E8-4B9C-9658-364F4F7C96BD}" type="datetimeFigureOut">
               <a:rPr lang="en-US" smtClean="0"/>
-              <a:t>4/16/2021</a:t>
+              <a:t>4/27/2021</a:t>
             </a:fld>
             <a:endParaRPr lang="en-US"/>
           </a:p>
@@ -5454,7 +5461,7 @@
           <a:p>
             <a:fld id="{EECE8CBC-D9E8-4B9C-9658-364F4F7C96BD}" type="datetimeFigureOut">
               <a:rPr lang="en-US" smtClean="0"/>
-              <a:t>4/16/2021</a:t>
+              <a:t>4/27/2021</a:t>
             </a:fld>
             <a:endParaRPr lang="en-US"/>
           </a:p>
@@ -6044,10 +6051,22 @@
           <a:lstStyle/>
           <a:p>
             <a:r>
-              <a:rPr lang="bs-Latn-BA" dirty="0"/>
+              <a:rPr lang="bs-Latn-BA" dirty="0">
+                <a:solidFill>
+                  <a:schemeClr val="tx1">
+                    <a:lumMod val="95000"/>
+                  </a:schemeClr>
+                </a:solidFill>
+              </a:rPr>
               <a:t>Programiranje u programskom jeziku Python</a:t>
             </a:r>
-            <a:endParaRPr lang="en-US" dirty="0"/>
+            <a:endParaRPr lang="en-US" dirty="0">
+              <a:solidFill>
+                <a:schemeClr val="tx1">
+                  <a:lumMod val="95000"/>
+                </a:schemeClr>
+              </a:solidFill>
+            </a:endParaRPr>
           </a:p>
         </p:txBody>
       </p:sp>
@@ -11364,13 +11383,13 @@
   <p:clrMapOvr>
     <a:masterClrMapping/>
   </p:clrMapOvr>
-  <mc:AlternateContent xmlns:mc="http://schemas.openxmlformats.org/markup-compatibility/2006">
-    <mc:Choice xmlns:p14="http://schemas.microsoft.com/office/powerpoint/2010/main" Requires="p14">
+  <mc:AlternateContent xmlns:mc="http://schemas.openxmlformats.org/markup-compatibility/2006" xmlns:p14="http://schemas.microsoft.com/office/powerpoint/2010/main">
+    <mc:Choice Requires="p14">
       <p:transition spd="slow" p14:dur="1500">
         <p:split orient="vert"/>
       </p:transition>
     </mc:Choice>
-    <mc:Fallback>
+    <mc:Fallback xmlns="">
       <p:transition spd="slow">
         <p:split orient="vert"/>
       </p:transition>
@@ -12349,7 +12368,9 @@
             </a:r>
           </a:p>
           <a:p>
-            <a:pPr lvl="1"/>
+            <a:pPr marL="457200" lvl="1" indent="0">
+              <a:buNone/>
+            </a:pPr>
             <a:r>
               <a:rPr lang="en-GB" dirty="0">
                 <a:solidFill>
@@ -12424,7 +12445,9 @@
             </a:r>
           </a:p>
           <a:p>
-            <a:pPr lvl="1"/>
+            <a:pPr marL="457200" lvl="1" indent="0">
+              <a:buNone/>
+            </a:pPr>
             <a:r>
               <a:rPr lang="en-US" dirty="0">
                 <a:solidFill>
@@ -12562,13 +12585,13 @@
   <p:clrMapOvr>
     <a:masterClrMapping/>
   </p:clrMapOvr>
-  <mc:AlternateContent xmlns:mc="http://schemas.openxmlformats.org/markup-compatibility/2006">
-    <mc:Choice xmlns:p14="http://schemas.microsoft.com/office/powerpoint/2010/main" Requires="p14">
+  <mc:AlternateContent xmlns:mc="http://schemas.openxmlformats.org/markup-compatibility/2006" xmlns:p14="http://schemas.microsoft.com/office/powerpoint/2010/main">
+    <mc:Choice Requires="p14">
       <p:transition spd="slow" p14:dur="3400">
         <p14:reveal/>
       </p:transition>
     </mc:Choice>
-    <mc:Fallback>
+    <mc:Fallback xmlns="">
       <p:transition spd="slow">
         <p:fade/>
       </p:transition>
@@ -13187,6 +13210,9 @@
             </a:endParaRPr>
           </a:p>
           <a:p>
+            <a:pPr marL="0" indent="0">
+              <a:buNone/>
+            </a:pPr>
             <a:r>
               <a:rPr lang="bs-Latn-BA" dirty="0">
                 <a:solidFill>
@@ -13213,6 +13239,9 @@
             </a:r>
           </a:p>
           <a:p>
+            <a:pPr marL="0" indent="0">
+              <a:buNone/>
+            </a:pPr>
             <a:r>
               <a:rPr lang="en-GB" dirty="0" err="1">
                 <a:solidFill>
@@ -13247,6 +13276,9 @@
             </a:r>
           </a:p>
           <a:p>
+            <a:pPr marL="0" indent="0">
+              <a:buNone/>
+            </a:pPr>
             <a:r>
               <a:rPr lang="en-GB" dirty="0" err="1">
                 <a:solidFill>
@@ -13281,6 +13313,9 @@
             </a:r>
           </a:p>
           <a:p>
+            <a:pPr marL="0" indent="0">
+              <a:buNone/>
+            </a:pPr>
             <a:r>
               <a:rPr lang="en-GB" dirty="0" err="1">
                 <a:solidFill>
@@ -13344,6 +13379,9 @@
             </a:endParaRPr>
           </a:p>
           <a:p>
+            <a:pPr marL="0" indent="0">
+              <a:buNone/>
+            </a:pPr>
             <a:r>
               <a:rPr lang="en-GB" dirty="0">
                 <a:solidFill>
@@ -13747,6 +13785,445 @@
                                           <p:spTgt spid="3">
                                             <p:txEl>
                                               <p:pRg st="6" end="6"/>
+                                            </p:txEl>
+                                          </p:spTgt>
+                                        </p:tgtEl>
+                                      </p:cBhvr>
+                                    </p:animEffect>
+                                  </p:childTnLst>
+                                </p:cTn>
+                              </p:par>
+                            </p:childTnLst>
+                          </p:cTn>
+                        </p:par>
+                      </p:childTnLst>
+                    </p:cTn>
+                  </p:par>
+                </p:childTnLst>
+              </p:cTn>
+              <p:prevCondLst>
+                <p:cond evt="onPrev" delay="0">
+                  <p:tgtEl>
+                    <p:sldTgt/>
+                  </p:tgtEl>
+                </p:cond>
+              </p:prevCondLst>
+              <p:nextCondLst>
+                <p:cond evt="onNext" delay="0">
+                  <p:tgtEl>
+                    <p:sldTgt/>
+                  </p:tgtEl>
+                </p:cond>
+              </p:nextCondLst>
+            </p:seq>
+          </p:childTnLst>
+        </p:cTn>
+      </p:par>
+    </p:tnLst>
+  </p:timing>
+</p:sld>
+</file>
+
+<file path=ppt/slides/slide19.xml><?xml version="1.0" encoding="utf-8"?>
+<p:sld xmlns:a="http://schemas.openxmlformats.org/drawingml/2006/main" xmlns:r="http://schemas.openxmlformats.org/officeDocument/2006/relationships" xmlns:p="http://schemas.openxmlformats.org/presentationml/2006/main">
+  <p:cSld>
+    <p:spTree>
+      <p:nvGrpSpPr>
+        <p:cNvPr id="1" name=""/>
+        <p:cNvGrpSpPr/>
+        <p:nvPr/>
+      </p:nvGrpSpPr>
+      <p:grpSpPr>
+        <a:xfrm>
+          <a:off x="0" y="0"/>
+          <a:ext cx="0" cy="0"/>
+          <a:chOff x="0" y="0"/>
+          <a:chExt cx="0" cy="0"/>
+        </a:xfrm>
+      </p:grpSpPr>
+      <p:sp>
+        <p:nvSpPr>
+          <p:cNvPr id="2" name="Title 1">
+            <a:extLst>
+              <a:ext uri="{FF2B5EF4-FFF2-40B4-BE49-F238E27FC236}">
+                <a16:creationId xmlns:a16="http://schemas.microsoft.com/office/drawing/2014/main" id="{F6EFE667-D260-4819-9B91-63FEC74B65DF}"/>
+              </a:ext>
+            </a:extLst>
+          </p:cNvPr>
+          <p:cNvSpPr>
+            <a:spLocks noGrp="1"/>
+          </p:cNvSpPr>
+          <p:nvPr>
+            <p:ph type="title"/>
+          </p:nvPr>
+        </p:nvSpPr>
+        <p:spPr>
+          <a:xfrm>
+            <a:off x="10136122" y="92807"/>
+            <a:ext cx="1924389" cy="725210"/>
+          </a:xfrm>
+        </p:spPr>
+        <p:txBody>
+          <a:bodyPr/>
+          <a:lstStyle/>
+          <a:p>
+            <a:r>
+              <a:rPr lang="en-GB" dirty="0"/>
+              <a:t>ZADACI</a:t>
+            </a:r>
+          </a:p>
+        </p:txBody>
+      </p:sp>
+      <p:sp>
+        <p:nvSpPr>
+          <p:cNvPr id="3" name="Content Placeholder 2">
+            <a:extLst>
+              <a:ext uri="{FF2B5EF4-FFF2-40B4-BE49-F238E27FC236}">
+                <a16:creationId xmlns:a16="http://schemas.microsoft.com/office/drawing/2014/main" id="{0A9218F1-0370-4D46-80CA-E679D6AD0358}"/>
+              </a:ext>
+            </a:extLst>
+          </p:cNvPr>
+          <p:cNvSpPr>
+            <a:spLocks noGrp="1"/>
+          </p:cNvSpPr>
+          <p:nvPr>
+            <p:ph idx="1"/>
+          </p:nvPr>
+        </p:nvSpPr>
+        <p:spPr>
+          <a:xfrm>
+            <a:off x="684212" y="92807"/>
+            <a:ext cx="8534400" cy="6609651"/>
+          </a:xfrm>
+        </p:spPr>
+        <p:txBody>
+          <a:bodyPr>
+            <a:normAutofit fontScale="92500"/>
+          </a:bodyPr>
+          <a:lstStyle/>
+          <a:p>
+            <a:r>
+              <a:rPr lang="en-GB" dirty="0">
+                <a:solidFill>
+                  <a:schemeClr val="tx1"/>
+                </a:solidFill>
+              </a:rPr>
+              <a:t>Stefan </a:t>
+            </a:r>
+            <a:r>
+              <a:rPr lang="bs-Latn-BA" dirty="0">
+                <a:solidFill>
+                  <a:schemeClr val="tx1"/>
+                </a:solidFill>
+              </a:rPr>
+              <a:t>Nemanjić je postao kralj Srbije 1217. i vladao je 11 godina. Poslije njega je Radoslav vladao do 1234, pa Vladislav, koji je vladao 9 godina i predao presto bratu Urošu Prvom, koji je vladao do 1276. U kojim vremenskim periodima su vladali ovi srpski kraljevi?</a:t>
+            </a:r>
+          </a:p>
+          <a:p>
+            <a:endParaRPr lang="bs-Latn-BA" dirty="0">
+              <a:solidFill>
+                <a:schemeClr val="tx1"/>
+              </a:solidFill>
+            </a:endParaRPr>
+          </a:p>
+          <a:p>
+            <a:pPr marL="0" indent="0">
+              <a:buNone/>
+            </a:pPr>
+            <a:r>
+              <a:rPr lang="bs-Latn-BA" sz="1900" dirty="0">
+                <a:solidFill>
+                  <a:schemeClr val="tx1"/>
+                </a:solidFill>
+              </a:rPr>
+              <a:t>Stefan_pocetak = 1217</a:t>
+            </a:r>
+          </a:p>
+          <a:p>
+            <a:pPr marL="0" indent="0">
+              <a:buNone/>
+            </a:pPr>
+            <a:r>
+              <a:rPr lang="bs-Latn-BA" sz="1900" dirty="0">
+                <a:solidFill>
+                  <a:schemeClr val="tx1"/>
+                </a:solidFill>
+              </a:rPr>
+              <a:t>Stefan_kraj = 1217 + 11</a:t>
+            </a:r>
+          </a:p>
+          <a:p>
+            <a:pPr marL="0" indent="0">
+              <a:buNone/>
+            </a:pPr>
+            <a:r>
+              <a:rPr lang="bs-Latn-BA" sz="1900" dirty="0">
+                <a:solidFill>
+                  <a:schemeClr val="tx1"/>
+                </a:solidFill>
+              </a:rPr>
+              <a:t>Radoslav_pocetak = Stefan_kraj</a:t>
+            </a:r>
+          </a:p>
+          <a:p>
+            <a:pPr marL="0" indent="0">
+              <a:buNone/>
+            </a:pPr>
+            <a:r>
+              <a:rPr lang="bs-Latn-BA" sz="1900" dirty="0">
+                <a:solidFill>
+                  <a:schemeClr val="tx1"/>
+                </a:solidFill>
+              </a:rPr>
+              <a:t>Radoslav_kraj = 1234</a:t>
+            </a:r>
+          </a:p>
+          <a:p>
+            <a:pPr marL="0" indent="0">
+              <a:buNone/>
+            </a:pPr>
+            <a:r>
+              <a:rPr lang="bs-Latn-BA" sz="1900" dirty="0">
+                <a:solidFill>
+                  <a:schemeClr val="tx1"/>
+                </a:solidFill>
+              </a:rPr>
+              <a:t>Vladislav_pocetak = 1234</a:t>
+            </a:r>
+          </a:p>
+          <a:p>
+            <a:pPr marL="0" indent="0">
+              <a:buNone/>
+            </a:pPr>
+            <a:r>
+              <a:rPr lang="bs-Latn-BA" sz="1900" dirty="0">
+                <a:solidFill>
+                  <a:schemeClr val="tx1"/>
+                </a:solidFill>
+              </a:rPr>
+              <a:t>Vladislav_kraj = 1234 + 9</a:t>
+            </a:r>
+          </a:p>
+          <a:p>
+            <a:pPr marL="0" indent="0">
+              <a:buNone/>
+            </a:pPr>
+            <a:r>
+              <a:rPr lang="bs-Latn-BA" sz="1900" dirty="0">
+                <a:solidFill>
+                  <a:schemeClr val="tx1"/>
+                </a:solidFill>
+              </a:rPr>
+              <a:t>Uros_pocetak = 1243</a:t>
+            </a:r>
+          </a:p>
+          <a:p>
+            <a:pPr marL="0" indent="0">
+              <a:buNone/>
+            </a:pPr>
+            <a:r>
+              <a:rPr lang="bs-Latn-BA" sz="1900" dirty="0">
+                <a:solidFill>
+                  <a:schemeClr val="tx1"/>
+                </a:solidFill>
+              </a:rPr>
+              <a:t>Uros_kraj = 1276</a:t>
+            </a:r>
+          </a:p>
+          <a:p>
+            <a:pPr marL="0" indent="0">
+              <a:buNone/>
+            </a:pPr>
+            <a:r>
+              <a:rPr lang="bs-Latn-BA" sz="1900" dirty="0">
+                <a:solidFill>
+                  <a:schemeClr val="tx1"/>
+                </a:solidFill>
+              </a:rPr>
+              <a:t>print(„Stefan</a:t>
+            </a:r>
+            <a:r>
+              <a:rPr lang="az-Cyrl-AZ" sz="1900" dirty="0">
+                <a:solidFill>
+                  <a:schemeClr val="tx1"/>
+                </a:solidFill>
+              </a:rPr>
+              <a:t>:", </a:t>
+            </a:r>
+            <a:r>
+              <a:rPr lang="bs-Latn-BA" sz="1900" dirty="0">
+                <a:solidFill>
+                  <a:schemeClr val="tx1"/>
+                </a:solidFill>
+              </a:rPr>
+              <a:t>Stefan_pocetak, "-", Stefan_kraj)</a:t>
+            </a:r>
+          </a:p>
+          <a:p>
+            <a:pPr marL="0" indent="0">
+              <a:buNone/>
+            </a:pPr>
+            <a:r>
+              <a:rPr lang="bs-Latn-BA" sz="1900" dirty="0">
+                <a:solidFill>
+                  <a:schemeClr val="tx1"/>
+                </a:solidFill>
+              </a:rPr>
+              <a:t>print(„Radoslav</a:t>
+            </a:r>
+            <a:r>
+              <a:rPr lang="az-Cyrl-AZ" sz="1900" dirty="0">
+                <a:solidFill>
+                  <a:schemeClr val="tx1"/>
+                </a:solidFill>
+              </a:rPr>
+              <a:t>:", </a:t>
+            </a:r>
+            <a:r>
+              <a:rPr lang="bs-Latn-BA" sz="1900" dirty="0">
+                <a:solidFill>
+                  <a:schemeClr val="tx1"/>
+                </a:solidFill>
+              </a:rPr>
+              <a:t>Radoslav_pocetak, "-", Radoslav_kraj)</a:t>
+            </a:r>
+          </a:p>
+          <a:p>
+            <a:pPr marL="0" indent="0">
+              <a:buNone/>
+            </a:pPr>
+            <a:r>
+              <a:rPr lang="bs-Latn-BA" sz="1900" dirty="0">
+                <a:solidFill>
+                  <a:schemeClr val="tx1"/>
+                </a:solidFill>
+              </a:rPr>
+              <a:t>print(„Vladislav</a:t>
+            </a:r>
+            <a:r>
+              <a:rPr lang="az-Cyrl-AZ" sz="1900" dirty="0">
+                <a:solidFill>
+                  <a:schemeClr val="tx1"/>
+                </a:solidFill>
+              </a:rPr>
+              <a:t>:", </a:t>
+            </a:r>
+            <a:r>
+              <a:rPr lang="bs-Latn-BA" sz="1900" dirty="0">
+                <a:solidFill>
+                  <a:schemeClr val="tx1"/>
+                </a:solidFill>
+              </a:rPr>
+              <a:t>Vladislav_pocetak, "-", Vladislav_kraj)</a:t>
+            </a:r>
+          </a:p>
+          <a:p>
+            <a:pPr marL="0" indent="0">
+              <a:buNone/>
+            </a:pPr>
+            <a:r>
+              <a:rPr lang="bs-Latn-BA" sz="1900" dirty="0">
+                <a:solidFill>
+                  <a:schemeClr val="tx1"/>
+                </a:solidFill>
+              </a:rPr>
+              <a:t>print(„Uros</a:t>
+            </a:r>
+            <a:r>
+              <a:rPr lang="az-Cyrl-AZ" sz="1900" dirty="0">
+                <a:solidFill>
+                  <a:schemeClr val="tx1"/>
+                </a:solidFill>
+              </a:rPr>
+              <a:t>:", </a:t>
+            </a:r>
+            <a:r>
+              <a:rPr lang="bs-Latn-BA" sz="1900" dirty="0">
+                <a:solidFill>
+                  <a:schemeClr val="tx1"/>
+                </a:solidFill>
+              </a:rPr>
+              <a:t>Uros_pocetak, "-", Uros_kraj)</a:t>
+            </a:r>
+            <a:endParaRPr lang="en-GB" sz="1900" dirty="0">
+              <a:solidFill>
+                <a:schemeClr val="tx1"/>
+              </a:solidFill>
+            </a:endParaRPr>
+          </a:p>
+        </p:txBody>
+      </p:sp>
+    </p:spTree>
+    <p:extLst>
+      <p:ext uri="{BB962C8B-B14F-4D97-AF65-F5344CB8AC3E}">
+        <p14:creationId xmlns:p14="http://schemas.microsoft.com/office/powerpoint/2010/main" val="843273458"/>
+      </p:ext>
+    </p:extLst>
+  </p:cSld>
+  <p:clrMapOvr>
+    <a:masterClrMapping/>
+  </p:clrMapOvr>
+  <p:transition spd="slow">
+    <p:randomBar dir="vert"/>
+  </p:transition>
+  <p:timing>
+    <p:tnLst>
+      <p:par>
+        <p:cTn id="1" dur="indefinite" restart="never" nodeType="tmRoot">
+          <p:childTnLst>
+            <p:seq concurrent="1" nextAc="seek">
+              <p:cTn id="2" dur="indefinite" nodeType="mainSeq">
+                <p:childTnLst>
+                  <p:par>
+                    <p:cTn id="3" fill="hold">
+                      <p:stCondLst>
+                        <p:cond delay="indefinite"/>
+                        <p:cond evt="onBegin" delay="0">
+                          <p:tn val="2"/>
+                        </p:cond>
+                      </p:stCondLst>
+                      <p:childTnLst>
+                        <p:par>
+                          <p:cTn id="4" fill="hold">
+                            <p:stCondLst>
+                              <p:cond delay="0"/>
+                            </p:stCondLst>
+                            <p:childTnLst>
+                              <p:par>
+                                <p:cTn id="5" presetID="16" presetClass="entr" presetSubtype="21" fill="hold" nodeType="afterEffect">
+                                  <p:stCondLst>
+                                    <p:cond delay="0"/>
+                                  </p:stCondLst>
+                                  <p:childTnLst>
+                                    <p:set>
+                                      <p:cBhvr>
+                                        <p:cTn id="6" dur="1" fill="hold">
+                                          <p:stCondLst>
+                                            <p:cond delay="0"/>
+                                          </p:stCondLst>
+                                        </p:cTn>
+                                        <p:tgtEl>
+                                          <p:spTgt spid="3">
+                                            <p:txEl>
+                                              <p:pRg st="0" end="0"/>
+                                            </p:txEl>
+                                          </p:spTgt>
+                                        </p:tgtEl>
+                                        <p:attrNameLst>
+                                          <p:attrName>style.visibility</p:attrName>
+                                        </p:attrNameLst>
+                                      </p:cBhvr>
+                                      <p:to>
+                                        <p:strVal val="visible"/>
+                                      </p:to>
+                                    </p:set>
+                                    <p:animEffect transition="in" filter="barn(inVertical)">
+                                      <p:cBhvr>
+                                        <p:cTn id="7" dur="500"/>
+                                        <p:tgtEl>
+                                          <p:spTgt spid="3">
+                                            <p:txEl>
+                                              <p:pRg st="0" end="0"/>
                                             </p:txEl>
                                           </p:spTgt>
                                         </p:tgtEl>
@@ -14423,6 +14900,5353 @@
                                         </p:tgtEl>
                                       </p:cBhvr>
                                     </p:animEffect>
+                                  </p:childTnLst>
+                                </p:cTn>
+                              </p:par>
+                            </p:childTnLst>
+                          </p:cTn>
+                        </p:par>
+                      </p:childTnLst>
+                    </p:cTn>
+                  </p:par>
+                </p:childTnLst>
+              </p:cTn>
+              <p:prevCondLst>
+                <p:cond evt="onPrev" delay="0">
+                  <p:tgtEl>
+                    <p:sldTgt/>
+                  </p:tgtEl>
+                </p:cond>
+              </p:prevCondLst>
+              <p:nextCondLst>
+                <p:cond evt="onNext" delay="0">
+                  <p:tgtEl>
+                    <p:sldTgt/>
+                  </p:tgtEl>
+                </p:cond>
+              </p:nextCondLst>
+            </p:seq>
+          </p:childTnLst>
+        </p:cTn>
+      </p:par>
+    </p:tnLst>
+  </p:timing>
+</p:sld>
+</file>
+
+<file path=ppt/slides/slide20.xml><?xml version="1.0" encoding="utf-8"?>
+<p:sld xmlns:a="http://schemas.openxmlformats.org/drawingml/2006/main" xmlns:r="http://schemas.openxmlformats.org/officeDocument/2006/relationships" xmlns:p="http://schemas.openxmlformats.org/presentationml/2006/main">
+  <p:cSld>
+    <p:spTree>
+      <p:nvGrpSpPr>
+        <p:cNvPr id="1" name=""/>
+        <p:cNvGrpSpPr/>
+        <p:nvPr/>
+      </p:nvGrpSpPr>
+      <p:grpSpPr>
+        <a:xfrm>
+          <a:off x="0" y="0"/>
+          <a:ext cx="0" cy="0"/>
+          <a:chOff x="0" y="0"/>
+          <a:chExt cx="0" cy="0"/>
+        </a:xfrm>
+      </p:grpSpPr>
+      <p:sp>
+        <p:nvSpPr>
+          <p:cNvPr id="2" name="Title 1">
+            <a:extLst>
+              <a:ext uri="{FF2B5EF4-FFF2-40B4-BE49-F238E27FC236}">
+                <a16:creationId xmlns:a16="http://schemas.microsoft.com/office/drawing/2014/main" id="{F6EFE667-D260-4819-9B91-63FEC74B65DF}"/>
+              </a:ext>
+            </a:extLst>
+          </p:cNvPr>
+          <p:cNvSpPr>
+            <a:spLocks noGrp="1"/>
+          </p:cNvSpPr>
+          <p:nvPr>
+            <p:ph type="title"/>
+          </p:nvPr>
+        </p:nvSpPr>
+        <p:spPr>
+          <a:xfrm>
+            <a:off x="665550" y="382056"/>
+            <a:ext cx="1924389" cy="725210"/>
+          </a:xfrm>
+        </p:spPr>
+        <p:txBody>
+          <a:bodyPr/>
+          <a:lstStyle/>
+          <a:p>
+            <a:r>
+              <a:rPr lang="en-GB" dirty="0"/>
+              <a:t>ZADACI</a:t>
+            </a:r>
+          </a:p>
+        </p:txBody>
+      </p:sp>
+      <p:sp>
+        <p:nvSpPr>
+          <p:cNvPr id="3" name="Content Placeholder 2">
+            <a:extLst>
+              <a:ext uri="{FF2B5EF4-FFF2-40B4-BE49-F238E27FC236}">
+                <a16:creationId xmlns:a16="http://schemas.microsoft.com/office/drawing/2014/main" id="{0A9218F1-0370-4D46-80CA-E679D6AD0358}"/>
+              </a:ext>
+            </a:extLst>
+          </p:cNvPr>
+          <p:cNvSpPr>
+            <a:spLocks noGrp="1"/>
+          </p:cNvSpPr>
+          <p:nvPr>
+            <p:ph idx="1"/>
+          </p:nvPr>
+        </p:nvSpPr>
+        <p:spPr>
+          <a:xfrm>
+            <a:off x="665550" y="1464408"/>
+            <a:ext cx="8534400" cy="4525846"/>
+          </a:xfrm>
+        </p:spPr>
+        <p:txBody>
+          <a:bodyPr>
+            <a:normAutofit lnSpcReduction="10000"/>
+          </a:bodyPr>
+          <a:lstStyle/>
+          <a:p>
+            <a:r>
+              <a:rPr lang="en-GB" dirty="0">
+                <a:solidFill>
+                  <a:schemeClr val="tx1"/>
+                </a:solidFill>
+              </a:rPr>
+              <a:t>Dru</a:t>
+            </a:r>
+            <a:r>
+              <a:rPr lang="bs-Latn-BA" dirty="0">
+                <a:solidFill>
+                  <a:schemeClr val="tx1"/>
+                </a:solidFill>
+              </a:rPr>
+              <a:t>gačije rješenje prethodnog zadatka</a:t>
+            </a:r>
+          </a:p>
+          <a:p>
+            <a:endParaRPr lang="bs-Latn-BA" dirty="0">
+              <a:solidFill>
+                <a:schemeClr val="tx1"/>
+              </a:solidFill>
+            </a:endParaRPr>
+          </a:p>
+          <a:p>
+            <a:endParaRPr lang="bs-Latn-BA" dirty="0">
+              <a:solidFill>
+                <a:schemeClr val="tx1"/>
+              </a:solidFill>
+            </a:endParaRPr>
+          </a:p>
+          <a:p>
+            <a:pPr marL="0" indent="0">
+              <a:buNone/>
+            </a:pPr>
+            <a:r>
+              <a:rPr lang="bs-Latn-BA" dirty="0">
+                <a:solidFill>
+                  <a:schemeClr val="tx1"/>
+                </a:solidFill>
+              </a:rPr>
+              <a:t>stefan = (1217, 1217+11)</a:t>
+            </a:r>
+          </a:p>
+          <a:p>
+            <a:pPr marL="0" indent="0">
+              <a:buNone/>
+            </a:pPr>
+            <a:r>
+              <a:rPr lang="bs-Latn-BA" dirty="0">
+                <a:solidFill>
+                  <a:schemeClr val="tx1"/>
+                </a:solidFill>
+              </a:rPr>
+              <a:t>radoslav = (1217+11, 1234)</a:t>
+            </a:r>
+          </a:p>
+          <a:p>
+            <a:pPr marL="0" indent="0">
+              <a:buNone/>
+            </a:pPr>
+            <a:r>
+              <a:rPr lang="bs-Latn-BA" dirty="0">
+                <a:solidFill>
+                  <a:schemeClr val="tx1"/>
+                </a:solidFill>
+              </a:rPr>
+              <a:t>vladislav = (1234, 1234+9)</a:t>
+            </a:r>
+          </a:p>
+          <a:p>
+            <a:pPr marL="0" indent="0">
+              <a:buNone/>
+            </a:pPr>
+            <a:r>
+              <a:rPr lang="bs-Latn-BA" dirty="0">
+                <a:solidFill>
+                  <a:schemeClr val="tx1"/>
+                </a:solidFill>
+              </a:rPr>
+              <a:t>uros = (1234+9, 1276)</a:t>
+            </a:r>
+          </a:p>
+          <a:p>
+            <a:pPr marL="0" indent="0">
+              <a:buNone/>
+            </a:pPr>
+            <a:r>
+              <a:rPr lang="bs-Latn-BA" dirty="0">
+                <a:solidFill>
+                  <a:schemeClr val="tx1"/>
+                </a:solidFill>
+              </a:rPr>
+              <a:t>print(„Stefan</a:t>
+            </a:r>
+            <a:r>
+              <a:rPr lang="az-Cyrl-AZ" dirty="0">
+                <a:solidFill>
+                  <a:schemeClr val="tx1"/>
+                </a:solidFill>
+              </a:rPr>
+              <a:t>:", </a:t>
+            </a:r>
+            <a:r>
+              <a:rPr lang="bs-Latn-BA" dirty="0">
+                <a:solidFill>
+                  <a:schemeClr val="tx1"/>
+                </a:solidFill>
+              </a:rPr>
+              <a:t>stefan[0], "-", stefan[1])</a:t>
+            </a:r>
+          </a:p>
+          <a:p>
+            <a:pPr marL="0" indent="0">
+              <a:buNone/>
+            </a:pPr>
+            <a:r>
+              <a:rPr lang="bs-Latn-BA" dirty="0">
+                <a:solidFill>
+                  <a:schemeClr val="tx1"/>
+                </a:solidFill>
+              </a:rPr>
+              <a:t>print(„Radoslav</a:t>
+            </a:r>
+            <a:r>
+              <a:rPr lang="az-Cyrl-AZ" dirty="0">
+                <a:solidFill>
+                  <a:schemeClr val="tx1"/>
+                </a:solidFill>
+              </a:rPr>
+              <a:t>:", </a:t>
+            </a:r>
+            <a:r>
+              <a:rPr lang="bs-Latn-BA" dirty="0">
+                <a:solidFill>
+                  <a:schemeClr val="tx1"/>
+                </a:solidFill>
+              </a:rPr>
+              <a:t>radoslav[0], "-", radoslav[1])</a:t>
+            </a:r>
+          </a:p>
+          <a:p>
+            <a:pPr marL="0" indent="0">
+              <a:buNone/>
+            </a:pPr>
+            <a:r>
+              <a:rPr lang="bs-Latn-BA" dirty="0">
+                <a:solidFill>
+                  <a:schemeClr val="tx1"/>
+                </a:solidFill>
+              </a:rPr>
+              <a:t>print(„Vladislav</a:t>
+            </a:r>
+            <a:r>
+              <a:rPr lang="az-Cyrl-AZ" dirty="0">
+                <a:solidFill>
+                  <a:schemeClr val="tx1"/>
+                </a:solidFill>
+              </a:rPr>
+              <a:t>:", </a:t>
+            </a:r>
+            <a:r>
+              <a:rPr lang="bs-Latn-BA" dirty="0">
+                <a:solidFill>
+                  <a:schemeClr val="tx1"/>
+                </a:solidFill>
+              </a:rPr>
+              <a:t>vladislav[0], "-", vladislav[1])</a:t>
+            </a:r>
+          </a:p>
+          <a:p>
+            <a:pPr marL="0" indent="0">
+              <a:buNone/>
+            </a:pPr>
+            <a:r>
+              <a:rPr lang="bs-Latn-BA" dirty="0">
+                <a:solidFill>
+                  <a:schemeClr val="tx1"/>
+                </a:solidFill>
+              </a:rPr>
+              <a:t>print(„Uros</a:t>
+            </a:r>
+            <a:r>
+              <a:rPr lang="az-Cyrl-AZ" dirty="0">
+                <a:solidFill>
+                  <a:schemeClr val="tx1"/>
+                </a:solidFill>
+              </a:rPr>
+              <a:t>:", </a:t>
+            </a:r>
+            <a:r>
+              <a:rPr lang="bs-Latn-BA" dirty="0">
+                <a:solidFill>
+                  <a:schemeClr val="tx1"/>
+                </a:solidFill>
+              </a:rPr>
+              <a:t>uros[0], "-", uros[1])</a:t>
+            </a:r>
+          </a:p>
+        </p:txBody>
+      </p:sp>
+    </p:spTree>
+    <p:extLst>
+      <p:ext uri="{BB962C8B-B14F-4D97-AF65-F5344CB8AC3E}">
+        <p14:creationId xmlns:p14="http://schemas.microsoft.com/office/powerpoint/2010/main" val="2354166261"/>
+      </p:ext>
+    </p:extLst>
+  </p:cSld>
+  <p:clrMapOvr>
+    <a:masterClrMapping/>
+  </p:clrMapOvr>
+  <p:transition spd="slow">
+    <p:randomBar dir="vert"/>
+  </p:transition>
+  <p:timing>
+    <p:tnLst>
+      <p:par>
+        <p:cTn id="1" dur="indefinite" restart="never" nodeType="tmRoot">
+          <p:childTnLst>
+            <p:seq concurrent="1" nextAc="seek">
+              <p:cTn id="2" dur="indefinite" nodeType="mainSeq">
+                <p:childTnLst>
+                  <p:par>
+                    <p:cTn id="3" fill="hold">
+                      <p:stCondLst>
+                        <p:cond delay="indefinite"/>
+                        <p:cond evt="onBegin" delay="0">
+                          <p:tn val="2"/>
+                        </p:cond>
+                      </p:stCondLst>
+                      <p:childTnLst>
+                        <p:par>
+                          <p:cTn id="4" fill="hold">
+                            <p:stCondLst>
+                              <p:cond delay="0"/>
+                            </p:stCondLst>
+                            <p:childTnLst>
+                              <p:par>
+                                <p:cTn id="5" presetID="16" presetClass="entr" presetSubtype="21" fill="hold" nodeType="afterEffect">
+                                  <p:stCondLst>
+                                    <p:cond delay="0"/>
+                                  </p:stCondLst>
+                                  <p:childTnLst>
+                                    <p:set>
+                                      <p:cBhvr>
+                                        <p:cTn id="6" dur="1" fill="hold">
+                                          <p:stCondLst>
+                                            <p:cond delay="0"/>
+                                          </p:stCondLst>
+                                        </p:cTn>
+                                        <p:tgtEl>
+                                          <p:spTgt spid="3">
+                                            <p:txEl>
+                                              <p:pRg st="0" end="0"/>
+                                            </p:txEl>
+                                          </p:spTgt>
+                                        </p:tgtEl>
+                                        <p:attrNameLst>
+                                          <p:attrName>style.visibility</p:attrName>
+                                        </p:attrNameLst>
+                                      </p:cBhvr>
+                                      <p:to>
+                                        <p:strVal val="visible"/>
+                                      </p:to>
+                                    </p:set>
+                                    <p:animEffect transition="in" filter="barn(inVertical)">
+                                      <p:cBhvr>
+                                        <p:cTn id="7" dur="500"/>
+                                        <p:tgtEl>
+                                          <p:spTgt spid="3">
+                                            <p:txEl>
+                                              <p:pRg st="0" end="0"/>
+                                            </p:txEl>
+                                          </p:spTgt>
+                                        </p:tgtEl>
+                                      </p:cBhvr>
+                                    </p:animEffect>
+                                  </p:childTnLst>
+                                </p:cTn>
+                              </p:par>
+                            </p:childTnLst>
+                          </p:cTn>
+                        </p:par>
+                        <p:par>
+                          <p:cTn id="8" fill="hold">
+                            <p:stCondLst>
+                              <p:cond delay="500"/>
+                            </p:stCondLst>
+                            <p:childTnLst>
+                              <p:par>
+                                <p:cTn id="9" presetID="16" presetClass="entr" presetSubtype="21" fill="hold" nodeType="afterEffect">
+                                  <p:stCondLst>
+                                    <p:cond delay="0"/>
+                                  </p:stCondLst>
+                                  <p:childTnLst>
+                                    <p:set>
+                                      <p:cBhvr>
+                                        <p:cTn id="10" dur="1" fill="hold">
+                                          <p:stCondLst>
+                                            <p:cond delay="0"/>
+                                          </p:stCondLst>
+                                        </p:cTn>
+                                        <p:tgtEl>
+                                          <p:spTgt spid="3">
+                                            <p:txEl>
+                                              <p:pRg st="10" end="10"/>
+                                            </p:txEl>
+                                          </p:spTgt>
+                                        </p:tgtEl>
+                                        <p:attrNameLst>
+                                          <p:attrName>style.visibility</p:attrName>
+                                        </p:attrNameLst>
+                                      </p:cBhvr>
+                                      <p:to>
+                                        <p:strVal val="visible"/>
+                                      </p:to>
+                                    </p:set>
+                                    <p:animEffect transition="in" filter="barn(inVertical)">
+                                      <p:cBhvr>
+                                        <p:cTn id="11" dur="500"/>
+                                        <p:tgtEl>
+                                          <p:spTgt spid="3">
+                                            <p:txEl>
+                                              <p:pRg st="10" end="10"/>
+                                            </p:txEl>
+                                          </p:spTgt>
+                                        </p:tgtEl>
+                                      </p:cBhvr>
+                                    </p:animEffect>
+                                  </p:childTnLst>
+                                </p:cTn>
+                              </p:par>
+                            </p:childTnLst>
+                          </p:cTn>
+                        </p:par>
+                        <p:par>
+                          <p:cTn id="12" fill="hold">
+                            <p:stCondLst>
+                              <p:cond delay="1000"/>
+                            </p:stCondLst>
+                            <p:childTnLst>
+                              <p:par>
+                                <p:cTn id="13" presetID="16" presetClass="entr" presetSubtype="21" fill="hold" nodeType="afterEffect">
+                                  <p:stCondLst>
+                                    <p:cond delay="0"/>
+                                  </p:stCondLst>
+                                  <p:childTnLst>
+                                    <p:set>
+                                      <p:cBhvr>
+                                        <p:cTn id="14" dur="1" fill="hold">
+                                          <p:stCondLst>
+                                            <p:cond delay="0"/>
+                                          </p:stCondLst>
+                                        </p:cTn>
+                                        <p:tgtEl>
+                                          <p:spTgt spid="3">
+                                            <p:txEl>
+                                              <p:pRg st="3" end="3"/>
+                                            </p:txEl>
+                                          </p:spTgt>
+                                        </p:tgtEl>
+                                        <p:attrNameLst>
+                                          <p:attrName>style.visibility</p:attrName>
+                                        </p:attrNameLst>
+                                      </p:cBhvr>
+                                      <p:to>
+                                        <p:strVal val="visible"/>
+                                      </p:to>
+                                    </p:set>
+                                    <p:animEffect transition="in" filter="barn(inVertical)">
+                                      <p:cBhvr>
+                                        <p:cTn id="15" dur="500"/>
+                                        <p:tgtEl>
+                                          <p:spTgt spid="3">
+                                            <p:txEl>
+                                              <p:pRg st="3" end="3"/>
+                                            </p:txEl>
+                                          </p:spTgt>
+                                        </p:tgtEl>
+                                      </p:cBhvr>
+                                    </p:animEffect>
+                                  </p:childTnLst>
+                                </p:cTn>
+                              </p:par>
+                            </p:childTnLst>
+                          </p:cTn>
+                        </p:par>
+                        <p:par>
+                          <p:cTn id="16" fill="hold">
+                            <p:stCondLst>
+                              <p:cond delay="1500"/>
+                            </p:stCondLst>
+                            <p:childTnLst>
+                              <p:par>
+                                <p:cTn id="17" presetID="16" presetClass="entr" presetSubtype="21" fill="hold" nodeType="afterEffect">
+                                  <p:stCondLst>
+                                    <p:cond delay="0"/>
+                                  </p:stCondLst>
+                                  <p:childTnLst>
+                                    <p:set>
+                                      <p:cBhvr>
+                                        <p:cTn id="18" dur="1" fill="hold">
+                                          <p:stCondLst>
+                                            <p:cond delay="0"/>
+                                          </p:stCondLst>
+                                        </p:cTn>
+                                        <p:tgtEl>
+                                          <p:spTgt spid="3">
+                                            <p:txEl>
+                                              <p:pRg st="4" end="4"/>
+                                            </p:txEl>
+                                          </p:spTgt>
+                                        </p:tgtEl>
+                                        <p:attrNameLst>
+                                          <p:attrName>style.visibility</p:attrName>
+                                        </p:attrNameLst>
+                                      </p:cBhvr>
+                                      <p:to>
+                                        <p:strVal val="visible"/>
+                                      </p:to>
+                                    </p:set>
+                                    <p:animEffect transition="in" filter="barn(inVertical)">
+                                      <p:cBhvr>
+                                        <p:cTn id="19" dur="500"/>
+                                        <p:tgtEl>
+                                          <p:spTgt spid="3">
+                                            <p:txEl>
+                                              <p:pRg st="4" end="4"/>
+                                            </p:txEl>
+                                          </p:spTgt>
+                                        </p:tgtEl>
+                                      </p:cBhvr>
+                                    </p:animEffect>
+                                  </p:childTnLst>
+                                </p:cTn>
+                              </p:par>
+                            </p:childTnLst>
+                          </p:cTn>
+                        </p:par>
+                        <p:par>
+                          <p:cTn id="20" fill="hold">
+                            <p:stCondLst>
+                              <p:cond delay="2000"/>
+                            </p:stCondLst>
+                            <p:childTnLst>
+                              <p:par>
+                                <p:cTn id="21" presetID="16" presetClass="entr" presetSubtype="21" fill="hold" nodeType="afterEffect">
+                                  <p:stCondLst>
+                                    <p:cond delay="0"/>
+                                  </p:stCondLst>
+                                  <p:childTnLst>
+                                    <p:set>
+                                      <p:cBhvr>
+                                        <p:cTn id="22" dur="1" fill="hold">
+                                          <p:stCondLst>
+                                            <p:cond delay="0"/>
+                                          </p:stCondLst>
+                                        </p:cTn>
+                                        <p:tgtEl>
+                                          <p:spTgt spid="3">
+                                            <p:txEl>
+                                              <p:pRg st="5" end="5"/>
+                                            </p:txEl>
+                                          </p:spTgt>
+                                        </p:tgtEl>
+                                        <p:attrNameLst>
+                                          <p:attrName>style.visibility</p:attrName>
+                                        </p:attrNameLst>
+                                      </p:cBhvr>
+                                      <p:to>
+                                        <p:strVal val="visible"/>
+                                      </p:to>
+                                    </p:set>
+                                    <p:animEffect transition="in" filter="barn(inVertical)">
+                                      <p:cBhvr>
+                                        <p:cTn id="23" dur="500"/>
+                                        <p:tgtEl>
+                                          <p:spTgt spid="3">
+                                            <p:txEl>
+                                              <p:pRg st="5" end="5"/>
+                                            </p:txEl>
+                                          </p:spTgt>
+                                        </p:tgtEl>
+                                      </p:cBhvr>
+                                    </p:animEffect>
+                                  </p:childTnLst>
+                                </p:cTn>
+                              </p:par>
+                            </p:childTnLst>
+                          </p:cTn>
+                        </p:par>
+                        <p:par>
+                          <p:cTn id="24" fill="hold">
+                            <p:stCondLst>
+                              <p:cond delay="2500"/>
+                            </p:stCondLst>
+                            <p:childTnLst>
+                              <p:par>
+                                <p:cTn id="25" presetID="16" presetClass="entr" presetSubtype="21" fill="hold" nodeType="afterEffect">
+                                  <p:stCondLst>
+                                    <p:cond delay="0"/>
+                                  </p:stCondLst>
+                                  <p:childTnLst>
+                                    <p:set>
+                                      <p:cBhvr>
+                                        <p:cTn id="26" dur="1" fill="hold">
+                                          <p:stCondLst>
+                                            <p:cond delay="0"/>
+                                          </p:stCondLst>
+                                        </p:cTn>
+                                        <p:tgtEl>
+                                          <p:spTgt spid="3">
+                                            <p:txEl>
+                                              <p:pRg st="6" end="6"/>
+                                            </p:txEl>
+                                          </p:spTgt>
+                                        </p:tgtEl>
+                                        <p:attrNameLst>
+                                          <p:attrName>style.visibility</p:attrName>
+                                        </p:attrNameLst>
+                                      </p:cBhvr>
+                                      <p:to>
+                                        <p:strVal val="visible"/>
+                                      </p:to>
+                                    </p:set>
+                                    <p:animEffect transition="in" filter="barn(inVertical)">
+                                      <p:cBhvr>
+                                        <p:cTn id="27" dur="500"/>
+                                        <p:tgtEl>
+                                          <p:spTgt spid="3">
+                                            <p:txEl>
+                                              <p:pRg st="6" end="6"/>
+                                            </p:txEl>
+                                          </p:spTgt>
+                                        </p:tgtEl>
+                                      </p:cBhvr>
+                                    </p:animEffect>
+                                  </p:childTnLst>
+                                </p:cTn>
+                              </p:par>
+                            </p:childTnLst>
+                          </p:cTn>
+                        </p:par>
+                        <p:par>
+                          <p:cTn id="28" fill="hold">
+                            <p:stCondLst>
+                              <p:cond delay="3000"/>
+                            </p:stCondLst>
+                            <p:childTnLst>
+                              <p:par>
+                                <p:cTn id="29" presetID="16" presetClass="entr" presetSubtype="21" fill="hold" nodeType="afterEffect">
+                                  <p:stCondLst>
+                                    <p:cond delay="0"/>
+                                  </p:stCondLst>
+                                  <p:childTnLst>
+                                    <p:set>
+                                      <p:cBhvr>
+                                        <p:cTn id="30" dur="1" fill="hold">
+                                          <p:stCondLst>
+                                            <p:cond delay="0"/>
+                                          </p:stCondLst>
+                                        </p:cTn>
+                                        <p:tgtEl>
+                                          <p:spTgt spid="3">
+                                            <p:txEl>
+                                              <p:pRg st="7" end="7"/>
+                                            </p:txEl>
+                                          </p:spTgt>
+                                        </p:tgtEl>
+                                        <p:attrNameLst>
+                                          <p:attrName>style.visibility</p:attrName>
+                                        </p:attrNameLst>
+                                      </p:cBhvr>
+                                      <p:to>
+                                        <p:strVal val="visible"/>
+                                      </p:to>
+                                    </p:set>
+                                    <p:animEffect transition="in" filter="barn(inVertical)">
+                                      <p:cBhvr>
+                                        <p:cTn id="31" dur="500"/>
+                                        <p:tgtEl>
+                                          <p:spTgt spid="3">
+                                            <p:txEl>
+                                              <p:pRg st="7" end="7"/>
+                                            </p:txEl>
+                                          </p:spTgt>
+                                        </p:tgtEl>
+                                      </p:cBhvr>
+                                    </p:animEffect>
+                                  </p:childTnLst>
+                                </p:cTn>
+                              </p:par>
+                            </p:childTnLst>
+                          </p:cTn>
+                        </p:par>
+                        <p:par>
+                          <p:cTn id="32" fill="hold">
+                            <p:stCondLst>
+                              <p:cond delay="3500"/>
+                            </p:stCondLst>
+                            <p:childTnLst>
+                              <p:par>
+                                <p:cTn id="33" presetID="16" presetClass="entr" presetSubtype="21" fill="hold" nodeType="afterEffect">
+                                  <p:stCondLst>
+                                    <p:cond delay="0"/>
+                                  </p:stCondLst>
+                                  <p:childTnLst>
+                                    <p:set>
+                                      <p:cBhvr>
+                                        <p:cTn id="34" dur="1" fill="hold">
+                                          <p:stCondLst>
+                                            <p:cond delay="0"/>
+                                          </p:stCondLst>
+                                        </p:cTn>
+                                        <p:tgtEl>
+                                          <p:spTgt spid="3">
+                                            <p:txEl>
+                                              <p:pRg st="8" end="8"/>
+                                            </p:txEl>
+                                          </p:spTgt>
+                                        </p:tgtEl>
+                                        <p:attrNameLst>
+                                          <p:attrName>style.visibility</p:attrName>
+                                        </p:attrNameLst>
+                                      </p:cBhvr>
+                                      <p:to>
+                                        <p:strVal val="visible"/>
+                                      </p:to>
+                                    </p:set>
+                                    <p:animEffect transition="in" filter="barn(inVertical)">
+                                      <p:cBhvr>
+                                        <p:cTn id="35" dur="500"/>
+                                        <p:tgtEl>
+                                          <p:spTgt spid="3">
+                                            <p:txEl>
+                                              <p:pRg st="8" end="8"/>
+                                            </p:txEl>
+                                          </p:spTgt>
+                                        </p:tgtEl>
+                                      </p:cBhvr>
+                                    </p:animEffect>
+                                  </p:childTnLst>
+                                </p:cTn>
+                              </p:par>
+                            </p:childTnLst>
+                          </p:cTn>
+                        </p:par>
+                        <p:par>
+                          <p:cTn id="36" fill="hold">
+                            <p:stCondLst>
+                              <p:cond delay="4000"/>
+                            </p:stCondLst>
+                            <p:childTnLst>
+                              <p:par>
+                                <p:cTn id="37" presetID="16" presetClass="entr" presetSubtype="21" fill="hold" nodeType="afterEffect">
+                                  <p:stCondLst>
+                                    <p:cond delay="0"/>
+                                  </p:stCondLst>
+                                  <p:childTnLst>
+                                    <p:set>
+                                      <p:cBhvr>
+                                        <p:cTn id="38" dur="1" fill="hold">
+                                          <p:stCondLst>
+                                            <p:cond delay="0"/>
+                                          </p:stCondLst>
+                                        </p:cTn>
+                                        <p:tgtEl>
+                                          <p:spTgt spid="3">
+                                            <p:txEl>
+                                              <p:pRg st="9" end="9"/>
+                                            </p:txEl>
+                                          </p:spTgt>
+                                        </p:tgtEl>
+                                        <p:attrNameLst>
+                                          <p:attrName>style.visibility</p:attrName>
+                                        </p:attrNameLst>
+                                      </p:cBhvr>
+                                      <p:to>
+                                        <p:strVal val="visible"/>
+                                      </p:to>
+                                    </p:set>
+                                    <p:animEffect transition="in" filter="barn(inVertical)">
+                                      <p:cBhvr>
+                                        <p:cTn id="39" dur="500"/>
+                                        <p:tgtEl>
+                                          <p:spTgt spid="3">
+                                            <p:txEl>
+                                              <p:pRg st="9" end="9"/>
+                                            </p:txEl>
+                                          </p:spTgt>
+                                        </p:tgtEl>
+                                      </p:cBhvr>
+                                    </p:animEffect>
+                                  </p:childTnLst>
+                                </p:cTn>
+                              </p:par>
+                            </p:childTnLst>
+                          </p:cTn>
+                        </p:par>
+                      </p:childTnLst>
+                    </p:cTn>
+                  </p:par>
+                </p:childTnLst>
+              </p:cTn>
+              <p:prevCondLst>
+                <p:cond evt="onPrev" delay="0">
+                  <p:tgtEl>
+                    <p:sldTgt/>
+                  </p:tgtEl>
+                </p:cond>
+              </p:prevCondLst>
+              <p:nextCondLst>
+                <p:cond evt="onNext" delay="0">
+                  <p:tgtEl>
+                    <p:sldTgt/>
+                  </p:tgtEl>
+                </p:cond>
+              </p:nextCondLst>
+            </p:seq>
+          </p:childTnLst>
+        </p:cTn>
+      </p:par>
+    </p:tnLst>
+  </p:timing>
+</p:sld>
+</file>
+
+<file path=ppt/slides/slide21.xml><?xml version="1.0" encoding="utf-8"?>
+<p:sld xmlns:a="http://schemas.openxmlformats.org/drawingml/2006/main" xmlns:r="http://schemas.openxmlformats.org/officeDocument/2006/relationships" xmlns:p="http://schemas.openxmlformats.org/presentationml/2006/main">
+  <p:cSld>
+    <p:spTree>
+      <p:nvGrpSpPr>
+        <p:cNvPr id="1" name=""/>
+        <p:cNvGrpSpPr/>
+        <p:nvPr/>
+      </p:nvGrpSpPr>
+      <p:grpSpPr>
+        <a:xfrm>
+          <a:off x="0" y="0"/>
+          <a:ext cx="0" cy="0"/>
+          <a:chOff x="0" y="0"/>
+          <a:chExt cx="0" cy="0"/>
+        </a:xfrm>
+      </p:grpSpPr>
+      <p:sp>
+        <p:nvSpPr>
+          <p:cNvPr id="2" name="Title 1">
+            <a:extLst>
+              <a:ext uri="{FF2B5EF4-FFF2-40B4-BE49-F238E27FC236}">
+                <a16:creationId xmlns:a16="http://schemas.microsoft.com/office/drawing/2014/main" id="{F6EFE667-D260-4819-9B91-63FEC74B65DF}"/>
+              </a:ext>
+            </a:extLst>
+          </p:cNvPr>
+          <p:cNvSpPr>
+            <a:spLocks noGrp="1"/>
+          </p:cNvSpPr>
+          <p:nvPr>
+            <p:ph type="title"/>
+          </p:nvPr>
+        </p:nvSpPr>
+        <p:spPr>
+          <a:xfrm>
+            <a:off x="665550" y="382056"/>
+            <a:ext cx="1924389" cy="725210"/>
+          </a:xfrm>
+        </p:spPr>
+        <p:txBody>
+          <a:bodyPr/>
+          <a:lstStyle/>
+          <a:p>
+            <a:r>
+              <a:rPr lang="en-GB" dirty="0"/>
+              <a:t>ZADACI</a:t>
+            </a:r>
+          </a:p>
+        </p:txBody>
+      </p:sp>
+      <p:sp>
+        <p:nvSpPr>
+          <p:cNvPr id="3" name="Content Placeholder 2">
+            <a:extLst>
+              <a:ext uri="{FF2B5EF4-FFF2-40B4-BE49-F238E27FC236}">
+                <a16:creationId xmlns:a16="http://schemas.microsoft.com/office/drawing/2014/main" id="{0A9218F1-0370-4D46-80CA-E679D6AD0358}"/>
+              </a:ext>
+            </a:extLst>
+          </p:cNvPr>
+          <p:cNvSpPr>
+            <a:spLocks noGrp="1"/>
+          </p:cNvSpPr>
+          <p:nvPr>
+            <p:ph idx="1"/>
+          </p:nvPr>
+        </p:nvSpPr>
+        <p:spPr>
+          <a:xfrm>
+            <a:off x="171028" y="1107266"/>
+            <a:ext cx="6257764" cy="5750734"/>
+          </a:xfrm>
+        </p:spPr>
+        <p:txBody>
+          <a:bodyPr>
+            <a:normAutofit/>
+          </a:bodyPr>
+          <a:lstStyle/>
+          <a:p>
+            <a:r>
+              <a:rPr lang="en-GB" sz="2200" dirty="0">
+                <a:solidFill>
+                  <a:schemeClr val="tx1"/>
+                </a:solidFill>
+              </a:rPr>
+              <a:t>Du</a:t>
+            </a:r>
+            <a:r>
+              <a:rPr lang="bs-Latn-BA" sz="2200" dirty="0">
+                <a:solidFill>
+                  <a:schemeClr val="tx1"/>
+                </a:solidFill>
+              </a:rPr>
+              <a:t>žina fudbalskog terena je 115 metara, a širina 80 metara. Ana trči po pravougaonoj stazi koja je sa svake strane terena spolja udaljena po 5 metara. Koliko ona pretrči, ako se zna da je otrčala teren 3 puta?</a:t>
+            </a:r>
+            <a:endParaRPr lang="en-GB" sz="2200" dirty="0">
+              <a:solidFill>
+                <a:schemeClr val="tx1"/>
+              </a:solidFill>
+            </a:endParaRPr>
+          </a:p>
+          <a:p>
+            <a:endParaRPr lang="en-GB" dirty="0">
+              <a:solidFill>
+                <a:schemeClr val="tx1"/>
+              </a:solidFill>
+            </a:endParaRPr>
+          </a:p>
+          <a:p>
+            <a:r>
+              <a:rPr lang="en-GB" dirty="0">
+                <a:solidFill>
+                  <a:schemeClr val="tx1"/>
+                </a:solidFill>
+              </a:rPr>
+              <a:t>Ana </a:t>
+            </a:r>
+            <a:r>
+              <a:rPr lang="bs-Latn-BA" dirty="0">
+                <a:solidFill>
+                  <a:schemeClr val="tx1"/>
+                </a:solidFill>
+              </a:rPr>
+              <a:t>pretrči trostruku dužinu obima staze.</a:t>
+            </a:r>
+          </a:p>
+          <a:p>
+            <a:r>
+              <a:rPr lang="bs-Latn-BA" dirty="0">
+                <a:solidFill>
+                  <a:schemeClr val="tx1"/>
+                </a:solidFill>
+              </a:rPr>
+              <a:t>Da bismo izračunali obim staze, potrebno je da izračunamo njenu dužinu i širinu.</a:t>
+            </a:r>
+          </a:p>
+          <a:p>
+            <a:r>
+              <a:rPr lang="bs-Latn-BA" dirty="0">
+                <a:solidFill>
+                  <a:schemeClr val="tx1"/>
+                </a:solidFill>
+              </a:rPr>
+              <a:t>Staza je 10 metara duža od terena (po 5m sa svake strane), i 10 metara šira od terena (po 5m sa svake strane).</a:t>
+            </a:r>
+          </a:p>
+          <a:p>
+            <a:r>
+              <a:rPr lang="bs-Latn-BA" dirty="0">
+                <a:solidFill>
+                  <a:schemeClr val="tx1"/>
+                </a:solidFill>
+              </a:rPr>
+              <a:t>Obim je jednak dvostrukoj vrijednosti zbira dužine i širine.</a:t>
+            </a:r>
+          </a:p>
+        </p:txBody>
+      </p:sp>
+      <p:pic>
+        <p:nvPicPr>
+          <p:cNvPr id="4" name="Picture 3">
+            <a:extLst>
+              <a:ext uri="{FF2B5EF4-FFF2-40B4-BE49-F238E27FC236}">
+                <a16:creationId xmlns:a16="http://schemas.microsoft.com/office/drawing/2014/main" id="{080B8C5C-7922-434D-AEE4-FA2F8A66BC18}"/>
+              </a:ext>
+            </a:extLst>
+          </p:cNvPr>
+          <p:cNvPicPr>
+            <a:picLocks noChangeAspect="1"/>
+          </p:cNvPicPr>
+          <p:nvPr/>
+        </p:nvPicPr>
+        <p:blipFill>
+          <a:blip r:embed="rId2"/>
+          <a:stretch>
+            <a:fillRect/>
+          </a:stretch>
+        </p:blipFill>
+        <p:spPr>
+          <a:xfrm>
+            <a:off x="6477000" y="0"/>
+            <a:ext cx="5715000" cy="3952875"/>
+          </a:xfrm>
+          <a:prstGeom prst="rect">
+            <a:avLst/>
+          </a:prstGeom>
+        </p:spPr>
+      </p:pic>
+      <p:sp>
+        <p:nvSpPr>
+          <p:cNvPr id="5" name="Content Placeholder 2">
+            <a:extLst>
+              <a:ext uri="{FF2B5EF4-FFF2-40B4-BE49-F238E27FC236}">
+                <a16:creationId xmlns:a16="http://schemas.microsoft.com/office/drawing/2014/main" id="{00330DAC-3D9F-4651-810C-448EA222E145}"/>
+              </a:ext>
+            </a:extLst>
+          </p:cNvPr>
+          <p:cNvSpPr txBox="1">
+            <a:spLocks/>
+          </p:cNvSpPr>
+          <p:nvPr/>
+        </p:nvSpPr>
+        <p:spPr>
+          <a:xfrm>
+            <a:off x="6278881" y="4068146"/>
+            <a:ext cx="6693780" cy="2789853"/>
+          </a:xfrm>
+          <a:prstGeom prst="rect">
+            <a:avLst/>
+          </a:prstGeom>
+        </p:spPr>
+        <p:txBody>
+          <a:bodyPr vert="horz" lIns="91440" tIns="45720" rIns="91440" bIns="45720" rtlCol="0" anchor="ctr">
+            <a:normAutofit/>
+          </a:bodyPr>
+          <a:lstStyle>
+            <a:lvl1pPr marL="285750" indent="-285750" algn="l" defTabSz="457200" rtl="0" eaLnBrk="1" latinLnBrk="0" hangingPunct="1">
+              <a:spcBef>
+                <a:spcPct val="20000"/>
+              </a:spcBef>
+              <a:spcAft>
+                <a:spcPts val="600"/>
+              </a:spcAft>
+              <a:buClr>
+                <a:schemeClr val="tx1"/>
+              </a:buClr>
+              <a:buSzPct val="80000"/>
+              <a:buFont typeface="Wingdings 3" panose="05040102010807070707" pitchFamily="18" charset="2"/>
+              <a:buChar char=""/>
+              <a:defRPr sz="2000" kern="1200" cap="none">
+                <a:solidFill>
+                  <a:schemeClr val="bg2">
+                    <a:lumMod val="75000"/>
+                  </a:schemeClr>
+                </a:solidFill>
+                <a:effectLst/>
+                <a:latin typeface="+mn-lt"/>
+                <a:ea typeface="+mn-ea"/>
+                <a:cs typeface="+mn-cs"/>
+              </a:defRPr>
+            </a:lvl1pPr>
+            <a:lvl2pPr marL="742950" indent="-285750" algn="l" defTabSz="457200" rtl="0" eaLnBrk="1" latinLnBrk="0" hangingPunct="1">
+              <a:spcBef>
+                <a:spcPct val="20000"/>
+              </a:spcBef>
+              <a:spcAft>
+                <a:spcPts val="600"/>
+              </a:spcAft>
+              <a:buClr>
+                <a:schemeClr val="tx1"/>
+              </a:buClr>
+              <a:buSzPct val="80000"/>
+              <a:buFont typeface="Wingdings 3" panose="05040102010807070707" pitchFamily="18" charset="2"/>
+              <a:buChar char=""/>
+              <a:defRPr sz="1800" kern="1200" cap="none">
+                <a:solidFill>
+                  <a:schemeClr val="bg2">
+                    <a:lumMod val="75000"/>
+                  </a:schemeClr>
+                </a:solidFill>
+                <a:effectLst/>
+                <a:latin typeface="+mn-lt"/>
+                <a:ea typeface="+mn-ea"/>
+                <a:cs typeface="+mn-cs"/>
+              </a:defRPr>
+            </a:lvl2pPr>
+            <a:lvl3pPr marL="1200150" indent="-285750" algn="l" defTabSz="457200" rtl="0" eaLnBrk="1" latinLnBrk="0" hangingPunct="1">
+              <a:spcBef>
+                <a:spcPct val="20000"/>
+              </a:spcBef>
+              <a:spcAft>
+                <a:spcPts val="600"/>
+              </a:spcAft>
+              <a:buClr>
+                <a:schemeClr val="tx1"/>
+              </a:buClr>
+              <a:buSzPct val="80000"/>
+              <a:buFont typeface="Wingdings 3" panose="05040102010807070707" pitchFamily="18" charset="2"/>
+              <a:buChar char=""/>
+              <a:defRPr sz="1600" kern="1200" cap="none">
+                <a:solidFill>
+                  <a:schemeClr val="bg2">
+                    <a:lumMod val="75000"/>
+                  </a:schemeClr>
+                </a:solidFill>
+                <a:effectLst/>
+                <a:latin typeface="+mn-lt"/>
+                <a:ea typeface="+mn-ea"/>
+                <a:cs typeface="+mn-cs"/>
+              </a:defRPr>
+            </a:lvl3pPr>
+            <a:lvl4pPr marL="1543050" indent="-171450" algn="l" defTabSz="457200" rtl="0" eaLnBrk="1" latinLnBrk="0" hangingPunct="1">
+              <a:spcBef>
+                <a:spcPct val="20000"/>
+              </a:spcBef>
+              <a:spcAft>
+                <a:spcPts val="600"/>
+              </a:spcAft>
+              <a:buClr>
+                <a:schemeClr val="tx1"/>
+              </a:buClr>
+              <a:buSzPct val="80000"/>
+              <a:buFont typeface="Wingdings 3" panose="05040102010807070707" pitchFamily="18" charset="2"/>
+              <a:buChar char=""/>
+              <a:defRPr sz="1400" kern="1200" cap="none">
+                <a:solidFill>
+                  <a:schemeClr val="bg2">
+                    <a:lumMod val="75000"/>
+                  </a:schemeClr>
+                </a:solidFill>
+                <a:effectLst/>
+                <a:latin typeface="+mn-lt"/>
+                <a:ea typeface="+mn-ea"/>
+                <a:cs typeface="+mn-cs"/>
+              </a:defRPr>
+            </a:lvl4pPr>
+            <a:lvl5pPr marL="2000250" indent="-171450" algn="l" defTabSz="457200" rtl="0" eaLnBrk="1" latinLnBrk="0" hangingPunct="1">
+              <a:spcBef>
+                <a:spcPct val="20000"/>
+              </a:spcBef>
+              <a:spcAft>
+                <a:spcPts val="600"/>
+              </a:spcAft>
+              <a:buClr>
+                <a:schemeClr val="tx1"/>
+              </a:buClr>
+              <a:buSzPct val="80000"/>
+              <a:buFont typeface="Wingdings 3" panose="05040102010807070707" pitchFamily="18" charset="2"/>
+              <a:buChar char=""/>
+              <a:defRPr sz="1400" kern="1200" cap="none">
+                <a:solidFill>
+                  <a:schemeClr val="bg2">
+                    <a:lumMod val="75000"/>
+                  </a:schemeClr>
+                </a:solidFill>
+                <a:effectLst/>
+                <a:latin typeface="+mn-lt"/>
+                <a:ea typeface="+mn-ea"/>
+                <a:cs typeface="+mn-cs"/>
+              </a:defRPr>
+            </a:lvl5pPr>
+            <a:lvl6pPr marL="2514600" indent="-228600" algn="l" defTabSz="457200" rtl="0" eaLnBrk="1" latinLnBrk="0" hangingPunct="1">
+              <a:spcBef>
+                <a:spcPct val="20000"/>
+              </a:spcBef>
+              <a:spcAft>
+                <a:spcPts val="600"/>
+              </a:spcAft>
+              <a:buClr>
+                <a:schemeClr val="tx1"/>
+              </a:buClr>
+              <a:buSzPct val="80000"/>
+              <a:buFont typeface="Wingdings 3" panose="05040102010807070707" pitchFamily="18" charset="2"/>
+              <a:buChar char=""/>
+              <a:defRPr sz="1400" kern="1200" cap="none">
+                <a:solidFill>
+                  <a:schemeClr val="bg2">
+                    <a:lumMod val="75000"/>
+                  </a:schemeClr>
+                </a:solidFill>
+                <a:effectLst/>
+                <a:latin typeface="+mn-lt"/>
+                <a:ea typeface="+mn-ea"/>
+                <a:cs typeface="+mn-cs"/>
+              </a:defRPr>
+            </a:lvl6pPr>
+            <a:lvl7pPr marL="2971800" indent="-228600" algn="l" defTabSz="457200" rtl="0" eaLnBrk="1" latinLnBrk="0" hangingPunct="1">
+              <a:spcBef>
+                <a:spcPct val="20000"/>
+              </a:spcBef>
+              <a:spcAft>
+                <a:spcPts val="600"/>
+              </a:spcAft>
+              <a:buClr>
+                <a:schemeClr val="tx1"/>
+              </a:buClr>
+              <a:buSzPct val="80000"/>
+              <a:buFont typeface="Wingdings 3" panose="05040102010807070707" pitchFamily="18" charset="2"/>
+              <a:buChar char=""/>
+              <a:defRPr sz="1400" kern="1200" cap="none">
+                <a:solidFill>
+                  <a:schemeClr val="bg2">
+                    <a:lumMod val="75000"/>
+                  </a:schemeClr>
+                </a:solidFill>
+                <a:effectLst/>
+                <a:latin typeface="+mn-lt"/>
+                <a:ea typeface="+mn-ea"/>
+                <a:cs typeface="+mn-cs"/>
+              </a:defRPr>
+            </a:lvl7pPr>
+            <a:lvl8pPr marL="3429000" indent="-228600" algn="l" defTabSz="457200" rtl="0" eaLnBrk="1" latinLnBrk="0" hangingPunct="1">
+              <a:spcBef>
+                <a:spcPct val="20000"/>
+              </a:spcBef>
+              <a:spcAft>
+                <a:spcPts val="600"/>
+              </a:spcAft>
+              <a:buClr>
+                <a:schemeClr val="tx1"/>
+              </a:buClr>
+              <a:buSzPct val="80000"/>
+              <a:buFont typeface="Wingdings 3" panose="05040102010807070707" pitchFamily="18" charset="2"/>
+              <a:buChar char=""/>
+              <a:defRPr sz="1400" kern="1200" cap="none">
+                <a:solidFill>
+                  <a:schemeClr val="bg2">
+                    <a:lumMod val="75000"/>
+                  </a:schemeClr>
+                </a:solidFill>
+                <a:effectLst/>
+                <a:latin typeface="+mn-lt"/>
+                <a:ea typeface="+mn-ea"/>
+                <a:cs typeface="+mn-cs"/>
+              </a:defRPr>
+            </a:lvl8pPr>
+            <a:lvl9pPr marL="3886200" indent="-228600" algn="l" defTabSz="457200" rtl="0" eaLnBrk="1" latinLnBrk="0" hangingPunct="1">
+              <a:spcBef>
+                <a:spcPct val="20000"/>
+              </a:spcBef>
+              <a:spcAft>
+                <a:spcPts val="600"/>
+              </a:spcAft>
+              <a:buClr>
+                <a:schemeClr val="tx1"/>
+              </a:buClr>
+              <a:buSzPct val="80000"/>
+              <a:buFont typeface="Wingdings 3" panose="05040102010807070707" pitchFamily="18" charset="2"/>
+              <a:buChar char=""/>
+              <a:defRPr sz="1400" kern="1200" cap="none">
+                <a:solidFill>
+                  <a:schemeClr val="bg2">
+                    <a:lumMod val="75000"/>
+                  </a:schemeClr>
+                </a:solidFill>
+                <a:effectLst/>
+                <a:latin typeface="+mn-lt"/>
+                <a:ea typeface="+mn-ea"/>
+                <a:cs typeface="+mn-cs"/>
+              </a:defRPr>
+            </a:lvl9pPr>
+          </a:lstStyle>
+          <a:p>
+            <a:r>
+              <a:rPr lang="bs-Latn-BA" sz="2200" dirty="0">
+                <a:solidFill>
+                  <a:schemeClr val="tx1"/>
+                </a:solidFill>
+              </a:rPr>
+              <a:t>Jedno rješenje:</a:t>
+            </a:r>
+          </a:p>
+          <a:p>
+            <a:pPr marL="0" indent="0">
+              <a:buNone/>
+            </a:pPr>
+            <a:r>
+              <a:rPr lang="bs-Latn-BA" sz="2200" dirty="0">
+                <a:solidFill>
+                  <a:schemeClr val="tx1"/>
+                </a:solidFill>
+              </a:rPr>
+              <a:t>print(3 * 2 * (125 + 90))</a:t>
+            </a:r>
+          </a:p>
+          <a:p>
+            <a:pPr marL="0" indent="0">
+              <a:buNone/>
+            </a:pPr>
+            <a:endParaRPr lang="en-GB" sz="2200" dirty="0">
+              <a:solidFill>
+                <a:schemeClr val="tx1"/>
+              </a:solidFill>
+            </a:endParaRPr>
+          </a:p>
+          <a:p>
+            <a:r>
+              <a:rPr lang="en-GB" sz="2200" dirty="0" err="1">
+                <a:solidFill>
+                  <a:schemeClr val="tx1"/>
+                </a:solidFill>
+              </a:rPr>
+              <a:t>Drugo</a:t>
+            </a:r>
+            <a:r>
+              <a:rPr lang="en-GB" sz="2200" dirty="0">
+                <a:solidFill>
+                  <a:schemeClr val="tx1"/>
+                </a:solidFill>
+              </a:rPr>
+              <a:t> </a:t>
+            </a:r>
+            <a:r>
+              <a:rPr lang="bs-Latn-BA" sz="2200" dirty="0">
+                <a:solidFill>
+                  <a:schemeClr val="tx1"/>
+                </a:solidFill>
+              </a:rPr>
+              <a:t>rješenje</a:t>
+            </a:r>
+          </a:p>
+          <a:p>
+            <a:pPr marL="0" indent="0">
+              <a:buNone/>
+            </a:pPr>
+            <a:r>
+              <a:rPr lang="bs-Latn-BA" sz="2200" dirty="0">
+                <a:solidFill>
+                  <a:schemeClr val="tx1"/>
+                </a:solidFill>
+              </a:rPr>
+              <a:t>print(3 * 2 * ((110 + 2 * 5) + (80 + 2 * 5)))</a:t>
+            </a:r>
+          </a:p>
+        </p:txBody>
+      </p:sp>
+    </p:spTree>
+    <p:extLst>
+      <p:ext uri="{BB962C8B-B14F-4D97-AF65-F5344CB8AC3E}">
+        <p14:creationId xmlns:p14="http://schemas.microsoft.com/office/powerpoint/2010/main" val="747493874"/>
+      </p:ext>
+    </p:extLst>
+  </p:cSld>
+  <p:clrMapOvr>
+    <a:masterClrMapping/>
+  </p:clrMapOvr>
+  <p:transition spd="slow">
+    <p:randomBar dir="vert"/>
+  </p:transition>
+  <p:timing>
+    <p:tnLst>
+      <p:par>
+        <p:cTn id="1" dur="indefinite" restart="never" nodeType="tmRoot">
+          <p:childTnLst>
+            <p:seq concurrent="1" nextAc="seek">
+              <p:cTn id="2" dur="indefinite" nodeType="mainSeq">
+                <p:childTnLst>
+                  <p:par>
+                    <p:cTn id="3" fill="hold">
+                      <p:stCondLst>
+                        <p:cond delay="indefinite"/>
+                        <p:cond evt="onBegin" delay="0">
+                          <p:tn val="2"/>
+                        </p:cond>
+                      </p:stCondLst>
+                      <p:childTnLst>
+                        <p:par>
+                          <p:cTn id="4" fill="hold">
+                            <p:stCondLst>
+                              <p:cond delay="0"/>
+                            </p:stCondLst>
+                            <p:childTnLst>
+                              <p:par>
+                                <p:cTn id="5" presetID="2" presetClass="entr" presetSubtype="4" fill="hold" nodeType="afterEffect">
+                                  <p:stCondLst>
+                                    <p:cond delay="0"/>
+                                  </p:stCondLst>
+                                  <p:childTnLst>
+                                    <p:set>
+                                      <p:cBhvr>
+                                        <p:cTn id="6" dur="1" fill="hold">
+                                          <p:stCondLst>
+                                            <p:cond delay="0"/>
+                                          </p:stCondLst>
+                                        </p:cTn>
+                                        <p:tgtEl>
+                                          <p:spTgt spid="3">
+                                            <p:txEl>
+                                              <p:pRg st="0" end="0"/>
+                                            </p:txEl>
+                                          </p:spTgt>
+                                        </p:tgtEl>
+                                        <p:attrNameLst>
+                                          <p:attrName>style.visibility</p:attrName>
+                                        </p:attrNameLst>
+                                      </p:cBhvr>
+                                      <p:to>
+                                        <p:strVal val="visible"/>
+                                      </p:to>
+                                    </p:set>
+                                    <p:anim calcmode="lin" valueType="num">
+                                      <p:cBhvr additive="base">
+                                        <p:cTn id="7" dur="500" fill="hold"/>
+                                        <p:tgtEl>
+                                          <p:spTgt spid="3">
+                                            <p:txEl>
+                                              <p:pRg st="0" end="0"/>
+                                            </p:txEl>
+                                          </p:spTgt>
+                                        </p:tgtEl>
+                                        <p:attrNameLst>
+                                          <p:attrName>ppt_x</p:attrName>
+                                        </p:attrNameLst>
+                                      </p:cBhvr>
+                                      <p:tavLst>
+                                        <p:tav tm="0">
+                                          <p:val>
+                                            <p:strVal val="#ppt_x"/>
+                                          </p:val>
+                                        </p:tav>
+                                        <p:tav tm="100000">
+                                          <p:val>
+                                            <p:strVal val="#ppt_x"/>
+                                          </p:val>
+                                        </p:tav>
+                                      </p:tavLst>
+                                    </p:anim>
+                                    <p:anim calcmode="lin" valueType="num">
+                                      <p:cBhvr additive="base">
+                                        <p:cTn id="8" dur="500" fill="hold"/>
+                                        <p:tgtEl>
+                                          <p:spTgt spid="3">
+                                            <p:txEl>
+                                              <p:pRg st="0" end="0"/>
+                                            </p:txEl>
+                                          </p:spTgt>
+                                        </p:tgtEl>
+                                        <p:attrNameLst>
+                                          <p:attrName>ppt_y</p:attrName>
+                                        </p:attrNameLst>
+                                      </p:cBhvr>
+                                      <p:tavLst>
+                                        <p:tav tm="0">
+                                          <p:val>
+                                            <p:strVal val="1+#ppt_h/2"/>
+                                          </p:val>
+                                        </p:tav>
+                                        <p:tav tm="100000">
+                                          <p:val>
+                                            <p:strVal val="#ppt_y"/>
+                                          </p:val>
+                                        </p:tav>
+                                      </p:tavLst>
+                                    </p:anim>
+                                  </p:childTnLst>
+                                </p:cTn>
+                              </p:par>
+                            </p:childTnLst>
+                          </p:cTn>
+                        </p:par>
+                        <p:par>
+                          <p:cTn id="9" fill="hold">
+                            <p:stCondLst>
+                              <p:cond delay="500"/>
+                            </p:stCondLst>
+                            <p:childTnLst>
+                              <p:par>
+                                <p:cTn id="10" presetID="16" presetClass="entr" presetSubtype="21" fill="hold" nodeType="afterEffect">
+                                  <p:stCondLst>
+                                    <p:cond delay="0"/>
+                                  </p:stCondLst>
+                                  <p:childTnLst>
+                                    <p:set>
+                                      <p:cBhvr>
+                                        <p:cTn id="11" dur="1" fill="hold">
+                                          <p:stCondLst>
+                                            <p:cond delay="0"/>
+                                          </p:stCondLst>
+                                        </p:cTn>
+                                        <p:tgtEl>
+                                          <p:spTgt spid="4"/>
+                                        </p:tgtEl>
+                                        <p:attrNameLst>
+                                          <p:attrName>style.visibility</p:attrName>
+                                        </p:attrNameLst>
+                                      </p:cBhvr>
+                                      <p:to>
+                                        <p:strVal val="visible"/>
+                                      </p:to>
+                                    </p:set>
+                                    <p:animEffect transition="in" filter="barn(inVertical)">
+                                      <p:cBhvr>
+                                        <p:cTn id="12" dur="500"/>
+                                        <p:tgtEl>
+                                          <p:spTgt spid="4"/>
+                                        </p:tgtEl>
+                                      </p:cBhvr>
+                                    </p:animEffect>
+                                  </p:childTnLst>
+                                </p:cTn>
+                              </p:par>
+                            </p:childTnLst>
+                          </p:cTn>
+                        </p:par>
+                      </p:childTnLst>
+                    </p:cTn>
+                  </p:par>
+                  <p:par>
+                    <p:cTn id="13" fill="hold">
+                      <p:stCondLst>
+                        <p:cond delay="indefinite"/>
+                      </p:stCondLst>
+                      <p:childTnLst>
+                        <p:par>
+                          <p:cTn id="14" fill="hold">
+                            <p:stCondLst>
+                              <p:cond delay="0"/>
+                            </p:stCondLst>
+                            <p:childTnLst>
+                              <p:par>
+                                <p:cTn id="15" presetID="2" presetClass="entr" presetSubtype="4" fill="hold" nodeType="clickEffect">
+                                  <p:stCondLst>
+                                    <p:cond delay="0"/>
+                                  </p:stCondLst>
+                                  <p:childTnLst>
+                                    <p:set>
+                                      <p:cBhvr>
+                                        <p:cTn id="16" dur="1" fill="hold">
+                                          <p:stCondLst>
+                                            <p:cond delay="0"/>
+                                          </p:stCondLst>
+                                        </p:cTn>
+                                        <p:tgtEl>
+                                          <p:spTgt spid="3">
+                                            <p:txEl>
+                                              <p:pRg st="2" end="2"/>
+                                            </p:txEl>
+                                          </p:spTgt>
+                                        </p:tgtEl>
+                                        <p:attrNameLst>
+                                          <p:attrName>style.visibility</p:attrName>
+                                        </p:attrNameLst>
+                                      </p:cBhvr>
+                                      <p:to>
+                                        <p:strVal val="visible"/>
+                                      </p:to>
+                                    </p:set>
+                                    <p:anim calcmode="lin" valueType="num">
+                                      <p:cBhvr additive="base">
+                                        <p:cTn id="17" dur="500" fill="hold"/>
+                                        <p:tgtEl>
+                                          <p:spTgt spid="3">
+                                            <p:txEl>
+                                              <p:pRg st="2" end="2"/>
+                                            </p:txEl>
+                                          </p:spTgt>
+                                        </p:tgtEl>
+                                        <p:attrNameLst>
+                                          <p:attrName>ppt_x</p:attrName>
+                                        </p:attrNameLst>
+                                      </p:cBhvr>
+                                      <p:tavLst>
+                                        <p:tav tm="0">
+                                          <p:val>
+                                            <p:strVal val="#ppt_x"/>
+                                          </p:val>
+                                        </p:tav>
+                                        <p:tav tm="100000">
+                                          <p:val>
+                                            <p:strVal val="#ppt_x"/>
+                                          </p:val>
+                                        </p:tav>
+                                      </p:tavLst>
+                                    </p:anim>
+                                    <p:anim calcmode="lin" valueType="num">
+                                      <p:cBhvr additive="base">
+                                        <p:cTn id="18" dur="500" fill="hold"/>
+                                        <p:tgtEl>
+                                          <p:spTgt spid="3">
+                                            <p:txEl>
+                                              <p:pRg st="2" end="2"/>
+                                            </p:txEl>
+                                          </p:spTgt>
+                                        </p:tgtEl>
+                                        <p:attrNameLst>
+                                          <p:attrName>ppt_y</p:attrName>
+                                        </p:attrNameLst>
+                                      </p:cBhvr>
+                                      <p:tavLst>
+                                        <p:tav tm="0">
+                                          <p:val>
+                                            <p:strVal val="1+#ppt_h/2"/>
+                                          </p:val>
+                                        </p:tav>
+                                        <p:tav tm="100000">
+                                          <p:val>
+                                            <p:strVal val="#ppt_y"/>
+                                          </p:val>
+                                        </p:tav>
+                                      </p:tavLst>
+                                    </p:anim>
+                                  </p:childTnLst>
+                                </p:cTn>
+                              </p:par>
+                            </p:childTnLst>
+                          </p:cTn>
+                        </p:par>
+                      </p:childTnLst>
+                    </p:cTn>
+                  </p:par>
+                  <p:par>
+                    <p:cTn id="19" fill="hold">
+                      <p:stCondLst>
+                        <p:cond delay="indefinite"/>
+                      </p:stCondLst>
+                      <p:childTnLst>
+                        <p:par>
+                          <p:cTn id="20" fill="hold">
+                            <p:stCondLst>
+                              <p:cond delay="0"/>
+                            </p:stCondLst>
+                            <p:childTnLst>
+                              <p:par>
+                                <p:cTn id="21" presetID="2" presetClass="entr" presetSubtype="4" fill="hold" nodeType="clickEffect">
+                                  <p:stCondLst>
+                                    <p:cond delay="0"/>
+                                  </p:stCondLst>
+                                  <p:childTnLst>
+                                    <p:set>
+                                      <p:cBhvr>
+                                        <p:cTn id="22" dur="1" fill="hold">
+                                          <p:stCondLst>
+                                            <p:cond delay="0"/>
+                                          </p:stCondLst>
+                                        </p:cTn>
+                                        <p:tgtEl>
+                                          <p:spTgt spid="3">
+                                            <p:txEl>
+                                              <p:pRg st="3" end="3"/>
+                                            </p:txEl>
+                                          </p:spTgt>
+                                        </p:tgtEl>
+                                        <p:attrNameLst>
+                                          <p:attrName>style.visibility</p:attrName>
+                                        </p:attrNameLst>
+                                      </p:cBhvr>
+                                      <p:to>
+                                        <p:strVal val="visible"/>
+                                      </p:to>
+                                    </p:set>
+                                    <p:anim calcmode="lin" valueType="num">
+                                      <p:cBhvr additive="base">
+                                        <p:cTn id="23" dur="500" fill="hold"/>
+                                        <p:tgtEl>
+                                          <p:spTgt spid="3">
+                                            <p:txEl>
+                                              <p:pRg st="3" end="3"/>
+                                            </p:txEl>
+                                          </p:spTgt>
+                                        </p:tgtEl>
+                                        <p:attrNameLst>
+                                          <p:attrName>ppt_x</p:attrName>
+                                        </p:attrNameLst>
+                                      </p:cBhvr>
+                                      <p:tavLst>
+                                        <p:tav tm="0">
+                                          <p:val>
+                                            <p:strVal val="#ppt_x"/>
+                                          </p:val>
+                                        </p:tav>
+                                        <p:tav tm="100000">
+                                          <p:val>
+                                            <p:strVal val="#ppt_x"/>
+                                          </p:val>
+                                        </p:tav>
+                                      </p:tavLst>
+                                    </p:anim>
+                                    <p:anim calcmode="lin" valueType="num">
+                                      <p:cBhvr additive="base">
+                                        <p:cTn id="24" dur="500" fill="hold"/>
+                                        <p:tgtEl>
+                                          <p:spTgt spid="3">
+                                            <p:txEl>
+                                              <p:pRg st="3" end="3"/>
+                                            </p:txEl>
+                                          </p:spTgt>
+                                        </p:tgtEl>
+                                        <p:attrNameLst>
+                                          <p:attrName>ppt_y</p:attrName>
+                                        </p:attrNameLst>
+                                      </p:cBhvr>
+                                      <p:tavLst>
+                                        <p:tav tm="0">
+                                          <p:val>
+                                            <p:strVal val="1+#ppt_h/2"/>
+                                          </p:val>
+                                        </p:tav>
+                                        <p:tav tm="100000">
+                                          <p:val>
+                                            <p:strVal val="#ppt_y"/>
+                                          </p:val>
+                                        </p:tav>
+                                      </p:tavLst>
+                                    </p:anim>
+                                  </p:childTnLst>
+                                </p:cTn>
+                              </p:par>
+                            </p:childTnLst>
+                          </p:cTn>
+                        </p:par>
+                      </p:childTnLst>
+                    </p:cTn>
+                  </p:par>
+                  <p:par>
+                    <p:cTn id="25" fill="hold">
+                      <p:stCondLst>
+                        <p:cond delay="indefinite"/>
+                      </p:stCondLst>
+                      <p:childTnLst>
+                        <p:par>
+                          <p:cTn id="26" fill="hold">
+                            <p:stCondLst>
+                              <p:cond delay="0"/>
+                            </p:stCondLst>
+                            <p:childTnLst>
+                              <p:par>
+                                <p:cTn id="27" presetID="2" presetClass="entr" presetSubtype="4" fill="hold" nodeType="clickEffect">
+                                  <p:stCondLst>
+                                    <p:cond delay="0"/>
+                                  </p:stCondLst>
+                                  <p:childTnLst>
+                                    <p:set>
+                                      <p:cBhvr>
+                                        <p:cTn id="28" dur="1" fill="hold">
+                                          <p:stCondLst>
+                                            <p:cond delay="0"/>
+                                          </p:stCondLst>
+                                        </p:cTn>
+                                        <p:tgtEl>
+                                          <p:spTgt spid="3">
+                                            <p:txEl>
+                                              <p:pRg st="4" end="4"/>
+                                            </p:txEl>
+                                          </p:spTgt>
+                                        </p:tgtEl>
+                                        <p:attrNameLst>
+                                          <p:attrName>style.visibility</p:attrName>
+                                        </p:attrNameLst>
+                                      </p:cBhvr>
+                                      <p:to>
+                                        <p:strVal val="visible"/>
+                                      </p:to>
+                                    </p:set>
+                                    <p:anim calcmode="lin" valueType="num">
+                                      <p:cBhvr additive="base">
+                                        <p:cTn id="29" dur="500" fill="hold"/>
+                                        <p:tgtEl>
+                                          <p:spTgt spid="3">
+                                            <p:txEl>
+                                              <p:pRg st="4" end="4"/>
+                                            </p:txEl>
+                                          </p:spTgt>
+                                        </p:tgtEl>
+                                        <p:attrNameLst>
+                                          <p:attrName>ppt_x</p:attrName>
+                                        </p:attrNameLst>
+                                      </p:cBhvr>
+                                      <p:tavLst>
+                                        <p:tav tm="0">
+                                          <p:val>
+                                            <p:strVal val="#ppt_x"/>
+                                          </p:val>
+                                        </p:tav>
+                                        <p:tav tm="100000">
+                                          <p:val>
+                                            <p:strVal val="#ppt_x"/>
+                                          </p:val>
+                                        </p:tav>
+                                      </p:tavLst>
+                                    </p:anim>
+                                    <p:anim calcmode="lin" valueType="num">
+                                      <p:cBhvr additive="base">
+                                        <p:cTn id="30" dur="500" fill="hold"/>
+                                        <p:tgtEl>
+                                          <p:spTgt spid="3">
+                                            <p:txEl>
+                                              <p:pRg st="4" end="4"/>
+                                            </p:txEl>
+                                          </p:spTgt>
+                                        </p:tgtEl>
+                                        <p:attrNameLst>
+                                          <p:attrName>ppt_y</p:attrName>
+                                        </p:attrNameLst>
+                                      </p:cBhvr>
+                                      <p:tavLst>
+                                        <p:tav tm="0">
+                                          <p:val>
+                                            <p:strVal val="1+#ppt_h/2"/>
+                                          </p:val>
+                                        </p:tav>
+                                        <p:tav tm="100000">
+                                          <p:val>
+                                            <p:strVal val="#ppt_y"/>
+                                          </p:val>
+                                        </p:tav>
+                                      </p:tavLst>
+                                    </p:anim>
+                                  </p:childTnLst>
+                                </p:cTn>
+                              </p:par>
+                            </p:childTnLst>
+                          </p:cTn>
+                        </p:par>
+                      </p:childTnLst>
+                    </p:cTn>
+                  </p:par>
+                  <p:par>
+                    <p:cTn id="31" fill="hold">
+                      <p:stCondLst>
+                        <p:cond delay="indefinite"/>
+                      </p:stCondLst>
+                      <p:childTnLst>
+                        <p:par>
+                          <p:cTn id="32" fill="hold">
+                            <p:stCondLst>
+                              <p:cond delay="0"/>
+                            </p:stCondLst>
+                            <p:childTnLst>
+                              <p:par>
+                                <p:cTn id="33" presetID="2" presetClass="entr" presetSubtype="4" fill="hold" nodeType="clickEffect">
+                                  <p:stCondLst>
+                                    <p:cond delay="0"/>
+                                  </p:stCondLst>
+                                  <p:childTnLst>
+                                    <p:set>
+                                      <p:cBhvr>
+                                        <p:cTn id="34" dur="1" fill="hold">
+                                          <p:stCondLst>
+                                            <p:cond delay="0"/>
+                                          </p:stCondLst>
+                                        </p:cTn>
+                                        <p:tgtEl>
+                                          <p:spTgt spid="3">
+                                            <p:txEl>
+                                              <p:pRg st="5" end="5"/>
+                                            </p:txEl>
+                                          </p:spTgt>
+                                        </p:tgtEl>
+                                        <p:attrNameLst>
+                                          <p:attrName>style.visibility</p:attrName>
+                                        </p:attrNameLst>
+                                      </p:cBhvr>
+                                      <p:to>
+                                        <p:strVal val="visible"/>
+                                      </p:to>
+                                    </p:set>
+                                    <p:anim calcmode="lin" valueType="num">
+                                      <p:cBhvr additive="base">
+                                        <p:cTn id="35" dur="500" fill="hold"/>
+                                        <p:tgtEl>
+                                          <p:spTgt spid="3">
+                                            <p:txEl>
+                                              <p:pRg st="5" end="5"/>
+                                            </p:txEl>
+                                          </p:spTgt>
+                                        </p:tgtEl>
+                                        <p:attrNameLst>
+                                          <p:attrName>ppt_x</p:attrName>
+                                        </p:attrNameLst>
+                                      </p:cBhvr>
+                                      <p:tavLst>
+                                        <p:tav tm="0">
+                                          <p:val>
+                                            <p:strVal val="#ppt_x"/>
+                                          </p:val>
+                                        </p:tav>
+                                        <p:tav tm="100000">
+                                          <p:val>
+                                            <p:strVal val="#ppt_x"/>
+                                          </p:val>
+                                        </p:tav>
+                                      </p:tavLst>
+                                    </p:anim>
+                                    <p:anim calcmode="lin" valueType="num">
+                                      <p:cBhvr additive="base">
+                                        <p:cTn id="36" dur="500" fill="hold"/>
+                                        <p:tgtEl>
+                                          <p:spTgt spid="3">
+                                            <p:txEl>
+                                              <p:pRg st="5" end="5"/>
+                                            </p:txEl>
+                                          </p:spTgt>
+                                        </p:tgtEl>
+                                        <p:attrNameLst>
+                                          <p:attrName>ppt_y</p:attrName>
+                                        </p:attrNameLst>
+                                      </p:cBhvr>
+                                      <p:tavLst>
+                                        <p:tav tm="0">
+                                          <p:val>
+                                            <p:strVal val="1+#ppt_h/2"/>
+                                          </p:val>
+                                        </p:tav>
+                                        <p:tav tm="100000">
+                                          <p:val>
+                                            <p:strVal val="#ppt_y"/>
+                                          </p:val>
+                                        </p:tav>
+                                      </p:tavLst>
+                                    </p:anim>
+                                  </p:childTnLst>
+                                </p:cTn>
+                              </p:par>
+                            </p:childTnLst>
+                          </p:cTn>
+                        </p:par>
+                      </p:childTnLst>
+                    </p:cTn>
+                  </p:par>
+                  <p:par>
+                    <p:cTn id="37" fill="hold">
+                      <p:stCondLst>
+                        <p:cond delay="indefinite"/>
+                      </p:stCondLst>
+                      <p:childTnLst>
+                        <p:par>
+                          <p:cTn id="38" fill="hold">
+                            <p:stCondLst>
+                              <p:cond delay="0"/>
+                            </p:stCondLst>
+                            <p:childTnLst>
+                              <p:par>
+                                <p:cTn id="39" presetID="2" presetClass="entr" presetSubtype="4" fill="hold" nodeType="clickEffect">
+                                  <p:stCondLst>
+                                    <p:cond delay="0"/>
+                                  </p:stCondLst>
+                                  <p:childTnLst>
+                                    <p:set>
+                                      <p:cBhvr>
+                                        <p:cTn id="40" dur="1" fill="hold">
+                                          <p:stCondLst>
+                                            <p:cond delay="0"/>
+                                          </p:stCondLst>
+                                        </p:cTn>
+                                        <p:tgtEl>
+                                          <p:spTgt spid="5">
+                                            <p:txEl>
+                                              <p:pRg st="0" end="0"/>
+                                            </p:txEl>
+                                          </p:spTgt>
+                                        </p:tgtEl>
+                                        <p:attrNameLst>
+                                          <p:attrName>style.visibility</p:attrName>
+                                        </p:attrNameLst>
+                                      </p:cBhvr>
+                                      <p:to>
+                                        <p:strVal val="visible"/>
+                                      </p:to>
+                                    </p:set>
+                                    <p:anim calcmode="lin" valueType="num">
+                                      <p:cBhvr additive="base">
+                                        <p:cTn id="41" dur="500" fill="hold"/>
+                                        <p:tgtEl>
+                                          <p:spTgt spid="5">
+                                            <p:txEl>
+                                              <p:pRg st="0" end="0"/>
+                                            </p:txEl>
+                                          </p:spTgt>
+                                        </p:tgtEl>
+                                        <p:attrNameLst>
+                                          <p:attrName>ppt_x</p:attrName>
+                                        </p:attrNameLst>
+                                      </p:cBhvr>
+                                      <p:tavLst>
+                                        <p:tav tm="0">
+                                          <p:val>
+                                            <p:strVal val="#ppt_x"/>
+                                          </p:val>
+                                        </p:tav>
+                                        <p:tav tm="100000">
+                                          <p:val>
+                                            <p:strVal val="#ppt_x"/>
+                                          </p:val>
+                                        </p:tav>
+                                      </p:tavLst>
+                                    </p:anim>
+                                    <p:anim calcmode="lin" valueType="num">
+                                      <p:cBhvr additive="base">
+                                        <p:cTn id="42" dur="500" fill="hold"/>
+                                        <p:tgtEl>
+                                          <p:spTgt spid="5">
+                                            <p:txEl>
+                                              <p:pRg st="0" end="0"/>
+                                            </p:txEl>
+                                          </p:spTgt>
+                                        </p:tgtEl>
+                                        <p:attrNameLst>
+                                          <p:attrName>ppt_y</p:attrName>
+                                        </p:attrNameLst>
+                                      </p:cBhvr>
+                                      <p:tavLst>
+                                        <p:tav tm="0">
+                                          <p:val>
+                                            <p:strVal val="1+#ppt_h/2"/>
+                                          </p:val>
+                                        </p:tav>
+                                        <p:tav tm="100000">
+                                          <p:val>
+                                            <p:strVal val="#ppt_y"/>
+                                          </p:val>
+                                        </p:tav>
+                                      </p:tavLst>
+                                    </p:anim>
+                                  </p:childTnLst>
+                                </p:cTn>
+                              </p:par>
+                              <p:par>
+                                <p:cTn id="43" presetID="2" presetClass="entr" presetSubtype="4" fill="hold" nodeType="withEffect">
+                                  <p:stCondLst>
+                                    <p:cond delay="0"/>
+                                  </p:stCondLst>
+                                  <p:childTnLst>
+                                    <p:set>
+                                      <p:cBhvr>
+                                        <p:cTn id="44" dur="1" fill="hold">
+                                          <p:stCondLst>
+                                            <p:cond delay="0"/>
+                                          </p:stCondLst>
+                                        </p:cTn>
+                                        <p:tgtEl>
+                                          <p:spTgt spid="5">
+                                            <p:txEl>
+                                              <p:pRg st="1" end="1"/>
+                                            </p:txEl>
+                                          </p:spTgt>
+                                        </p:tgtEl>
+                                        <p:attrNameLst>
+                                          <p:attrName>style.visibility</p:attrName>
+                                        </p:attrNameLst>
+                                      </p:cBhvr>
+                                      <p:to>
+                                        <p:strVal val="visible"/>
+                                      </p:to>
+                                    </p:set>
+                                    <p:anim calcmode="lin" valueType="num">
+                                      <p:cBhvr additive="base">
+                                        <p:cTn id="45" dur="500" fill="hold"/>
+                                        <p:tgtEl>
+                                          <p:spTgt spid="5">
+                                            <p:txEl>
+                                              <p:pRg st="1" end="1"/>
+                                            </p:txEl>
+                                          </p:spTgt>
+                                        </p:tgtEl>
+                                        <p:attrNameLst>
+                                          <p:attrName>ppt_x</p:attrName>
+                                        </p:attrNameLst>
+                                      </p:cBhvr>
+                                      <p:tavLst>
+                                        <p:tav tm="0">
+                                          <p:val>
+                                            <p:strVal val="#ppt_x"/>
+                                          </p:val>
+                                        </p:tav>
+                                        <p:tav tm="100000">
+                                          <p:val>
+                                            <p:strVal val="#ppt_x"/>
+                                          </p:val>
+                                        </p:tav>
+                                      </p:tavLst>
+                                    </p:anim>
+                                    <p:anim calcmode="lin" valueType="num">
+                                      <p:cBhvr additive="base">
+                                        <p:cTn id="46" dur="500" fill="hold"/>
+                                        <p:tgtEl>
+                                          <p:spTgt spid="5">
+                                            <p:txEl>
+                                              <p:pRg st="1" end="1"/>
+                                            </p:txEl>
+                                          </p:spTgt>
+                                        </p:tgtEl>
+                                        <p:attrNameLst>
+                                          <p:attrName>ppt_y</p:attrName>
+                                        </p:attrNameLst>
+                                      </p:cBhvr>
+                                      <p:tavLst>
+                                        <p:tav tm="0">
+                                          <p:val>
+                                            <p:strVal val="1+#ppt_h/2"/>
+                                          </p:val>
+                                        </p:tav>
+                                        <p:tav tm="100000">
+                                          <p:val>
+                                            <p:strVal val="#ppt_y"/>
+                                          </p:val>
+                                        </p:tav>
+                                      </p:tavLst>
+                                    </p:anim>
+                                  </p:childTnLst>
+                                </p:cTn>
+                              </p:par>
+                            </p:childTnLst>
+                          </p:cTn>
+                        </p:par>
+                      </p:childTnLst>
+                    </p:cTn>
+                  </p:par>
+                  <p:par>
+                    <p:cTn id="47" fill="hold">
+                      <p:stCondLst>
+                        <p:cond delay="indefinite"/>
+                      </p:stCondLst>
+                      <p:childTnLst>
+                        <p:par>
+                          <p:cTn id="48" fill="hold">
+                            <p:stCondLst>
+                              <p:cond delay="0"/>
+                            </p:stCondLst>
+                            <p:childTnLst>
+                              <p:par>
+                                <p:cTn id="49" presetID="2" presetClass="entr" presetSubtype="4" fill="hold" nodeType="clickEffect">
+                                  <p:stCondLst>
+                                    <p:cond delay="0"/>
+                                  </p:stCondLst>
+                                  <p:childTnLst>
+                                    <p:set>
+                                      <p:cBhvr>
+                                        <p:cTn id="50" dur="1" fill="hold">
+                                          <p:stCondLst>
+                                            <p:cond delay="0"/>
+                                          </p:stCondLst>
+                                        </p:cTn>
+                                        <p:tgtEl>
+                                          <p:spTgt spid="5">
+                                            <p:txEl>
+                                              <p:pRg st="3" end="3"/>
+                                            </p:txEl>
+                                          </p:spTgt>
+                                        </p:tgtEl>
+                                        <p:attrNameLst>
+                                          <p:attrName>style.visibility</p:attrName>
+                                        </p:attrNameLst>
+                                      </p:cBhvr>
+                                      <p:to>
+                                        <p:strVal val="visible"/>
+                                      </p:to>
+                                    </p:set>
+                                    <p:anim calcmode="lin" valueType="num">
+                                      <p:cBhvr additive="base">
+                                        <p:cTn id="51" dur="500" fill="hold"/>
+                                        <p:tgtEl>
+                                          <p:spTgt spid="5">
+                                            <p:txEl>
+                                              <p:pRg st="3" end="3"/>
+                                            </p:txEl>
+                                          </p:spTgt>
+                                        </p:tgtEl>
+                                        <p:attrNameLst>
+                                          <p:attrName>ppt_x</p:attrName>
+                                        </p:attrNameLst>
+                                      </p:cBhvr>
+                                      <p:tavLst>
+                                        <p:tav tm="0">
+                                          <p:val>
+                                            <p:strVal val="#ppt_x"/>
+                                          </p:val>
+                                        </p:tav>
+                                        <p:tav tm="100000">
+                                          <p:val>
+                                            <p:strVal val="#ppt_x"/>
+                                          </p:val>
+                                        </p:tav>
+                                      </p:tavLst>
+                                    </p:anim>
+                                    <p:anim calcmode="lin" valueType="num">
+                                      <p:cBhvr additive="base">
+                                        <p:cTn id="52" dur="500" fill="hold"/>
+                                        <p:tgtEl>
+                                          <p:spTgt spid="5">
+                                            <p:txEl>
+                                              <p:pRg st="3" end="3"/>
+                                            </p:txEl>
+                                          </p:spTgt>
+                                        </p:tgtEl>
+                                        <p:attrNameLst>
+                                          <p:attrName>ppt_y</p:attrName>
+                                        </p:attrNameLst>
+                                      </p:cBhvr>
+                                      <p:tavLst>
+                                        <p:tav tm="0">
+                                          <p:val>
+                                            <p:strVal val="1+#ppt_h/2"/>
+                                          </p:val>
+                                        </p:tav>
+                                        <p:tav tm="100000">
+                                          <p:val>
+                                            <p:strVal val="#ppt_y"/>
+                                          </p:val>
+                                        </p:tav>
+                                      </p:tavLst>
+                                    </p:anim>
+                                  </p:childTnLst>
+                                </p:cTn>
+                              </p:par>
+                              <p:par>
+                                <p:cTn id="53" presetID="2" presetClass="entr" presetSubtype="4" fill="hold" nodeType="withEffect">
+                                  <p:stCondLst>
+                                    <p:cond delay="0"/>
+                                  </p:stCondLst>
+                                  <p:childTnLst>
+                                    <p:set>
+                                      <p:cBhvr>
+                                        <p:cTn id="54" dur="1" fill="hold">
+                                          <p:stCondLst>
+                                            <p:cond delay="0"/>
+                                          </p:stCondLst>
+                                        </p:cTn>
+                                        <p:tgtEl>
+                                          <p:spTgt spid="5">
+                                            <p:txEl>
+                                              <p:pRg st="4" end="4"/>
+                                            </p:txEl>
+                                          </p:spTgt>
+                                        </p:tgtEl>
+                                        <p:attrNameLst>
+                                          <p:attrName>style.visibility</p:attrName>
+                                        </p:attrNameLst>
+                                      </p:cBhvr>
+                                      <p:to>
+                                        <p:strVal val="visible"/>
+                                      </p:to>
+                                    </p:set>
+                                    <p:anim calcmode="lin" valueType="num">
+                                      <p:cBhvr additive="base">
+                                        <p:cTn id="55" dur="500" fill="hold"/>
+                                        <p:tgtEl>
+                                          <p:spTgt spid="5">
+                                            <p:txEl>
+                                              <p:pRg st="4" end="4"/>
+                                            </p:txEl>
+                                          </p:spTgt>
+                                        </p:tgtEl>
+                                        <p:attrNameLst>
+                                          <p:attrName>ppt_x</p:attrName>
+                                        </p:attrNameLst>
+                                      </p:cBhvr>
+                                      <p:tavLst>
+                                        <p:tav tm="0">
+                                          <p:val>
+                                            <p:strVal val="#ppt_x"/>
+                                          </p:val>
+                                        </p:tav>
+                                        <p:tav tm="100000">
+                                          <p:val>
+                                            <p:strVal val="#ppt_x"/>
+                                          </p:val>
+                                        </p:tav>
+                                      </p:tavLst>
+                                    </p:anim>
+                                    <p:anim calcmode="lin" valueType="num">
+                                      <p:cBhvr additive="base">
+                                        <p:cTn id="56" dur="500" fill="hold"/>
+                                        <p:tgtEl>
+                                          <p:spTgt spid="5">
+                                            <p:txEl>
+                                              <p:pRg st="4" end="4"/>
+                                            </p:txEl>
+                                          </p:spTgt>
+                                        </p:tgtEl>
+                                        <p:attrNameLst>
+                                          <p:attrName>ppt_y</p:attrName>
+                                        </p:attrNameLst>
+                                      </p:cBhvr>
+                                      <p:tavLst>
+                                        <p:tav tm="0">
+                                          <p:val>
+                                            <p:strVal val="1+#ppt_h/2"/>
+                                          </p:val>
+                                        </p:tav>
+                                        <p:tav tm="100000">
+                                          <p:val>
+                                            <p:strVal val="#ppt_y"/>
+                                          </p:val>
+                                        </p:tav>
+                                      </p:tavLst>
+                                    </p:anim>
+                                  </p:childTnLst>
+                                </p:cTn>
+                              </p:par>
+                            </p:childTnLst>
+                          </p:cTn>
+                        </p:par>
+                      </p:childTnLst>
+                    </p:cTn>
+                  </p:par>
+                </p:childTnLst>
+              </p:cTn>
+              <p:prevCondLst>
+                <p:cond evt="onPrev" delay="0">
+                  <p:tgtEl>
+                    <p:sldTgt/>
+                  </p:tgtEl>
+                </p:cond>
+              </p:prevCondLst>
+              <p:nextCondLst>
+                <p:cond evt="onNext" delay="0">
+                  <p:tgtEl>
+                    <p:sldTgt/>
+                  </p:tgtEl>
+                </p:cond>
+              </p:nextCondLst>
+            </p:seq>
+          </p:childTnLst>
+        </p:cTn>
+      </p:par>
+    </p:tnLst>
+  </p:timing>
+</p:sld>
+</file>
+
+<file path=ppt/slides/slide22.xml><?xml version="1.0" encoding="utf-8"?>
+<p:sld xmlns:a="http://schemas.openxmlformats.org/drawingml/2006/main" xmlns:r="http://schemas.openxmlformats.org/officeDocument/2006/relationships" xmlns:p="http://schemas.openxmlformats.org/presentationml/2006/main">
+  <p:cSld>
+    <p:spTree>
+      <p:nvGrpSpPr>
+        <p:cNvPr id="1" name=""/>
+        <p:cNvGrpSpPr/>
+        <p:nvPr/>
+      </p:nvGrpSpPr>
+      <p:grpSpPr>
+        <a:xfrm>
+          <a:off x="0" y="0"/>
+          <a:ext cx="0" cy="0"/>
+          <a:chOff x="0" y="0"/>
+          <a:chExt cx="0" cy="0"/>
+        </a:xfrm>
+      </p:grpSpPr>
+      <p:sp>
+        <p:nvSpPr>
+          <p:cNvPr id="2" name="Title 1">
+            <a:extLst>
+              <a:ext uri="{FF2B5EF4-FFF2-40B4-BE49-F238E27FC236}">
+                <a16:creationId xmlns:a16="http://schemas.microsoft.com/office/drawing/2014/main" id="{F6EFE667-D260-4819-9B91-63FEC74B65DF}"/>
+              </a:ext>
+            </a:extLst>
+          </p:cNvPr>
+          <p:cNvSpPr>
+            <a:spLocks noGrp="1"/>
+          </p:cNvSpPr>
+          <p:nvPr>
+            <p:ph type="title"/>
+          </p:nvPr>
+        </p:nvSpPr>
+        <p:spPr>
+          <a:xfrm>
+            <a:off x="665550" y="382056"/>
+            <a:ext cx="1924389" cy="725210"/>
+          </a:xfrm>
+        </p:spPr>
+        <p:txBody>
+          <a:bodyPr/>
+          <a:lstStyle/>
+          <a:p>
+            <a:r>
+              <a:rPr lang="en-GB" dirty="0"/>
+              <a:t>ZADACI</a:t>
+            </a:r>
+          </a:p>
+        </p:txBody>
+      </p:sp>
+      <p:sp>
+        <p:nvSpPr>
+          <p:cNvPr id="3" name="Content Placeholder 2">
+            <a:extLst>
+              <a:ext uri="{FF2B5EF4-FFF2-40B4-BE49-F238E27FC236}">
+                <a16:creationId xmlns:a16="http://schemas.microsoft.com/office/drawing/2014/main" id="{0A9218F1-0370-4D46-80CA-E679D6AD0358}"/>
+              </a:ext>
+            </a:extLst>
+          </p:cNvPr>
+          <p:cNvSpPr>
+            <a:spLocks noGrp="1"/>
+          </p:cNvSpPr>
+          <p:nvPr>
+            <p:ph idx="1"/>
+          </p:nvPr>
+        </p:nvSpPr>
+        <p:spPr>
+          <a:xfrm>
+            <a:off x="96590" y="1576168"/>
+            <a:ext cx="5359330" cy="4525846"/>
+          </a:xfrm>
+        </p:spPr>
+        <p:txBody>
+          <a:bodyPr>
+            <a:normAutofit/>
+          </a:bodyPr>
+          <a:lstStyle/>
+          <a:p>
+            <a:r>
+              <a:rPr lang="bs-Latn-BA" sz="2200" dirty="0">
+                <a:solidFill>
+                  <a:schemeClr val="tx1"/>
+                </a:solidFill>
+              </a:rPr>
+              <a:t>Napisati rješenje prethodnog zadatka na svoj način.</a:t>
+            </a:r>
+          </a:p>
+          <a:p>
+            <a:endParaRPr lang="bs-Latn-BA" sz="2200" dirty="0">
+              <a:solidFill>
+                <a:schemeClr val="tx1"/>
+              </a:solidFill>
+            </a:endParaRPr>
+          </a:p>
+          <a:p>
+            <a:endParaRPr lang="bs-Latn-BA" sz="2200" dirty="0">
+              <a:solidFill>
+                <a:schemeClr val="tx1"/>
+              </a:solidFill>
+            </a:endParaRPr>
+          </a:p>
+          <a:p>
+            <a:r>
+              <a:rPr lang="bs-Latn-BA" sz="2200" dirty="0">
+                <a:solidFill>
+                  <a:schemeClr val="tx1"/>
+                </a:solidFill>
+              </a:rPr>
+              <a:t>Dužina fudbalskog terena je 115 metara, a širina 80 metara. Ana trči po pravougaonoj stazi koja je sa svake strane terena spolja udaljena po 5 metara. Koliko ona pretrči, ako se zna da je otrčala teren 3 puta?</a:t>
+            </a:r>
+          </a:p>
+          <a:p>
+            <a:endParaRPr lang="bs-Latn-BA" sz="2200" dirty="0">
+              <a:solidFill>
+                <a:schemeClr val="tx1"/>
+              </a:solidFill>
+            </a:endParaRPr>
+          </a:p>
+        </p:txBody>
+      </p:sp>
+      <p:pic>
+        <p:nvPicPr>
+          <p:cNvPr id="4" name="Picture 3">
+            <a:extLst>
+              <a:ext uri="{FF2B5EF4-FFF2-40B4-BE49-F238E27FC236}">
+                <a16:creationId xmlns:a16="http://schemas.microsoft.com/office/drawing/2014/main" id="{34CD48B9-780F-4492-8B2C-3402E76BBE3D}"/>
+              </a:ext>
+            </a:extLst>
+          </p:cNvPr>
+          <p:cNvPicPr>
+            <a:picLocks noChangeAspect="1"/>
+          </p:cNvPicPr>
+          <p:nvPr/>
+        </p:nvPicPr>
+        <p:blipFill>
+          <a:blip r:embed="rId2"/>
+          <a:stretch>
+            <a:fillRect/>
+          </a:stretch>
+        </p:blipFill>
+        <p:spPr>
+          <a:xfrm>
+            <a:off x="6477000" y="0"/>
+            <a:ext cx="5715000" cy="3952875"/>
+          </a:xfrm>
+          <a:prstGeom prst="rect">
+            <a:avLst/>
+          </a:prstGeom>
+        </p:spPr>
+      </p:pic>
+    </p:spTree>
+    <p:extLst>
+      <p:ext uri="{BB962C8B-B14F-4D97-AF65-F5344CB8AC3E}">
+        <p14:creationId xmlns:p14="http://schemas.microsoft.com/office/powerpoint/2010/main" val="718573831"/>
+      </p:ext>
+    </p:extLst>
+  </p:cSld>
+  <p:clrMapOvr>
+    <a:masterClrMapping/>
+  </p:clrMapOvr>
+  <p:transition spd="slow">
+    <p:randomBar dir="vert"/>
+  </p:transition>
+  <p:timing>
+    <p:tnLst>
+      <p:par>
+        <p:cTn id="1" dur="indefinite" restart="never" nodeType="tmRoot">
+          <p:childTnLst>
+            <p:seq concurrent="1" nextAc="seek">
+              <p:cTn id="2" dur="indefinite" nodeType="mainSeq">
+                <p:childTnLst>
+                  <p:par>
+                    <p:cTn id="3" fill="hold">
+                      <p:stCondLst>
+                        <p:cond delay="indefinite"/>
+                        <p:cond evt="onBegin" delay="0">
+                          <p:tn val="2"/>
+                        </p:cond>
+                      </p:stCondLst>
+                      <p:childTnLst>
+                        <p:par>
+                          <p:cTn id="4" fill="hold">
+                            <p:stCondLst>
+                              <p:cond delay="0"/>
+                            </p:stCondLst>
+                            <p:childTnLst>
+                              <p:par>
+                                <p:cTn id="5" presetID="16" presetClass="entr" presetSubtype="21" fill="hold" nodeType="afterEffect">
+                                  <p:stCondLst>
+                                    <p:cond delay="0"/>
+                                  </p:stCondLst>
+                                  <p:childTnLst>
+                                    <p:set>
+                                      <p:cBhvr>
+                                        <p:cTn id="6" dur="1" fill="hold">
+                                          <p:stCondLst>
+                                            <p:cond delay="0"/>
+                                          </p:stCondLst>
+                                        </p:cTn>
+                                        <p:tgtEl>
+                                          <p:spTgt spid="4"/>
+                                        </p:tgtEl>
+                                        <p:attrNameLst>
+                                          <p:attrName>style.visibility</p:attrName>
+                                        </p:attrNameLst>
+                                      </p:cBhvr>
+                                      <p:to>
+                                        <p:strVal val="visible"/>
+                                      </p:to>
+                                    </p:set>
+                                    <p:animEffect transition="in" filter="barn(inVertical)">
+                                      <p:cBhvr>
+                                        <p:cTn id="7" dur="500"/>
+                                        <p:tgtEl>
+                                          <p:spTgt spid="4"/>
+                                        </p:tgtEl>
+                                      </p:cBhvr>
+                                    </p:animEffect>
+                                  </p:childTnLst>
+                                </p:cTn>
+                              </p:par>
+                            </p:childTnLst>
+                          </p:cTn>
+                        </p:par>
+                      </p:childTnLst>
+                    </p:cTn>
+                  </p:par>
+                </p:childTnLst>
+              </p:cTn>
+              <p:prevCondLst>
+                <p:cond evt="onPrev" delay="0">
+                  <p:tgtEl>
+                    <p:sldTgt/>
+                  </p:tgtEl>
+                </p:cond>
+              </p:prevCondLst>
+              <p:nextCondLst>
+                <p:cond evt="onNext" delay="0">
+                  <p:tgtEl>
+                    <p:sldTgt/>
+                  </p:tgtEl>
+                </p:cond>
+              </p:nextCondLst>
+            </p:seq>
+          </p:childTnLst>
+        </p:cTn>
+      </p:par>
+    </p:tnLst>
+  </p:timing>
+</p:sld>
+</file>
+
+<file path=ppt/slides/slide23.xml><?xml version="1.0" encoding="utf-8"?>
+<p:sld xmlns:a="http://schemas.openxmlformats.org/drawingml/2006/main" xmlns:r="http://schemas.openxmlformats.org/officeDocument/2006/relationships" xmlns:p="http://schemas.openxmlformats.org/presentationml/2006/main">
+  <p:cSld>
+    <p:spTree>
+      <p:nvGrpSpPr>
+        <p:cNvPr id="1" name=""/>
+        <p:cNvGrpSpPr/>
+        <p:nvPr/>
+      </p:nvGrpSpPr>
+      <p:grpSpPr>
+        <a:xfrm>
+          <a:off x="0" y="0"/>
+          <a:ext cx="0" cy="0"/>
+          <a:chOff x="0" y="0"/>
+          <a:chExt cx="0" cy="0"/>
+        </a:xfrm>
+      </p:grpSpPr>
+      <p:sp>
+        <p:nvSpPr>
+          <p:cNvPr id="2" name="Title 1">
+            <a:extLst>
+              <a:ext uri="{FF2B5EF4-FFF2-40B4-BE49-F238E27FC236}">
+                <a16:creationId xmlns:a16="http://schemas.microsoft.com/office/drawing/2014/main" id="{F6EFE667-D260-4819-9B91-63FEC74B65DF}"/>
+              </a:ext>
+            </a:extLst>
+          </p:cNvPr>
+          <p:cNvSpPr>
+            <a:spLocks noGrp="1"/>
+          </p:cNvSpPr>
+          <p:nvPr>
+            <p:ph type="title"/>
+          </p:nvPr>
+        </p:nvSpPr>
+        <p:spPr>
+          <a:xfrm>
+            <a:off x="665550" y="382056"/>
+            <a:ext cx="1924389" cy="725210"/>
+          </a:xfrm>
+        </p:spPr>
+        <p:txBody>
+          <a:bodyPr/>
+          <a:lstStyle/>
+          <a:p>
+            <a:r>
+              <a:rPr lang="en-GB" dirty="0"/>
+              <a:t>ZADACI</a:t>
+            </a:r>
+          </a:p>
+        </p:txBody>
+      </p:sp>
+      <p:sp>
+        <p:nvSpPr>
+          <p:cNvPr id="3" name="Content Placeholder 2">
+            <a:extLst>
+              <a:ext uri="{FF2B5EF4-FFF2-40B4-BE49-F238E27FC236}">
+                <a16:creationId xmlns:a16="http://schemas.microsoft.com/office/drawing/2014/main" id="{0A9218F1-0370-4D46-80CA-E679D6AD0358}"/>
+              </a:ext>
+            </a:extLst>
+          </p:cNvPr>
+          <p:cNvSpPr>
+            <a:spLocks noGrp="1"/>
+          </p:cNvSpPr>
+          <p:nvPr>
+            <p:ph idx="1"/>
+          </p:nvPr>
+        </p:nvSpPr>
+        <p:spPr>
+          <a:xfrm>
+            <a:off x="523310" y="1107266"/>
+            <a:ext cx="9362370" cy="4994748"/>
+          </a:xfrm>
+        </p:spPr>
+        <p:txBody>
+          <a:bodyPr>
+            <a:normAutofit/>
+          </a:bodyPr>
+          <a:lstStyle/>
+          <a:p>
+            <a:r>
+              <a:rPr lang="bs-Latn-BA" sz="2200" dirty="0">
+                <a:solidFill>
+                  <a:schemeClr val="tx1"/>
+                </a:solidFill>
+              </a:rPr>
+              <a:t>Rješenje:</a:t>
+            </a:r>
+          </a:p>
+          <a:p>
+            <a:pPr marL="0" indent="0">
+              <a:buNone/>
+            </a:pPr>
+            <a:r>
+              <a:rPr lang="bs-Latn-BA" sz="2200" dirty="0">
+                <a:solidFill>
+                  <a:schemeClr val="tx1"/>
+                </a:solidFill>
+              </a:rPr>
+              <a:t>duzina_terena = int(input("Unesi dužinu terena:"))</a:t>
+            </a:r>
+          </a:p>
+          <a:p>
+            <a:pPr marL="0" indent="0">
+              <a:buNone/>
+            </a:pPr>
+            <a:r>
+              <a:rPr lang="bs-Latn-BA" sz="2200" dirty="0">
+                <a:solidFill>
+                  <a:schemeClr val="tx1"/>
+                </a:solidFill>
+              </a:rPr>
+              <a:t>sirina_terena = int(input("Unesi širinu terena:"))</a:t>
+            </a:r>
+          </a:p>
+          <a:p>
+            <a:pPr marL="0" indent="0">
+              <a:buNone/>
+            </a:pPr>
+            <a:r>
+              <a:rPr lang="bs-Latn-BA" sz="2200" dirty="0">
+                <a:solidFill>
+                  <a:schemeClr val="tx1"/>
+                </a:solidFill>
+              </a:rPr>
+              <a:t>rastojanje    = int(input("Unesi rastojanje od staze do terena:"))</a:t>
+            </a:r>
+          </a:p>
+          <a:p>
+            <a:pPr marL="0" indent="0">
+              <a:buNone/>
+            </a:pPr>
+            <a:r>
+              <a:rPr lang="bs-Latn-BA" sz="2200" dirty="0">
+                <a:solidFill>
+                  <a:schemeClr val="tx1"/>
+                </a:solidFill>
+              </a:rPr>
+              <a:t>broj_krugova  = int(input("Unesi broj krugova koje Ana pretrči:"))</a:t>
+            </a:r>
+          </a:p>
+          <a:p>
+            <a:pPr marL="0" indent="0">
+              <a:buNone/>
+            </a:pPr>
+            <a:r>
+              <a:rPr lang="bs-Latn-BA" sz="2200" dirty="0">
+                <a:solidFill>
+                  <a:schemeClr val="tx1"/>
+                </a:solidFill>
+              </a:rPr>
+              <a:t>duzina_staze = duzina_terena + 2 * rastojanje</a:t>
+            </a:r>
+          </a:p>
+          <a:p>
+            <a:pPr marL="0" indent="0">
+              <a:buNone/>
+            </a:pPr>
+            <a:r>
+              <a:rPr lang="bs-Latn-BA" sz="2200" dirty="0">
+                <a:solidFill>
+                  <a:schemeClr val="tx1"/>
+                </a:solidFill>
+              </a:rPr>
+              <a:t>sirina_staze = sirina_terena + 2 * rastojanje</a:t>
+            </a:r>
+          </a:p>
+          <a:p>
+            <a:pPr marL="0" indent="0">
+              <a:buNone/>
+            </a:pPr>
+            <a:r>
+              <a:rPr lang="bs-Latn-BA" sz="2200" dirty="0">
+                <a:solidFill>
+                  <a:schemeClr val="tx1"/>
+                </a:solidFill>
+              </a:rPr>
+              <a:t>obim_staze = 2 * (duzina_staze + sirina_staze)</a:t>
+            </a:r>
+          </a:p>
+          <a:p>
+            <a:pPr marL="0" indent="0">
+              <a:buNone/>
+            </a:pPr>
+            <a:r>
+              <a:rPr lang="bs-Latn-BA" sz="2200" dirty="0">
+                <a:solidFill>
+                  <a:schemeClr val="tx1"/>
+                </a:solidFill>
+              </a:rPr>
+              <a:t>pretrcan_put = broj_krugova * obim_staze</a:t>
+            </a:r>
+          </a:p>
+          <a:p>
+            <a:pPr marL="0" indent="0">
+              <a:buNone/>
+            </a:pPr>
+            <a:r>
+              <a:rPr lang="en-GB" sz="2200" dirty="0">
+                <a:solidFill>
+                  <a:schemeClr val="tx1"/>
+                </a:solidFill>
+              </a:rPr>
+              <a:t>print("</a:t>
+            </a:r>
+            <a:r>
+              <a:rPr lang="en-GB" sz="2200" dirty="0" err="1">
+                <a:solidFill>
+                  <a:schemeClr val="tx1"/>
+                </a:solidFill>
+              </a:rPr>
+              <a:t>Pretrčan</a:t>
+            </a:r>
+            <a:r>
+              <a:rPr lang="en-GB" sz="2200" dirty="0">
+                <a:solidFill>
+                  <a:schemeClr val="tx1"/>
+                </a:solidFill>
+              </a:rPr>
+              <a:t> put: ", </a:t>
+            </a:r>
+            <a:r>
+              <a:rPr lang="en-GB" sz="2200" dirty="0" err="1">
+                <a:solidFill>
+                  <a:schemeClr val="tx1"/>
+                </a:solidFill>
+              </a:rPr>
+              <a:t>pretrcan_put</a:t>
+            </a:r>
+            <a:r>
+              <a:rPr lang="en-GB" sz="2200" dirty="0">
+                <a:solidFill>
+                  <a:schemeClr val="tx1"/>
+                </a:solidFill>
+              </a:rPr>
+              <a:t>)</a:t>
+            </a:r>
+            <a:endParaRPr lang="bs-Latn-BA" sz="2200" dirty="0">
+              <a:solidFill>
+                <a:schemeClr val="tx1"/>
+              </a:solidFill>
+            </a:endParaRPr>
+          </a:p>
+        </p:txBody>
+      </p:sp>
+    </p:spTree>
+    <p:extLst>
+      <p:ext uri="{BB962C8B-B14F-4D97-AF65-F5344CB8AC3E}">
+        <p14:creationId xmlns:p14="http://schemas.microsoft.com/office/powerpoint/2010/main" val="1677017742"/>
+      </p:ext>
+    </p:extLst>
+  </p:cSld>
+  <p:clrMapOvr>
+    <a:masterClrMapping/>
+  </p:clrMapOvr>
+  <p:transition spd="slow">
+    <p:randomBar dir="vert"/>
+  </p:transition>
+</p:sld>
+</file>
+
+<file path=ppt/slides/slide24.xml><?xml version="1.0" encoding="utf-8"?>
+<p:sld xmlns:a="http://schemas.openxmlformats.org/drawingml/2006/main" xmlns:r="http://schemas.openxmlformats.org/officeDocument/2006/relationships" xmlns:p="http://schemas.openxmlformats.org/presentationml/2006/main">
+  <p:cSld>
+    <p:spTree>
+      <p:nvGrpSpPr>
+        <p:cNvPr id="1" name=""/>
+        <p:cNvGrpSpPr/>
+        <p:nvPr/>
+      </p:nvGrpSpPr>
+      <p:grpSpPr>
+        <a:xfrm>
+          <a:off x="0" y="0"/>
+          <a:ext cx="0" cy="0"/>
+          <a:chOff x="0" y="0"/>
+          <a:chExt cx="0" cy="0"/>
+        </a:xfrm>
+      </p:grpSpPr>
+      <p:sp>
+        <p:nvSpPr>
+          <p:cNvPr id="2" name="Title 1">
+            <a:extLst>
+              <a:ext uri="{FF2B5EF4-FFF2-40B4-BE49-F238E27FC236}">
+                <a16:creationId xmlns:a16="http://schemas.microsoft.com/office/drawing/2014/main" id="{F6EFE667-D260-4819-9B91-63FEC74B65DF}"/>
+              </a:ext>
+            </a:extLst>
+          </p:cNvPr>
+          <p:cNvSpPr>
+            <a:spLocks noGrp="1"/>
+          </p:cNvSpPr>
+          <p:nvPr>
+            <p:ph type="title"/>
+          </p:nvPr>
+        </p:nvSpPr>
+        <p:spPr>
+          <a:xfrm>
+            <a:off x="665550" y="382056"/>
+            <a:ext cx="1924389" cy="725210"/>
+          </a:xfrm>
+        </p:spPr>
+        <p:txBody>
+          <a:bodyPr/>
+          <a:lstStyle/>
+          <a:p>
+            <a:r>
+              <a:rPr lang="en-GB" dirty="0"/>
+              <a:t>ZADACI</a:t>
+            </a:r>
+          </a:p>
+        </p:txBody>
+      </p:sp>
+      <p:sp>
+        <p:nvSpPr>
+          <p:cNvPr id="3" name="Content Placeholder 2">
+            <a:extLst>
+              <a:ext uri="{FF2B5EF4-FFF2-40B4-BE49-F238E27FC236}">
+                <a16:creationId xmlns:a16="http://schemas.microsoft.com/office/drawing/2014/main" id="{0A9218F1-0370-4D46-80CA-E679D6AD0358}"/>
+              </a:ext>
+            </a:extLst>
+          </p:cNvPr>
+          <p:cNvSpPr>
+            <a:spLocks noGrp="1"/>
+          </p:cNvSpPr>
+          <p:nvPr>
+            <p:ph idx="1"/>
+          </p:nvPr>
+        </p:nvSpPr>
+        <p:spPr>
+          <a:xfrm>
+            <a:off x="523310" y="1107266"/>
+            <a:ext cx="9362370" cy="4994748"/>
+          </a:xfrm>
+        </p:spPr>
+        <p:txBody>
+          <a:bodyPr>
+            <a:normAutofit/>
+          </a:bodyPr>
+          <a:lstStyle/>
+          <a:p>
+            <a:r>
+              <a:rPr lang="en-GB" sz="2200" dirty="0">
+                <a:solidFill>
+                  <a:schemeClr val="tx1"/>
+                </a:solidFill>
+              </a:rPr>
+              <a:t>M</a:t>
+            </a:r>
+            <a:r>
+              <a:rPr lang="bs-Latn-BA" sz="2200" dirty="0">
+                <a:solidFill>
+                  <a:schemeClr val="tx1"/>
+                </a:solidFill>
+              </a:rPr>
+              <a:t>irjana i Lidija pjevaju u istom horu i pripremaju se za koncert. Mirjana ima 245 prijatelja na jednoj društvenoj mreži, dok ih Lidija ima 218. Kada je Mirjana pogledala Lidijin profil, vidje</a:t>
+            </a:r>
+            <a:r>
+              <a:rPr lang="en-GB" sz="2200" dirty="0">
+                <a:solidFill>
+                  <a:schemeClr val="tx1"/>
+                </a:solidFill>
+              </a:rPr>
+              <a:t>l</a:t>
+            </a:r>
+            <a:r>
+              <a:rPr lang="bs-Latn-BA" sz="2200" dirty="0">
+                <a:solidFill>
+                  <a:schemeClr val="tx1"/>
+                </a:solidFill>
+              </a:rPr>
+              <a:t>a je da imaju 114 zajedničkih prijatelja. Ako bi i jedna i druga pozvale sve svoje prijatelje sa te društvene mreže na koncert, koliko različitih ljudi bi dobilo taj poziv?</a:t>
+            </a:r>
+            <a:endParaRPr lang="en-GB" sz="2200" dirty="0">
+              <a:solidFill>
+                <a:schemeClr val="tx1"/>
+              </a:solidFill>
+            </a:endParaRPr>
+          </a:p>
+          <a:p>
+            <a:r>
+              <a:rPr lang="en-GB" sz="2200" dirty="0">
+                <a:solidFill>
+                  <a:schemeClr val="tx1"/>
+                </a:solidFill>
+              </a:rPr>
+              <a:t>Tri </a:t>
+            </a:r>
+            <a:r>
+              <a:rPr lang="en-GB" sz="2200" i="1" dirty="0" err="1">
+                <a:solidFill>
+                  <a:schemeClr val="tx1"/>
+                </a:solidFill>
+              </a:rPr>
+              <a:t>disjunktna</a:t>
+            </a:r>
+            <a:r>
+              <a:rPr lang="en-GB" sz="2200" dirty="0">
+                <a:solidFill>
+                  <a:schemeClr val="tx1"/>
+                </a:solidFill>
+              </a:rPr>
+              <a:t> </a:t>
+            </a:r>
+            <a:r>
+              <a:rPr lang="en-GB" sz="2200" dirty="0" err="1">
+                <a:solidFill>
+                  <a:schemeClr val="tx1"/>
+                </a:solidFill>
+              </a:rPr>
+              <a:t>skupa</a:t>
+            </a:r>
+            <a:r>
+              <a:rPr lang="en-GB" sz="2200" dirty="0">
+                <a:solidFill>
+                  <a:schemeClr val="tx1"/>
+                </a:solidFill>
+              </a:rPr>
+              <a:t>:</a:t>
+            </a:r>
+          </a:p>
+          <a:p>
+            <a:pPr lvl="1"/>
+            <a:r>
+              <a:rPr lang="en-GB" sz="2000" dirty="0" err="1">
+                <a:solidFill>
+                  <a:schemeClr val="tx1"/>
+                </a:solidFill>
+              </a:rPr>
+              <a:t>Mirjanini</a:t>
+            </a:r>
+            <a:r>
+              <a:rPr lang="en-GB" sz="2000" dirty="0">
+                <a:solidFill>
+                  <a:schemeClr val="tx1"/>
+                </a:solidFill>
+              </a:rPr>
+              <a:t> </a:t>
+            </a:r>
+            <a:r>
+              <a:rPr lang="en-GB" sz="2000" dirty="0" err="1">
+                <a:solidFill>
+                  <a:schemeClr val="tx1"/>
+                </a:solidFill>
+              </a:rPr>
+              <a:t>prijatelji</a:t>
+            </a:r>
+            <a:endParaRPr lang="en-GB" sz="2000" dirty="0">
+              <a:solidFill>
+                <a:schemeClr val="tx1"/>
+              </a:solidFill>
+            </a:endParaRPr>
+          </a:p>
+          <a:p>
+            <a:pPr lvl="1"/>
+            <a:r>
+              <a:rPr lang="en-GB" sz="2000" dirty="0" err="1">
+                <a:solidFill>
+                  <a:schemeClr val="tx1"/>
+                </a:solidFill>
+              </a:rPr>
+              <a:t>Lidijini</a:t>
+            </a:r>
+            <a:r>
+              <a:rPr lang="en-GB" sz="2000" dirty="0">
+                <a:solidFill>
+                  <a:schemeClr val="tx1"/>
+                </a:solidFill>
+              </a:rPr>
+              <a:t> </a:t>
+            </a:r>
+            <a:r>
+              <a:rPr lang="en-GB" sz="2000" dirty="0" err="1">
+                <a:solidFill>
+                  <a:schemeClr val="tx1"/>
+                </a:solidFill>
+              </a:rPr>
+              <a:t>prijatelji</a:t>
+            </a:r>
+            <a:endParaRPr lang="en-GB" sz="2000" dirty="0">
+              <a:solidFill>
+                <a:schemeClr val="tx1"/>
+              </a:solidFill>
+            </a:endParaRPr>
+          </a:p>
+          <a:p>
+            <a:pPr lvl="1"/>
+            <a:r>
+              <a:rPr lang="en-GB" sz="2000" dirty="0" err="1">
+                <a:solidFill>
+                  <a:schemeClr val="tx1"/>
+                </a:solidFill>
+              </a:rPr>
+              <a:t>Zajedni</a:t>
+            </a:r>
+            <a:r>
+              <a:rPr lang="bs-Latn-BA" sz="2000" dirty="0">
+                <a:solidFill>
+                  <a:schemeClr val="tx1"/>
+                </a:solidFill>
+              </a:rPr>
+              <a:t>čki prijatelji</a:t>
+            </a:r>
+          </a:p>
+        </p:txBody>
+      </p:sp>
+      <p:sp>
+        <p:nvSpPr>
+          <p:cNvPr id="4" name="TextBox 3">
+            <a:extLst>
+              <a:ext uri="{FF2B5EF4-FFF2-40B4-BE49-F238E27FC236}">
+                <a16:creationId xmlns:a16="http://schemas.microsoft.com/office/drawing/2014/main" id="{5A827A34-FD40-435F-9C83-D2A5CCC26910}"/>
+              </a:ext>
+            </a:extLst>
+          </p:cNvPr>
+          <p:cNvSpPr txBox="1"/>
+          <p:nvPr/>
+        </p:nvSpPr>
+        <p:spPr>
+          <a:xfrm>
+            <a:off x="4598006" y="3429000"/>
+            <a:ext cx="7154523" cy="3139321"/>
+          </a:xfrm>
+          <a:prstGeom prst="rect">
+            <a:avLst/>
+          </a:prstGeom>
+          <a:noFill/>
+        </p:spPr>
+        <p:txBody>
+          <a:bodyPr wrap="none" rtlCol="0">
+            <a:spAutoFit/>
+          </a:bodyPr>
+          <a:lstStyle/>
+          <a:p>
+            <a:r>
+              <a:rPr lang="bs-Latn-BA" sz="2200" dirty="0"/>
+              <a:t>Jedno r</a:t>
+            </a:r>
+            <a:r>
+              <a:rPr lang="en-GB" sz="2200" dirty="0"/>
+              <a:t>je</a:t>
+            </a:r>
+            <a:r>
+              <a:rPr lang="bs-Latn-BA" sz="2200" dirty="0"/>
+              <a:t>šenje:</a:t>
+            </a:r>
+          </a:p>
+          <a:p>
+            <a:endParaRPr lang="en-GB" sz="2200" dirty="0"/>
+          </a:p>
+          <a:p>
+            <a:r>
+              <a:rPr lang="en-GB" sz="2200" dirty="0" err="1"/>
+              <a:t>mirjanini</a:t>
+            </a:r>
+            <a:r>
+              <a:rPr lang="en-GB" sz="2200" dirty="0"/>
+              <a:t> = 245</a:t>
+            </a:r>
+          </a:p>
+          <a:p>
+            <a:r>
+              <a:rPr lang="en-GB" sz="2200" dirty="0" err="1"/>
+              <a:t>lidijini</a:t>
+            </a:r>
+            <a:r>
+              <a:rPr lang="en-GB" sz="2200" dirty="0"/>
+              <a:t> = 218</a:t>
+            </a:r>
+          </a:p>
+          <a:p>
+            <a:r>
+              <a:rPr lang="en-GB" sz="2200" dirty="0" err="1"/>
+              <a:t>zajednicki</a:t>
+            </a:r>
+            <a:r>
+              <a:rPr lang="en-GB" sz="2200" dirty="0"/>
+              <a:t> =114</a:t>
+            </a:r>
+          </a:p>
+          <a:p>
+            <a:r>
+              <a:rPr lang="en-GB" sz="2200" dirty="0" err="1"/>
+              <a:t>samo_mirjanini</a:t>
+            </a:r>
+            <a:r>
+              <a:rPr lang="en-GB" sz="2200" dirty="0"/>
+              <a:t> = </a:t>
+            </a:r>
+            <a:r>
+              <a:rPr lang="en-GB" sz="2200" dirty="0" err="1"/>
+              <a:t>mirjanini</a:t>
+            </a:r>
+            <a:r>
+              <a:rPr lang="en-GB" sz="2200" dirty="0"/>
+              <a:t> - </a:t>
+            </a:r>
+            <a:r>
+              <a:rPr lang="en-GB" sz="2200" dirty="0" err="1"/>
+              <a:t>zajednicki</a:t>
+            </a:r>
+            <a:endParaRPr lang="en-GB" sz="2200" dirty="0"/>
+          </a:p>
+          <a:p>
+            <a:r>
+              <a:rPr lang="en-GB" sz="2200" dirty="0" err="1"/>
+              <a:t>samo_lidijini</a:t>
+            </a:r>
+            <a:r>
+              <a:rPr lang="en-GB" sz="2200" dirty="0"/>
+              <a:t> = </a:t>
+            </a:r>
+            <a:r>
+              <a:rPr lang="en-GB" sz="2200" dirty="0" err="1"/>
+              <a:t>lidijini</a:t>
+            </a:r>
+            <a:r>
+              <a:rPr lang="en-GB" sz="2200" dirty="0"/>
+              <a:t> - </a:t>
+            </a:r>
+            <a:r>
+              <a:rPr lang="en-GB" sz="2200" dirty="0" err="1"/>
+              <a:t>zajednicki</a:t>
+            </a:r>
+            <a:endParaRPr lang="en-GB" sz="2200" dirty="0"/>
+          </a:p>
+          <a:p>
+            <a:r>
+              <a:rPr lang="en-GB" sz="2200" dirty="0" err="1"/>
+              <a:t>ukupno</a:t>
+            </a:r>
+            <a:r>
+              <a:rPr lang="en-GB" sz="2200" dirty="0"/>
+              <a:t> = </a:t>
+            </a:r>
+            <a:r>
+              <a:rPr lang="en-GB" sz="2200" dirty="0" err="1"/>
+              <a:t>samo_mirjanini</a:t>
+            </a:r>
+            <a:r>
+              <a:rPr lang="en-GB" sz="2200" dirty="0"/>
+              <a:t> + </a:t>
+            </a:r>
+            <a:r>
+              <a:rPr lang="en-GB" sz="2200" dirty="0" err="1"/>
+              <a:t>samo_lidijini</a:t>
+            </a:r>
+            <a:r>
+              <a:rPr lang="en-GB" sz="2200" dirty="0"/>
+              <a:t> + </a:t>
+            </a:r>
+            <a:r>
+              <a:rPr lang="en-GB" sz="2200" dirty="0" err="1"/>
+              <a:t>zajednicki</a:t>
+            </a:r>
+            <a:endParaRPr lang="en-GB" sz="2200" dirty="0"/>
+          </a:p>
+          <a:p>
+            <a:r>
+              <a:rPr lang="en-GB" sz="2200" dirty="0"/>
+              <a:t>print(</a:t>
+            </a:r>
+            <a:r>
+              <a:rPr lang="en-GB" sz="2200" dirty="0" err="1"/>
+              <a:t>ukupno</a:t>
+            </a:r>
+            <a:r>
+              <a:rPr lang="en-GB" sz="2200" dirty="0"/>
+              <a:t>)</a:t>
+            </a:r>
+          </a:p>
+        </p:txBody>
+      </p:sp>
+    </p:spTree>
+    <p:extLst>
+      <p:ext uri="{BB962C8B-B14F-4D97-AF65-F5344CB8AC3E}">
+        <p14:creationId xmlns:p14="http://schemas.microsoft.com/office/powerpoint/2010/main" val="469417062"/>
+      </p:ext>
+    </p:extLst>
+  </p:cSld>
+  <p:clrMapOvr>
+    <a:masterClrMapping/>
+  </p:clrMapOvr>
+  <p:transition spd="slow">
+    <p:randomBar dir="vert"/>
+  </p:transition>
+  <p:timing>
+    <p:tnLst>
+      <p:par>
+        <p:cTn id="1" dur="indefinite" restart="never" nodeType="tmRoot">
+          <p:childTnLst>
+            <p:seq concurrent="1" nextAc="seek">
+              <p:cTn id="2" dur="indefinite" nodeType="mainSeq">
+                <p:childTnLst>
+                  <p:par>
+                    <p:cTn id="3" fill="hold">
+                      <p:stCondLst>
+                        <p:cond delay="indefinite"/>
+                        <p:cond evt="onBegin" delay="0">
+                          <p:tn val="2"/>
+                        </p:cond>
+                      </p:stCondLst>
+                      <p:childTnLst>
+                        <p:par>
+                          <p:cTn id="4" fill="hold">
+                            <p:stCondLst>
+                              <p:cond delay="0"/>
+                            </p:stCondLst>
+                            <p:childTnLst>
+                              <p:par>
+                                <p:cTn id="5" presetID="2" presetClass="entr" presetSubtype="4" fill="hold" nodeType="afterEffect">
+                                  <p:stCondLst>
+                                    <p:cond delay="0"/>
+                                  </p:stCondLst>
+                                  <p:childTnLst>
+                                    <p:set>
+                                      <p:cBhvr>
+                                        <p:cTn id="6" dur="1" fill="hold">
+                                          <p:stCondLst>
+                                            <p:cond delay="0"/>
+                                          </p:stCondLst>
+                                        </p:cTn>
+                                        <p:tgtEl>
+                                          <p:spTgt spid="3">
+                                            <p:txEl>
+                                              <p:pRg st="0" end="0"/>
+                                            </p:txEl>
+                                          </p:spTgt>
+                                        </p:tgtEl>
+                                        <p:attrNameLst>
+                                          <p:attrName>style.visibility</p:attrName>
+                                        </p:attrNameLst>
+                                      </p:cBhvr>
+                                      <p:to>
+                                        <p:strVal val="visible"/>
+                                      </p:to>
+                                    </p:set>
+                                    <p:anim calcmode="lin" valueType="num">
+                                      <p:cBhvr additive="base">
+                                        <p:cTn id="7" dur="500" fill="hold"/>
+                                        <p:tgtEl>
+                                          <p:spTgt spid="3">
+                                            <p:txEl>
+                                              <p:pRg st="0" end="0"/>
+                                            </p:txEl>
+                                          </p:spTgt>
+                                        </p:tgtEl>
+                                        <p:attrNameLst>
+                                          <p:attrName>ppt_x</p:attrName>
+                                        </p:attrNameLst>
+                                      </p:cBhvr>
+                                      <p:tavLst>
+                                        <p:tav tm="0">
+                                          <p:val>
+                                            <p:strVal val="#ppt_x"/>
+                                          </p:val>
+                                        </p:tav>
+                                        <p:tav tm="100000">
+                                          <p:val>
+                                            <p:strVal val="#ppt_x"/>
+                                          </p:val>
+                                        </p:tav>
+                                      </p:tavLst>
+                                    </p:anim>
+                                    <p:anim calcmode="lin" valueType="num">
+                                      <p:cBhvr additive="base">
+                                        <p:cTn id="8" dur="500" fill="hold"/>
+                                        <p:tgtEl>
+                                          <p:spTgt spid="3">
+                                            <p:txEl>
+                                              <p:pRg st="0" end="0"/>
+                                            </p:txEl>
+                                          </p:spTgt>
+                                        </p:tgtEl>
+                                        <p:attrNameLst>
+                                          <p:attrName>ppt_y</p:attrName>
+                                        </p:attrNameLst>
+                                      </p:cBhvr>
+                                      <p:tavLst>
+                                        <p:tav tm="0">
+                                          <p:val>
+                                            <p:strVal val="1+#ppt_h/2"/>
+                                          </p:val>
+                                        </p:tav>
+                                        <p:tav tm="100000">
+                                          <p:val>
+                                            <p:strVal val="#ppt_y"/>
+                                          </p:val>
+                                        </p:tav>
+                                      </p:tavLst>
+                                    </p:anim>
+                                  </p:childTnLst>
+                                </p:cTn>
+                              </p:par>
+                            </p:childTnLst>
+                          </p:cTn>
+                        </p:par>
+                      </p:childTnLst>
+                    </p:cTn>
+                  </p:par>
+                  <p:par>
+                    <p:cTn id="9" fill="hold">
+                      <p:stCondLst>
+                        <p:cond delay="indefinite"/>
+                      </p:stCondLst>
+                      <p:childTnLst>
+                        <p:par>
+                          <p:cTn id="10" fill="hold">
+                            <p:stCondLst>
+                              <p:cond delay="0"/>
+                            </p:stCondLst>
+                            <p:childTnLst>
+                              <p:par>
+                                <p:cTn id="11" presetID="2" presetClass="entr" presetSubtype="4" fill="hold" nodeType="clickEffect">
+                                  <p:stCondLst>
+                                    <p:cond delay="0"/>
+                                  </p:stCondLst>
+                                  <p:childTnLst>
+                                    <p:set>
+                                      <p:cBhvr>
+                                        <p:cTn id="12" dur="1" fill="hold">
+                                          <p:stCondLst>
+                                            <p:cond delay="0"/>
+                                          </p:stCondLst>
+                                        </p:cTn>
+                                        <p:tgtEl>
+                                          <p:spTgt spid="3">
+                                            <p:txEl>
+                                              <p:pRg st="1" end="1"/>
+                                            </p:txEl>
+                                          </p:spTgt>
+                                        </p:tgtEl>
+                                        <p:attrNameLst>
+                                          <p:attrName>style.visibility</p:attrName>
+                                        </p:attrNameLst>
+                                      </p:cBhvr>
+                                      <p:to>
+                                        <p:strVal val="visible"/>
+                                      </p:to>
+                                    </p:set>
+                                    <p:anim calcmode="lin" valueType="num">
+                                      <p:cBhvr additive="base">
+                                        <p:cTn id="13" dur="500" fill="hold"/>
+                                        <p:tgtEl>
+                                          <p:spTgt spid="3">
+                                            <p:txEl>
+                                              <p:pRg st="1" end="1"/>
+                                            </p:txEl>
+                                          </p:spTgt>
+                                        </p:tgtEl>
+                                        <p:attrNameLst>
+                                          <p:attrName>ppt_x</p:attrName>
+                                        </p:attrNameLst>
+                                      </p:cBhvr>
+                                      <p:tavLst>
+                                        <p:tav tm="0">
+                                          <p:val>
+                                            <p:strVal val="#ppt_x"/>
+                                          </p:val>
+                                        </p:tav>
+                                        <p:tav tm="100000">
+                                          <p:val>
+                                            <p:strVal val="#ppt_x"/>
+                                          </p:val>
+                                        </p:tav>
+                                      </p:tavLst>
+                                    </p:anim>
+                                    <p:anim calcmode="lin" valueType="num">
+                                      <p:cBhvr additive="base">
+                                        <p:cTn id="14" dur="500" fill="hold"/>
+                                        <p:tgtEl>
+                                          <p:spTgt spid="3">
+                                            <p:txEl>
+                                              <p:pRg st="1" end="1"/>
+                                            </p:txEl>
+                                          </p:spTgt>
+                                        </p:tgtEl>
+                                        <p:attrNameLst>
+                                          <p:attrName>ppt_y</p:attrName>
+                                        </p:attrNameLst>
+                                      </p:cBhvr>
+                                      <p:tavLst>
+                                        <p:tav tm="0">
+                                          <p:val>
+                                            <p:strVal val="1+#ppt_h/2"/>
+                                          </p:val>
+                                        </p:tav>
+                                        <p:tav tm="100000">
+                                          <p:val>
+                                            <p:strVal val="#ppt_y"/>
+                                          </p:val>
+                                        </p:tav>
+                                      </p:tavLst>
+                                    </p:anim>
+                                  </p:childTnLst>
+                                </p:cTn>
+                              </p:par>
+                              <p:par>
+                                <p:cTn id="15" presetID="2" presetClass="entr" presetSubtype="4" fill="hold" nodeType="withEffect">
+                                  <p:stCondLst>
+                                    <p:cond delay="0"/>
+                                  </p:stCondLst>
+                                  <p:childTnLst>
+                                    <p:set>
+                                      <p:cBhvr>
+                                        <p:cTn id="16" dur="1" fill="hold">
+                                          <p:stCondLst>
+                                            <p:cond delay="0"/>
+                                          </p:stCondLst>
+                                        </p:cTn>
+                                        <p:tgtEl>
+                                          <p:spTgt spid="3">
+                                            <p:txEl>
+                                              <p:pRg st="2" end="2"/>
+                                            </p:txEl>
+                                          </p:spTgt>
+                                        </p:tgtEl>
+                                        <p:attrNameLst>
+                                          <p:attrName>style.visibility</p:attrName>
+                                        </p:attrNameLst>
+                                      </p:cBhvr>
+                                      <p:to>
+                                        <p:strVal val="visible"/>
+                                      </p:to>
+                                    </p:set>
+                                    <p:anim calcmode="lin" valueType="num">
+                                      <p:cBhvr additive="base">
+                                        <p:cTn id="17" dur="500" fill="hold"/>
+                                        <p:tgtEl>
+                                          <p:spTgt spid="3">
+                                            <p:txEl>
+                                              <p:pRg st="2" end="2"/>
+                                            </p:txEl>
+                                          </p:spTgt>
+                                        </p:tgtEl>
+                                        <p:attrNameLst>
+                                          <p:attrName>ppt_x</p:attrName>
+                                        </p:attrNameLst>
+                                      </p:cBhvr>
+                                      <p:tavLst>
+                                        <p:tav tm="0">
+                                          <p:val>
+                                            <p:strVal val="#ppt_x"/>
+                                          </p:val>
+                                        </p:tav>
+                                        <p:tav tm="100000">
+                                          <p:val>
+                                            <p:strVal val="#ppt_x"/>
+                                          </p:val>
+                                        </p:tav>
+                                      </p:tavLst>
+                                    </p:anim>
+                                    <p:anim calcmode="lin" valueType="num">
+                                      <p:cBhvr additive="base">
+                                        <p:cTn id="18" dur="500" fill="hold"/>
+                                        <p:tgtEl>
+                                          <p:spTgt spid="3">
+                                            <p:txEl>
+                                              <p:pRg st="2" end="2"/>
+                                            </p:txEl>
+                                          </p:spTgt>
+                                        </p:tgtEl>
+                                        <p:attrNameLst>
+                                          <p:attrName>ppt_y</p:attrName>
+                                        </p:attrNameLst>
+                                      </p:cBhvr>
+                                      <p:tavLst>
+                                        <p:tav tm="0">
+                                          <p:val>
+                                            <p:strVal val="1+#ppt_h/2"/>
+                                          </p:val>
+                                        </p:tav>
+                                        <p:tav tm="100000">
+                                          <p:val>
+                                            <p:strVal val="#ppt_y"/>
+                                          </p:val>
+                                        </p:tav>
+                                      </p:tavLst>
+                                    </p:anim>
+                                  </p:childTnLst>
+                                </p:cTn>
+                              </p:par>
+                              <p:par>
+                                <p:cTn id="19" presetID="2" presetClass="entr" presetSubtype="4" fill="hold" nodeType="withEffect">
+                                  <p:stCondLst>
+                                    <p:cond delay="0"/>
+                                  </p:stCondLst>
+                                  <p:childTnLst>
+                                    <p:set>
+                                      <p:cBhvr>
+                                        <p:cTn id="20" dur="1" fill="hold">
+                                          <p:stCondLst>
+                                            <p:cond delay="0"/>
+                                          </p:stCondLst>
+                                        </p:cTn>
+                                        <p:tgtEl>
+                                          <p:spTgt spid="3">
+                                            <p:txEl>
+                                              <p:pRg st="3" end="3"/>
+                                            </p:txEl>
+                                          </p:spTgt>
+                                        </p:tgtEl>
+                                        <p:attrNameLst>
+                                          <p:attrName>style.visibility</p:attrName>
+                                        </p:attrNameLst>
+                                      </p:cBhvr>
+                                      <p:to>
+                                        <p:strVal val="visible"/>
+                                      </p:to>
+                                    </p:set>
+                                    <p:anim calcmode="lin" valueType="num">
+                                      <p:cBhvr additive="base">
+                                        <p:cTn id="21" dur="500" fill="hold"/>
+                                        <p:tgtEl>
+                                          <p:spTgt spid="3">
+                                            <p:txEl>
+                                              <p:pRg st="3" end="3"/>
+                                            </p:txEl>
+                                          </p:spTgt>
+                                        </p:tgtEl>
+                                        <p:attrNameLst>
+                                          <p:attrName>ppt_x</p:attrName>
+                                        </p:attrNameLst>
+                                      </p:cBhvr>
+                                      <p:tavLst>
+                                        <p:tav tm="0">
+                                          <p:val>
+                                            <p:strVal val="#ppt_x"/>
+                                          </p:val>
+                                        </p:tav>
+                                        <p:tav tm="100000">
+                                          <p:val>
+                                            <p:strVal val="#ppt_x"/>
+                                          </p:val>
+                                        </p:tav>
+                                      </p:tavLst>
+                                    </p:anim>
+                                    <p:anim calcmode="lin" valueType="num">
+                                      <p:cBhvr additive="base">
+                                        <p:cTn id="22" dur="500" fill="hold"/>
+                                        <p:tgtEl>
+                                          <p:spTgt spid="3">
+                                            <p:txEl>
+                                              <p:pRg st="3" end="3"/>
+                                            </p:txEl>
+                                          </p:spTgt>
+                                        </p:tgtEl>
+                                        <p:attrNameLst>
+                                          <p:attrName>ppt_y</p:attrName>
+                                        </p:attrNameLst>
+                                      </p:cBhvr>
+                                      <p:tavLst>
+                                        <p:tav tm="0">
+                                          <p:val>
+                                            <p:strVal val="1+#ppt_h/2"/>
+                                          </p:val>
+                                        </p:tav>
+                                        <p:tav tm="100000">
+                                          <p:val>
+                                            <p:strVal val="#ppt_y"/>
+                                          </p:val>
+                                        </p:tav>
+                                      </p:tavLst>
+                                    </p:anim>
+                                  </p:childTnLst>
+                                </p:cTn>
+                              </p:par>
+                              <p:par>
+                                <p:cTn id="23" presetID="2" presetClass="entr" presetSubtype="4" fill="hold" nodeType="withEffect">
+                                  <p:stCondLst>
+                                    <p:cond delay="0"/>
+                                  </p:stCondLst>
+                                  <p:childTnLst>
+                                    <p:set>
+                                      <p:cBhvr>
+                                        <p:cTn id="24" dur="1" fill="hold">
+                                          <p:stCondLst>
+                                            <p:cond delay="0"/>
+                                          </p:stCondLst>
+                                        </p:cTn>
+                                        <p:tgtEl>
+                                          <p:spTgt spid="3">
+                                            <p:txEl>
+                                              <p:pRg st="4" end="4"/>
+                                            </p:txEl>
+                                          </p:spTgt>
+                                        </p:tgtEl>
+                                        <p:attrNameLst>
+                                          <p:attrName>style.visibility</p:attrName>
+                                        </p:attrNameLst>
+                                      </p:cBhvr>
+                                      <p:to>
+                                        <p:strVal val="visible"/>
+                                      </p:to>
+                                    </p:set>
+                                    <p:anim calcmode="lin" valueType="num">
+                                      <p:cBhvr additive="base">
+                                        <p:cTn id="25" dur="500" fill="hold"/>
+                                        <p:tgtEl>
+                                          <p:spTgt spid="3">
+                                            <p:txEl>
+                                              <p:pRg st="4" end="4"/>
+                                            </p:txEl>
+                                          </p:spTgt>
+                                        </p:tgtEl>
+                                        <p:attrNameLst>
+                                          <p:attrName>ppt_x</p:attrName>
+                                        </p:attrNameLst>
+                                      </p:cBhvr>
+                                      <p:tavLst>
+                                        <p:tav tm="0">
+                                          <p:val>
+                                            <p:strVal val="#ppt_x"/>
+                                          </p:val>
+                                        </p:tav>
+                                        <p:tav tm="100000">
+                                          <p:val>
+                                            <p:strVal val="#ppt_x"/>
+                                          </p:val>
+                                        </p:tav>
+                                      </p:tavLst>
+                                    </p:anim>
+                                    <p:anim calcmode="lin" valueType="num">
+                                      <p:cBhvr additive="base">
+                                        <p:cTn id="26" dur="500" fill="hold"/>
+                                        <p:tgtEl>
+                                          <p:spTgt spid="3">
+                                            <p:txEl>
+                                              <p:pRg st="4" end="4"/>
+                                            </p:txEl>
+                                          </p:spTgt>
+                                        </p:tgtEl>
+                                        <p:attrNameLst>
+                                          <p:attrName>ppt_y</p:attrName>
+                                        </p:attrNameLst>
+                                      </p:cBhvr>
+                                      <p:tavLst>
+                                        <p:tav tm="0">
+                                          <p:val>
+                                            <p:strVal val="1+#ppt_h/2"/>
+                                          </p:val>
+                                        </p:tav>
+                                        <p:tav tm="100000">
+                                          <p:val>
+                                            <p:strVal val="#ppt_y"/>
+                                          </p:val>
+                                        </p:tav>
+                                      </p:tavLst>
+                                    </p:anim>
+                                  </p:childTnLst>
+                                </p:cTn>
+                              </p:par>
+                            </p:childTnLst>
+                          </p:cTn>
+                        </p:par>
+                      </p:childTnLst>
+                    </p:cTn>
+                  </p:par>
+                  <p:par>
+                    <p:cTn id="27" fill="hold">
+                      <p:stCondLst>
+                        <p:cond delay="indefinite"/>
+                      </p:stCondLst>
+                      <p:childTnLst>
+                        <p:par>
+                          <p:cTn id="28" fill="hold">
+                            <p:stCondLst>
+                              <p:cond delay="0"/>
+                            </p:stCondLst>
+                            <p:childTnLst>
+                              <p:par>
+                                <p:cTn id="29" presetID="2" presetClass="entr" presetSubtype="4" fill="hold" nodeType="clickEffect">
+                                  <p:stCondLst>
+                                    <p:cond delay="0"/>
+                                  </p:stCondLst>
+                                  <p:childTnLst>
+                                    <p:set>
+                                      <p:cBhvr>
+                                        <p:cTn id="30" dur="1" fill="hold">
+                                          <p:stCondLst>
+                                            <p:cond delay="0"/>
+                                          </p:stCondLst>
+                                        </p:cTn>
+                                        <p:tgtEl>
+                                          <p:spTgt spid="4">
+                                            <p:txEl>
+                                              <p:pRg st="0" end="0"/>
+                                            </p:txEl>
+                                          </p:spTgt>
+                                        </p:tgtEl>
+                                        <p:attrNameLst>
+                                          <p:attrName>style.visibility</p:attrName>
+                                        </p:attrNameLst>
+                                      </p:cBhvr>
+                                      <p:to>
+                                        <p:strVal val="visible"/>
+                                      </p:to>
+                                    </p:set>
+                                    <p:anim calcmode="lin" valueType="num">
+                                      <p:cBhvr additive="base">
+                                        <p:cTn id="31" dur="500" fill="hold"/>
+                                        <p:tgtEl>
+                                          <p:spTgt spid="4">
+                                            <p:txEl>
+                                              <p:pRg st="0" end="0"/>
+                                            </p:txEl>
+                                          </p:spTgt>
+                                        </p:tgtEl>
+                                        <p:attrNameLst>
+                                          <p:attrName>ppt_x</p:attrName>
+                                        </p:attrNameLst>
+                                      </p:cBhvr>
+                                      <p:tavLst>
+                                        <p:tav tm="0">
+                                          <p:val>
+                                            <p:strVal val="#ppt_x"/>
+                                          </p:val>
+                                        </p:tav>
+                                        <p:tav tm="100000">
+                                          <p:val>
+                                            <p:strVal val="#ppt_x"/>
+                                          </p:val>
+                                        </p:tav>
+                                      </p:tavLst>
+                                    </p:anim>
+                                    <p:anim calcmode="lin" valueType="num">
+                                      <p:cBhvr additive="base">
+                                        <p:cTn id="32" dur="500" fill="hold"/>
+                                        <p:tgtEl>
+                                          <p:spTgt spid="4">
+                                            <p:txEl>
+                                              <p:pRg st="0" end="0"/>
+                                            </p:txEl>
+                                          </p:spTgt>
+                                        </p:tgtEl>
+                                        <p:attrNameLst>
+                                          <p:attrName>ppt_y</p:attrName>
+                                        </p:attrNameLst>
+                                      </p:cBhvr>
+                                      <p:tavLst>
+                                        <p:tav tm="0">
+                                          <p:val>
+                                            <p:strVal val="1+#ppt_h/2"/>
+                                          </p:val>
+                                        </p:tav>
+                                        <p:tav tm="100000">
+                                          <p:val>
+                                            <p:strVal val="#ppt_y"/>
+                                          </p:val>
+                                        </p:tav>
+                                      </p:tavLst>
+                                    </p:anim>
+                                  </p:childTnLst>
+                                </p:cTn>
+                              </p:par>
+                              <p:par>
+                                <p:cTn id="33" presetID="2" presetClass="entr" presetSubtype="4" fill="hold" nodeType="withEffect">
+                                  <p:stCondLst>
+                                    <p:cond delay="0"/>
+                                  </p:stCondLst>
+                                  <p:childTnLst>
+                                    <p:set>
+                                      <p:cBhvr>
+                                        <p:cTn id="34" dur="1" fill="hold">
+                                          <p:stCondLst>
+                                            <p:cond delay="0"/>
+                                          </p:stCondLst>
+                                        </p:cTn>
+                                        <p:tgtEl>
+                                          <p:spTgt spid="4">
+                                            <p:txEl>
+                                              <p:pRg st="2" end="2"/>
+                                            </p:txEl>
+                                          </p:spTgt>
+                                        </p:tgtEl>
+                                        <p:attrNameLst>
+                                          <p:attrName>style.visibility</p:attrName>
+                                        </p:attrNameLst>
+                                      </p:cBhvr>
+                                      <p:to>
+                                        <p:strVal val="visible"/>
+                                      </p:to>
+                                    </p:set>
+                                    <p:anim calcmode="lin" valueType="num">
+                                      <p:cBhvr additive="base">
+                                        <p:cTn id="35" dur="500" fill="hold"/>
+                                        <p:tgtEl>
+                                          <p:spTgt spid="4">
+                                            <p:txEl>
+                                              <p:pRg st="2" end="2"/>
+                                            </p:txEl>
+                                          </p:spTgt>
+                                        </p:tgtEl>
+                                        <p:attrNameLst>
+                                          <p:attrName>ppt_x</p:attrName>
+                                        </p:attrNameLst>
+                                      </p:cBhvr>
+                                      <p:tavLst>
+                                        <p:tav tm="0">
+                                          <p:val>
+                                            <p:strVal val="#ppt_x"/>
+                                          </p:val>
+                                        </p:tav>
+                                        <p:tav tm="100000">
+                                          <p:val>
+                                            <p:strVal val="#ppt_x"/>
+                                          </p:val>
+                                        </p:tav>
+                                      </p:tavLst>
+                                    </p:anim>
+                                    <p:anim calcmode="lin" valueType="num">
+                                      <p:cBhvr additive="base">
+                                        <p:cTn id="36" dur="500" fill="hold"/>
+                                        <p:tgtEl>
+                                          <p:spTgt spid="4">
+                                            <p:txEl>
+                                              <p:pRg st="2" end="2"/>
+                                            </p:txEl>
+                                          </p:spTgt>
+                                        </p:tgtEl>
+                                        <p:attrNameLst>
+                                          <p:attrName>ppt_y</p:attrName>
+                                        </p:attrNameLst>
+                                      </p:cBhvr>
+                                      <p:tavLst>
+                                        <p:tav tm="0">
+                                          <p:val>
+                                            <p:strVal val="1+#ppt_h/2"/>
+                                          </p:val>
+                                        </p:tav>
+                                        <p:tav tm="100000">
+                                          <p:val>
+                                            <p:strVal val="#ppt_y"/>
+                                          </p:val>
+                                        </p:tav>
+                                      </p:tavLst>
+                                    </p:anim>
+                                  </p:childTnLst>
+                                </p:cTn>
+                              </p:par>
+                              <p:par>
+                                <p:cTn id="37" presetID="2" presetClass="entr" presetSubtype="4" fill="hold" nodeType="withEffect">
+                                  <p:stCondLst>
+                                    <p:cond delay="0"/>
+                                  </p:stCondLst>
+                                  <p:childTnLst>
+                                    <p:set>
+                                      <p:cBhvr>
+                                        <p:cTn id="38" dur="1" fill="hold">
+                                          <p:stCondLst>
+                                            <p:cond delay="0"/>
+                                          </p:stCondLst>
+                                        </p:cTn>
+                                        <p:tgtEl>
+                                          <p:spTgt spid="4">
+                                            <p:txEl>
+                                              <p:pRg st="3" end="3"/>
+                                            </p:txEl>
+                                          </p:spTgt>
+                                        </p:tgtEl>
+                                        <p:attrNameLst>
+                                          <p:attrName>style.visibility</p:attrName>
+                                        </p:attrNameLst>
+                                      </p:cBhvr>
+                                      <p:to>
+                                        <p:strVal val="visible"/>
+                                      </p:to>
+                                    </p:set>
+                                    <p:anim calcmode="lin" valueType="num">
+                                      <p:cBhvr additive="base">
+                                        <p:cTn id="39" dur="500" fill="hold"/>
+                                        <p:tgtEl>
+                                          <p:spTgt spid="4">
+                                            <p:txEl>
+                                              <p:pRg st="3" end="3"/>
+                                            </p:txEl>
+                                          </p:spTgt>
+                                        </p:tgtEl>
+                                        <p:attrNameLst>
+                                          <p:attrName>ppt_x</p:attrName>
+                                        </p:attrNameLst>
+                                      </p:cBhvr>
+                                      <p:tavLst>
+                                        <p:tav tm="0">
+                                          <p:val>
+                                            <p:strVal val="#ppt_x"/>
+                                          </p:val>
+                                        </p:tav>
+                                        <p:tav tm="100000">
+                                          <p:val>
+                                            <p:strVal val="#ppt_x"/>
+                                          </p:val>
+                                        </p:tav>
+                                      </p:tavLst>
+                                    </p:anim>
+                                    <p:anim calcmode="lin" valueType="num">
+                                      <p:cBhvr additive="base">
+                                        <p:cTn id="40" dur="500" fill="hold"/>
+                                        <p:tgtEl>
+                                          <p:spTgt spid="4">
+                                            <p:txEl>
+                                              <p:pRg st="3" end="3"/>
+                                            </p:txEl>
+                                          </p:spTgt>
+                                        </p:tgtEl>
+                                        <p:attrNameLst>
+                                          <p:attrName>ppt_y</p:attrName>
+                                        </p:attrNameLst>
+                                      </p:cBhvr>
+                                      <p:tavLst>
+                                        <p:tav tm="0">
+                                          <p:val>
+                                            <p:strVal val="1+#ppt_h/2"/>
+                                          </p:val>
+                                        </p:tav>
+                                        <p:tav tm="100000">
+                                          <p:val>
+                                            <p:strVal val="#ppt_y"/>
+                                          </p:val>
+                                        </p:tav>
+                                      </p:tavLst>
+                                    </p:anim>
+                                  </p:childTnLst>
+                                </p:cTn>
+                              </p:par>
+                              <p:par>
+                                <p:cTn id="41" presetID="2" presetClass="entr" presetSubtype="4" fill="hold" nodeType="withEffect">
+                                  <p:stCondLst>
+                                    <p:cond delay="0"/>
+                                  </p:stCondLst>
+                                  <p:childTnLst>
+                                    <p:set>
+                                      <p:cBhvr>
+                                        <p:cTn id="42" dur="1" fill="hold">
+                                          <p:stCondLst>
+                                            <p:cond delay="0"/>
+                                          </p:stCondLst>
+                                        </p:cTn>
+                                        <p:tgtEl>
+                                          <p:spTgt spid="4">
+                                            <p:txEl>
+                                              <p:pRg st="4" end="4"/>
+                                            </p:txEl>
+                                          </p:spTgt>
+                                        </p:tgtEl>
+                                        <p:attrNameLst>
+                                          <p:attrName>style.visibility</p:attrName>
+                                        </p:attrNameLst>
+                                      </p:cBhvr>
+                                      <p:to>
+                                        <p:strVal val="visible"/>
+                                      </p:to>
+                                    </p:set>
+                                    <p:anim calcmode="lin" valueType="num">
+                                      <p:cBhvr additive="base">
+                                        <p:cTn id="43" dur="500" fill="hold"/>
+                                        <p:tgtEl>
+                                          <p:spTgt spid="4">
+                                            <p:txEl>
+                                              <p:pRg st="4" end="4"/>
+                                            </p:txEl>
+                                          </p:spTgt>
+                                        </p:tgtEl>
+                                        <p:attrNameLst>
+                                          <p:attrName>ppt_x</p:attrName>
+                                        </p:attrNameLst>
+                                      </p:cBhvr>
+                                      <p:tavLst>
+                                        <p:tav tm="0">
+                                          <p:val>
+                                            <p:strVal val="#ppt_x"/>
+                                          </p:val>
+                                        </p:tav>
+                                        <p:tav tm="100000">
+                                          <p:val>
+                                            <p:strVal val="#ppt_x"/>
+                                          </p:val>
+                                        </p:tav>
+                                      </p:tavLst>
+                                    </p:anim>
+                                    <p:anim calcmode="lin" valueType="num">
+                                      <p:cBhvr additive="base">
+                                        <p:cTn id="44" dur="500" fill="hold"/>
+                                        <p:tgtEl>
+                                          <p:spTgt spid="4">
+                                            <p:txEl>
+                                              <p:pRg st="4" end="4"/>
+                                            </p:txEl>
+                                          </p:spTgt>
+                                        </p:tgtEl>
+                                        <p:attrNameLst>
+                                          <p:attrName>ppt_y</p:attrName>
+                                        </p:attrNameLst>
+                                      </p:cBhvr>
+                                      <p:tavLst>
+                                        <p:tav tm="0">
+                                          <p:val>
+                                            <p:strVal val="1+#ppt_h/2"/>
+                                          </p:val>
+                                        </p:tav>
+                                        <p:tav tm="100000">
+                                          <p:val>
+                                            <p:strVal val="#ppt_y"/>
+                                          </p:val>
+                                        </p:tav>
+                                      </p:tavLst>
+                                    </p:anim>
+                                  </p:childTnLst>
+                                </p:cTn>
+                              </p:par>
+                              <p:par>
+                                <p:cTn id="45" presetID="2" presetClass="entr" presetSubtype="4" fill="hold" nodeType="withEffect">
+                                  <p:stCondLst>
+                                    <p:cond delay="0"/>
+                                  </p:stCondLst>
+                                  <p:childTnLst>
+                                    <p:set>
+                                      <p:cBhvr>
+                                        <p:cTn id="46" dur="1" fill="hold">
+                                          <p:stCondLst>
+                                            <p:cond delay="0"/>
+                                          </p:stCondLst>
+                                        </p:cTn>
+                                        <p:tgtEl>
+                                          <p:spTgt spid="4">
+                                            <p:txEl>
+                                              <p:pRg st="5" end="5"/>
+                                            </p:txEl>
+                                          </p:spTgt>
+                                        </p:tgtEl>
+                                        <p:attrNameLst>
+                                          <p:attrName>style.visibility</p:attrName>
+                                        </p:attrNameLst>
+                                      </p:cBhvr>
+                                      <p:to>
+                                        <p:strVal val="visible"/>
+                                      </p:to>
+                                    </p:set>
+                                    <p:anim calcmode="lin" valueType="num">
+                                      <p:cBhvr additive="base">
+                                        <p:cTn id="47" dur="500" fill="hold"/>
+                                        <p:tgtEl>
+                                          <p:spTgt spid="4">
+                                            <p:txEl>
+                                              <p:pRg st="5" end="5"/>
+                                            </p:txEl>
+                                          </p:spTgt>
+                                        </p:tgtEl>
+                                        <p:attrNameLst>
+                                          <p:attrName>ppt_x</p:attrName>
+                                        </p:attrNameLst>
+                                      </p:cBhvr>
+                                      <p:tavLst>
+                                        <p:tav tm="0">
+                                          <p:val>
+                                            <p:strVal val="#ppt_x"/>
+                                          </p:val>
+                                        </p:tav>
+                                        <p:tav tm="100000">
+                                          <p:val>
+                                            <p:strVal val="#ppt_x"/>
+                                          </p:val>
+                                        </p:tav>
+                                      </p:tavLst>
+                                    </p:anim>
+                                    <p:anim calcmode="lin" valueType="num">
+                                      <p:cBhvr additive="base">
+                                        <p:cTn id="48" dur="500" fill="hold"/>
+                                        <p:tgtEl>
+                                          <p:spTgt spid="4">
+                                            <p:txEl>
+                                              <p:pRg st="5" end="5"/>
+                                            </p:txEl>
+                                          </p:spTgt>
+                                        </p:tgtEl>
+                                        <p:attrNameLst>
+                                          <p:attrName>ppt_y</p:attrName>
+                                        </p:attrNameLst>
+                                      </p:cBhvr>
+                                      <p:tavLst>
+                                        <p:tav tm="0">
+                                          <p:val>
+                                            <p:strVal val="1+#ppt_h/2"/>
+                                          </p:val>
+                                        </p:tav>
+                                        <p:tav tm="100000">
+                                          <p:val>
+                                            <p:strVal val="#ppt_y"/>
+                                          </p:val>
+                                        </p:tav>
+                                      </p:tavLst>
+                                    </p:anim>
+                                  </p:childTnLst>
+                                </p:cTn>
+                              </p:par>
+                              <p:par>
+                                <p:cTn id="49" presetID="2" presetClass="entr" presetSubtype="4" fill="hold" nodeType="withEffect">
+                                  <p:stCondLst>
+                                    <p:cond delay="0"/>
+                                  </p:stCondLst>
+                                  <p:childTnLst>
+                                    <p:set>
+                                      <p:cBhvr>
+                                        <p:cTn id="50" dur="1" fill="hold">
+                                          <p:stCondLst>
+                                            <p:cond delay="0"/>
+                                          </p:stCondLst>
+                                        </p:cTn>
+                                        <p:tgtEl>
+                                          <p:spTgt spid="4">
+                                            <p:txEl>
+                                              <p:pRg st="6" end="6"/>
+                                            </p:txEl>
+                                          </p:spTgt>
+                                        </p:tgtEl>
+                                        <p:attrNameLst>
+                                          <p:attrName>style.visibility</p:attrName>
+                                        </p:attrNameLst>
+                                      </p:cBhvr>
+                                      <p:to>
+                                        <p:strVal val="visible"/>
+                                      </p:to>
+                                    </p:set>
+                                    <p:anim calcmode="lin" valueType="num">
+                                      <p:cBhvr additive="base">
+                                        <p:cTn id="51" dur="500" fill="hold"/>
+                                        <p:tgtEl>
+                                          <p:spTgt spid="4">
+                                            <p:txEl>
+                                              <p:pRg st="6" end="6"/>
+                                            </p:txEl>
+                                          </p:spTgt>
+                                        </p:tgtEl>
+                                        <p:attrNameLst>
+                                          <p:attrName>ppt_x</p:attrName>
+                                        </p:attrNameLst>
+                                      </p:cBhvr>
+                                      <p:tavLst>
+                                        <p:tav tm="0">
+                                          <p:val>
+                                            <p:strVal val="#ppt_x"/>
+                                          </p:val>
+                                        </p:tav>
+                                        <p:tav tm="100000">
+                                          <p:val>
+                                            <p:strVal val="#ppt_x"/>
+                                          </p:val>
+                                        </p:tav>
+                                      </p:tavLst>
+                                    </p:anim>
+                                    <p:anim calcmode="lin" valueType="num">
+                                      <p:cBhvr additive="base">
+                                        <p:cTn id="52" dur="500" fill="hold"/>
+                                        <p:tgtEl>
+                                          <p:spTgt spid="4">
+                                            <p:txEl>
+                                              <p:pRg st="6" end="6"/>
+                                            </p:txEl>
+                                          </p:spTgt>
+                                        </p:tgtEl>
+                                        <p:attrNameLst>
+                                          <p:attrName>ppt_y</p:attrName>
+                                        </p:attrNameLst>
+                                      </p:cBhvr>
+                                      <p:tavLst>
+                                        <p:tav tm="0">
+                                          <p:val>
+                                            <p:strVal val="1+#ppt_h/2"/>
+                                          </p:val>
+                                        </p:tav>
+                                        <p:tav tm="100000">
+                                          <p:val>
+                                            <p:strVal val="#ppt_y"/>
+                                          </p:val>
+                                        </p:tav>
+                                      </p:tavLst>
+                                    </p:anim>
+                                  </p:childTnLst>
+                                </p:cTn>
+                              </p:par>
+                              <p:par>
+                                <p:cTn id="53" presetID="2" presetClass="entr" presetSubtype="4" fill="hold" nodeType="withEffect">
+                                  <p:stCondLst>
+                                    <p:cond delay="0"/>
+                                  </p:stCondLst>
+                                  <p:childTnLst>
+                                    <p:set>
+                                      <p:cBhvr>
+                                        <p:cTn id="54" dur="1" fill="hold">
+                                          <p:stCondLst>
+                                            <p:cond delay="0"/>
+                                          </p:stCondLst>
+                                        </p:cTn>
+                                        <p:tgtEl>
+                                          <p:spTgt spid="4">
+                                            <p:txEl>
+                                              <p:pRg st="7" end="7"/>
+                                            </p:txEl>
+                                          </p:spTgt>
+                                        </p:tgtEl>
+                                        <p:attrNameLst>
+                                          <p:attrName>style.visibility</p:attrName>
+                                        </p:attrNameLst>
+                                      </p:cBhvr>
+                                      <p:to>
+                                        <p:strVal val="visible"/>
+                                      </p:to>
+                                    </p:set>
+                                    <p:anim calcmode="lin" valueType="num">
+                                      <p:cBhvr additive="base">
+                                        <p:cTn id="55" dur="500" fill="hold"/>
+                                        <p:tgtEl>
+                                          <p:spTgt spid="4">
+                                            <p:txEl>
+                                              <p:pRg st="7" end="7"/>
+                                            </p:txEl>
+                                          </p:spTgt>
+                                        </p:tgtEl>
+                                        <p:attrNameLst>
+                                          <p:attrName>ppt_x</p:attrName>
+                                        </p:attrNameLst>
+                                      </p:cBhvr>
+                                      <p:tavLst>
+                                        <p:tav tm="0">
+                                          <p:val>
+                                            <p:strVal val="#ppt_x"/>
+                                          </p:val>
+                                        </p:tav>
+                                        <p:tav tm="100000">
+                                          <p:val>
+                                            <p:strVal val="#ppt_x"/>
+                                          </p:val>
+                                        </p:tav>
+                                      </p:tavLst>
+                                    </p:anim>
+                                    <p:anim calcmode="lin" valueType="num">
+                                      <p:cBhvr additive="base">
+                                        <p:cTn id="56" dur="500" fill="hold"/>
+                                        <p:tgtEl>
+                                          <p:spTgt spid="4">
+                                            <p:txEl>
+                                              <p:pRg st="7" end="7"/>
+                                            </p:txEl>
+                                          </p:spTgt>
+                                        </p:tgtEl>
+                                        <p:attrNameLst>
+                                          <p:attrName>ppt_y</p:attrName>
+                                        </p:attrNameLst>
+                                      </p:cBhvr>
+                                      <p:tavLst>
+                                        <p:tav tm="0">
+                                          <p:val>
+                                            <p:strVal val="1+#ppt_h/2"/>
+                                          </p:val>
+                                        </p:tav>
+                                        <p:tav tm="100000">
+                                          <p:val>
+                                            <p:strVal val="#ppt_y"/>
+                                          </p:val>
+                                        </p:tav>
+                                      </p:tavLst>
+                                    </p:anim>
+                                  </p:childTnLst>
+                                </p:cTn>
+                              </p:par>
+                              <p:par>
+                                <p:cTn id="57" presetID="2" presetClass="entr" presetSubtype="4" fill="hold" nodeType="withEffect">
+                                  <p:stCondLst>
+                                    <p:cond delay="0"/>
+                                  </p:stCondLst>
+                                  <p:childTnLst>
+                                    <p:set>
+                                      <p:cBhvr>
+                                        <p:cTn id="58" dur="1" fill="hold">
+                                          <p:stCondLst>
+                                            <p:cond delay="0"/>
+                                          </p:stCondLst>
+                                        </p:cTn>
+                                        <p:tgtEl>
+                                          <p:spTgt spid="4">
+                                            <p:txEl>
+                                              <p:pRg st="8" end="8"/>
+                                            </p:txEl>
+                                          </p:spTgt>
+                                        </p:tgtEl>
+                                        <p:attrNameLst>
+                                          <p:attrName>style.visibility</p:attrName>
+                                        </p:attrNameLst>
+                                      </p:cBhvr>
+                                      <p:to>
+                                        <p:strVal val="visible"/>
+                                      </p:to>
+                                    </p:set>
+                                    <p:anim calcmode="lin" valueType="num">
+                                      <p:cBhvr additive="base">
+                                        <p:cTn id="59" dur="500" fill="hold"/>
+                                        <p:tgtEl>
+                                          <p:spTgt spid="4">
+                                            <p:txEl>
+                                              <p:pRg st="8" end="8"/>
+                                            </p:txEl>
+                                          </p:spTgt>
+                                        </p:tgtEl>
+                                        <p:attrNameLst>
+                                          <p:attrName>ppt_x</p:attrName>
+                                        </p:attrNameLst>
+                                      </p:cBhvr>
+                                      <p:tavLst>
+                                        <p:tav tm="0">
+                                          <p:val>
+                                            <p:strVal val="#ppt_x"/>
+                                          </p:val>
+                                        </p:tav>
+                                        <p:tav tm="100000">
+                                          <p:val>
+                                            <p:strVal val="#ppt_x"/>
+                                          </p:val>
+                                        </p:tav>
+                                      </p:tavLst>
+                                    </p:anim>
+                                    <p:anim calcmode="lin" valueType="num">
+                                      <p:cBhvr additive="base">
+                                        <p:cTn id="60" dur="500" fill="hold"/>
+                                        <p:tgtEl>
+                                          <p:spTgt spid="4">
+                                            <p:txEl>
+                                              <p:pRg st="8" end="8"/>
+                                            </p:txEl>
+                                          </p:spTgt>
+                                        </p:tgtEl>
+                                        <p:attrNameLst>
+                                          <p:attrName>ppt_y</p:attrName>
+                                        </p:attrNameLst>
+                                      </p:cBhvr>
+                                      <p:tavLst>
+                                        <p:tav tm="0">
+                                          <p:val>
+                                            <p:strVal val="1+#ppt_h/2"/>
+                                          </p:val>
+                                        </p:tav>
+                                        <p:tav tm="100000">
+                                          <p:val>
+                                            <p:strVal val="#ppt_y"/>
+                                          </p:val>
+                                        </p:tav>
+                                      </p:tavLst>
+                                    </p:anim>
+                                  </p:childTnLst>
+                                </p:cTn>
+                              </p:par>
+                            </p:childTnLst>
+                          </p:cTn>
+                        </p:par>
+                      </p:childTnLst>
+                    </p:cTn>
+                  </p:par>
+                </p:childTnLst>
+              </p:cTn>
+              <p:prevCondLst>
+                <p:cond evt="onPrev" delay="0">
+                  <p:tgtEl>
+                    <p:sldTgt/>
+                  </p:tgtEl>
+                </p:cond>
+              </p:prevCondLst>
+              <p:nextCondLst>
+                <p:cond evt="onNext" delay="0">
+                  <p:tgtEl>
+                    <p:sldTgt/>
+                  </p:tgtEl>
+                </p:cond>
+              </p:nextCondLst>
+            </p:seq>
+          </p:childTnLst>
+        </p:cTn>
+      </p:par>
+    </p:tnLst>
+  </p:timing>
+</p:sld>
+</file>
+
+<file path=ppt/slides/slide25.xml><?xml version="1.0" encoding="utf-8"?>
+<p:sld xmlns:a="http://schemas.openxmlformats.org/drawingml/2006/main" xmlns:r="http://schemas.openxmlformats.org/officeDocument/2006/relationships" xmlns:p="http://schemas.openxmlformats.org/presentationml/2006/main">
+  <p:cSld>
+    <p:spTree>
+      <p:nvGrpSpPr>
+        <p:cNvPr id="1" name=""/>
+        <p:cNvGrpSpPr/>
+        <p:nvPr/>
+      </p:nvGrpSpPr>
+      <p:grpSpPr>
+        <a:xfrm>
+          <a:off x="0" y="0"/>
+          <a:ext cx="0" cy="0"/>
+          <a:chOff x="0" y="0"/>
+          <a:chExt cx="0" cy="0"/>
+        </a:xfrm>
+      </p:grpSpPr>
+      <p:sp>
+        <p:nvSpPr>
+          <p:cNvPr id="2" name="Title 1">
+            <a:extLst>
+              <a:ext uri="{FF2B5EF4-FFF2-40B4-BE49-F238E27FC236}">
+                <a16:creationId xmlns:a16="http://schemas.microsoft.com/office/drawing/2014/main" id="{F6EFE667-D260-4819-9B91-63FEC74B65DF}"/>
+              </a:ext>
+            </a:extLst>
+          </p:cNvPr>
+          <p:cNvSpPr>
+            <a:spLocks noGrp="1"/>
+          </p:cNvSpPr>
+          <p:nvPr>
+            <p:ph type="title"/>
+          </p:nvPr>
+        </p:nvSpPr>
+        <p:spPr>
+          <a:xfrm>
+            <a:off x="665550" y="382056"/>
+            <a:ext cx="1924389" cy="725210"/>
+          </a:xfrm>
+        </p:spPr>
+        <p:txBody>
+          <a:bodyPr/>
+          <a:lstStyle/>
+          <a:p>
+            <a:r>
+              <a:rPr lang="en-GB" dirty="0"/>
+              <a:t>ZADACI</a:t>
+            </a:r>
+          </a:p>
+        </p:txBody>
+      </p:sp>
+      <p:sp>
+        <p:nvSpPr>
+          <p:cNvPr id="3" name="Content Placeholder 2">
+            <a:extLst>
+              <a:ext uri="{FF2B5EF4-FFF2-40B4-BE49-F238E27FC236}">
+                <a16:creationId xmlns:a16="http://schemas.microsoft.com/office/drawing/2014/main" id="{0A9218F1-0370-4D46-80CA-E679D6AD0358}"/>
+              </a:ext>
+            </a:extLst>
+          </p:cNvPr>
+          <p:cNvSpPr>
+            <a:spLocks noGrp="1"/>
+          </p:cNvSpPr>
+          <p:nvPr>
+            <p:ph idx="1"/>
+          </p:nvPr>
+        </p:nvSpPr>
+        <p:spPr>
+          <a:xfrm>
+            <a:off x="439471" y="1107266"/>
+            <a:ext cx="9362370" cy="2596814"/>
+          </a:xfrm>
+        </p:spPr>
+        <p:txBody>
+          <a:bodyPr>
+            <a:normAutofit/>
+          </a:bodyPr>
+          <a:lstStyle/>
+          <a:p>
+            <a:r>
+              <a:rPr lang="en-GB" sz="2200" dirty="0">
+                <a:solidFill>
+                  <a:schemeClr val="tx1"/>
+                </a:solidFill>
+              </a:rPr>
+              <a:t>M</a:t>
+            </a:r>
+            <a:r>
+              <a:rPr lang="bs-Latn-BA" sz="2200" dirty="0">
+                <a:solidFill>
+                  <a:schemeClr val="tx1"/>
+                </a:solidFill>
+              </a:rPr>
+              <a:t>irjana i Lidija pjevaju u istom horu i pripremaju se za koncert. Mirjana ima 245 prijatelja na jednoj društvenoj mreži, dok ih Lidija ima 218. Kada je Mirjana pogledala Lidijin profil, vidje</a:t>
+            </a:r>
+            <a:r>
+              <a:rPr lang="en-GB" sz="2200" dirty="0">
+                <a:solidFill>
+                  <a:schemeClr val="tx1"/>
+                </a:solidFill>
+              </a:rPr>
+              <a:t>l</a:t>
+            </a:r>
+            <a:r>
+              <a:rPr lang="bs-Latn-BA" sz="2200" dirty="0">
+                <a:solidFill>
+                  <a:schemeClr val="tx1"/>
+                </a:solidFill>
+              </a:rPr>
+              <a:t>a je da imaju 114 zajedničkih prijatelja. Ako bi i jedna i druga pozvale sve svoje prijatelje sa te društvene mreže na koncert, koliko različitih ljudi bi dobilo taj poziv?</a:t>
+            </a:r>
+            <a:endParaRPr lang="en-GB" sz="2200" dirty="0">
+              <a:solidFill>
+                <a:schemeClr val="tx1"/>
+              </a:solidFill>
+            </a:endParaRPr>
+          </a:p>
+        </p:txBody>
+      </p:sp>
+      <p:sp>
+        <p:nvSpPr>
+          <p:cNvPr id="4" name="TextBox 3">
+            <a:extLst>
+              <a:ext uri="{FF2B5EF4-FFF2-40B4-BE49-F238E27FC236}">
+                <a16:creationId xmlns:a16="http://schemas.microsoft.com/office/drawing/2014/main" id="{5A827A34-FD40-435F-9C83-D2A5CCC26910}"/>
+              </a:ext>
+            </a:extLst>
+          </p:cNvPr>
+          <p:cNvSpPr txBox="1"/>
+          <p:nvPr/>
+        </p:nvSpPr>
+        <p:spPr>
+          <a:xfrm>
+            <a:off x="665550" y="3855720"/>
+            <a:ext cx="5293437" cy="2462213"/>
+          </a:xfrm>
+          <a:prstGeom prst="rect">
+            <a:avLst/>
+          </a:prstGeom>
+          <a:noFill/>
+        </p:spPr>
+        <p:txBody>
+          <a:bodyPr wrap="none" rtlCol="0">
+            <a:spAutoFit/>
+          </a:bodyPr>
+          <a:lstStyle/>
+          <a:p>
+            <a:r>
+              <a:rPr lang="en-GB" sz="2200" dirty="0" err="1"/>
+              <a:t>Drugo</a:t>
+            </a:r>
+            <a:r>
+              <a:rPr lang="bs-Latn-BA" sz="2200" dirty="0"/>
+              <a:t> r</a:t>
+            </a:r>
+            <a:r>
+              <a:rPr lang="en-GB" sz="2200" dirty="0"/>
+              <a:t>je</a:t>
+            </a:r>
+            <a:r>
+              <a:rPr lang="bs-Latn-BA" sz="2200" dirty="0"/>
+              <a:t>šenje:</a:t>
+            </a:r>
+          </a:p>
+          <a:p>
+            <a:endParaRPr lang="en-GB" sz="2200" dirty="0"/>
+          </a:p>
+          <a:p>
+            <a:r>
+              <a:rPr lang="en-GB" sz="2200" dirty="0" err="1"/>
+              <a:t>mirjanini</a:t>
+            </a:r>
+            <a:r>
+              <a:rPr lang="en-GB" sz="2200" dirty="0"/>
+              <a:t> = 245</a:t>
+            </a:r>
+          </a:p>
+          <a:p>
+            <a:r>
+              <a:rPr lang="en-GB" sz="2200" dirty="0" err="1"/>
+              <a:t>lidijini</a:t>
+            </a:r>
+            <a:r>
+              <a:rPr lang="en-GB" sz="2200" dirty="0"/>
+              <a:t> = 218</a:t>
+            </a:r>
+          </a:p>
+          <a:p>
+            <a:r>
+              <a:rPr lang="en-GB" sz="2200" dirty="0" err="1"/>
+              <a:t>zajednicki</a:t>
+            </a:r>
+            <a:r>
+              <a:rPr lang="en-GB" sz="2200" dirty="0"/>
+              <a:t> = 114</a:t>
+            </a:r>
+          </a:p>
+          <a:p>
+            <a:r>
+              <a:rPr lang="en-GB" sz="2200" dirty="0" err="1"/>
+              <a:t>ukupno</a:t>
+            </a:r>
+            <a:r>
+              <a:rPr lang="en-GB" sz="2200" dirty="0"/>
+              <a:t> = </a:t>
+            </a:r>
+            <a:r>
+              <a:rPr lang="en-GB" sz="2200" dirty="0" err="1"/>
+              <a:t>mirjanini</a:t>
+            </a:r>
+            <a:r>
+              <a:rPr lang="en-GB" sz="2200" dirty="0"/>
+              <a:t> + </a:t>
+            </a:r>
+            <a:r>
+              <a:rPr lang="en-GB" sz="2200" dirty="0" err="1"/>
+              <a:t>lidijini</a:t>
+            </a:r>
+            <a:r>
+              <a:rPr lang="en-GB" sz="2200" dirty="0"/>
+              <a:t> - </a:t>
+            </a:r>
+            <a:r>
+              <a:rPr lang="en-GB" sz="2200" dirty="0" err="1"/>
+              <a:t>zajednicki</a:t>
+            </a:r>
+            <a:endParaRPr lang="en-GB" sz="2200" dirty="0"/>
+          </a:p>
+          <a:p>
+            <a:r>
+              <a:rPr lang="en-GB" sz="2200" dirty="0"/>
+              <a:t>print(</a:t>
+            </a:r>
+            <a:r>
+              <a:rPr lang="en-GB" sz="2200" dirty="0" err="1"/>
+              <a:t>ukupno</a:t>
+            </a:r>
+            <a:r>
+              <a:rPr lang="en-GB" sz="2200" dirty="0"/>
+              <a:t>)</a:t>
+            </a:r>
+          </a:p>
+        </p:txBody>
+      </p:sp>
+    </p:spTree>
+    <p:extLst>
+      <p:ext uri="{BB962C8B-B14F-4D97-AF65-F5344CB8AC3E}">
+        <p14:creationId xmlns:p14="http://schemas.microsoft.com/office/powerpoint/2010/main" val="2877118470"/>
+      </p:ext>
+    </p:extLst>
+  </p:cSld>
+  <p:clrMapOvr>
+    <a:masterClrMapping/>
+  </p:clrMapOvr>
+  <p:transition spd="slow">
+    <p:randomBar dir="vert"/>
+  </p:transition>
+  <p:timing>
+    <p:tnLst>
+      <p:par>
+        <p:cTn id="1" dur="indefinite" restart="never" nodeType="tmRoot">
+          <p:childTnLst>
+            <p:seq concurrent="1" nextAc="seek">
+              <p:cTn id="2" dur="indefinite" nodeType="mainSeq">
+                <p:childTnLst>
+                  <p:par>
+                    <p:cTn id="3" fill="hold">
+                      <p:stCondLst>
+                        <p:cond delay="indefinite"/>
+                        <p:cond evt="onBegin" delay="0">
+                          <p:tn val="2"/>
+                        </p:cond>
+                      </p:stCondLst>
+                      <p:childTnLst>
+                        <p:par>
+                          <p:cTn id="4" fill="hold">
+                            <p:stCondLst>
+                              <p:cond delay="0"/>
+                            </p:stCondLst>
+                            <p:childTnLst>
+                              <p:par>
+                                <p:cTn id="5" presetID="2" presetClass="entr" presetSubtype="4" fill="hold" nodeType="afterEffect">
+                                  <p:stCondLst>
+                                    <p:cond delay="0"/>
+                                  </p:stCondLst>
+                                  <p:childTnLst>
+                                    <p:set>
+                                      <p:cBhvr>
+                                        <p:cTn id="6" dur="1" fill="hold">
+                                          <p:stCondLst>
+                                            <p:cond delay="0"/>
+                                          </p:stCondLst>
+                                        </p:cTn>
+                                        <p:tgtEl>
+                                          <p:spTgt spid="3">
+                                            <p:txEl>
+                                              <p:pRg st="0" end="0"/>
+                                            </p:txEl>
+                                          </p:spTgt>
+                                        </p:tgtEl>
+                                        <p:attrNameLst>
+                                          <p:attrName>style.visibility</p:attrName>
+                                        </p:attrNameLst>
+                                      </p:cBhvr>
+                                      <p:to>
+                                        <p:strVal val="visible"/>
+                                      </p:to>
+                                    </p:set>
+                                    <p:anim calcmode="lin" valueType="num">
+                                      <p:cBhvr additive="base">
+                                        <p:cTn id="7" dur="500" fill="hold"/>
+                                        <p:tgtEl>
+                                          <p:spTgt spid="3">
+                                            <p:txEl>
+                                              <p:pRg st="0" end="0"/>
+                                            </p:txEl>
+                                          </p:spTgt>
+                                        </p:tgtEl>
+                                        <p:attrNameLst>
+                                          <p:attrName>ppt_x</p:attrName>
+                                        </p:attrNameLst>
+                                      </p:cBhvr>
+                                      <p:tavLst>
+                                        <p:tav tm="0">
+                                          <p:val>
+                                            <p:strVal val="#ppt_x"/>
+                                          </p:val>
+                                        </p:tav>
+                                        <p:tav tm="100000">
+                                          <p:val>
+                                            <p:strVal val="#ppt_x"/>
+                                          </p:val>
+                                        </p:tav>
+                                      </p:tavLst>
+                                    </p:anim>
+                                    <p:anim calcmode="lin" valueType="num">
+                                      <p:cBhvr additive="base">
+                                        <p:cTn id="8" dur="500" fill="hold"/>
+                                        <p:tgtEl>
+                                          <p:spTgt spid="3">
+                                            <p:txEl>
+                                              <p:pRg st="0" end="0"/>
+                                            </p:txEl>
+                                          </p:spTgt>
+                                        </p:tgtEl>
+                                        <p:attrNameLst>
+                                          <p:attrName>ppt_y</p:attrName>
+                                        </p:attrNameLst>
+                                      </p:cBhvr>
+                                      <p:tavLst>
+                                        <p:tav tm="0">
+                                          <p:val>
+                                            <p:strVal val="1+#ppt_h/2"/>
+                                          </p:val>
+                                        </p:tav>
+                                        <p:tav tm="100000">
+                                          <p:val>
+                                            <p:strVal val="#ppt_y"/>
+                                          </p:val>
+                                        </p:tav>
+                                      </p:tavLst>
+                                    </p:anim>
+                                  </p:childTnLst>
+                                </p:cTn>
+                              </p:par>
+                            </p:childTnLst>
+                          </p:cTn>
+                        </p:par>
+                        <p:par>
+                          <p:cTn id="9" fill="hold">
+                            <p:stCondLst>
+                              <p:cond delay="500"/>
+                            </p:stCondLst>
+                            <p:childTnLst>
+                              <p:par>
+                                <p:cTn id="10" presetID="2" presetClass="entr" presetSubtype="4" fill="hold" nodeType="afterEffect">
+                                  <p:stCondLst>
+                                    <p:cond delay="0"/>
+                                  </p:stCondLst>
+                                  <p:childTnLst>
+                                    <p:set>
+                                      <p:cBhvr>
+                                        <p:cTn id="11" dur="1" fill="hold">
+                                          <p:stCondLst>
+                                            <p:cond delay="0"/>
+                                          </p:stCondLst>
+                                        </p:cTn>
+                                        <p:tgtEl>
+                                          <p:spTgt spid="4">
+                                            <p:txEl>
+                                              <p:pRg st="0" end="0"/>
+                                            </p:txEl>
+                                          </p:spTgt>
+                                        </p:tgtEl>
+                                        <p:attrNameLst>
+                                          <p:attrName>style.visibility</p:attrName>
+                                        </p:attrNameLst>
+                                      </p:cBhvr>
+                                      <p:to>
+                                        <p:strVal val="visible"/>
+                                      </p:to>
+                                    </p:set>
+                                    <p:anim calcmode="lin" valueType="num">
+                                      <p:cBhvr additive="base">
+                                        <p:cTn id="12" dur="500" fill="hold"/>
+                                        <p:tgtEl>
+                                          <p:spTgt spid="4">
+                                            <p:txEl>
+                                              <p:pRg st="0" end="0"/>
+                                            </p:txEl>
+                                          </p:spTgt>
+                                        </p:tgtEl>
+                                        <p:attrNameLst>
+                                          <p:attrName>ppt_x</p:attrName>
+                                        </p:attrNameLst>
+                                      </p:cBhvr>
+                                      <p:tavLst>
+                                        <p:tav tm="0">
+                                          <p:val>
+                                            <p:strVal val="#ppt_x"/>
+                                          </p:val>
+                                        </p:tav>
+                                        <p:tav tm="100000">
+                                          <p:val>
+                                            <p:strVal val="#ppt_x"/>
+                                          </p:val>
+                                        </p:tav>
+                                      </p:tavLst>
+                                    </p:anim>
+                                    <p:anim calcmode="lin" valueType="num">
+                                      <p:cBhvr additive="base">
+                                        <p:cTn id="13" dur="500" fill="hold"/>
+                                        <p:tgtEl>
+                                          <p:spTgt spid="4">
+                                            <p:txEl>
+                                              <p:pRg st="0" end="0"/>
+                                            </p:txEl>
+                                          </p:spTgt>
+                                        </p:tgtEl>
+                                        <p:attrNameLst>
+                                          <p:attrName>ppt_y</p:attrName>
+                                        </p:attrNameLst>
+                                      </p:cBhvr>
+                                      <p:tavLst>
+                                        <p:tav tm="0">
+                                          <p:val>
+                                            <p:strVal val="1+#ppt_h/2"/>
+                                          </p:val>
+                                        </p:tav>
+                                        <p:tav tm="100000">
+                                          <p:val>
+                                            <p:strVal val="#ppt_y"/>
+                                          </p:val>
+                                        </p:tav>
+                                      </p:tavLst>
+                                    </p:anim>
+                                  </p:childTnLst>
+                                </p:cTn>
+                              </p:par>
+                              <p:par>
+                                <p:cTn id="14" presetID="2" presetClass="entr" presetSubtype="4" fill="hold" nodeType="withEffect">
+                                  <p:stCondLst>
+                                    <p:cond delay="0"/>
+                                  </p:stCondLst>
+                                  <p:childTnLst>
+                                    <p:set>
+                                      <p:cBhvr>
+                                        <p:cTn id="15" dur="1" fill="hold">
+                                          <p:stCondLst>
+                                            <p:cond delay="0"/>
+                                          </p:stCondLst>
+                                        </p:cTn>
+                                        <p:tgtEl>
+                                          <p:spTgt spid="4">
+                                            <p:txEl>
+                                              <p:pRg st="6" end="6"/>
+                                            </p:txEl>
+                                          </p:spTgt>
+                                        </p:tgtEl>
+                                        <p:attrNameLst>
+                                          <p:attrName>style.visibility</p:attrName>
+                                        </p:attrNameLst>
+                                      </p:cBhvr>
+                                      <p:to>
+                                        <p:strVal val="visible"/>
+                                      </p:to>
+                                    </p:set>
+                                    <p:anim calcmode="lin" valueType="num">
+                                      <p:cBhvr additive="base">
+                                        <p:cTn id="16" dur="500" fill="hold"/>
+                                        <p:tgtEl>
+                                          <p:spTgt spid="4">
+                                            <p:txEl>
+                                              <p:pRg st="6" end="6"/>
+                                            </p:txEl>
+                                          </p:spTgt>
+                                        </p:tgtEl>
+                                        <p:attrNameLst>
+                                          <p:attrName>ppt_x</p:attrName>
+                                        </p:attrNameLst>
+                                      </p:cBhvr>
+                                      <p:tavLst>
+                                        <p:tav tm="0">
+                                          <p:val>
+                                            <p:strVal val="#ppt_x"/>
+                                          </p:val>
+                                        </p:tav>
+                                        <p:tav tm="100000">
+                                          <p:val>
+                                            <p:strVal val="#ppt_x"/>
+                                          </p:val>
+                                        </p:tav>
+                                      </p:tavLst>
+                                    </p:anim>
+                                    <p:anim calcmode="lin" valueType="num">
+                                      <p:cBhvr additive="base">
+                                        <p:cTn id="17" dur="500" fill="hold"/>
+                                        <p:tgtEl>
+                                          <p:spTgt spid="4">
+                                            <p:txEl>
+                                              <p:pRg st="6" end="6"/>
+                                            </p:txEl>
+                                          </p:spTgt>
+                                        </p:tgtEl>
+                                        <p:attrNameLst>
+                                          <p:attrName>ppt_y</p:attrName>
+                                        </p:attrNameLst>
+                                      </p:cBhvr>
+                                      <p:tavLst>
+                                        <p:tav tm="0">
+                                          <p:val>
+                                            <p:strVal val="1+#ppt_h/2"/>
+                                          </p:val>
+                                        </p:tav>
+                                        <p:tav tm="100000">
+                                          <p:val>
+                                            <p:strVal val="#ppt_y"/>
+                                          </p:val>
+                                        </p:tav>
+                                      </p:tavLst>
+                                    </p:anim>
+                                  </p:childTnLst>
+                                </p:cTn>
+                              </p:par>
+                              <p:par>
+                                <p:cTn id="18" presetID="2" presetClass="entr" presetSubtype="4" fill="hold" nodeType="withEffect">
+                                  <p:stCondLst>
+                                    <p:cond delay="0"/>
+                                  </p:stCondLst>
+                                  <p:childTnLst>
+                                    <p:set>
+                                      <p:cBhvr>
+                                        <p:cTn id="19" dur="1" fill="hold">
+                                          <p:stCondLst>
+                                            <p:cond delay="0"/>
+                                          </p:stCondLst>
+                                        </p:cTn>
+                                        <p:tgtEl>
+                                          <p:spTgt spid="4">
+                                            <p:txEl>
+                                              <p:pRg st="2" end="2"/>
+                                            </p:txEl>
+                                          </p:spTgt>
+                                        </p:tgtEl>
+                                        <p:attrNameLst>
+                                          <p:attrName>style.visibility</p:attrName>
+                                        </p:attrNameLst>
+                                      </p:cBhvr>
+                                      <p:to>
+                                        <p:strVal val="visible"/>
+                                      </p:to>
+                                    </p:set>
+                                    <p:anim calcmode="lin" valueType="num">
+                                      <p:cBhvr additive="base">
+                                        <p:cTn id="20" dur="500" fill="hold"/>
+                                        <p:tgtEl>
+                                          <p:spTgt spid="4">
+                                            <p:txEl>
+                                              <p:pRg st="2" end="2"/>
+                                            </p:txEl>
+                                          </p:spTgt>
+                                        </p:tgtEl>
+                                        <p:attrNameLst>
+                                          <p:attrName>ppt_x</p:attrName>
+                                        </p:attrNameLst>
+                                      </p:cBhvr>
+                                      <p:tavLst>
+                                        <p:tav tm="0">
+                                          <p:val>
+                                            <p:strVal val="#ppt_x"/>
+                                          </p:val>
+                                        </p:tav>
+                                        <p:tav tm="100000">
+                                          <p:val>
+                                            <p:strVal val="#ppt_x"/>
+                                          </p:val>
+                                        </p:tav>
+                                      </p:tavLst>
+                                    </p:anim>
+                                    <p:anim calcmode="lin" valueType="num">
+                                      <p:cBhvr additive="base">
+                                        <p:cTn id="21" dur="500" fill="hold"/>
+                                        <p:tgtEl>
+                                          <p:spTgt spid="4">
+                                            <p:txEl>
+                                              <p:pRg st="2" end="2"/>
+                                            </p:txEl>
+                                          </p:spTgt>
+                                        </p:tgtEl>
+                                        <p:attrNameLst>
+                                          <p:attrName>ppt_y</p:attrName>
+                                        </p:attrNameLst>
+                                      </p:cBhvr>
+                                      <p:tavLst>
+                                        <p:tav tm="0">
+                                          <p:val>
+                                            <p:strVal val="1+#ppt_h/2"/>
+                                          </p:val>
+                                        </p:tav>
+                                        <p:tav tm="100000">
+                                          <p:val>
+                                            <p:strVal val="#ppt_y"/>
+                                          </p:val>
+                                        </p:tav>
+                                      </p:tavLst>
+                                    </p:anim>
+                                  </p:childTnLst>
+                                </p:cTn>
+                              </p:par>
+                              <p:par>
+                                <p:cTn id="22" presetID="2" presetClass="entr" presetSubtype="4" fill="hold" nodeType="withEffect">
+                                  <p:stCondLst>
+                                    <p:cond delay="0"/>
+                                  </p:stCondLst>
+                                  <p:childTnLst>
+                                    <p:set>
+                                      <p:cBhvr>
+                                        <p:cTn id="23" dur="1" fill="hold">
+                                          <p:stCondLst>
+                                            <p:cond delay="0"/>
+                                          </p:stCondLst>
+                                        </p:cTn>
+                                        <p:tgtEl>
+                                          <p:spTgt spid="4">
+                                            <p:txEl>
+                                              <p:pRg st="3" end="3"/>
+                                            </p:txEl>
+                                          </p:spTgt>
+                                        </p:tgtEl>
+                                        <p:attrNameLst>
+                                          <p:attrName>style.visibility</p:attrName>
+                                        </p:attrNameLst>
+                                      </p:cBhvr>
+                                      <p:to>
+                                        <p:strVal val="visible"/>
+                                      </p:to>
+                                    </p:set>
+                                    <p:anim calcmode="lin" valueType="num">
+                                      <p:cBhvr additive="base">
+                                        <p:cTn id="24" dur="500" fill="hold"/>
+                                        <p:tgtEl>
+                                          <p:spTgt spid="4">
+                                            <p:txEl>
+                                              <p:pRg st="3" end="3"/>
+                                            </p:txEl>
+                                          </p:spTgt>
+                                        </p:tgtEl>
+                                        <p:attrNameLst>
+                                          <p:attrName>ppt_x</p:attrName>
+                                        </p:attrNameLst>
+                                      </p:cBhvr>
+                                      <p:tavLst>
+                                        <p:tav tm="0">
+                                          <p:val>
+                                            <p:strVal val="#ppt_x"/>
+                                          </p:val>
+                                        </p:tav>
+                                        <p:tav tm="100000">
+                                          <p:val>
+                                            <p:strVal val="#ppt_x"/>
+                                          </p:val>
+                                        </p:tav>
+                                      </p:tavLst>
+                                    </p:anim>
+                                    <p:anim calcmode="lin" valueType="num">
+                                      <p:cBhvr additive="base">
+                                        <p:cTn id="25" dur="500" fill="hold"/>
+                                        <p:tgtEl>
+                                          <p:spTgt spid="4">
+                                            <p:txEl>
+                                              <p:pRg st="3" end="3"/>
+                                            </p:txEl>
+                                          </p:spTgt>
+                                        </p:tgtEl>
+                                        <p:attrNameLst>
+                                          <p:attrName>ppt_y</p:attrName>
+                                        </p:attrNameLst>
+                                      </p:cBhvr>
+                                      <p:tavLst>
+                                        <p:tav tm="0">
+                                          <p:val>
+                                            <p:strVal val="1+#ppt_h/2"/>
+                                          </p:val>
+                                        </p:tav>
+                                        <p:tav tm="100000">
+                                          <p:val>
+                                            <p:strVal val="#ppt_y"/>
+                                          </p:val>
+                                        </p:tav>
+                                      </p:tavLst>
+                                    </p:anim>
+                                  </p:childTnLst>
+                                </p:cTn>
+                              </p:par>
+                              <p:par>
+                                <p:cTn id="26" presetID="2" presetClass="entr" presetSubtype="4" fill="hold" nodeType="withEffect">
+                                  <p:stCondLst>
+                                    <p:cond delay="0"/>
+                                  </p:stCondLst>
+                                  <p:childTnLst>
+                                    <p:set>
+                                      <p:cBhvr>
+                                        <p:cTn id="27" dur="1" fill="hold">
+                                          <p:stCondLst>
+                                            <p:cond delay="0"/>
+                                          </p:stCondLst>
+                                        </p:cTn>
+                                        <p:tgtEl>
+                                          <p:spTgt spid="4">
+                                            <p:txEl>
+                                              <p:pRg st="4" end="4"/>
+                                            </p:txEl>
+                                          </p:spTgt>
+                                        </p:tgtEl>
+                                        <p:attrNameLst>
+                                          <p:attrName>style.visibility</p:attrName>
+                                        </p:attrNameLst>
+                                      </p:cBhvr>
+                                      <p:to>
+                                        <p:strVal val="visible"/>
+                                      </p:to>
+                                    </p:set>
+                                    <p:anim calcmode="lin" valueType="num">
+                                      <p:cBhvr additive="base">
+                                        <p:cTn id="28" dur="500" fill="hold"/>
+                                        <p:tgtEl>
+                                          <p:spTgt spid="4">
+                                            <p:txEl>
+                                              <p:pRg st="4" end="4"/>
+                                            </p:txEl>
+                                          </p:spTgt>
+                                        </p:tgtEl>
+                                        <p:attrNameLst>
+                                          <p:attrName>ppt_x</p:attrName>
+                                        </p:attrNameLst>
+                                      </p:cBhvr>
+                                      <p:tavLst>
+                                        <p:tav tm="0">
+                                          <p:val>
+                                            <p:strVal val="#ppt_x"/>
+                                          </p:val>
+                                        </p:tav>
+                                        <p:tav tm="100000">
+                                          <p:val>
+                                            <p:strVal val="#ppt_x"/>
+                                          </p:val>
+                                        </p:tav>
+                                      </p:tavLst>
+                                    </p:anim>
+                                    <p:anim calcmode="lin" valueType="num">
+                                      <p:cBhvr additive="base">
+                                        <p:cTn id="29" dur="500" fill="hold"/>
+                                        <p:tgtEl>
+                                          <p:spTgt spid="4">
+                                            <p:txEl>
+                                              <p:pRg st="4" end="4"/>
+                                            </p:txEl>
+                                          </p:spTgt>
+                                        </p:tgtEl>
+                                        <p:attrNameLst>
+                                          <p:attrName>ppt_y</p:attrName>
+                                        </p:attrNameLst>
+                                      </p:cBhvr>
+                                      <p:tavLst>
+                                        <p:tav tm="0">
+                                          <p:val>
+                                            <p:strVal val="1+#ppt_h/2"/>
+                                          </p:val>
+                                        </p:tav>
+                                        <p:tav tm="100000">
+                                          <p:val>
+                                            <p:strVal val="#ppt_y"/>
+                                          </p:val>
+                                        </p:tav>
+                                      </p:tavLst>
+                                    </p:anim>
+                                  </p:childTnLst>
+                                </p:cTn>
+                              </p:par>
+                              <p:par>
+                                <p:cTn id="30" presetID="2" presetClass="entr" presetSubtype="4" fill="hold" nodeType="withEffect">
+                                  <p:stCondLst>
+                                    <p:cond delay="0"/>
+                                  </p:stCondLst>
+                                  <p:childTnLst>
+                                    <p:set>
+                                      <p:cBhvr>
+                                        <p:cTn id="31" dur="1" fill="hold">
+                                          <p:stCondLst>
+                                            <p:cond delay="0"/>
+                                          </p:stCondLst>
+                                        </p:cTn>
+                                        <p:tgtEl>
+                                          <p:spTgt spid="4">
+                                            <p:txEl>
+                                              <p:pRg st="5" end="5"/>
+                                            </p:txEl>
+                                          </p:spTgt>
+                                        </p:tgtEl>
+                                        <p:attrNameLst>
+                                          <p:attrName>style.visibility</p:attrName>
+                                        </p:attrNameLst>
+                                      </p:cBhvr>
+                                      <p:to>
+                                        <p:strVal val="visible"/>
+                                      </p:to>
+                                    </p:set>
+                                    <p:anim calcmode="lin" valueType="num">
+                                      <p:cBhvr additive="base">
+                                        <p:cTn id="32" dur="500" fill="hold"/>
+                                        <p:tgtEl>
+                                          <p:spTgt spid="4">
+                                            <p:txEl>
+                                              <p:pRg st="5" end="5"/>
+                                            </p:txEl>
+                                          </p:spTgt>
+                                        </p:tgtEl>
+                                        <p:attrNameLst>
+                                          <p:attrName>ppt_x</p:attrName>
+                                        </p:attrNameLst>
+                                      </p:cBhvr>
+                                      <p:tavLst>
+                                        <p:tav tm="0">
+                                          <p:val>
+                                            <p:strVal val="#ppt_x"/>
+                                          </p:val>
+                                        </p:tav>
+                                        <p:tav tm="100000">
+                                          <p:val>
+                                            <p:strVal val="#ppt_x"/>
+                                          </p:val>
+                                        </p:tav>
+                                      </p:tavLst>
+                                    </p:anim>
+                                    <p:anim calcmode="lin" valueType="num">
+                                      <p:cBhvr additive="base">
+                                        <p:cTn id="33" dur="500" fill="hold"/>
+                                        <p:tgtEl>
+                                          <p:spTgt spid="4">
+                                            <p:txEl>
+                                              <p:pRg st="5" end="5"/>
+                                            </p:txEl>
+                                          </p:spTgt>
+                                        </p:tgtEl>
+                                        <p:attrNameLst>
+                                          <p:attrName>ppt_y</p:attrName>
+                                        </p:attrNameLst>
+                                      </p:cBhvr>
+                                      <p:tavLst>
+                                        <p:tav tm="0">
+                                          <p:val>
+                                            <p:strVal val="1+#ppt_h/2"/>
+                                          </p:val>
+                                        </p:tav>
+                                        <p:tav tm="100000">
+                                          <p:val>
+                                            <p:strVal val="#ppt_y"/>
+                                          </p:val>
+                                        </p:tav>
+                                      </p:tavLst>
+                                    </p:anim>
                                   </p:childTnLst>
                                 </p:cTn>
                               </p:par>
